--- a/CONCRETE PPT.pptx
+++ b/CONCRETE PPT.pptx
@@ -24,8 +24,8 @@
     <p:sldId id="293" r:id="rId12"/>
     <p:sldId id="294" r:id="rId13"/>
     <p:sldId id="295" r:id="rId14"/>
-    <p:sldId id="296" r:id="rId15"/>
-    <p:sldId id="286" r:id="rId16"/>
+    <p:sldId id="286" r:id="rId15"/>
+    <p:sldId id="296" r:id="rId16"/>
     <p:sldId id="285" r:id="rId17"/>
     <p:sldId id="264" r:id="rId18"/>
     <p:sldId id="265" r:id="rId19"/>
@@ -138,6 +138,50 @@
     </a:lvl9pPr>
   </p:defaultTextStyle>
   <p:extLst>
+    <p:ext uri="{521415D9-36F7-43E2-AB2F-B90AF26B5E84}">
+      <p14:sectionLst xmlns:p14="http://schemas.microsoft.com/office/powerpoint/2010/main">
+        <p14:section name="Default Section" id="{A301D622-9BA3-4198-93C1-123FDA021E82}">
+          <p14:sldIdLst>
+            <p14:sldId id="256"/>
+            <p14:sldId id="289"/>
+            <p14:sldId id="288"/>
+            <p14:sldId id="297"/>
+            <p14:sldId id="298"/>
+            <p14:sldId id="291"/>
+            <p14:sldId id="287"/>
+            <p14:sldId id="273"/>
+            <p14:sldId id="282"/>
+          </p14:sldIdLst>
+        </p14:section>
+        <p14:section name="Untitled Section" id="{48C33167-D626-430A-B018-671F3051FB53}">
+          <p14:sldIdLst>
+            <p14:sldId id="292"/>
+            <p14:sldId id="293"/>
+            <p14:sldId id="294"/>
+            <p14:sldId id="295"/>
+            <p14:sldId id="286"/>
+            <p14:sldId id="296"/>
+            <p14:sldId id="285"/>
+          </p14:sldIdLst>
+        </p14:section>
+        <p14:section name="Untitled Section" id="{EC5C3417-9F95-4BF6-B3EB-19F0A0DA0FC0}">
+          <p14:sldIdLst>
+            <p14:sldId id="264"/>
+            <p14:sldId id="265"/>
+            <p14:sldId id="266"/>
+            <p14:sldId id="268"/>
+            <p14:sldId id="272"/>
+            <p14:sldId id="277"/>
+            <p14:sldId id="281"/>
+            <p14:sldId id="280"/>
+            <p14:sldId id="279"/>
+            <p14:sldId id="278"/>
+            <p14:sldId id="274"/>
+            <p14:sldId id="275"/>
+          </p14:sldIdLst>
+        </p14:section>
+      </p14:sectionLst>
+    </p:ext>
     <p:ext uri="{EFAFB233-063F-42B5-8137-9DF3F51BA10A}">
       <p15:sldGuideLst xmlns:p15="http://schemas.microsoft.com/office/powerpoint/2012/main"/>
     </p:ext>
@@ -148,12 +192,8049 @@
 <file path=ppt/revisionInfo.xml><?xml version="1.0" encoding="utf-8"?>
 <p1510:revInfo xmlns:a="http://schemas.openxmlformats.org/drawingml/2006/main" xmlns:r="http://schemas.openxmlformats.org/officeDocument/2006/relationships" xmlns:p1510="http://schemas.microsoft.com/office/powerpoint/2015/10/main">
   <p1510:revLst>
-    <p1510:client id="{0FC18F6C-CAD3-41F1-AFD8-2FDF14F12D0D}" v="185" dt="2024-02-01T17:48:29.436"/>
-    <p1510:client id="{6FE578CA-9ADE-464B-BED3-A49D046D6ECF}" v="48" dt="2024-02-01T12:32:31.464"/>
-    <p1510:client id="{C086426E-0C7D-42A7-A957-92C2176DB329}" v="2079" dt="2024-02-01T17:03:24.460"/>
-    <p1510:client id="{D8C36859-47BC-4617-9AF9-D2200EE05A8E}" v="24" dt="2024-02-01T15:41:52.199"/>
+    <p1510:client id="{8C8953A8-B4E7-4765-9EA5-385AA97FEAED}" v="6" dt="2024-02-21T19:01:00.330"/>
   </p1510:revLst>
 </p1510:revInfo>
+</file>
+
+<file path=ppt/changesInfos/changesInfo1.xml><?xml version="1.0" encoding="utf-8"?>
+<pc:chgInfo xmlns:a="http://schemas.openxmlformats.org/drawingml/2006/main" xmlns:r="http://schemas.openxmlformats.org/officeDocument/2006/relationships" xmlns:ac="http://schemas.microsoft.com/office/drawing/2013/main/command" xmlns:pc="http://schemas.microsoft.com/office/powerpoint/2013/main/command">
+  <pc:docChgLst>
+    <pc:chgData name="Guest User" providerId="Windows Live" clId="Web-{1FFCC954-5938-4EF3-A9D6-C60E45AE6016}"/>
+    <pc:docChg chg="delSld modSld">
+      <pc:chgData name="Guest User" userId="" providerId="Windows Live" clId="Web-{1FFCC954-5938-4EF3-A9D6-C60E45AE6016}" dt="2024-01-30T03:17:12.808" v="8" actId="1076"/>
+      <pc:docMkLst>
+        <pc:docMk/>
+      </pc:docMkLst>
+      <pc:sldChg chg="modSp">
+        <pc:chgData name="Guest User" userId="" providerId="Windows Live" clId="Web-{1FFCC954-5938-4EF3-A9D6-C60E45AE6016}" dt="2024-01-30T03:17:12.808" v="8" actId="1076"/>
+        <pc:sldMkLst>
+          <pc:docMk/>
+          <pc:sldMk cId="283086270" sldId="264"/>
+        </pc:sldMkLst>
+        <pc:spChg chg="mod">
+          <ac:chgData name="Guest User" userId="" providerId="Windows Live" clId="Web-{1FFCC954-5938-4EF3-A9D6-C60E45AE6016}" dt="2024-01-30T03:17:12.808" v="8" actId="1076"/>
+          <ac:spMkLst>
+            <pc:docMk/>
+            <pc:sldMk cId="283086270" sldId="264"/>
+            <ac:spMk id="4" creationId="{5296B14F-0A0B-A394-4145-7E8BCC8E9C4D}"/>
+          </ac:spMkLst>
+        </pc:spChg>
+        <pc:graphicFrameChg chg="mod">
+          <ac:chgData name="Guest User" userId="" providerId="Windows Live" clId="Web-{1FFCC954-5938-4EF3-A9D6-C60E45AE6016}" dt="2024-01-30T03:16:34.589" v="2" actId="1076"/>
+          <ac:graphicFrameMkLst>
+            <pc:docMk/>
+            <pc:sldMk cId="283086270" sldId="264"/>
+            <ac:graphicFrameMk id="2" creationId="{797394AB-A8D4-F8A5-13C6-2892FC27C87A}"/>
+          </ac:graphicFrameMkLst>
+        </pc:graphicFrameChg>
+      </pc:sldChg>
+      <pc:sldChg chg="del">
+        <pc:chgData name="Guest User" userId="" providerId="Windows Live" clId="Web-{1FFCC954-5938-4EF3-A9D6-C60E45AE6016}" dt="2024-01-30T03:16:20.651" v="1"/>
+        <pc:sldMkLst>
+          <pc:docMk/>
+          <pc:sldMk cId="3368940407" sldId="267"/>
+        </pc:sldMkLst>
+      </pc:sldChg>
+    </pc:docChg>
+  </pc:docChgLst>
+  <pc:docChgLst>
+    <pc:chgData name="kothamanikanta2@outlook.com" userId="fee3ba77f589661d" providerId="LiveId" clId="{C086426E-0C7D-42A7-A957-92C2176DB329}"/>
+    <pc:docChg chg="undo custSel addSld delSld modSld sldOrd modMainMaster addSection delSection">
+      <pc:chgData name="kothamanikanta2@outlook.com" userId="fee3ba77f589661d" providerId="LiveId" clId="{C086426E-0C7D-42A7-A957-92C2176DB329}" dt="2024-02-11T14:38:34.364" v="7933"/>
+      <pc:docMkLst>
+        <pc:docMk/>
+      </pc:docMkLst>
+      <pc:sldChg chg="addSp delSp modSp mod setBg">
+        <pc:chgData name="kothamanikanta2@outlook.com" userId="fee3ba77f589661d" providerId="LiveId" clId="{C086426E-0C7D-42A7-A957-92C2176DB329}" dt="2024-02-01T15:47:28.926" v="5863" actId="20577"/>
+        <pc:sldMkLst>
+          <pc:docMk/>
+          <pc:sldMk cId="4260394364" sldId="256"/>
+        </pc:sldMkLst>
+        <pc:spChg chg="add mod">
+          <ac:chgData name="kothamanikanta2@outlook.com" userId="fee3ba77f589661d" providerId="LiveId" clId="{C086426E-0C7D-42A7-A957-92C2176DB329}" dt="2023-11-22T11:14:49.185" v="1854" actId="207"/>
+          <ac:spMkLst>
+            <pc:docMk/>
+            <pc:sldMk cId="4260394364" sldId="256"/>
+            <ac:spMk id="2" creationId="{9E424393-3437-30CD-A74B-5937D270E534}"/>
+          </ac:spMkLst>
+        </pc:spChg>
+        <pc:spChg chg="add del mod">
+          <ac:chgData name="kothamanikanta2@outlook.com" userId="fee3ba77f589661d" providerId="LiveId" clId="{C086426E-0C7D-42A7-A957-92C2176DB329}" dt="2023-11-26T13:08:38.538" v="3749" actId="478"/>
+          <ac:spMkLst>
+            <pc:docMk/>
+            <pc:sldMk cId="4260394364" sldId="256"/>
+            <ac:spMk id="5" creationId="{A5F72A42-D610-60EF-375C-3D045C609D1C}"/>
+          </ac:spMkLst>
+        </pc:spChg>
+        <pc:spChg chg="add del mod">
+          <ac:chgData name="kothamanikanta2@outlook.com" userId="fee3ba77f589661d" providerId="LiveId" clId="{C086426E-0C7D-42A7-A957-92C2176DB329}" dt="2023-11-27T14:49:10.938" v="4062" actId="478"/>
+          <ac:spMkLst>
+            <pc:docMk/>
+            <pc:sldMk cId="4260394364" sldId="256"/>
+            <ac:spMk id="5" creationId="{FF2006E6-1A5F-52E6-B7DC-D42E4BE1828D}"/>
+          </ac:spMkLst>
+        </pc:spChg>
+        <pc:spChg chg="add del mod">
+          <ac:chgData name="kothamanikanta2@outlook.com" userId="fee3ba77f589661d" providerId="LiveId" clId="{C086426E-0C7D-42A7-A957-92C2176DB329}" dt="2023-11-22T07:57:18.890" v="1008"/>
+          <ac:spMkLst>
+            <pc:docMk/>
+            <pc:sldMk cId="4260394364" sldId="256"/>
+            <ac:spMk id="6" creationId="{67DE599C-9E58-0DBD-654D-9E6D72635B82}"/>
+          </ac:spMkLst>
+        </pc:spChg>
+        <pc:spChg chg="mod">
+          <ac:chgData name="kothamanikanta2@outlook.com" userId="fee3ba77f589661d" providerId="LiveId" clId="{C086426E-0C7D-42A7-A957-92C2176DB329}" dt="2023-11-26T14:21:21.800" v="3776" actId="1076"/>
+          <ac:spMkLst>
+            <pc:docMk/>
+            <pc:sldMk cId="4260394364" sldId="256"/>
+            <ac:spMk id="44" creationId="{013AAACF-D639-04CE-E0A3-F5C2AF5D29BF}"/>
+          </ac:spMkLst>
+        </pc:spChg>
+        <pc:spChg chg="mod">
+          <ac:chgData name="kothamanikanta2@outlook.com" userId="fee3ba77f589661d" providerId="LiveId" clId="{C086426E-0C7D-42A7-A957-92C2176DB329}" dt="2024-02-01T15:47:28.926" v="5863" actId="20577"/>
+          <ac:spMkLst>
+            <pc:docMk/>
+            <pc:sldMk cId="4260394364" sldId="256"/>
+            <ac:spMk id="45" creationId="{E9B2F742-D846-388D-FC1E-89639D67AE9A}"/>
+          </ac:spMkLst>
+        </pc:spChg>
+        <pc:picChg chg="add mod">
+          <ac:chgData name="kothamanikanta2@outlook.com" userId="fee3ba77f589661d" providerId="LiveId" clId="{C086426E-0C7D-42A7-A957-92C2176DB329}" dt="2023-11-22T08:01:40.068" v="1020" actId="14100"/>
+          <ac:picMkLst>
+            <pc:docMk/>
+            <pc:sldMk cId="4260394364" sldId="256"/>
+            <ac:picMk id="3" creationId="{B80F0153-33BB-708A-1290-863FAEC7C274}"/>
+          </ac:picMkLst>
+        </pc:picChg>
+        <pc:picChg chg="add del mod">
+          <ac:chgData name="kothamanikanta2@outlook.com" userId="fee3ba77f589661d" providerId="LiveId" clId="{C086426E-0C7D-42A7-A957-92C2176DB329}" dt="2023-11-22T07:49:00.504" v="989" actId="478"/>
+          <ac:picMkLst>
+            <pc:docMk/>
+            <pc:sldMk cId="4260394364" sldId="256"/>
+            <ac:picMk id="5" creationId="{357FE99D-9FA6-E4B6-7704-C98CB58BE36C}"/>
+          </ac:picMkLst>
+        </pc:picChg>
+        <pc:picChg chg="del mod">
+          <ac:chgData name="kothamanikanta2@outlook.com" userId="fee3ba77f589661d" providerId="LiveId" clId="{C086426E-0C7D-42A7-A957-92C2176DB329}" dt="2024-02-01T15:39:56.620" v="5845" actId="478"/>
+          <ac:picMkLst>
+            <pc:docMk/>
+            <pc:sldMk cId="4260394364" sldId="256"/>
+            <ac:picMk id="6" creationId="{49B3D74A-416D-3A83-6B39-686109335AFA}"/>
+          </ac:picMkLst>
+        </pc:picChg>
+        <pc:picChg chg="add mod">
+          <ac:chgData name="kothamanikanta2@outlook.com" userId="fee3ba77f589661d" providerId="LiveId" clId="{C086426E-0C7D-42A7-A957-92C2176DB329}" dt="2024-02-01T15:42:59.461" v="5859" actId="14100"/>
+          <ac:picMkLst>
+            <pc:docMk/>
+            <pc:sldMk cId="4260394364" sldId="256"/>
+            <ac:picMk id="8" creationId="{B521FE1E-FFBB-A7A8-0CF7-9A4CDE1FFFCE}"/>
+          </ac:picMkLst>
+        </pc:picChg>
+      </pc:sldChg>
+      <pc:sldChg chg="modSp del mod setBg">
+        <pc:chgData name="kothamanikanta2@outlook.com" userId="fee3ba77f589661d" providerId="LiveId" clId="{C086426E-0C7D-42A7-A957-92C2176DB329}" dt="2024-02-01T15:47:00.828" v="5860" actId="47"/>
+        <pc:sldMkLst>
+          <pc:docMk/>
+          <pc:sldMk cId="1694635106" sldId="257"/>
+        </pc:sldMkLst>
+        <pc:spChg chg="mod">
+          <ac:chgData name="kothamanikanta2@outlook.com" userId="fee3ba77f589661d" providerId="LiveId" clId="{C086426E-0C7D-42A7-A957-92C2176DB329}" dt="2023-11-25T06:55:15.574" v="2933" actId="1036"/>
+          <ac:spMkLst>
+            <pc:docMk/>
+            <pc:sldMk cId="1694635106" sldId="257"/>
+            <ac:spMk id="2" creationId="{F1A022C9-F9BC-4B70-C9DA-2334BFA1EC5D}"/>
+          </ac:spMkLst>
+        </pc:spChg>
+        <pc:spChg chg="mod">
+          <ac:chgData name="kothamanikanta2@outlook.com" userId="fee3ba77f589661d" providerId="LiveId" clId="{C086426E-0C7D-42A7-A957-92C2176DB329}" dt="2023-11-25T10:04:00.633" v="3024"/>
+          <ac:spMkLst>
+            <pc:docMk/>
+            <pc:sldMk cId="1694635106" sldId="257"/>
+            <ac:spMk id="11" creationId="{3EDD9955-F0AE-8C45-01FC-AB3508484B08}"/>
+          </ac:spMkLst>
+        </pc:spChg>
+        <pc:spChg chg="mod">
+          <ac:chgData name="kothamanikanta2@outlook.com" userId="fee3ba77f589661d" providerId="LiveId" clId="{C086426E-0C7D-42A7-A957-92C2176DB329}" dt="2023-11-25T10:04:05.341" v="3025"/>
+          <ac:spMkLst>
+            <pc:docMk/>
+            <pc:sldMk cId="1694635106" sldId="257"/>
+            <ac:spMk id="15" creationId="{BEF52B5C-EB38-720E-D838-CEEB54EC5227}"/>
+          </ac:spMkLst>
+        </pc:spChg>
+        <pc:spChg chg="mod">
+          <ac:chgData name="kothamanikanta2@outlook.com" userId="fee3ba77f589661d" providerId="LiveId" clId="{C086426E-0C7D-42A7-A957-92C2176DB329}" dt="2023-11-25T10:04:07.861" v="3026"/>
+          <ac:spMkLst>
+            <pc:docMk/>
+            <pc:sldMk cId="1694635106" sldId="257"/>
+            <ac:spMk id="17" creationId="{AA0E5C5A-522F-7267-D1CC-3839098796EC}"/>
+          </ac:spMkLst>
+        </pc:spChg>
+        <pc:picChg chg="mod">
+          <ac:chgData name="kothamanikanta2@outlook.com" userId="fee3ba77f589661d" providerId="LiveId" clId="{C086426E-0C7D-42A7-A957-92C2176DB329}" dt="2023-11-26T13:02:49.108" v="3740" actId="1038"/>
+          <ac:picMkLst>
+            <pc:docMk/>
+            <pc:sldMk cId="1694635106" sldId="257"/>
+            <ac:picMk id="8" creationId="{9AC9EEEE-3469-3A78-E926-80F78042979F}"/>
+          </ac:picMkLst>
+        </pc:picChg>
+      </pc:sldChg>
+      <pc:sldChg chg="addSp delSp modSp new mod setBg modAnim">
+        <pc:chgData name="kothamanikanta2@outlook.com" userId="fee3ba77f589661d" providerId="LiveId" clId="{C086426E-0C7D-42A7-A957-92C2176DB329}" dt="2024-01-24T15:57:07.846" v="4735" actId="14100"/>
+        <pc:sldMkLst>
+          <pc:docMk/>
+          <pc:sldMk cId="180968550" sldId="258"/>
+        </pc:sldMkLst>
+        <pc:spChg chg="del">
+          <ac:chgData name="kothamanikanta2@outlook.com" userId="fee3ba77f589661d" providerId="LiveId" clId="{C086426E-0C7D-42A7-A957-92C2176DB329}" dt="2023-10-16T11:24:04.705" v="7" actId="478"/>
+          <ac:spMkLst>
+            <pc:docMk/>
+            <pc:sldMk cId="180968550" sldId="258"/>
+            <ac:spMk id="2" creationId="{1C7FCCF5-C609-3680-3C24-5E80B4827F3F}"/>
+          </ac:spMkLst>
+        </pc:spChg>
+        <pc:spChg chg="add mod">
+          <ac:chgData name="kothamanikanta2@outlook.com" userId="fee3ba77f589661d" providerId="LiveId" clId="{C086426E-0C7D-42A7-A957-92C2176DB329}" dt="2023-11-01T07:37:20.485" v="91" actId="1076"/>
+          <ac:spMkLst>
+            <pc:docMk/>
+            <pc:sldMk cId="180968550" sldId="258"/>
+            <ac:spMk id="2" creationId="{24A63CF9-EEBF-BAEE-9253-FF792A2FFA85}"/>
+          </ac:spMkLst>
+        </pc:spChg>
+        <pc:spChg chg="add del mod">
+          <ac:chgData name="kothamanikanta2@outlook.com" userId="fee3ba77f589661d" providerId="LiveId" clId="{C086426E-0C7D-42A7-A957-92C2176DB329}" dt="2023-11-27T10:09:23.481" v="3979" actId="1076"/>
+          <ac:spMkLst>
+            <pc:docMk/>
+            <pc:sldMk cId="180968550" sldId="258"/>
+            <ac:spMk id="3" creationId="{D4C2CEBC-82CD-4EB8-4BEC-66BBD0779301}"/>
+          </ac:spMkLst>
+        </pc:spChg>
+        <pc:spChg chg="del">
+          <ac:chgData name="kothamanikanta2@outlook.com" userId="fee3ba77f589661d" providerId="LiveId" clId="{C086426E-0C7D-42A7-A957-92C2176DB329}" dt="2023-10-16T11:24:07.268" v="8" actId="478"/>
+          <ac:spMkLst>
+            <pc:docMk/>
+            <pc:sldMk cId="180968550" sldId="258"/>
+            <ac:spMk id="3" creationId="{E05652E2-A7D7-B310-B73E-4563C6ECC272}"/>
+          </ac:spMkLst>
+        </pc:spChg>
+        <pc:spChg chg="add mod">
+          <ac:chgData name="kothamanikanta2@outlook.com" userId="fee3ba77f589661d" providerId="LiveId" clId="{C086426E-0C7D-42A7-A957-92C2176DB329}" dt="2023-10-16T11:24:47.750" v="13" actId="14100"/>
+          <ac:spMkLst>
+            <pc:docMk/>
+            <pc:sldMk cId="180968550" sldId="258"/>
+            <ac:spMk id="4" creationId="{706CCC07-A8D3-F5BF-E990-3C5F8056BCF1}"/>
+          </ac:spMkLst>
+        </pc:spChg>
+        <pc:spChg chg="add del mod">
+          <ac:chgData name="kothamanikanta2@outlook.com" userId="fee3ba77f589661d" providerId="LiveId" clId="{C086426E-0C7D-42A7-A957-92C2176DB329}" dt="2023-10-16T11:25:57.074" v="19"/>
+          <ac:spMkLst>
+            <pc:docMk/>
+            <pc:sldMk cId="180968550" sldId="258"/>
+            <ac:spMk id="5" creationId="{69710FD6-E41C-D823-BE25-000484D91CC3}"/>
+          </ac:spMkLst>
+        </pc:spChg>
+        <pc:spChg chg="add del mod">
+          <ac:chgData name="kothamanikanta2@outlook.com" userId="fee3ba77f589661d" providerId="LiveId" clId="{C086426E-0C7D-42A7-A957-92C2176DB329}" dt="2023-10-17T04:45:37.114" v="50" actId="11529"/>
+          <ac:spMkLst>
+            <pc:docMk/>
+            <pc:sldMk cId="180968550" sldId="258"/>
+            <ac:spMk id="6" creationId="{3FABDA30-3C5F-3E20-885A-4AB432B8FED0}"/>
+          </ac:spMkLst>
+        </pc:spChg>
+        <pc:spChg chg="add del mod">
+          <ac:chgData name="kothamanikanta2@outlook.com" userId="fee3ba77f589661d" providerId="LiveId" clId="{C086426E-0C7D-42A7-A957-92C2176DB329}" dt="2023-10-17T04:45:35.478" v="43" actId="11529"/>
+          <ac:spMkLst>
+            <pc:docMk/>
+            <pc:sldMk cId="180968550" sldId="258"/>
+            <ac:spMk id="7" creationId="{5B66531D-C2AB-ABE7-93F1-BA29491E3672}"/>
+          </ac:spMkLst>
+        </pc:spChg>
+        <pc:spChg chg="add mod">
+          <ac:chgData name="kothamanikanta2@outlook.com" userId="fee3ba77f589661d" providerId="LiveId" clId="{C086426E-0C7D-42A7-A957-92C2176DB329}" dt="2023-10-17T04:46:22.473" v="56" actId="1076"/>
+          <ac:spMkLst>
+            <pc:docMk/>
+            <pc:sldMk cId="180968550" sldId="258"/>
+            <ac:spMk id="8" creationId="{A4E90743-BAA7-C286-5C23-6419DFDFA63E}"/>
+          </ac:spMkLst>
+        </pc:spChg>
+        <pc:spChg chg="add del">
+          <ac:chgData name="kothamanikanta2@outlook.com" userId="fee3ba77f589661d" providerId="LiveId" clId="{C086426E-0C7D-42A7-A957-92C2176DB329}" dt="2023-10-17T04:52:19.894" v="61" actId="11529"/>
+          <ac:spMkLst>
+            <pc:docMk/>
+            <pc:sldMk cId="180968550" sldId="258"/>
+            <ac:spMk id="9" creationId="{94319413-4C26-9646-20DA-E9D180B7218B}"/>
+          </ac:spMkLst>
+        </pc:spChg>
+        <pc:spChg chg="add del">
+          <ac:chgData name="kothamanikanta2@outlook.com" userId="fee3ba77f589661d" providerId="LiveId" clId="{C086426E-0C7D-42A7-A957-92C2176DB329}" dt="2023-10-17T04:52:58.812" v="63" actId="11529"/>
+          <ac:spMkLst>
+            <pc:docMk/>
+            <pc:sldMk cId="180968550" sldId="258"/>
+            <ac:spMk id="10" creationId="{65582F06-4E38-EE83-F6E7-462B39953829}"/>
+          </ac:spMkLst>
+        </pc:spChg>
+        <pc:spChg chg="add del">
+          <ac:chgData name="kothamanikanta2@outlook.com" userId="fee3ba77f589661d" providerId="LiveId" clId="{C086426E-0C7D-42A7-A957-92C2176DB329}" dt="2023-11-01T07:41:22.594" v="100" actId="21"/>
+          <ac:spMkLst>
+            <pc:docMk/>
+            <pc:sldMk cId="180968550" sldId="258"/>
+            <ac:spMk id="10" creationId="{A30EB5D7-9B42-2821-755F-E07C3F9C9DB3}"/>
+          </ac:spMkLst>
+        </pc:spChg>
+        <pc:spChg chg="add del mod">
+          <ac:chgData name="kothamanikanta2@outlook.com" userId="fee3ba77f589661d" providerId="LiveId" clId="{C086426E-0C7D-42A7-A957-92C2176DB329}" dt="2023-11-01T07:51:02.160" v="122" actId="478"/>
+          <ac:spMkLst>
+            <pc:docMk/>
+            <pc:sldMk cId="180968550" sldId="258"/>
+            <ac:spMk id="11" creationId="{EEB32028-BCEF-0653-10D4-61B415C44225}"/>
+          </ac:spMkLst>
+        </pc:spChg>
+        <pc:spChg chg="add mod">
+          <ac:chgData name="kothamanikanta2@outlook.com" userId="fee3ba77f589661d" providerId="LiveId" clId="{C086426E-0C7D-42A7-A957-92C2176DB329}" dt="2023-11-01T07:55:16.786" v="138" actId="1038"/>
+          <ac:spMkLst>
+            <pc:docMk/>
+            <pc:sldMk cId="180968550" sldId="258"/>
+            <ac:spMk id="13" creationId="{67C969EA-DFB6-E2F5-8E39-0E541FCFC802}"/>
+          </ac:spMkLst>
+        </pc:spChg>
+        <pc:spChg chg="add mod">
+          <ac:chgData name="kothamanikanta2@outlook.com" userId="fee3ba77f589661d" providerId="LiveId" clId="{C086426E-0C7D-42A7-A957-92C2176DB329}" dt="2023-11-27T10:08:22.700" v="3961" actId="1076"/>
+          <ac:spMkLst>
+            <pc:docMk/>
+            <pc:sldMk cId="180968550" sldId="258"/>
+            <ac:spMk id="14" creationId="{9B1BBA90-D3F1-DAF4-963E-C371007A7E17}"/>
+          </ac:spMkLst>
+        </pc:spChg>
+        <pc:spChg chg="add mod">
+          <ac:chgData name="kothamanikanta2@outlook.com" userId="fee3ba77f589661d" providerId="LiveId" clId="{C086426E-0C7D-42A7-A957-92C2176DB329}" dt="2023-11-01T07:57:01.239" v="170" actId="1036"/>
+          <ac:spMkLst>
+            <pc:docMk/>
+            <pc:sldMk cId="180968550" sldId="258"/>
+            <ac:spMk id="16" creationId="{98B41139-847A-6B37-EC35-EAFF588D86AD}"/>
+          </ac:spMkLst>
+        </pc:spChg>
+        <pc:spChg chg="add mod">
+          <ac:chgData name="kothamanikanta2@outlook.com" userId="fee3ba77f589661d" providerId="LiveId" clId="{C086426E-0C7D-42A7-A957-92C2176DB329}" dt="2024-01-24T15:57:07.846" v="4735" actId="14100"/>
+          <ac:spMkLst>
+            <pc:docMk/>
+            <pc:sldMk cId="180968550" sldId="258"/>
+            <ac:spMk id="24" creationId="{31025664-15FB-1222-061C-4E225885791E}"/>
+          </ac:spMkLst>
+        </pc:spChg>
+        <pc:spChg chg="add del">
+          <ac:chgData name="kothamanikanta2@outlook.com" userId="fee3ba77f589661d" providerId="LiveId" clId="{C086426E-0C7D-42A7-A957-92C2176DB329}" dt="2023-11-01T08:00:15.744" v="218" actId="11529"/>
+          <ac:spMkLst>
+            <pc:docMk/>
+            <pc:sldMk cId="180968550" sldId="258"/>
+            <ac:spMk id="26" creationId="{6A0319F2-881E-B9CF-862A-EF8BB58D7840}"/>
+          </ac:spMkLst>
+        </pc:spChg>
+        <pc:spChg chg="add del">
+          <ac:chgData name="kothamanikanta2@outlook.com" userId="fee3ba77f589661d" providerId="LiveId" clId="{C086426E-0C7D-42A7-A957-92C2176DB329}" dt="2023-11-01T08:00:15.303" v="217" actId="11529"/>
+          <ac:spMkLst>
+            <pc:docMk/>
+            <pc:sldMk cId="180968550" sldId="258"/>
+            <ac:spMk id="27" creationId="{848E7C9B-2AEB-9EC0-B2CD-855EEFC4B5FE}"/>
+          </ac:spMkLst>
+        </pc:spChg>
+        <pc:spChg chg="add del">
+          <ac:chgData name="kothamanikanta2@outlook.com" userId="fee3ba77f589661d" providerId="LiveId" clId="{C086426E-0C7D-42A7-A957-92C2176DB329}" dt="2023-11-01T08:00:15.005" v="216" actId="11529"/>
+          <ac:spMkLst>
+            <pc:docMk/>
+            <pc:sldMk cId="180968550" sldId="258"/>
+            <ac:spMk id="28" creationId="{F855592C-08D5-11BB-54C8-44B8304E383D}"/>
+          </ac:spMkLst>
+        </pc:spChg>
+        <pc:spChg chg="add del">
+          <ac:chgData name="kothamanikanta2@outlook.com" userId="fee3ba77f589661d" providerId="LiveId" clId="{C086426E-0C7D-42A7-A957-92C2176DB329}" dt="2023-11-01T08:00:14.403" v="214" actId="11529"/>
+          <ac:spMkLst>
+            <pc:docMk/>
+            <pc:sldMk cId="180968550" sldId="258"/>
+            <ac:spMk id="29" creationId="{EA491947-5C38-C827-C13C-39AEAD142169}"/>
+          </ac:spMkLst>
+        </pc:spChg>
+        <pc:spChg chg="add del">
+          <ac:chgData name="kothamanikanta2@outlook.com" userId="fee3ba77f589661d" providerId="LiveId" clId="{C086426E-0C7D-42A7-A957-92C2176DB329}" dt="2023-11-01T08:00:13.853" v="212" actId="11529"/>
+          <ac:spMkLst>
+            <pc:docMk/>
+            <pc:sldMk cId="180968550" sldId="258"/>
+            <ac:spMk id="30" creationId="{584E4401-5EED-458A-47BF-B389E784B810}"/>
+          </ac:spMkLst>
+        </pc:spChg>
+        <pc:spChg chg="add del">
+          <ac:chgData name="kothamanikanta2@outlook.com" userId="fee3ba77f589661d" providerId="LiveId" clId="{C086426E-0C7D-42A7-A957-92C2176DB329}" dt="2023-11-01T08:00:12.905" v="210" actId="11529"/>
+          <ac:spMkLst>
+            <pc:docMk/>
+            <pc:sldMk cId="180968550" sldId="258"/>
+            <ac:spMk id="31" creationId="{7ACBA5C7-A68D-2E9C-5682-13E913036497}"/>
+          </ac:spMkLst>
+        </pc:spChg>
+        <pc:spChg chg="add del">
+          <ac:chgData name="kothamanikanta2@outlook.com" userId="fee3ba77f589661d" providerId="LiveId" clId="{C086426E-0C7D-42A7-A957-92C2176DB329}" dt="2023-11-01T08:00:12.498" v="209" actId="11529"/>
+          <ac:spMkLst>
+            <pc:docMk/>
+            <pc:sldMk cId="180968550" sldId="258"/>
+            <ac:spMk id="32" creationId="{19F2FA6C-70B6-E2E6-5946-D83A1DFB365A}"/>
+          </ac:spMkLst>
+        </pc:spChg>
+        <pc:spChg chg="add del">
+          <ac:chgData name="kothamanikanta2@outlook.com" userId="fee3ba77f589661d" providerId="LiveId" clId="{C086426E-0C7D-42A7-A957-92C2176DB329}" dt="2023-11-01T07:59:59.131" v="200" actId="11529"/>
+          <ac:spMkLst>
+            <pc:docMk/>
+            <pc:sldMk cId="180968550" sldId="258"/>
+            <ac:spMk id="33" creationId="{95AF22ED-56FC-1AD1-D8F3-2CD64DD5FD80}"/>
+          </ac:spMkLst>
+        </pc:spChg>
+        <pc:spChg chg="add del">
+          <ac:chgData name="kothamanikanta2@outlook.com" userId="fee3ba77f589661d" providerId="LiveId" clId="{C086426E-0C7D-42A7-A957-92C2176DB329}" dt="2023-11-01T07:59:57.524" v="198" actId="11529"/>
+          <ac:spMkLst>
+            <pc:docMk/>
+            <pc:sldMk cId="180968550" sldId="258"/>
+            <ac:spMk id="34" creationId="{32D592F4-A5D9-CA27-583D-1519ECA22876}"/>
+          </ac:spMkLst>
+        </pc:spChg>
+        <pc:spChg chg="add del">
+          <ac:chgData name="kothamanikanta2@outlook.com" userId="fee3ba77f589661d" providerId="LiveId" clId="{C086426E-0C7D-42A7-A957-92C2176DB329}" dt="2023-11-01T07:59:56.269" v="196" actId="11529"/>
+          <ac:spMkLst>
+            <pc:docMk/>
+            <pc:sldMk cId="180968550" sldId="258"/>
+            <ac:spMk id="35" creationId="{EB7143E1-46D4-6360-0D58-FB674D4434C3}"/>
+          </ac:spMkLst>
+        </pc:spChg>
+        <pc:spChg chg="add del">
+          <ac:chgData name="kothamanikanta2@outlook.com" userId="fee3ba77f589661d" providerId="LiveId" clId="{C086426E-0C7D-42A7-A957-92C2176DB329}" dt="2023-11-01T08:00:12.215" v="208" actId="11529"/>
+          <ac:spMkLst>
+            <pc:docMk/>
+            <pc:sldMk cId="180968550" sldId="258"/>
+            <ac:spMk id="36" creationId="{21943A1D-456C-1ACD-2F55-3452CF6C22AA}"/>
+          </ac:spMkLst>
+        </pc:spChg>
+        <pc:spChg chg="add del">
+          <ac:chgData name="kothamanikanta2@outlook.com" userId="fee3ba77f589661d" providerId="LiveId" clId="{C086426E-0C7D-42A7-A957-92C2176DB329}" dt="2023-11-01T08:00:11.980" v="207" actId="11529"/>
+          <ac:spMkLst>
+            <pc:docMk/>
+            <pc:sldMk cId="180968550" sldId="258"/>
+            <ac:spMk id="37" creationId="{848F5D29-6C28-AED5-5E08-BC76CB250E43}"/>
+          </ac:spMkLst>
+        </pc:spChg>
+        <pc:spChg chg="add del">
+          <ac:chgData name="kothamanikanta2@outlook.com" userId="fee3ba77f589661d" providerId="LiveId" clId="{C086426E-0C7D-42A7-A957-92C2176DB329}" dt="2023-11-01T08:00:11.744" v="206" actId="11529"/>
+          <ac:spMkLst>
+            <pc:docMk/>
+            <pc:sldMk cId="180968550" sldId="258"/>
+            <ac:spMk id="38" creationId="{57AB94D7-0540-8BC2-46FF-B5B1BF5802FF}"/>
+          </ac:spMkLst>
+        </pc:spChg>
+        <pc:spChg chg="add del">
+          <ac:chgData name="kothamanikanta2@outlook.com" userId="fee3ba77f589661d" providerId="LiveId" clId="{C086426E-0C7D-42A7-A957-92C2176DB329}" dt="2023-11-01T08:00:11.493" v="205" actId="11529"/>
+          <ac:spMkLst>
+            <pc:docMk/>
+            <pc:sldMk cId="180968550" sldId="258"/>
+            <ac:spMk id="39" creationId="{9638C235-5728-9C59-00EB-16EBBC484978}"/>
+          </ac:spMkLst>
+        </pc:spChg>
+        <pc:spChg chg="add del">
+          <ac:chgData name="kothamanikanta2@outlook.com" userId="fee3ba77f589661d" providerId="LiveId" clId="{C086426E-0C7D-42A7-A957-92C2176DB329}" dt="2023-11-01T08:02:42.766" v="236" actId="11529"/>
+          <ac:spMkLst>
+            <pc:docMk/>
+            <pc:sldMk cId="180968550" sldId="258"/>
+            <ac:spMk id="40" creationId="{AD0D90E7-3252-9773-35D7-4B07446C5B99}"/>
+          </ac:spMkLst>
+        </pc:spChg>
+        <pc:spChg chg="add del">
+          <ac:chgData name="kothamanikanta2@outlook.com" userId="fee3ba77f589661d" providerId="LiveId" clId="{C086426E-0C7D-42A7-A957-92C2176DB329}" dt="2023-11-01T08:02:17.108" v="227" actId="11529"/>
+          <ac:spMkLst>
+            <pc:docMk/>
+            <pc:sldMk cId="180968550" sldId="258"/>
+            <ac:spMk id="41" creationId="{5F28F23B-D3D8-D14B-097D-13C81041D906}"/>
+          </ac:spMkLst>
+        </pc:spChg>
+        <pc:spChg chg="add del">
+          <ac:chgData name="kothamanikanta2@outlook.com" userId="fee3ba77f589661d" providerId="LiveId" clId="{C086426E-0C7D-42A7-A957-92C2176DB329}" dt="2023-11-01T08:02:16.855" v="226" actId="11529"/>
+          <ac:spMkLst>
+            <pc:docMk/>
+            <pc:sldMk cId="180968550" sldId="258"/>
+            <ac:spMk id="42" creationId="{2783FF19-9FB0-0265-B274-D04CC4B911DC}"/>
+          </ac:spMkLst>
+        </pc:spChg>
+        <pc:spChg chg="add del">
+          <ac:chgData name="kothamanikanta2@outlook.com" userId="fee3ba77f589661d" providerId="LiveId" clId="{C086426E-0C7D-42A7-A957-92C2176DB329}" dt="2023-11-01T08:02:16.603" v="225" actId="11529"/>
+          <ac:spMkLst>
+            <pc:docMk/>
+            <pc:sldMk cId="180968550" sldId="258"/>
+            <ac:spMk id="43" creationId="{F6876E66-A30D-09C6-C037-1D21825A8417}"/>
+          </ac:spMkLst>
+        </pc:spChg>
+        <pc:spChg chg="add del">
+          <ac:chgData name="kothamanikanta2@outlook.com" userId="fee3ba77f589661d" providerId="LiveId" clId="{C086426E-0C7D-42A7-A957-92C2176DB329}" dt="2023-11-01T08:02:26.239" v="231" actId="11529"/>
+          <ac:spMkLst>
+            <pc:docMk/>
+            <pc:sldMk cId="180968550" sldId="258"/>
+            <ac:spMk id="44" creationId="{9CC757DE-F391-16E5-960E-016468A5E802}"/>
+          </ac:spMkLst>
+        </pc:spChg>
+        <pc:spChg chg="add del">
+          <ac:chgData name="kothamanikanta2@outlook.com" userId="fee3ba77f589661d" providerId="LiveId" clId="{C086426E-0C7D-42A7-A957-92C2176DB329}" dt="2023-11-01T08:02:26.034" v="230" actId="11529"/>
+          <ac:spMkLst>
+            <pc:docMk/>
+            <pc:sldMk cId="180968550" sldId="258"/>
+            <ac:spMk id="45" creationId="{7F77778E-1FEE-5294-669B-A9D20B252A98}"/>
+          </ac:spMkLst>
+        </pc:spChg>
+        <pc:spChg chg="add del mod">
+          <ac:chgData name="kothamanikanta2@outlook.com" userId="fee3ba77f589661d" providerId="LiveId" clId="{C086426E-0C7D-42A7-A957-92C2176DB329}" dt="2023-11-01T08:02:42.437" v="235" actId="11529"/>
+          <ac:spMkLst>
+            <pc:docMk/>
+            <pc:sldMk cId="180968550" sldId="258"/>
+            <ac:spMk id="46" creationId="{7CEFB8FC-AD7B-FF8C-A266-90370847B2B5}"/>
+          </ac:spMkLst>
+        </pc:spChg>
+        <pc:spChg chg="add del mod">
+          <ac:chgData name="kothamanikanta2@outlook.com" userId="fee3ba77f589661d" providerId="LiveId" clId="{C086426E-0C7D-42A7-A957-92C2176DB329}" dt="2023-11-27T10:08:37.331" v="3965" actId="478"/>
+          <ac:spMkLst>
+            <pc:docMk/>
+            <pc:sldMk cId="180968550" sldId="258"/>
+            <ac:spMk id="47" creationId="{D0E4F81F-2EDD-CC9C-F3F2-001EE0D3C0D4}"/>
+          </ac:spMkLst>
+        </pc:spChg>
+        <pc:cxnChg chg="add del">
+          <ac:chgData name="kothamanikanta2@outlook.com" userId="fee3ba77f589661d" providerId="LiveId" clId="{C086426E-0C7D-42A7-A957-92C2176DB329}" dt="2023-11-01T07:36:56.598" v="89" actId="11529"/>
+          <ac:cxnSpMkLst>
+            <pc:docMk/>
+            <pc:sldMk cId="180968550" sldId="258"/>
+            <ac:cxnSpMk id="5" creationId="{4122DC3F-A1FD-E04C-6658-493DC08CC047}"/>
+          </ac:cxnSpMkLst>
+        </pc:cxnChg>
+        <pc:cxnChg chg="add mod">
+          <ac:chgData name="kothamanikanta2@outlook.com" userId="fee3ba77f589661d" providerId="LiveId" clId="{C086426E-0C7D-42A7-A957-92C2176DB329}" dt="2023-11-01T07:51:14.729" v="125" actId="14100"/>
+          <ac:cxnSpMkLst>
+            <pc:docMk/>
+            <pc:sldMk cId="180968550" sldId="258"/>
+            <ac:cxnSpMk id="7" creationId="{AE05F758-9F13-7257-BEEE-63CC13CB2EB4}"/>
+          </ac:cxnSpMkLst>
+        </pc:cxnChg>
+        <pc:cxnChg chg="add mod">
+          <ac:chgData name="kothamanikanta2@outlook.com" userId="fee3ba77f589661d" providerId="LiveId" clId="{C086426E-0C7D-42A7-A957-92C2176DB329}" dt="2023-10-17T04:54:44.220" v="77" actId="14100"/>
+          <ac:cxnSpMkLst>
+            <pc:docMk/>
+            <pc:sldMk cId="180968550" sldId="258"/>
+            <ac:cxnSpMk id="12" creationId="{2A4C3E25-3A2A-3DFF-42AB-2CCB4EF255FA}"/>
+          </ac:cxnSpMkLst>
+        </pc:cxnChg>
+        <pc:cxnChg chg="add del">
+          <ac:chgData name="kothamanikanta2@outlook.com" userId="fee3ba77f589661d" providerId="LiveId" clId="{C086426E-0C7D-42A7-A957-92C2176DB329}" dt="2023-11-01T07:57:24.890" v="172" actId="21"/>
+          <ac:cxnSpMkLst>
+            <pc:docMk/>
+            <pc:sldMk cId="180968550" sldId="258"/>
+            <ac:cxnSpMk id="18" creationId="{90A4315F-8C70-BB9A-B7FE-0FAC6DFAA889}"/>
+          </ac:cxnSpMkLst>
+        </pc:cxnChg>
+        <pc:cxnChg chg="add del mod">
+          <ac:chgData name="kothamanikanta2@outlook.com" userId="fee3ba77f589661d" providerId="LiveId" clId="{C086426E-0C7D-42A7-A957-92C2176DB329}" dt="2023-11-01T07:58:26.663" v="177" actId="21"/>
+          <ac:cxnSpMkLst>
+            <pc:docMk/>
+            <pc:sldMk cId="180968550" sldId="258"/>
+            <ac:cxnSpMk id="20" creationId="{6AD2FD79-F5A1-1C08-FB5A-970751A33099}"/>
+          </ac:cxnSpMkLst>
+        </pc:cxnChg>
+        <pc:cxnChg chg="add">
+          <ac:chgData name="kothamanikanta2@outlook.com" userId="fee3ba77f589661d" providerId="LiveId" clId="{C086426E-0C7D-42A7-A957-92C2176DB329}" dt="2023-11-01T07:58:38.527" v="178" actId="11529"/>
+          <ac:cxnSpMkLst>
+            <pc:docMk/>
+            <pc:sldMk cId="180968550" sldId="258"/>
+            <ac:cxnSpMk id="25" creationId="{CF551CC9-B2E5-DBE8-3E6A-2657F3EDEAB8}"/>
+          </ac:cxnSpMkLst>
+        </pc:cxnChg>
+      </pc:sldChg>
+      <pc:sldChg chg="addSp delSp modSp new del mod">
+        <pc:chgData name="kothamanikanta2@outlook.com" userId="fee3ba77f589661d" providerId="LiveId" clId="{C086426E-0C7D-42A7-A957-92C2176DB329}" dt="2023-11-01T07:41:10.520" v="98" actId="2696"/>
+        <pc:sldMkLst>
+          <pc:docMk/>
+          <pc:sldMk cId="1264477958" sldId="259"/>
+        </pc:sldMkLst>
+        <pc:picChg chg="add del mod">
+          <ac:chgData name="kothamanikanta2@outlook.com" userId="fee3ba77f589661d" providerId="LiveId" clId="{C086426E-0C7D-42A7-A957-92C2176DB329}" dt="2023-11-01T07:40:53.611" v="97" actId="21"/>
+          <ac:picMkLst>
+            <pc:docMk/>
+            <pc:sldMk cId="1264477958" sldId="259"/>
+            <ac:picMk id="3" creationId="{7F888BEA-B15A-D7F0-19E2-D6154BEC00ED}"/>
+          </ac:picMkLst>
+        </pc:picChg>
+      </pc:sldChg>
+      <pc:sldChg chg="addSp delSp modSp new mod setBg">
+        <pc:chgData name="kothamanikanta2@outlook.com" userId="fee3ba77f589661d" providerId="LiveId" clId="{C086426E-0C7D-42A7-A957-92C2176DB329}" dt="2023-11-26T14:26:50.865" v="3834"/>
+        <pc:sldMkLst>
+          <pc:docMk/>
+          <pc:sldMk cId="3626822673" sldId="259"/>
+        </pc:sldMkLst>
+        <pc:spChg chg="mod">
+          <ac:chgData name="kothamanikanta2@outlook.com" userId="fee3ba77f589661d" providerId="LiveId" clId="{C086426E-0C7D-42A7-A957-92C2176DB329}" dt="2023-11-25T10:06:49.521" v="3098" actId="1076"/>
+          <ac:spMkLst>
+            <pc:docMk/>
+            <pc:sldMk cId="3626822673" sldId="259"/>
+            <ac:spMk id="2" creationId="{BDC539D2-E360-890C-A2C2-78E6507FE0C6}"/>
+          </ac:spMkLst>
+        </pc:spChg>
+        <pc:spChg chg="del">
+          <ac:chgData name="kothamanikanta2@outlook.com" userId="fee3ba77f589661d" providerId="LiveId" clId="{C086426E-0C7D-42A7-A957-92C2176DB329}" dt="2023-11-01T08:13:45.537" v="280" actId="478"/>
+          <ac:spMkLst>
+            <pc:docMk/>
+            <pc:sldMk cId="3626822673" sldId="259"/>
+            <ac:spMk id="3" creationId="{96FA2E64-27C6-49EF-9CE4-69DA196E8384}"/>
+          </ac:spMkLst>
+        </pc:spChg>
+        <pc:spChg chg="add del mod">
+          <ac:chgData name="kothamanikanta2@outlook.com" userId="fee3ba77f589661d" providerId="LiveId" clId="{C086426E-0C7D-42A7-A957-92C2176DB329}" dt="2023-11-01T08:17:00.274" v="293" actId="767"/>
+          <ac:spMkLst>
+            <pc:docMk/>
+            <pc:sldMk cId="3626822673" sldId="259"/>
+            <ac:spMk id="6" creationId="{41B9D6CA-E1CF-0CBA-2529-C6D1B4BD2AC1}"/>
+          </ac:spMkLst>
+        </pc:spChg>
+        <pc:spChg chg="add del mod">
+          <ac:chgData name="kothamanikanta2@outlook.com" userId="fee3ba77f589661d" providerId="LiveId" clId="{C086426E-0C7D-42A7-A957-92C2176DB329}" dt="2023-11-01T08:17:13.141" v="297"/>
+          <ac:spMkLst>
+            <pc:docMk/>
+            <pc:sldMk cId="3626822673" sldId="259"/>
+            <ac:spMk id="7" creationId="{D2A86A5D-82E6-C367-FD82-4D384D939B39}"/>
+          </ac:spMkLst>
+        </pc:spChg>
+        <pc:spChg chg="add mod">
+          <ac:chgData name="kothamanikanta2@outlook.com" userId="fee3ba77f589661d" providerId="LiveId" clId="{C086426E-0C7D-42A7-A957-92C2176DB329}" dt="2023-11-01T08:28:10.992" v="338" actId="1076"/>
+          <ac:spMkLst>
+            <pc:docMk/>
+            <pc:sldMk cId="3626822673" sldId="259"/>
+            <ac:spMk id="8" creationId="{C098F6F1-40B3-04F7-C6AC-A399294C71CE}"/>
+          </ac:spMkLst>
+        </pc:spChg>
+        <pc:spChg chg="add mod">
+          <ac:chgData name="kothamanikanta2@outlook.com" userId="fee3ba77f589661d" providerId="LiveId" clId="{C086426E-0C7D-42A7-A957-92C2176DB329}" dt="2023-11-01T08:28:06.232" v="337" actId="1076"/>
+          <ac:spMkLst>
+            <pc:docMk/>
+            <pc:sldMk cId="3626822673" sldId="259"/>
+            <ac:spMk id="9" creationId="{BBE6DA4E-9AAF-E137-CC40-99A4375EA8B2}"/>
+          </ac:spMkLst>
+        </pc:spChg>
+        <pc:spChg chg="add mod">
+          <ac:chgData name="kothamanikanta2@outlook.com" userId="fee3ba77f589661d" providerId="LiveId" clId="{C086426E-0C7D-42A7-A957-92C2176DB329}" dt="2023-11-01T08:27:58.468" v="336" actId="1076"/>
+          <ac:spMkLst>
+            <pc:docMk/>
+            <pc:sldMk cId="3626822673" sldId="259"/>
+            <ac:spMk id="10" creationId="{888F456C-533E-9404-B704-4836F03030F5}"/>
+          </ac:spMkLst>
+        </pc:spChg>
+        <pc:spChg chg="add del mod">
+          <ac:chgData name="kothamanikanta2@outlook.com" userId="fee3ba77f589661d" providerId="LiveId" clId="{C086426E-0C7D-42A7-A957-92C2176DB329}" dt="2023-11-01T08:31:01.442" v="364"/>
+          <ac:spMkLst>
+            <pc:docMk/>
+            <pc:sldMk cId="3626822673" sldId="259"/>
+            <ac:spMk id="21" creationId="{78DA9B02-CB75-4691-89E4-BA978A9A6C25}"/>
+          </ac:spMkLst>
+        </pc:spChg>
+        <pc:spChg chg="add del mod">
+          <ac:chgData name="kothamanikanta2@outlook.com" userId="fee3ba77f589661d" providerId="LiveId" clId="{C086426E-0C7D-42A7-A957-92C2176DB329}" dt="2023-11-01T08:38:32.113" v="396" actId="478"/>
+          <ac:spMkLst>
+            <pc:docMk/>
+            <pc:sldMk cId="3626822673" sldId="259"/>
+            <ac:spMk id="22" creationId="{1E385A38-781C-00F5-6411-8826303D25A8}"/>
+          </ac:spMkLst>
+        </pc:spChg>
+        <pc:spChg chg="add del mod">
+          <ac:chgData name="kothamanikanta2@outlook.com" userId="fee3ba77f589661d" providerId="LiveId" clId="{C086426E-0C7D-42A7-A957-92C2176DB329}" dt="2023-11-01T08:38:37.116" v="398" actId="478"/>
+          <ac:spMkLst>
+            <pc:docMk/>
+            <pc:sldMk cId="3626822673" sldId="259"/>
+            <ac:spMk id="23" creationId="{CCB90077-5D58-1A3B-1F4C-0B7A8EEA0D04}"/>
+          </ac:spMkLst>
+        </pc:spChg>
+        <pc:graphicFrameChg chg="add del mod modGraphic">
+          <ac:chgData name="kothamanikanta2@outlook.com" userId="fee3ba77f589661d" providerId="LiveId" clId="{C086426E-0C7D-42A7-A957-92C2176DB329}" dt="2023-11-25T10:06:42.645" v="3097" actId="478"/>
+          <ac:graphicFrameMkLst>
+            <pc:docMk/>
+            <pc:sldMk cId="3626822673" sldId="259"/>
+            <ac:graphicFrameMk id="3" creationId="{9AD1A0DA-3EB9-1F24-16D8-69216B63887F}"/>
+          </ac:graphicFrameMkLst>
+        </pc:graphicFrameChg>
+        <pc:graphicFrameChg chg="add mod modGraphic">
+          <ac:chgData name="kothamanikanta2@outlook.com" userId="fee3ba77f589661d" providerId="LiveId" clId="{C086426E-0C7D-42A7-A957-92C2176DB329}" dt="2023-11-01T08:40:14.573" v="404"/>
+          <ac:graphicFrameMkLst>
+            <pc:docMk/>
+            <pc:sldMk cId="3626822673" sldId="259"/>
+            <ac:graphicFrameMk id="24" creationId="{651B8BFF-1481-B2AA-7335-67F27AB19E55}"/>
+          </ac:graphicFrameMkLst>
+        </pc:graphicFrameChg>
+        <pc:graphicFrameChg chg="add mod">
+          <ac:chgData name="kothamanikanta2@outlook.com" userId="fee3ba77f589661d" providerId="LiveId" clId="{C086426E-0C7D-42A7-A957-92C2176DB329}" dt="2023-11-26T14:26:50.865" v="3834"/>
+          <ac:graphicFrameMkLst>
+            <pc:docMk/>
+            <pc:sldMk cId="3626822673" sldId="259"/>
+            <ac:graphicFrameMk id="25" creationId="{5ED6DA4E-CE17-0763-ED5E-F812EF2BA642}"/>
+          </ac:graphicFrameMkLst>
+        </pc:graphicFrameChg>
+        <pc:graphicFrameChg chg="add del mod">
+          <ac:chgData name="kothamanikanta2@outlook.com" userId="fee3ba77f589661d" providerId="LiveId" clId="{C086426E-0C7D-42A7-A957-92C2176DB329}" dt="2023-11-01T08:40:35.223" v="415"/>
+          <ac:graphicFrameMkLst>
+            <pc:docMk/>
+            <pc:sldMk cId="3626822673" sldId="259"/>
+            <ac:graphicFrameMk id="26" creationId="{A222EB49-29AD-9B91-E10E-169E6FF6731E}"/>
+          </ac:graphicFrameMkLst>
+        </pc:graphicFrameChg>
+        <pc:graphicFrameChg chg="add mod">
+          <ac:chgData name="kothamanikanta2@outlook.com" userId="fee3ba77f589661d" providerId="LiveId" clId="{C086426E-0C7D-42A7-A957-92C2176DB329}" dt="2023-11-01T08:40:50.093" v="418" actId="1076"/>
+          <ac:graphicFrameMkLst>
+            <pc:docMk/>
+            <pc:sldMk cId="3626822673" sldId="259"/>
+            <ac:graphicFrameMk id="27" creationId="{8FE8FA55-DF66-2C06-1B66-6EA39BCC3A6C}"/>
+          </ac:graphicFrameMkLst>
+        </pc:graphicFrameChg>
+        <pc:cxnChg chg="add mod">
+          <ac:chgData name="kothamanikanta2@outlook.com" userId="fee3ba77f589661d" providerId="LiveId" clId="{C086426E-0C7D-42A7-A957-92C2176DB329}" dt="2023-11-01T08:18:01.303" v="302" actId="1582"/>
+          <ac:cxnSpMkLst>
+            <pc:docMk/>
+            <pc:sldMk cId="3626822673" sldId="259"/>
+            <ac:cxnSpMk id="5" creationId="{B55FDFE6-1381-F2FE-3FB4-93C042942877}"/>
+          </ac:cxnSpMkLst>
+        </pc:cxnChg>
+        <pc:cxnChg chg="add del mod">
+          <ac:chgData name="kothamanikanta2@outlook.com" userId="fee3ba77f589661d" providerId="LiveId" clId="{C086426E-0C7D-42A7-A957-92C2176DB329}" dt="2023-11-01T08:27:47.799" v="335" actId="478"/>
+          <ac:cxnSpMkLst>
+            <pc:docMk/>
+            <pc:sldMk cId="3626822673" sldId="259"/>
+            <ac:cxnSpMk id="12" creationId="{C294B91F-97E4-885D-4FF4-9956B2FCFB15}"/>
+          </ac:cxnSpMkLst>
+        </pc:cxnChg>
+        <pc:cxnChg chg="add mod">
+          <ac:chgData name="kothamanikanta2@outlook.com" userId="fee3ba77f589661d" providerId="LiveId" clId="{C086426E-0C7D-42A7-A957-92C2176DB329}" dt="2023-11-01T08:29:26.087" v="346" actId="1076"/>
+          <ac:cxnSpMkLst>
+            <pc:docMk/>
+            <pc:sldMk cId="3626822673" sldId="259"/>
+            <ac:cxnSpMk id="15" creationId="{A6FBFB8E-CA20-5F90-1C5B-029DEAA8A857}"/>
+          </ac:cxnSpMkLst>
+        </pc:cxnChg>
+        <pc:cxnChg chg="add mod">
+          <ac:chgData name="kothamanikanta2@outlook.com" userId="fee3ba77f589661d" providerId="LiveId" clId="{C086426E-0C7D-42A7-A957-92C2176DB329}" dt="2023-11-01T08:29:49.514" v="350" actId="1582"/>
+          <ac:cxnSpMkLst>
+            <pc:docMk/>
+            <pc:sldMk cId="3626822673" sldId="259"/>
+            <ac:cxnSpMk id="19" creationId="{3E9E3E3A-267A-7DAB-5714-2C7555F6F615}"/>
+          </ac:cxnSpMkLst>
+        </pc:cxnChg>
+        <pc:cxnChg chg="add mod">
+          <ac:chgData name="kothamanikanta2@outlook.com" userId="fee3ba77f589661d" providerId="LiveId" clId="{C086426E-0C7D-42A7-A957-92C2176DB329}" dt="2023-11-01T08:29:57.964" v="352" actId="1076"/>
+          <ac:cxnSpMkLst>
+            <pc:docMk/>
+            <pc:sldMk cId="3626822673" sldId="259"/>
+            <ac:cxnSpMk id="20" creationId="{E9FA9CCB-E6C1-9B8F-5A15-9BE1EE208042}"/>
+          </ac:cxnSpMkLst>
+        </pc:cxnChg>
+      </pc:sldChg>
+      <pc:sldChg chg="addSp delSp modSp new mod">
+        <pc:chgData name="kothamanikanta2@outlook.com" userId="fee3ba77f589661d" providerId="LiveId" clId="{C086426E-0C7D-42A7-A957-92C2176DB329}" dt="2023-11-26T14:25:41.553" v="3831" actId="14100"/>
+        <pc:sldMkLst>
+          <pc:docMk/>
+          <pc:sldMk cId="1026899388" sldId="260"/>
+        </pc:sldMkLst>
+        <pc:spChg chg="mod">
+          <ac:chgData name="kothamanikanta2@outlook.com" userId="fee3ba77f589661d" providerId="LiveId" clId="{C086426E-0C7D-42A7-A957-92C2176DB329}" dt="2023-11-26T14:12:31.523" v="3769" actId="1076"/>
+          <ac:spMkLst>
+            <pc:docMk/>
+            <pc:sldMk cId="1026899388" sldId="260"/>
+            <ac:spMk id="2" creationId="{341FF71D-2EFF-6579-EC45-C39DE4603908}"/>
+          </ac:spMkLst>
+        </pc:spChg>
+        <pc:spChg chg="del mod">
+          <ac:chgData name="kothamanikanta2@outlook.com" userId="fee3ba77f589661d" providerId="LiveId" clId="{C086426E-0C7D-42A7-A957-92C2176DB329}" dt="2023-11-01T08:44:41.893" v="429" actId="478"/>
+          <ac:spMkLst>
+            <pc:docMk/>
+            <pc:sldMk cId="1026899388" sldId="260"/>
+            <ac:spMk id="3" creationId="{37367CDC-0BFF-20DB-A9DA-58B93BC29131}"/>
+          </ac:spMkLst>
+        </pc:spChg>
+        <pc:spChg chg="add del mod">
+          <ac:chgData name="kothamanikanta2@outlook.com" userId="fee3ba77f589661d" providerId="LiveId" clId="{C086426E-0C7D-42A7-A957-92C2176DB329}" dt="2023-11-01T08:44:48.838" v="430" actId="478"/>
+          <ac:spMkLst>
+            <pc:docMk/>
+            <pc:sldMk cId="1026899388" sldId="260"/>
+            <ac:spMk id="5" creationId="{B6A42970-C232-4493-181A-3C3AC700FE7A}"/>
+          </ac:spMkLst>
+        </pc:spChg>
+        <pc:spChg chg="add del mod">
+          <ac:chgData name="kothamanikanta2@outlook.com" userId="fee3ba77f589661d" providerId="LiveId" clId="{C086426E-0C7D-42A7-A957-92C2176DB329}" dt="2023-11-01T08:53:15.385" v="461" actId="12084"/>
+          <ac:spMkLst>
+            <pc:docMk/>
+            <pc:sldMk cId="1026899388" sldId="260"/>
+            <ac:spMk id="7" creationId="{2C6ED345-80B3-9ABE-0130-CEC719695482}"/>
+          </ac:spMkLst>
+        </pc:spChg>
+        <pc:spChg chg="add del mod">
+          <ac:chgData name="kothamanikanta2@outlook.com" userId="fee3ba77f589661d" providerId="LiveId" clId="{C086426E-0C7D-42A7-A957-92C2176DB329}" dt="2023-11-01T08:53:07.202" v="460" actId="12084"/>
+          <ac:spMkLst>
+            <pc:docMk/>
+            <pc:sldMk cId="1026899388" sldId="260"/>
+            <ac:spMk id="8" creationId="{3DA01506-A177-A087-C94E-E88548A48AFA}"/>
+          </ac:spMkLst>
+        </pc:spChg>
+        <pc:spChg chg="add del mod">
+          <ac:chgData name="kothamanikanta2@outlook.com" userId="fee3ba77f589661d" providerId="LiveId" clId="{C086426E-0C7D-42A7-A957-92C2176DB329}" dt="2023-11-01T09:00:43.077" v="532" actId="478"/>
+          <ac:spMkLst>
+            <pc:docMk/>
+            <pc:sldMk cId="1026899388" sldId="260"/>
+            <ac:spMk id="9" creationId="{3B30EAB8-25D6-992E-2D71-937149BCDBC3}"/>
+          </ac:spMkLst>
+        </pc:spChg>
+        <pc:spChg chg="add del mod topLvl">
+          <ac:chgData name="kothamanikanta2@outlook.com" userId="fee3ba77f589661d" providerId="LiveId" clId="{C086426E-0C7D-42A7-A957-92C2176DB329}" dt="2023-11-01T09:11:36.431" v="604" actId="478"/>
+          <ac:spMkLst>
+            <pc:docMk/>
+            <pc:sldMk cId="1026899388" sldId="260"/>
+            <ac:spMk id="18" creationId="{D34E90AC-E14F-CC54-F804-FD03D5555262}"/>
+          </ac:spMkLst>
+        </pc:spChg>
+        <pc:spChg chg="add del mod topLvl">
+          <ac:chgData name="kothamanikanta2@outlook.com" userId="fee3ba77f589661d" providerId="LiveId" clId="{C086426E-0C7D-42A7-A957-92C2176DB329}" dt="2023-11-01T09:09:27.068" v="585" actId="478"/>
+          <ac:spMkLst>
+            <pc:docMk/>
+            <pc:sldMk cId="1026899388" sldId="260"/>
+            <ac:spMk id="19" creationId="{BA9AA506-6556-0F8F-AAE8-C2E62F055091}"/>
+          </ac:spMkLst>
+        </pc:spChg>
+        <pc:spChg chg="add del mod">
+          <ac:chgData name="kothamanikanta2@outlook.com" userId="fee3ba77f589661d" providerId="LiveId" clId="{C086426E-0C7D-42A7-A957-92C2176DB329}" dt="2023-11-01T09:11:38.283" v="605" actId="478"/>
+          <ac:spMkLst>
+            <pc:docMk/>
+            <pc:sldMk cId="1026899388" sldId="260"/>
+            <ac:spMk id="20" creationId="{82ADF30D-6B83-514E-84CB-E0753C6EE999}"/>
+          </ac:spMkLst>
+        </pc:spChg>
+        <pc:spChg chg="add del mod">
+          <ac:chgData name="kothamanikanta2@outlook.com" userId="fee3ba77f589661d" providerId="LiveId" clId="{C086426E-0C7D-42A7-A957-92C2176DB329}" dt="2023-11-01T09:11:49.623" v="609" actId="478"/>
+          <ac:spMkLst>
+            <pc:docMk/>
+            <pc:sldMk cId="1026899388" sldId="260"/>
+            <ac:spMk id="21" creationId="{A418C43D-5EA1-C952-7815-900F396F4068}"/>
+          </ac:spMkLst>
+        </pc:spChg>
+        <pc:grpChg chg="add del mod">
+          <ac:chgData name="kothamanikanta2@outlook.com" userId="fee3ba77f589661d" providerId="LiveId" clId="{C086426E-0C7D-42A7-A957-92C2176DB329}" dt="2023-11-01T09:09:27.068" v="585" actId="478"/>
+          <ac:grpSpMkLst>
+            <pc:docMk/>
+            <pc:sldMk cId="1026899388" sldId="260"/>
+            <ac:grpSpMk id="17" creationId="{92261247-2995-ED10-20C0-845FB8F18056}"/>
+          </ac:grpSpMkLst>
+        </pc:grpChg>
+        <pc:graphicFrameChg chg="add del modGraphic">
+          <ac:chgData name="kothamanikanta2@outlook.com" userId="fee3ba77f589661d" providerId="LiveId" clId="{C086426E-0C7D-42A7-A957-92C2176DB329}" dt="2023-11-01T08:45:34.041" v="432" actId="1032"/>
+          <ac:graphicFrameMkLst>
+            <pc:docMk/>
+            <pc:sldMk cId="1026899388" sldId="260"/>
+            <ac:graphicFrameMk id="6" creationId="{C62F8634-1B33-50A5-33F4-2AD55DB79BE4}"/>
+          </ac:graphicFrameMkLst>
+        </pc:graphicFrameChg>
+        <pc:graphicFrameChg chg="add mod">
+          <ac:chgData name="kothamanikanta2@outlook.com" userId="fee3ba77f589661d" providerId="LiveId" clId="{C086426E-0C7D-42A7-A957-92C2176DB329}" dt="2023-11-01T09:09:59.646" v="591" actId="478"/>
+          <ac:graphicFrameMkLst>
+            <pc:docMk/>
+            <pc:sldMk cId="1026899388" sldId="260"/>
+            <ac:graphicFrameMk id="10" creationId="{98AB9E7B-DA1F-88B2-6239-847C8F9EE332}"/>
+          </ac:graphicFrameMkLst>
+        </pc:graphicFrameChg>
+        <pc:graphicFrameChg chg="add mod">
+          <ac:chgData name="kothamanikanta2@outlook.com" userId="fee3ba77f589661d" providerId="LiveId" clId="{C086426E-0C7D-42A7-A957-92C2176DB329}" dt="2023-11-01T09:11:45.598" v="607" actId="478"/>
+          <ac:graphicFrameMkLst>
+            <pc:docMk/>
+            <pc:sldMk cId="1026899388" sldId="260"/>
+            <ac:graphicFrameMk id="11" creationId="{264F5B21-7C16-DC96-4F25-F073C4CBD56C}"/>
+          </ac:graphicFrameMkLst>
+        </pc:graphicFrameChg>
+        <pc:graphicFrameChg chg="add del mod">
+          <ac:chgData name="kothamanikanta2@outlook.com" userId="fee3ba77f589661d" providerId="LiveId" clId="{C086426E-0C7D-42A7-A957-92C2176DB329}" dt="2023-11-01T09:11:35.078" v="603" actId="478"/>
+          <ac:graphicFrameMkLst>
+            <pc:docMk/>
+            <pc:sldMk cId="1026899388" sldId="260"/>
+            <ac:graphicFrameMk id="12" creationId="{D3D32BBE-90B1-3799-E427-BCDF3D2DDBFE}"/>
+          </ac:graphicFrameMkLst>
+        </pc:graphicFrameChg>
+        <pc:graphicFrameChg chg="add mod">
+          <ac:chgData name="kothamanikanta2@outlook.com" userId="fee3ba77f589661d" providerId="LiveId" clId="{C086426E-0C7D-42A7-A957-92C2176DB329}" dt="2023-11-01T09:11:41.881" v="606" actId="478"/>
+          <ac:graphicFrameMkLst>
+            <pc:docMk/>
+            <pc:sldMk cId="1026899388" sldId="260"/>
+            <ac:graphicFrameMk id="13" creationId="{89BDB94B-6932-3DD5-6BF9-01585573D47B}"/>
+          </ac:graphicFrameMkLst>
+        </pc:graphicFrameChg>
+        <pc:graphicFrameChg chg="add del mod modGraphic">
+          <ac:chgData name="kothamanikanta2@outlook.com" userId="fee3ba77f589661d" providerId="LiveId" clId="{C086426E-0C7D-42A7-A957-92C2176DB329}" dt="2023-11-01T09:06:16.758" v="560" actId="1032"/>
+          <ac:graphicFrameMkLst>
+            <pc:docMk/>
+            <pc:sldMk cId="1026899388" sldId="260"/>
+            <ac:graphicFrameMk id="16" creationId="{34B56795-7A5F-A41E-7308-561CD6527BD7}"/>
+          </ac:graphicFrameMkLst>
+        </pc:graphicFrameChg>
+        <pc:graphicFrameChg chg="add mod modGraphic">
+          <ac:chgData name="kothamanikanta2@outlook.com" userId="fee3ba77f589661d" providerId="LiveId" clId="{C086426E-0C7D-42A7-A957-92C2176DB329}" dt="2023-11-26T14:25:41.553" v="3831" actId="14100"/>
+          <ac:graphicFrameMkLst>
+            <pc:docMk/>
+            <pc:sldMk cId="1026899388" sldId="260"/>
+            <ac:graphicFrameMk id="22" creationId="{2901CA78-A776-AF7F-3647-9BB478F84A85}"/>
+          </ac:graphicFrameMkLst>
+        </pc:graphicFrameChg>
+        <pc:graphicFrameChg chg="add mod">
+          <ac:chgData name="kothamanikanta2@outlook.com" userId="fee3ba77f589661d" providerId="LiveId" clId="{C086426E-0C7D-42A7-A957-92C2176DB329}" dt="2023-11-01T09:16:38.470" v="642"/>
+          <ac:graphicFrameMkLst>
+            <pc:docMk/>
+            <pc:sldMk cId="1026899388" sldId="260"/>
+            <ac:graphicFrameMk id="23" creationId="{2FC19868-F769-99A3-B393-FAD22FA2B269}"/>
+          </ac:graphicFrameMkLst>
+        </pc:graphicFrameChg>
+        <pc:graphicFrameChg chg="add mod">
+          <ac:chgData name="kothamanikanta2@outlook.com" userId="fee3ba77f589661d" providerId="LiveId" clId="{C086426E-0C7D-42A7-A957-92C2176DB329}" dt="2023-11-01T09:17:08.085" v="647"/>
+          <ac:graphicFrameMkLst>
+            <pc:docMk/>
+            <pc:sldMk cId="1026899388" sldId="260"/>
+            <ac:graphicFrameMk id="24" creationId="{0733D929-AA54-5B0C-3104-51D8E3822328}"/>
+          </ac:graphicFrameMkLst>
+        </pc:graphicFrameChg>
+        <pc:picChg chg="add del mod">
+          <ac:chgData name="kothamanikanta2@outlook.com" userId="fee3ba77f589661d" providerId="LiveId" clId="{C086426E-0C7D-42A7-A957-92C2176DB329}" dt="2023-11-01T09:05:10.840" v="554" actId="931"/>
+          <ac:picMkLst>
+            <pc:docMk/>
+            <pc:sldMk cId="1026899388" sldId="260"/>
+            <ac:picMk id="15" creationId="{FCAA9C0E-DB48-6FD5-FB96-465E6E114EA1}"/>
+          </ac:picMkLst>
+        </pc:picChg>
+      </pc:sldChg>
+      <pc:sldChg chg="addSp delSp modSp new del mod">
+        <pc:chgData name="kothamanikanta2@outlook.com" userId="fee3ba77f589661d" providerId="LiveId" clId="{C086426E-0C7D-42A7-A957-92C2176DB329}" dt="2023-11-27T10:09:53.058" v="3980" actId="47"/>
+        <pc:sldMkLst>
+          <pc:docMk/>
+          <pc:sldMk cId="760823331" sldId="261"/>
+        </pc:sldMkLst>
+        <pc:spChg chg="mod">
+          <ac:chgData name="kothamanikanta2@outlook.com" userId="fee3ba77f589661d" providerId="LiveId" clId="{C086426E-0C7D-42A7-A957-92C2176DB329}" dt="2023-11-26T14:25:57.138" v="3832" actId="1076"/>
+          <ac:spMkLst>
+            <pc:docMk/>
+            <pc:sldMk cId="760823331" sldId="261"/>
+            <ac:spMk id="2" creationId="{A864E670-36A9-200B-CA60-5F662C3F03E7}"/>
+          </ac:spMkLst>
+        </pc:spChg>
+        <pc:spChg chg="del">
+          <ac:chgData name="kothamanikanta2@outlook.com" userId="fee3ba77f589661d" providerId="LiveId" clId="{C086426E-0C7D-42A7-A957-92C2176DB329}" dt="2023-11-01T09:18:36.085" v="651" actId="478"/>
+          <ac:spMkLst>
+            <pc:docMk/>
+            <pc:sldMk cId="760823331" sldId="261"/>
+            <ac:spMk id="3" creationId="{FF54781D-53BE-60C5-0D7E-78647BCC5A10}"/>
+          </ac:spMkLst>
+        </pc:spChg>
+        <pc:spChg chg="add mod">
+          <ac:chgData name="kothamanikanta2@outlook.com" userId="fee3ba77f589661d" providerId="LiveId" clId="{C086426E-0C7D-42A7-A957-92C2176DB329}" dt="2023-11-01T10:20:06.224" v="867" actId="1076"/>
+          <ac:spMkLst>
+            <pc:docMk/>
+            <pc:sldMk cId="760823331" sldId="261"/>
+            <ac:spMk id="13" creationId="{126E1AA7-42DC-FC1F-26F8-9C49EC025FE0}"/>
+          </ac:spMkLst>
+        </pc:spChg>
+        <pc:spChg chg="add mod">
+          <ac:chgData name="kothamanikanta2@outlook.com" userId="fee3ba77f589661d" providerId="LiveId" clId="{C086426E-0C7D-42A7-A957-92C2176DB329}" dt="2023-11-01T10:20:01.963" v="866" actId="1076"/>
+          <ac:spMkLst>
+            <pc:docMk/>
+            <pc:sldMk cId="760823331" sldId="261"/>
+            <ac:spMk id="14" creationId="{BBD1DC52-2A89-1012-F021-C424AC44386E}"/>
+          </ac:spMkLst>
+        </pc:spChg>
+        <pc:graphicFrameChg chg="add del mod modGraphic">
+          <ac:chgData name="kothamanikanta2@outlook.com" userId="fee3ba77f589661d" providerId="LiveId" clId="{C086426E-0C7D-42A7-A957-92C2176DB329}" dt="2023-11-01T10:18:50.976" v="828" actId="478"/>
+          <ac:graphicFrameMkLst>
+            <pc:docMk/>
+            <pc:sldMk cId="760823331" sldId="261"/>
+            <ac:graphicFrameMk id="10" creationId="{5DB8FD55-8C03-A1AC-038C-A9F74CC37835}"/>
+          </ac:graphicFrameMkLst>
+        </pc:graphicFrameChg>
+        <pc:graphicFrameChg chg="add del mod">
+          <ac:chgData name="kothamanikanta2@outlook.com" userId="fee3ba77f589661d" providerId="LiveId" clId="{C086426E-0C7D-42A7-A957-92C2176DB329}" dt="2023-11-01T10:17:15.077" v="794" actId="478"/>
+          <ac:graphicFrameMkLst>
+            <pc:docMk/>
+            <pc:sldMk cId="760823331" sldId="261"/>
+            <ac:graphicFrameMk id="11" creationId="{5AC47DB8-DF96-1A4C-312E-604A21CC8EF2}"/>
+          </ac:graphicFrameMkLst>
+        </pc:graphicFrameChg>
+        <pc:graphicFrameChg chg="add del mod">
+          <ac:chgData name="kothamanikanta2@outlook.com" userId="fee3ba77f589661d" providerId="LiveId" clId="{C086426E-0C7D-42A7-A957-92C2176DB329}" dt="2023-11-01T10:17:22.191" v="801" actId="478"/>
+          <ac:graphicFrameMkLst>
+            <pc:docMk/>
+            <pc:sldMk cId="760823331" sldId="261"/>
+            <ac:graphicFrameMk id="12" creationId="{60E0FF33-B14B-B88C-CB2B-4B29E86C35A4}"/>
+          </ac:graphicFrameMkLst>
+        </pc:graphicFrameChg>
+        <pc:picChg chg="add mod">
+          <ac:chgData name="kothamanikanta2@outlook.com" userId="fee3ba77f589661d" providerId="LiveId" clId="{C086426E-0C7D-42A7-A957-92C2176DB329}" dt="2023-11-23T03:30:20.903" v="1949" actId="1076"/>
+          <ac:picMkLst>
+            <pc:docMk/>
+            <pc:sldMk cId="760823331" sldId="261"/>
+            <ac:picMk id="5" creationId="{F157B429-89F6-7387-DD52-157DAF476E3D}"/>
+          </ac:picMkLst>
+        </pc:picChg>
+        <pc:picChg chg="add del mod">
+          <ac:chgData name="kothamanikanta2@outlook.com" userId="fee3ba77f589661d" providerId="LiveId" clId="{C086426E-0C7D-42A7-A957-92C2176DB329}" dt="2023-11-01T10:17:10.931" v="791" actId="478"/>
+          <ac:picMkLst>
+            <pc:docMk/>
+            <pc:sldMk cId="760823331" sldId="261"/>
+            <ac:picMk id="7" creationId="{172EDA95-EA23-E462-073B-1D12A2978E47}"/>
+          </ac:picMkLst>
+        </pc:picChg>
+        <pc:picChg chg="add del mod">
+          <ac:chgData name="kothamanikanta2@outlook.com" userId="fee3ba77f589661d" providerId="LiveId" clId="{C086426E-0C7D-42A7-A957-92C2176DB329}" dt="2023-11-01T10:17:24.671" v="802" actId="478"/>
+          <ac:picMkLst>
+            <pc:docMk/>
+            <pc:sldMk cId="760823331" sldId="261"/>
+            <ac:picMk id="9" creationId="{7D8C2DD0-1A50-3CCF-4EFA-F38A12E9890D}"/>
+          </ac:picMkLst>
+        </pc:picChg>
+      </pc:sldChg>
+      <pc:sldChg chg="addSp delSp modSp new mod">
+        <pc:chgData name="kothamanikanta2@outlook.com" userId="fee3ba77f589661d" providerId="LiveId" clId="{C086426E-0C7D-42A7-A957-92C2176DB329}" dt="2023-11-01T10:14:19.276" v="742" actId="478"/>
+        <pc:sldMkLst>
+          <pc:docMk/>
+          <pc:sldMk cId="1153978083" sldId="262"/>
+        </pc:sldMkLst>
+        <pc:spChg chg="del">
+          <ac:chgData name="kothamanikanta2@outlook.com" userId="fee3ba77f589661d" providerId="LiveId" clId="{C086426E-0C7D-42A7-A957-92C2176DB329}" dt="2023-11-01T10:00:57.165" v="690" actId="478"/>
+          <ac:spMkLst>
+            <pc:docMk/>
+            <pc:sldMk cId="1153978083" sldId="262"/>
+            <ac:spMk id="2" creationId="{6D1F0360-24A8-29C7-42F1-0ACD1D900644}"/>
+          </ac:spMkLst>
+        </pc:spChg>
+        <pc:spChg chg="del">
+          <ac:chgData name="kothamanikanta2@outlook.com" userId="fee3ba77f589661d" providerId="LiveId" clId="{C086426E-0C7D-42A7-A957-92C2176DB329}" dt="2023-11-01T10:00:51.087" v="689"/>
+          <ac:spMkLst>
+            <pc:docMk/>
+            <pc:sldMk cId="1153978083" sldId="262"/>
+            <ac:spMk id="3" creationId="{265D1BC6-EC33-40EA-DACD-E2B34CEEBBA8}"/>
+          </ac:spMkLst>
+        </pc:spChg>
+        <pc:spChg chg="add mod">
+          <ac:chgData name="kothamanikanta2@outlook.com" userId="fee3ba77f589661d" providerId="LiveId" clId="{C086426E-0C7D-42A7-A957-92C2176DB329}" dt="2023-11-01T10:06:49.713" v="712" actId="2711"/>
+          <ac:spMkLst>
+            <pc:docMk/>
+            <pc:sldMk cId="1153978083" sldId="262"/>
+            <ac:spMk id="5" creationId="{560BABC1-D1D9-CD29-02D5-F80142BF4164}"/>
+          </ac:spMkLst>
+        </pc:spChg>
+        <pc:spChg chg="add mod">
+          <ac:chgData name="kothamanikanta2@outlook.com" userId="fee3ba77f589661d" providerId="LiveId" clId="{C086426E-0C7D-42A7-A957-92C2176DB329}" dt="2023-11-01T10:06:15.425" v="711" actId="12"/>
+          <ac:spMkLst>
+            <pc:docMk/>
+            <pc:sldMk cId="1153978083" sldId="262"/>
+            <ac:spMk id="6" creationId="{74F3778F-29B0-1B7A-A183-CE6CF487BE5A}"/>
+          </ac:spMkLst>
+        </pc:spChg>
+        <pc:spChg chg="add del mod">
+          <ac:chgData name="kothamanikanta2@outlook.com" userId="fee3ba77f589661d" providerId="LiveId" clId="{C086426E-0C7D-42A7-A957-92C2176DB329}" dt="2023-11-01T10:14:19.276" v="742" actId="478"/>
+          <ac:spMkLst>
+            <pc:docMk/>
+            <pc:sldMk cId="1153978083" sldId="262"/>
+            <ac:spMk id="9" creationId="{26B1AC8E-EDEE-628C-FDB7-D0CF08D54EA5}"/>
+          </ac:spMkLst>
+        </pc:spChg>
+        <pc:picChg chg="add mod">
+          <ac:chgData name="kothamanikanta2@outlook.com" userId="fee3ba77f589661d" providerId="LiveId" clId="{C086426E-0C7D-42A7-A957-92C2176DB329}" dt="2023-11-01T10:02:17.914" v="702" actId="1076"/>
+          <ac:picMkLst>
+            <pc:docMk/>
+            <pc:sldMk cId="1153978083" sldId="262"/>
+            <ac:picMk id="4" creationId="{96ADB908-2AB1-AF68-CB3F-BCB97F8BCF34}"/>
+          </ac:picMkLst>
+        </pc:picChg>
+        <pc:picChg chg="add del mod">
+          <ac:chgData name="kothamanikanta2@outlook.com" userId="fee3ba77f589661d" providerId="LiveId" clId="{C086426E-0C7D-42A7-A957-92C2176DB329}" dt="2023-11-01T10:10:21.596" v="737" actId="478"/>
+          <ac:picMkLst>
+            <pc:docMk/>
+            <pc:sldMk cId="1153978083" sldId="262"/>
+            <ac:picMk id="8" creationId="{1753A610-3D5A-715C-E70B-434795162490}"/>
+          </ac:picMkLst>
+        </pc:picChg>
+      </pc:sldChg>
+      <pc:sldChg chg="new del">
+        <pc:chgData name="kothamanikanta2@outlook.com" userId="fee3ba77f589661d" providerId="LiveId" clId="{C086426E-0C7D-42A7-A957-92C2176DB329}" dt="2023-11-01T10:07:22.064" v="714" actId="47"/>
+        <pc:sldMkLst>
+          <pc:docMk/>
+          <pc:sldMk cId="1799128385" sldId="263"/>
+        </pc:sldMkLst>
+      </pc:sldChg>
+      <pc:sldChg chg="addSp delSp modSp new mod ord">
+        <pc:chgData name="kothamanikanta2@outlook.com" userId="fee3ba77f589661d" providerId="LiveId" clId="{C086426E-0C7D-42A7-A957-92C2176DB329}" dt="2023-11-01T10:17:01.798" v="790" actId="1076"/>
+        <pc:sldMkLst>
+          <pc:docMk/>
+          <pc:sldMk cId="2861336507" sldId="263"/>
+        </pc:sldMkLst>
+        <pc:spChg chg="del">
+          <ac:chgData name="kothamanikanta2@outlook.com" userId="fee3ba77f589661d" providerId="LiveId" clId="{C086426E-0C7D-42A7-A957-92C2176DB329}" dt="2023-11-01T10:07:34.268" v="718" actId="478"/>
+          <ac:spMkLst>
+            <pc:docMk/>
+            <pc:sldMk cId="2861336507" sldId="263"/>
+            <ac:spMk id="2" creationId="{BBD147EC-F04F-7A93-5422-AC8516238146}"/>
+          </ac:spMkLst>
+        </pc:spChg>
+        <pc:spChg chg="del">
+          <ac:chgData name="kothamanikanta2@outlook.com" userId="fee3ba77f589661d" providerId="LiveId" clId="{C086426E-0C7D-42A7-A957-92C2176DB329}" dt="2023-11-01T10:07:31.789" v="717" actId="478"/>
+          <ac:spMkLst>
+            <pc:docMk/>
+            <pc:sldMk cId="2861336507" sldId="263"/>
+            <ac:spMk id="3" creationId="{614556E2-E571-44D0-5C02-CA882F690E9D}"/>
+          </ac:spMkLst>
+        </pc:spChg>
+        <pc:spChg chg="add del mod">
+          <ac:chgData name="kothamanikanta2@outlook.com" userId="fee3ba77f589661d" providerId="LiveId" clId="{C086426E-0C7D-42A7-A957-92C2176DB329}" dt="2023-11-01T10:14:55.108" v="773"/>
+          <ac:spMkLst>
+            <pc:docMk/>
+            <pc:sldMk cId="2861336507" sldId="263"/>
+            <ac:spMk id="5" creationId="{A28C7747-AC1B-59AF-F027-9F47AB008514}"/>
+          </ac:spMkLst>
+        </pc:spChg>
+        <pc:spChg chg="add del mod">
+          <ac:chgData name="kothamanikanta2@outlook.com" userId="fee3ba77f589661d" providerId="LiveId" clId="{C086426E-0C7D-42A7-A957-92C2176DB329}" dt="2023-11-01T10:14:55.108" v="771"/>
+          <ac:spMkLst>
+            <pc:docMk/>
+            <pc:sldMk cId="2861336507" sldId="263"/>
+            <ac:spMk id="6" creationId="{240C33E7-81F6-C76A-4DE7-0EB24D65E4C5}"/>
+          </ac:spMkLst>
+        </pc:spChg>
+        <pc:spChg chg="add mod">
+          <ac:chgData name="kothamanikanta2@outlook.com" userId="fee3ba77f589661d" providerId="LiveId" clId="{C086426E-0C7D-42A7-A957-92C2176DB329}" dt="2023-11-01T10:16:56.318" v="789" actId="1076"/>
+          <ac:spMkLst>
+            <pc:docMk/>
+            <pc:sldMk cId="2861336507" sldId="263"/>
+            <ac:spMk id="7" creationId="{C30F21A3-F198-166D-EC7D-C9DA7646037C}"/>
+          </ac:spMkLst>
+        </pc:spChg>
+        <pc:spChg chg="add mod">
+          <ac:chgData name="kothamanikanta2@outlook.com" userId="fee3ba77f589661d" providerId="LiveId" clId="{C086426E-0C7D-42A7-A957-92C2176DB329}" dt="2023-11-01T10:17:01.798" v="790" actId="1076"/>
+          <ac:spMkLst>
+            <pc:docMk/>
+            <pc:sldMk cId="2861336507" sldId="263"/>
+            <ac:spMk id="8" creationId="{D91C30EF-9203-F92F-9BDC-BDEAA1F07883}"/>
+          </ac:spMkLst>
+        </pc:spChg>
+        <pc:picChg chg="add mod">
+          <ac:chgData name="kothamanikanta2@outlook.com" userId="fee3ba77f589661d" providerId="LiveId" clId="{C086426E-0C7D-42A7-A957-92C2176DB329}" dt="2023-11-01T10:16:52.279" v="788" actId="1076"/>
+          <ac:picMkLst>
+            <pc:docMk/>
+            <pc:sldMk cId="2861336507" sldId="263"/>
+            <ac:picMk id="4" creationId="{E22BB2DF-AD4E-E11B-18A5-8FE2EF0F2C8E}"/>
+          </ac:picMkLst>
+        </pc:picChg>
+      </pc:sldChg>
+      <pc:sldChg chg="addSp delSp modSp new mod">
+        <pc:chgData name="kothamanikanta2@outlook.com" userId="fee3ba77f589661d" providerId="LiveId" clId="{C086426E-0C7D-42A7-A957-92C2176DB329}" dt="2024-02-01T15:59:16.017" v="6007" actId="12385"/>
+        <pc:sldMkLst>
+          <pc:docMk/>
+          <pc:sldMk cId="283086270" sldId="264"/>
+        </pc:sldMkLst>
+        <pc:spChg chg="del mod">
+          <ac:chgData name="kothamanikanta2@outlook.com" userId="fee3ba77f589661d" providerId="LiveId" clId="{C086426E-0C7D-42A7-A957-92C2176DB329}" dt="2023-11-22T08:47:13.357" v="1181" actId="478"/>
+          <ac:spMkLst>
+            <pc:docMk/>
+            <pc:sldMk cId="283086270" sldId="264"/>
+            <ac:spMk id="2" creationId="{C2D397A9-9930-6CB0-DA8F-CEF5092AF5C2}"/>
+          </ac:spMkLst>
+        </pc:spChg>
+        <pc:spChg chg="del mod">
+          <ac:chgData name="kothamanikanta2@outlook.com" userId="fee3ba77f589661d" providerId="LiveId" clId="{C086426E-0C7D-42A7-A957-92C2176DB329}" dt="2023-11-01T10:26:45.731" v="877" actId="478"/>
+          <ac:spMkLst>
+            <pc:docMk/>
+            <pc:sldMk cId="283086270" sldId="264"/>
+            <ac:spMk id="3" creationId="{34B8F091-F396-1DCF-5699-69FBF870E406}"/>
+          </ac:spMkLst>
+        </pc:spChg>
+        <pc:spChg chg="add mod">
+          <ac:chgData name="kothamanikanta2@outlook.com" userId="fee3ba77f589661d" providerId="LiveId" clId="{C086426E-0C7D-42A7-A957-92C2176DB329}" dt="2024-02-01T15:58:08.761" v="5999" actId="1076"/>
+          <ac:spMkLst>
+            <pc:docMk/>
+            <pc:sldMk cId="283086270" sldId="264"/>
+            <ac:spMk id="4" creationId="{5296B14F-0A0B-A394-4145-7E8BCC8E9C4D}"/>
+          </ac:spMkLst>
+        </pc:spChg>
+        <pc:spChg chg="add del mod">
+          <ac:chgData name="kothamanikanta2@outlook.com" userId="fee3ba77f589661d" providerId="LiveId" clId="{C086426E-0C7D-42A7-A957-92C2176DB329}" dt="2023-11-26T14:00:41.714" v="3753" actId="478"/>
+          <ac:spMkLst>
+            <pc:docMk/>
+            <pc:sldMk cId="283086270" sldId="264"/>
+            <ac:spMk id="5" creationId="{5DAFCEFB-FAEF-A399-1DB1-B5EEB3585ACB}"/>
+          </ac:spMkLst>
+        </pc:spChg>
+        <pc:spChg chg="add">
+          <ac:chgData name="kothamanikanta2@outlook.com" userId="fee3ba77f589661d" providerId="LiveId" clId="{C086426E-0C7D-42A7-A957-92C2176DB329}" dt="2024-02-01T15:57:35.599" v="5998"/>
+          <ac:spMkLst>
+            <pc:docMk/>
+            <pc:sldMk cId="283086270" sldId="264"/>
+            <ac:spMk id="5" creationId="{8613FF2F-2C0F-1E93-42D0-7DCD5666DCAE}"/>
+          </ac:spMkLst>
+        </pc:spChg>
+        <pc:spChg chg="add del mod">
+          <ac:chgData name="kothamanikanta2@outlook.com" userId="fee3ba77f589661d" providerId="LiveId" clId="{C086426E-0C7D-42A7-A957-92C2176DB329}" dt="2023-11-22T08:47:17.169" v="1182" actId="478"/>
+          <ac:spMkLst>
+            <pc:docMk/>
+            <pc:sldMk cId="283086270" sldId="264"/>
+            <ac:spMk id="7" creationId="{3D18ED57-8CBD-6837-D7D6-3C6CF7FF0763}"/>
+          </ac:spMkLst>
+        </pc:spChg>
+        <pc:grpChg chg="mod">
+          <ac:chgData name="kothamanikanta2@outlook.com" userId="fee3ba77f589661d" providerId="LiveId" clId="{C086426E-0C7D-42A7-A957-92C2176DB329}" dt="2023-11-01T10:48:49.091" v="963"/>
+          <ac:grpSpMkLst>
+            <pc:docMk/>
+            <pc:sldMk cId="283086270" sldId="264"/>
+            <ac:grpSpMk id="8" creationId="{5E7F078F-DB8C-BD51-C46D-83CF5CFAC71F}"/>
+          </ac:grpSpMkLst>
+        </pc:grpChg>
+        <pc:graphicFrameChg chg="add mod modGraphic">
+          <ac:chgData name="kothamanikanta2@outlook.com" userId="fee3ba77f589661d" providerId="LiveId" clId="{C086426E-0C7D-42A7-A957-92C2176DB329}" dt="2024-02-01T15:59:16.017" v="6007" actId="12385"/>
+          <ac:graphicFrameMkLst>
+            <pc:docMk/>
+            <pc:sldMk cId="283086270" sldId="264"/>
+            <ac:graphicFrameMk id="2" creationId="{797394AB-A8D4-F8A5-13C6-2892FC27C87A}"/>
+          </ac:graphicFrameMkLst>
+        </pc:graphicFrameChg>
+        <pc:picChg chg="add del mod">
+          <ac:chgData name="kothamanikanta2@outlook.com" userId="fee3ba77f589661d" providerId="LiveId" clId="{C086426E-0C7D-42A7-A957-92C2176DB329}" dt="2023-11-28T15:53:36.001" v="4299" actId="478"/>
+          <ac:picMkLst>
+            <pc:docMk/>
+            <pc:sldMk cId="283086270" sldId="264"/>
+            <ac:picMk id="3" creationId="{D5258182-EC62-FF31-36EC-BC38DC582278}"/>
+          </ac:picMkLst>
+        </pc:picChg>
+        <pc:inkChg chg="add del mod">
+          <ac:chgData name="kothamanikanta2@outlook.com" userId="fee3ba77f589661d" providerId="LiveId" clId="{C086426E-0C7D-42A7-A957-92C2176DB329}" dt="2023-11-01T10:48:49.452" v="964" actId="9405"/>
+          <ac:inkMkLst>
+            <pc:docMk/>
+            <pc:sldMk cId="283086270" sldId="264"/>
+            <ac:inkMk id="6" creationId="{6CDEA6A0-7B85-B65B-28C9-A74E5BCA1C6D}"/>
+          </ac:inkMkLst>
+        </pc:inkChg>
+        <pc:inkChg chg="add del mod">
+          <ac:chgData name="kothamanikanta2@outlook.com" userId="fee3ba77f589661d" providerId="LiveId" clId="{C086426E-0C7D-42A7-A957-92C2176DB329}" dt="2023-11-01T10:48:49.091" v="963"/>
+          <ac:inkMkLst>
+            <pc:docMk/>
+            <pc:sldMk cId="283086270" sldId="264"/>
+            <ac:inkMk id="7" creationId="{3DD911F8-1B9B-D6AE-0B39-54142698606E}"/>
+          </ac:inkMkLst>
+        </pc:inkChg>
+      </pc:sldChg>
+      <pc:sldChg chg="addSp delSp modSp new mod">
+        <pc:chgData name="kothamanikanta2@outlook.com" userId="fee3ba77f589661d" providerId="LiveId" clId="{C086426E-0C7D-42A7-A957-92C2176DB329}" dt="2024-02-01T15:59:27.844" v="6008" actId="12385"/>
+        <pc:sldMkLst>
+          <pc:docMk/>
+          <pc:sldMk cId="2547628497" sldId="265"/>
+        </pc:sldMkLst>
+        <pc:spChg chg="mod">
+          <ac:chgData name="kothamanikanta2@outlook.com" userId="fee3ba77f589661d" providerId="LiveId" clId="{C086426E-0C7D-42A7-A957-92C2176DB329}" dt="2023-11-26T06:09:24.912" v="3690" actId="27636"/>
+          <ac:spMkLst>
+            <pc:docMk/>
+            <pc:sldMk cId="2547628497" sldId="265"/>
+            <ac:spMk id="2" creationId="{526C7C04-38B3-27EB-B2DD-39E016715DE3}"/>
+          </ac:spMkLst>
+        </pc:spChg>
+        <pc:spChg chg="del mod">
+          <ac:chgData name="kothamanikanta2@outlook.com" userId="fee3ba77f589661d" providerId="LiveId" clId="{C086426E-0C7D-42A7-A957-92C2176DB329}" dt="2023-11-22T08:17:15.988" v="1045" actId="478"/>
+          <ac:spMkLst>
+            <pc:docMk/>
+            <pc:sldMk cId="2547628497" sldId="265"/>
+            <ac:spMk id="3" creationId="{8BFA3353-B359-A8FA-CB3A-B8DA1D05A358}"/>
+          </ac:spMkLst>
+        </pc:spChg>
+        <pc:spChg chg="add del mod">
+          <ac:chgData name="kothamanikanta2@outlook.com" userId="fee3ba77f589661d" providerId="LiveId" clId="{C086426E-0C7D-42A7-A957-92C2176DB329}" dt="2023-11-26T14:00:33.346" v="3752" actId="478"/>
+          <ac:spMkLst>
+            <pc:docMk/>
+            <pc:sldMk cId="2547628497" sldId="265"/>
+            <ac:spMk id="4" creationId="{0927EF5D-D15A-4F29-1171-8F969BD31742}"/>
+          </ac:spMkLst>
+        </pc:spChg>
+        <pc:spChg chg="add">
+          <ac:chgData name="kothamanikanta2@outlook.com" userId="fee3ba77f589661d" providerId="LiveId" clId="{C086426E-0C7D-42A7-A957-92C2176DB329}" dt="2024-02-01T15:57:35.599" v="5998"/>
+          <ac:spMkLst>
+            <pc:docMk/>
+            <pc:sldMk cId="2547628497" sldId="265"/>
+            <ac:spMk id="4" creationId="{AFCDAAE7-1A53-DB1C-5447-0BBE3D5E975A}"/>
+          </ac:spMkLst>
+        </pc:spChg>
+        <pc:graphicFrameChg chg="add mod modGraphic">
+          <ac:chgData name="kothamanikanta2@outlook.com" userId="fee3ba77f589661d" providerId="LiveId" clId="{C086426E-0C7D-42A7-A957-92C2176DB329}" dt="2024-02-01T15:59:27.844" v="6008" actId="12385"/>
+          <ac:graphicFrameMkLst>
+            <pc:docMk/>
+            <pc:sldMk cId="2547628497" sldId="265"/>
+            <ac:graphicFrameMk id="3" creationId="{98AC2847-1574-CECA-4B32-902A701638B6}"/>
+          </ac:graphicFrameMkLst>
+        </pc:graphicFrameChg>
+        <pc:graphicFrameChg chg="add del mod modGraphic">
+          <ac:chgData name="kothamanikanta2@outlook.com" userId="fee3ba77f589661d" providerId="LiveId" clId="{C086426E-0C7D-42A7-A957-92C2176DB329}" dt="2023-11-28T15:53:06.365" v="4291"/>
+          <ac:graphicFrameMkLst>
+            <pc:docMk/>
+            <pc:sldMk cId="2547628497" sldId="265"/>
+            <ac:graphicFrameMk id="3" creationId="{D6813765-9C6B-E528-7A27-CB535665F8F5}"/>
+          </ac:graphicFrameMkLst>
+        </pc:graphicFrameChg>
+        <pc:graphicFrameChg chg="add del mod modGraphic">
+          <ac:chgData name="kothamanikanta2@outlook.com" userId="fee3ba77f589661d" providerId="LiveId" clId="{C086426E-0C7D-42A7-A957-92C2176DB329}" dt="2023-11-22T08:54:39.915" v="1249" actId="478"/>
+          <ac:graphicFrameMkLst>
+            <pc:docMk/>
+            <pc:sldMk cId="2547628497" sldId="265"/>
+            <ac:graphicFrameMk id="6" creationId="{5E5F97FB-68D5-DDCD-F132-BAC6D0440232}"/>
+          </ac:graphicFrameMkLst>
+        </pc:graphicFrameChg>
+        <pc:graphicFrameChg chg="add del mod">
+          <ac:chgData name="kothamanikanta2@outlook.com" userId="fee3ba77f589661d" providerId="LiveId" clId="{C086426E-0C7D-42A7-A957-92C2176DB329}" dt="2023-11-28T15:53:04.967" v="4280"/>
+          <ac:graphicFrameMkLst>
+            <pc:docMk/>
+            <pc:sldMk cId="2547628497" sldId="265"/>
+            <ac:graphicFrameMk id="6" creationId="{F450D497-2CF3-2EE2-695B-382217A48DE4}"/>
+          </ac:graphicFrameMkLst>
+        </pc:graphicFrameChg>
+        <pc:graphicFrameChg chg="add del mod modGraphic">
+          <ac:chgData name="kothamanikanta2@outlook.com" userId="fee3ba77f589661d" providerId="LiveId" clId="{C086426E-0C7D-42A7-A957-92C2176DB329}" dt="2024-01-27T14:23:10.069" v="5050" actId="478"/>
+          <ac:graphicFrameMkLst>
+            <pc:docMk/>
+            <pc:sldMk cId="2547628497" sldId="265"/>
+            <ac:graphicFrameMk id="7" creationId="{76AD8044-872F-63D5-6914-1EBAEF091141}"/>
+          </ac:graphicFrameMkLst>
+        </pc:graphicFrameChg>
+        <pc:picChg chg="add del mod">
+          <ac:chgData name="kothamanikanta2@outlook.com" userId="fee3ba77f589661d" providerId="LiveId" clId="{C086426E-0C7D-42A7-A957-92C2176DB329}" dt="2023-11-28T15:53:39.199" v="4300" actId="478"/>
+          <ac:picMkLst>
+            <pc:docMk/>
+            <pc:sldMk cId="2547628497" sldId="265"/>
+            <ac:picMk id="5" creationId="{6DFEECCA-1DD8-513D-1498-624A8D92E00F}"/>
+          </ac:picMkLst>
+        </pc:picChg>
+      </pc:sldChg>
+      <pc:sldChg chg="addSp delSp modSp new mod">
+        <pc:chgData name="kothamanikanta2@outlook.com" userId="fee3ba77f589661d" providerId="LiveId" clId="{C086426E-0C7D-42A7-A957-92C2176DB329}" dt="2024-02-01T15:59:32.610" v="6009" actId="12385"/>
+        <pc:sldMkLst>
+          <pc:docMk/>
+          <pc:sldMk cId="1958361094" sldId="266"/>
+        </pc:sldMkLst>
+        <pc:spChg chg="mod">
+          <ac:chgData name="kothamanikanta2@outlook.com" userId="fee3ba77f589661d" providerId="LiveId" clId="{C086426E-0C7D-42A7-A957-92C2176DB329}" dt="2023-11-26T04:19:46.633" v="3225" actId="14100"/>
+          <ac:spMkLst>
+            <pc:docMk/>
+            <pc:sldMk cId="1958361094" sldId="266"/>
+            <ac:spMk id="2" creationId="{BD7918D0-2AF6-74B2-32AC-4B6385FE6F09}"/>
+          </ac:spMkLst>
+        </pc:spChg>
+        <pc:spChg chg="del mod">
+          <ac:chgData name="kothamanikanta2@outlook.com" userId="fee3ba77f589661d" providerId="LiveId" clId="{C086426E-0C7D-42A7-A957-92C2176DB329}" dt="2023-11-22T08:52:36.473" v="1245" actId="478"/>
+          <ac:spMkLst>
+            <pc:docMk/>
+            <pc:sldMk cId="1958361094" sldId="266"/>
+            <ac:spMk id="3" creationId="{E226F266-005C-4CF9-D596-4E0C095E2776}"/>
+          </ac:spMkLst>
+        </pc:spChg>
+        <pc:spChg chg="add">
+          <ac:chgData name="kothamanikanta2@outlook.com" userId="fee3ba77f589661d" providerId="LiveId" clId="{C086426E-0C7D-42A7-A957-92C2176DB329}" dt="2024-02-01T15:57:35.599" v="5998"/>
+          <ac:spMkLst>
+            <pc:docMk/>
+            <pc:sldMk cId="1958361094" sldId="266"/>
+            <ac:spMk id="5" creationId="{E6326DF7-5EF9-F659-2805-68AF0BC5CEEE}"/>
+          </ac:spMkLst>
+        </pc:spChg>
+        <pc:graphicFrameChg chg="add del mod modGraphic">
+          <ac:chgData name="kothamanikanta2@outlook.com" userId="fee3ba77f589661d" providerId="LiveId" clId="{C086426E-0C7D-42A7-A957-92C2176DB329}" dt="2023-11-28T15:55:10.841" v="4345" actId="478"/>
+          <ac:graphicFrameMkLst>
+            <pc:docMk/>
+            <pc:sldMk cId="1958361094" sldId="266"/>
+            <ac:graphicFrameMk id="3" creationId="{1ADCA8FD-C8BD-408B-716A-82C250810F52}"/>
+          </ac:graphicFrameMkLst>
+        </pc:graphicFrameChg>
+        <pc:graphicFrameChg chg="add mod modGraphic">
+          <ac:chgData name="kothamanikanta2@outlook.com" userId="fee3ba77f589661d" providerId="LiveId" clId="{C086426E-0C7D-42A7-A957-92C2176DB329}" dt="2024-02-01T15:59:32.610" v="6009" actId="12385"/>
+          <ac:graphicFrameMkLst>
+            <pc:docMk/>
+            <pc:sldMk cId="1958361094" sldId="266"/>
+            <ac:graphicFrameMk id="3" creationId="{D6CD445F-5322-EA82-009C-09F575F09809}"/>
+          </ac:graphicFrameMkLst>
+        </pc:graphicFrameChg>
+        <pc:graphicFrameChg chg="add del mod modGraphic">
+          <ac:chgData name="kothamanikanta2@outlook.com" userId="fee3ba77f589661d" providerId="LiveId" clId="{C086426E-0C7D-42A7-A957-92C2176DB329}" dt="2024-01-27T14:29:32.350" v="5241" actId="478"/>
+          <ac:graphicFrameMkLst>
+            <pc:docMk/>
+            <pc:sldMk cId="1958361094" sldId="266"/>
+            <ac:graphicFrameMk id="6" creationId="{4A489244-76AC-69B7-E5FD-7BD0FD1FA9AB}"/>
+          </ac:graphicFrameMkLst>
+        </pc:graphicFrameChg>
+        <pc:picChg chg="add del mod ord">
+          <ac:chgData name="kothamanikanta2@outlook.com" userId="fee3ba77f589661d" providerId="LiveId" clId="{C086426E-0C7D-42A7-A957-92C2176DB329}" dt="2023-11-28T15:58:12.484" v="4414" actId="478"/>
+          <ac:picMkLst>
+            <pc:docMk/>
+            <pc:sldMk cId="1958361094" sldId="266"/>
+            <ac:picMk id="4" creationId="{6E5DE524-7629-2B03-2BFF-7ECE4EE2D41F}"/>
+          </ac:picMkLst>
+        </pc:picChg>
+      </pc:sldChg>
+      <pc:sldChg chg="addSp delSp modSp new mod setBg delAnim modAnim">
+        <pc:chgData name="kothamanikanta2@outlook.com" userId="fee3ba77f589661d" providerId="LiveId" clId="{C086426E-0C7D-42A7-A957-92C2176DB329}" dt="2023-11-27T14:47:00.522" v="4056"/>
+        <pc:sldMkLst>
+          <pc:docMk/>
+          <pc:sldMk cId="3368940407" sldId="267"/>
+        </pc:sldMkLst>
+        <pc:spChg chg="mod">
+          <ac:chgData name="kothamanikanta2@outlook.com" userId="fee3ba77f589661d" providerId="LiveId" clId="{C086426E-0C7D-42A7-A957-92C2176DB329}" dt="2023-11-27T14:41:12.297" v="4045" actId="1076"/>
+          <ac:spMkLst>
+            <pc:docMk/>
+            <pc:sldMk cId="3368940407" sldId="267"/>
+            <ac:spMk id="2" creationId="{B3938F9E-7254-F384-7D48-FD09554572CF}"/>
+          </ac:spMkLst>
+        </pc:spChg>
+        <pc:spChg chg="del">
+          <ac:chgData name="kothamanikanta2@outlook.com" userId="fee3ba77f589661d" providerId="LiveId" clId="{C086426E-0C7D-42A7-A957-92C2176DB329}" dt="2023-11-22T08:40:49.867" v="1103" actId="478"/>
+          <ac:spMkLst>
+            <pc:docMk/>
+            <pc:sldMk cId="3368940407" sldId="267"/>
+            <ac:spMk id="3" creationId="{C63D57C3-F7D4-5C3B-110B-D78941D16B3F}"/>
+          </ac:spMkLst>
+        </pc:spChg>
+        <pc:graphicFrameChg chg="add del mod modGraphic">
+          <ac:chgData name="kothamanikanta2@outlook.com" userId="fee3ba77f589661d" providerId="LiveId" clId="{C086426E-0C7D-42A7-A957-92C2176DB329}" dt="2023-11-22T08:46:55.486" v="1177" actId="478"/>
+          <ac:graphicFrameMkLst>
+            <pc:docMk/>
+            <pc:sldMk cId="3368940407" sldId="267"/>
+            <ac:graphicFrameMk id="8" creationId="{8C0909D4-138C-5E07-C696-920410B44D3F}"/>
+          </ac:graphicFrameMkLst>
+        </pc:graphicFrameChg>
+        <pc:graphicFrameChg chg="add del mod">
+          <ac:chgData name="kothamanikanta2@outlook.com" userId="fee3ba77f589661d" providerId="LiveId" clId="{C086426E-0C7D-42A7-A957-92C2176DB329}" dt="2023-11-22T08:46:53.553" v="1176" actId="478"/>
+          <ac:graphicFrameMkLst>
+            <pc:docMk/>
+            <pc:sldMk cId="3368940407" sldId="267"/>
+            <ac:graphicFrameMk id="9" creationId="{AAF64153-A2CA-42A8-E7D4-E2192F29680F}"/>
+          </ac:graphicFrameMkLst>
+        </pc:graphicFrameChg>
+        <pc:picChg chg="add del mod">
+          <ac:chgData name="kothamanikanta2@outlook.com" userId="fee3ba77f589661d" providerId="LiveId" clId="{C086426E-0C7D-42A7-A957-92C2176DB329}" dt="2023-11-22T08:45:04.447" v="1112" actId="478"/>
+          <ac:picMkLst>
+            <pc:docMk/>
+            <pc:sldMk cId="3368940407" sldId="267"/>
+            <ac:picMk id="5" creationId="{9A98754D-DC5D-BD8D-4162-B8BDFBC7AE94}"/>
+          </ac:picMkLst>
+        </pc:picChg>
+        <pc:picChg chg="add del mod">
+          <ac:chgData name="kothamanikanta2@outlook.com" userId="fee3ba77f589661d" providerId="LiveId" clId="{C086426E-0C7D-42A7-A957-92C2176DB329}" dt="2023-11-22T08:43:43.357" v="1110" actId="478"/>
+          <ac:picMkLst>
+            <pc:docMk/>
+            <pc:sldMk cId="3368940407" sldId="267"/>
+            <ac:picMk id="7" creationId="{680AED40-ED73-0A07-08FA-F034DA95AE51}"/>
+          </ac:picMkLst>
+        </pc:picChg>
+      </pc:sldChg>
+      <pc:sldChg chg="addSp delSp modSp new mod">
+        <pc:chgData name="kothamanikanta2@outlook.com" userId="fee3ba77f589661d" providerId="LiveId" clId="{C086426E-0C7D-42A7-A957-92C2176DB329}" dt="2024-02-01T15:59:36.766" v="6010" actId="12385"/>
+        <pc:sldMkLst>
+          <pc:docMk/>
+          <pc:sldMk cId="230552811" sldId="268"/>
+        </pc:sldMkLst>
+        <pc:spChg chg="mod">
+          <ac:chgData name="kothamanikanta2@outlook.com" userId="fee3ba77f589661d" providerId="LiveId" clId="{C086426E-0C7D-42A7-A957-92C2176DB329}" dt="2023-11-26T14:01:10.111" v="3755" actId="1076"/>
+          <ac:spMkLst>
+            <pc:docMk/>
+            <pc:sldMk cId="230552811" sldId="268"/>
+            <ac:spMk id="2" creationId="{9BA66BEA-8D44-450C-721A-DED07F295069}"/>
+          </ac:spMkLst>
+        </pc:spChg>
+        <pc:spChg chg="del">
+          <ac:chgData name="kothamanikanta2@outlook.com" userId="fee3ba77f589661d" providerId="LiveId" clId="{C086426E-0C7D-42A7-A957-92C2176DB329}" dt="2023-11-22T09:06:33.628" v="1327"/>
+          <ac:spMkLst>
+            <pc:docMk/>
+            <pc:sldMk cId="230552811" sldId="268"/>
+            <ac:spMk id="3" creationId="{AE15278F-EC00-2C2D-537C-A2B1D2EBC3B9}"/>
+          </ac:spMkLst>
+        </pc:spChg>
+        <pc:spChg chg="add">
+          <ac:chgData name="kothamanikanta2@outlook.com" userId="fee3ba77f589661d" providerId="LiveId" clId="{C086426E-0C7D-42A7-A957-92C2176DB329}" dt="2024-02-01T15:57:35.599" v="5998"/>
+          <ac:spMkLst>
+            <pc:docMk/>
+            <pc:sldMk cId="230552811" sldId="268"/>
+            <ac:spMk id="5" creationId="{97227567-3119-A001-071A-2862377A2DEA}"/>
+          </ac:spMkLst>
+        </pc:spChg>
+        <pc:spChg chg="add del mod">
+          <ac:chgData name="kothamanikanta2@outlook.com" userId="fee3ba77f589661d" providerId="LiveId" clId="{C086426E-0C7D-42A7-A957-92C2176DB329}" dt="2023-11-28T16:00:49.931" v="4496" actId="478"/>
+          <ac:spMkLst>
+            <pc:docMk/>
+            <pc:sldMk cId="230552811" sldId="268"/>
+            <ac:spMk id="7" creationId="{66C2759F-0D08-C08A-0271-45AE69822B1E}"/>
+          </ac:spMkLst>
+        </pc:spChg>
+        <pc:graphicFrameChg chg="add del mod modGraphic">
+          <ac:chgData name="kothamanikanta2@outlook.com" userId="fee3ba77f589661d" providerId="LiveId" clId="{C086426E-0C7D-42A7-A957-92C2176DB329}" dt="2024-01-27T14:47:32.416" v="5450" actId="478"/>
+          <ac:graphicFrameMkLst>
+            <pc:docMk/>
+            <pc:sldMk cId="230552811" sldId="268"/>
+            <ac:graphicFrameMk id="3" creationId="{904AFC29-CC8B-373B-5C06-5F1B88833125}"/>
+          </ac:graphicFrameMkLst>
+        </pc:graphicFrameChg>
+        <pc:graphicFrameChg chg="add mod modGraphic">
+          <ac:chgData name="kothamanikanta2@outlook.com" userId="fee3ba77f589661d" providerId="LiveId" clId="{C086426E-0C7D-42A7-A957-92C2176DB329}" dt="2024-02-01T15:59:36.766" v="6010" actId="12385"/>
+          <ac:graphicFrameMkLst>
+            <pc:docMk/>
+            <pc:sldMk cId="230552811" sldId="268"/>
+            <ac:graphicFrameMk id="4" creationId="{F3319CFA-2467-FEF6-A70F-651F8BF7C14E}"/>
+          </ac:graphicFrameMkLst>
+        </pc:graphicFrameChg>
+        <pc:picChg chg="add del mod ord">
+          <ac:chgData name="kothamanikanta2@outlook.com" userId="fee3ba77f589661d" providerId="LiveId" clId="{C086426E-0C7D-42A7-A957-92C2176DB329}" dt="2023-11-28T16:00:46.884" v="4495" actId="478"/>
+          <ac:picMkLst>
+            <pc:docMk/>
+            <pc:sldMk cId="230552811" sldId="268"/>
+            <ac:picMk id="4" creationId="{14F60DD2-6C1F-383D-6D67-9D5947BED77E}"/>
+          </ac:picMkLst>
+        </pc:picChg>
+      </pc:sldChg>
+      <pc:sldChg chg="addSp delSp modSp new del mod">
+        <pc:chgData name="kothamanikanta2@outlook.com" userId="fee3ba77f589661d" providerId="LiveId" clId="{C086426E-0C7D-42A7-A957-92C2176DB329}" dt="2023-11-26T14:22:40.637" v="3779" actId="47"/>
+        <pc:sldMkLst>
+          <pc:docMk/>
+          <pc:sldMk cId="1833674735" sldId="269"/>
+        </pc:sldMkLst>
+        <pc:spChg chg="mod">
+          <ac:chgData name="kothamanikanta2@outlook.com" userId="fee3ba77f589661d" providerId="LiveId" clId="{C086426E-0C7D-42A7-A957-92C2176DB329}" dt="2023-11-26T04:21:47.524" v="3484" actId="14100"/>
+          <ac:spMkLst>
+            <pc:docMk/>
+            <pc:sldMk cId="1833674735" sldId="269"/>
+            <ac:spMk id="2" creationId="{7F375BF7-FA6B-9AC6-63EF-FE79B5058916}"/>
+          </ac:spMkLst>
+        </pc:spChg>
+        <pc:spChg chg="del">
+          <ac:chgData name="kothamanikanta2@outlook.com" userId="fee3ba77f589661d" providerId="LiveId" clId="{C086426E-0C7D-42A7-A957-92C2176DB329}" dt="2023-11-22T09:14:40.804" v="1514"/>
+          <ac:spMkLst>
+            <pc:docMk/>
+            <pc:sldMk cId="1833674735" sldId="269"/>
+            <ac:spMk id="3" creationId="{9D971B7D-9894-62D0-1C40-1D0A1FF6CF5B}"/>
+          </ac:spMkLst>
+        </pc:spChg>
+        <pc:picChg chg="add mod">
+          <ac:chgData name="kothamanikanta2@outlook.com" userId="fee3ba77f589661d" providerId="LiveId" clId="{C086426E-0C7D-42A7-A957-92C2176DB329}" dt="2023-11-26T04:21:54.361" v="3488" actId="14100"/>
+          <ac:picMkLst>
+            <pc:docMk/>
+            <pc:sldMk cId="1833674735" sldId="269"/>
+            <ac:picMk id="4" creationId="{3B841555-9837-D540-09E7-21F79E1D6DBD}"/>
+          </ac:picMkLst>
+        </pc:picChg>
+      </pc:sldChg>
+      <pc:sldChg chg="addSp delSp modSp new del mod">
+        <pc:chgData name="kothamanikanta2@outlook.com" userId="fee3ba77f589661d" providerId="LiveId" clId="{C086426E-0C7D-42A7-A957-92C2176DB329}" dt="2023-11-26T14:22:31.670" v="3778" actId="47"/>
+        <pc:sldMkLst>
+          <pc:docMk/>
+          <pc:sldMk cId="3633643091" sldId="270"/>
+        </pc:sldMkLst>
+        <pc:spChg chg="mod">
+          <ac:chgData name="kothamanikanta2@outlook.com" userId="fee3ba77f589661d" providerId="LiveId" clId="{C086426E-0C7D-42A7-A957-92C2176DB329}" dt="2023-11-26T04:23:01.237" v="3595" actId="14100"/>
+          <ac:spMkLst>
+            <pc:docMk/>
+            <pc:sldMk cId="3633643091" sldId="270"/>
+            <ac:spMk id="2" creationId="{D2213C0A-CED8-3DDF-5798-9118403295F4}"/>
+          </ac:spMkLst>
+        </pc:spChg>
+        <pc:spChg chg="del">
+          <ac:chgData name="kothamanikanta2@outlook.com" userId="fee3ba77f589661d" providerId="LiveId" clId="{C086426E-0C7D-42A7-A957-92C2176DB329}" dt="2023-11-22T09:17:20.032" v="1524"/>
+          <ac:spMkLst>
+            <pc:docMk/>
+            <pc:sldMk cId="3633643091" sldId="270"/>
+            <ac:spMk id="3" creationId="{461CAF57-4C14-8DCB-2538-C757B4F0FA9E}"/>
+          </ac:spMkLst>
+        </pc:spChg>
+        <pc:picChg chg="add mod">
+          <ac:chgData name="kothamanikanta2@outlook.com" userId="fee3ba77f589661d" providerId="LiveId" clId="{C086426E-0C7D-42A7-A957-92C2176DB329}" dt="2023-11-26T04:23:22.888" v="3603" actId="1076"/>
+          <ac:picMkLst>
+            <pc:docMk/>
+            <pc:sldMk cId="3633643091" sldId="270"/>
+            <ac:picMk id="4" creationId="{67D83E0B-8E92-379A-F509-37E9A8A97C52}"/>
+          </ac:picMkLst>
+        </pc:picChg>
+      </pc:sldChg>
+      <pc:sldChg chg="addSp delSp modSp new del mod">
+        <pc:chgData name="kothamanikanta2@outlook.com" userId="fee3ba77f589661d" providerId="LiveId" clId="{C086426E-0C7D-42A7-A957-92C2176DB329}" dt="2023-11-26T14:22:26.462" v="3777" actId="47"/>
+        <pc:sldMkLst>
+          <pc:docMk/>
+          <pc:sldMk cId="2936763220" sldId="271"/>
+        </pc:sldMkLst>
+        <pc:spChg chg="mod">
+          <ac:chgData name="kothamanikanta2@outlook.com" userId="fee3ba77f589661d" providerId="LiveId" clId="{C086426E-0C7D-42A7-A957-92C2176DB329}" dt="2023-11-26T04:23:55.658" v="3618" actId="1076"/>
+          <ac:spMkLst>
+            <pc:docMk/>
+            <pc:sldMk cId="2936763220" sldId="271"/>
+            <ac:spMk id="2" creationId="{83015288-2CBA-56A3-9DB8-F4444C54C382}"/>
+          </ac:spMkLst>
+        </pc:spChg>
+        <pc:spChg chg="del mod">
+          <ac:chgData name="kothamanikanta2@outlook.com" userId="fee3ba77f589661d" providerId="LiveId" clId="{C086426E-0C7D-42A7-A957-92C2176DB329}" dt="2023-11-25T06:39:38.487" v="2685" actId="478"/>
+          <ac:spMkLst>
+            <pc:docMk/>
+            <pc:sldMk cId="2936763220" sldId="271"/>
+            <ac:spMk id="3" creationId="{5773EE55-5AC3-DAFB-C9BB-291ED254DD3A}"/>
+          </ac:spMkLst>
+        </pc:spChg>
+        <pc:spChg chg="add del mod">
+          <ac:chgData name="kothamanikanta2@outlook.com" userId="fee3ba77f589661d" providerId="LiveId" clId="{C086426E-0C7D-42A7-A957-92C2176DB329}" dt="2023-11-22T09:18:45.580" v="1547"/>
+          <ac:spMkLst>
+            <pc:docMk/>
+            <pc:sldMk cId="2936763220" sldId="271"/>
+            <ac:spMk id="5" creationId="{E42EE17B-1CBB-C2EE-B5DE-2930D630854B}"/>
+          </ac:spMkLst>
+        </pc:spChg>
+        <pc:picChg chg="add mod">
+          <ac:chgData name="kothamanikanta2@outlook.com" userId="fee3ba77f589661d" providerId="LiveId" clId="{C086426E-0C7D-42A7-A957-92C2176DB329}" dt="2023-11-26T04:23:58.394" v="3619" actId="14100"/>
+          <ac:picMkLst>
+            <pc:docMk/>
+            <pc:sldMk cId="2936763220" sldId="271"/>
+            <ac:picMk id="6" creationId="{79C019A8-012A-4940-FAD6-B2811E4D855E}"/>
+          </ac:picMkLst>
+        </pc:picChg>
+      </pc:sldChg>
+      <pc:sldChg chg="addSp delSp modSp new mod">
+        <pc:chgData name="kothamanikanta2@outlook.com" userId="fee3ba77f589661d" providerId="LiveId" clId="{C086426E-0C7D-42A7-A957-92C2176DB329}" dt="2024-02-01T15:59:41.170" v="6011" actId="12385"/>
+        <pc:sldMkLst>
+          <pc:docMk/>
+          <pc:sldMk cId="3292129419" sldId="272"/>
+        </pc:sldMkLst>
+        <pc:spChg chg="mod">
+          <ac:chgData name="kothamanikanta2@outlook.com" userId="fee3ba77f589661d" providerId="LiveId" clId="{C086426E-0C7D-42A7-A957-92C2176DB329}" dt="2023-11-26T04:25:03.341" v="3636" actId="1076"/>
+          <ac:spMkLst>
+            <pc:docMk/>
+            <pc:sldMk cId="3292129419" sldId="272"/>
+            <ac:spMk id="2" creationId="{A99682E7-16C1-460B-75A4-F360E278C345}"/>
+          </ac:spMkLst>
+        </pc:spChg>
+        <pc:spChg chg="del">
+          <ac:chgData name="kothamanikanta2@outlook.com" userId="fee3ba77f589661d" providerId="LiveId" clId="{C086426E-0C7D-42A7-A957-92C2176DB329}" dt="2023-11-23T03:57:53.359" v="2305" actId="478"/>
+          <ac:spMkLst>
+            <pc:docMk/>
+            <pc:sldMk cId="3292129419" sldId="272"/>
+            <ac:spMk id="3" creationId="{1118B277-9A00-FEE9-16A1-EC4A0742F695}"/>
+          </ac:spMkLst>
+        </pc:spChg>
+        <pc:spChg chg="add">
+          <ac:chgData name="kothamanikanta2@outlook.com" userId="fee3ba77f589661d" providerId="LiveId" clId="{C086426E-0C7D-42A7-A957-92C2176DB329}" dt="2024-02-01T15:57:35.599" v="5998"/>
+          <ac:spMkLst>
+            <pc:docMk/>
+            <pc:sldMk cId="3292129419" sldId="272"/>
+            <ac:spMk id="4" creationId="{BB575AF9-6889-4C43-6349-B5275FD405FA}"/>
+          </ac:spMkLst>
+        </pc:spChg>
+        <pc:graphicFrameChg chg="add mod modGraphic">
+          <ac:chgData name="kothamanikanta2@outlook.com" userId="fee3ba77f589661d" providerId="LiveId" clId="{C086426E-0C7D-42A7-A957-92C2176DB329}" dt="2024-02-01T15:59:41.170" v="6011" actId="12385"/>
+          <ac:graphicFrameMkLst>
+            <pc:docMk/>
+            <pc:sldMk cId="3292129419" sldId="272"/>
+            <ac:graphicFrameMk id="3" creationId="{28ACCF4B-81CA-E474-44AB-8AA8F3BE9E86}"/>
+          </ac:graphicFrameMkLst>
+        </pc:graphicFrameChg>
+        <pc:picChg chg="add del mod">
+          <ac:chgData name="kothamanikanta2@outlook.com" userId="fee3ba77f589661d" providerId="LiveId" clId="{C086426E-0C7D-42A7-A957-92C2176DB329}" dt="2023-11-26T14:23:18.685" v="3781" actId="478"/>
+          <ac:picMkLst>
+            <pc:docMk/>
+            <pc:sldMk cId="3292129419" sldId="272"/>
+            <ac:picMk id="4" creationId="{B38575A8-E359-5F95-39A7-A06C666801DC}"/>
+          </ac:picMkLst>
+        </pc:picChg>
+        <pc:picChg chg="add del mod">
+          <ac:chgData name="kothamanikanta2@outlook.com" userId="fee3ba77f589661d" providerId="LiveId" clId="{C086426E-0C7D-42A7-A957-92C2176DB329}" dt="2023-11-28T16:05:36.423" v="4668" actId="478"/>
+          <ac:picMkLst>
+            <pc:docMk/>
+            <pc:sldMk cId="3292129419" sldId="272"/>
+            <ac:picMk id="5" creationId="{8086F2F9-3AAC-15E9-7C60-FD49C1A0A8A8}"/>
+          </ac:picMkLst>
+        </pc:picChg>
+      </pc:sldChg>
+      <pc:sldChg chg="addSp delSp modSp new mod ord">
+        <pc:chgData name="kothamanikanta2@outlook.com" userId="fee3ba77f589661d" providerId="LiveId" clId="{C086426E-0C7D-42A7-A957-92C2176DB329}" dt="2024-02-01T15:57:35.599" v="5998"/>
+        <pc:sldMkLst>
+          <pc:docMk/>
+          <pc:sldMk cId="3023639347" sldId="273"/>
+        </pc:sldMkLst>
+        <pc:spChg chg="mod">
+          <ac:chgData name="kothamanikanta2@outlook.com" userId="fee3ba77f589661d" providerId="LiveId" clId="{C086426E-0C7D-42A7-A957-92C2176DB329}" dt="2023-11-26T14:46:58.224" v="3957" actId="1076"/>
+          <ac:spMkLst>
+            <pc:docMk/>
+            <pc:sldMk cId="3023639347" sldId="273"/>
+            <ac:spMk id="2" creationId="{412598FA-CD78-833D-772D-61C605DFAAA6}"/>
+          </ac:spMkLst>
+        </pc:spChg>
+        <pc:spChg chg="del">
+          <ac:chgData name="kothamanikanta2@outlook.com" userId="fee3ba77f589661d" providerId="LiveId" clId="{C086426E-0C7D-42A7-A957-92C2176DB329}" dt="2023-11-22T09:24:01.575" v="1601"/>
+          <ac:spMkLst>
+            <pc:docMk/>
+            <pc:sldMk cId="3023639347" sldId="273"/>
+            <ac:spMk id="3" creationId="{50E5C6D0-3054-97C1-FF84-32E705B6B0DA}"/>
+          </ac:spMkLst>
+        </pc:spChg>
+        <pc:spChg chg="add del mod">
+          <ac:chgData name="kothamanikanta2@outlook.com" userId="fee3ba77f589661d" providerId="LiveId" clId="{C086426E-0C7D-42A7-A957-92C2176DB329}" dt="2023-11-23T03:21:06.244" v="1918" actId="478"/>
+          <ac:spMkLst>
+            <pc:docMk/>
+            <pc:sldMk cId="3023639347" sldId="273"/>
+            <ac:spMk id="4" creationId="{9C2ADFE4-51B8-C1FF-28FE-6707108D63F6}"/>
+          </ac:spMkLst>
+        </pc:spChg>
+        <pc:spChg chg="add">
+          <ac:chgData name="kothamanikanta2@outlook.com" userId="fee3ba77f589661d" providerId="LiveId" clId="{C086426E-0C7D-42A7-A957-92C2176DB329}" dt="2024-02-01T15:57:35.599" v="5998"/>
+          <ac:spMkLst>
+            <pc:docMk/>
+            <pc:sldMk cId="3023639347" sldId="273"/>
+            <ac:spMk id="4" creationId="{A758DF46-5C93-6CD2-729F-CBA56082E7A5}"/>
+          </ac:spMkLst>
+        </pc:spChg>
+        <pc:spChg chg="add del">
+          <ac:chgData name="kothamanikanta2@outlook.com" userId="fee3ba77f589661d" providerId="LiveId" clId="{C086426E-0C7D-42A7-A957-92C2176DB329}" dt="2023-11-22T09:23:14.642" v="1585" actId="22"/>
+          <ac:spMkLst>
+            <pc:docMk/>
+            <pc:sldMk cId="3023639347" sldId="273"/>
+            <ac:spMk id="5" creationId="{B51D775E-A54B-05C7-BB64-8D0A9943D927}"/>
+          </ac:spMkLst>
+        </pc:spChg>
+        <pc:spChg chg="add mod">
+          <ac:chgData name="kothamanikanta2@outlook.com" userId="fee3ba77f589661d" providerId="LiveId" clId="{C086426E-0C7D-42A7-A957-92C2176DB329}" dt="2023-11-22T09:30:55.486" v="1636" actId="1076"/>
+          <ac:spMkLst>
+            <pc:docMk/>
+            <pc:sldMk cId="3023639347" sldId="273"/>
+            <ac:spMk id="7" creationId="{43791EDA-CA57-F223-1164-032D49E67AF4}"/>
+          </ac:spMkLst>
+        </pc:spChg>
+        <pc:picChg chg="del">
+          <ac:chgData name="kothamanikanta2@outlook.com" userId="fee3ba77f589661d" providerId="LiveId" clId="{C086426E-0C7D-42A7-A957-92C2176DB329}" dt="2023-11-23T03:20:36.046" v="1911" actId="478"/>
+          <ac:picMkLst>
+            <pc:docMk/>
+            <pc:sldMk cId="3023639347" sldId="273"/>
+            <ac:picMk id="5" creationId="{4D064E84-EEF6-3E02-3CF1-43937052BBEC}"/>
+          </ac:picMkLst>
+        </pc:picChg>
+        <pc:picChg chg="add mod">
+          <ac:chgData name="kothamanikanta2@outlook.com" userId="fee3ba77f589661d" providerId="LiveId" clId="{C086426E-0C7D-42A7-A957-92C2176DB329}" dt="2023-11-22T09:25:22.643" v="1615" actId="14100"/>
+          <ac:picMkLst>
+            <pc:docMk/>
+            <pc:sldMk cId="3023639347" sldId="273"/>
+            <ac:picMk id="6" creationId="{186D2A56-DDA1-CBA9-2A80-3A8A60E3D81C}"/>
+          </ac:picMkLst>
+        </pc:picChg>
+        <pc:picChg chg="add mod">
+          <ac:chgData name="kothamanikanta2@outlook.com" userId="fee3ba77f589661d" providerId="LiveId" clId="{C086426E-0C7D-42A7-A957-92C2176DB329}" dt="2023-11-23T03:21:13.170" v="1919" actId="1076"/>
+          <ac:picMkLst>
+            <pc:docMk/>
+            <pc:sldMk cId="3023639347" sldId="273"/>
+            <ac:picMk id="1026" creationId="{687E2E8B-FBFE-CA02-E672-D741F7E450F2}"/>
+          </ac:picMkLst>
+        </pc:picChg>
+      </pc:sldChg>
+      <pc:sldChg chg="addSp delSp modSp new mod ord">
+        <pc:chgData name="kothamanikanta2@outlook.com" userId="fee3ba77f589661d" providerId="LiveId" clId="{C086426E-0C7D-42A7-A957-92C2176DB329}" dt="2024-02-01T17:00:26.156" v="7896" actId="1076"/>
+        <pc:sldMkLst>
+          <pc:docMk/>
+          <pc:sldMk cId="2360101881" sldId="274"/>
+        </pc:sldMkLst>
+        <pc:spChg chg="mod">
+          <ac:chgData name="kothamanikanta2@outlook.com" userId="fee3ba77f589661d" providerId="LiveId" clId="{C086426E-0C7D-42A7-A957-92C2176DB329}" dt="2024-02-01T16:47:24.279" v="7203" actId="12"/>
+          <ac:spMkLst>
+            <pc:docMk/>
+            <pc:sldMk cId="2360101881" sldId="274"/>
+            <ac:spMk id="2" creationId="{5CD0402E-BCF0-2B05-51A1-936D65FBB591}"/>
+          </ac:spMkLst>
+        </pc:spChg>
+        <pc:spChg chg="del mod">
+          <ac:chgData name="kothamanikanta2@outlook.com" userId="fee3ba77f589661d" providerId="LiveId" clId="{C086426E-0C7D-42A7-A957-92C2176DB329}" dt="2023-11-22T10:53:49.063" v="1712" actId="21"/>
+          <ac:spMkLst>
+            <pc:docMk/>
+            <pc:sldMk cId="2360101881" sldId="274"/>
+            <ac:spMk id="3" creationId="{689DEE88-0FDC-AF0F-459B-DA756DD90E3E}"/>
+          </ac:spMkLst>
+        </pc:spChg>
+        <pc:spChg chg="add del mod">
+          <ac:chgData name="kothamanikanta2@outlook.com" userId="fee3ba77f589661d" providerId="LiveId" clId="{C086426E-0C7D-42A7-A957-92C2176DB329}" dt="2024-02-01T16:00:20.341" v="6012" actId="478"/>
+          <ac:spMkLst>
+            <pc:docMk/>
+            <pc:sldMk cId="2360101881" sldId="274"/>
+            <ac:spMk id="4" creationId="{27E053B1-39FC-42C7-9D53-F57E10D8712A}"/>
+          </ac:spMkLst>
+        </pc:spChg>
+        <pc:spChg chg="add del mod">
+          <ac:chgData name="kothamanikanta2@outlook.com" userId="fee3ba77f589661d" providerId="LiveId" clId="{C086426E-0C7D-42A7-A957-92C2176DB329}" dt="2024-02-01T16:00:29.350" v="6013" actId="478"/>
+          <ac:spMkLst>
+            <pc:docMk/>
+            <pc:sldMk cId="2360101881" sldId="274"/>
+            <ac:spMk id="5" creationId="{BDFD7088-3176-5C45-4C70-CCC245E95FA2}"/>
+          </ac:spMkLst>
+        </pc:spChg>
+        <pc:spChg chg="add mod">
+          <ac:chgData name="kothamanikanta2@outlook.com" userId="fee3ba77f589661d" providerId="LiveId" clId="{C086426E-0C7D-42A7-A957-92C2176DB329}" dt="2024-02-01T16:59:36.198" v="7889" actId="1076"/>
+          <ac:spMkLst>
+            <pc:docMk/>
+            <pc:sldMk cId="2360101881" sldId="274"/>
+            <ac:spMk id="6" creationId="{37C485A8-CDAA-A4FA-F816-D65B69002C00}"/>
+          </ac:spMkLst>
+        </pc:spChg>
+        <pc:spChg chg="add del mod">
+          <ac:chgData name="kothamanikanta2@outlook.com" userId="fee3ba77f589661d" providerId="LiveId" clId="{C086426E-0C7D-42A7-A957-92C2176DB329}" dt="2023-11-22T10:53:49.063" v="1714"/>
+          <ac:spMkLst>
+            <pc:docMk/>
+            <pc:sldMk cId="2360101881" sldId="274"/>
+            <ac:spMk id="6" creationId="{395C64E8-4E1F-06AB-0038-8AC4CAE217CB}"/>
+          </ac:spMkLst>
+        </pc:spChg>
+        <pc:spChg chg="add del mod">
+          <ac:chgData name="kothamanikanta2@outlook.com" userId="fee3ba77f589661d" providerId="LiveId" clId="{C086426E-0C7D-42A7-A957-92C2176DB329}" dt="2023-11-22T10:54:16.815" v="1722"/>
+          <ac:spMkLst>
+            <pc:docMk/>
+            <pc:sldMk cId="2360101881" sldId="274"/>
+            <ac:spMk id="7" creationId="{82B5AF31-FDE4-B1AA-C964-F6E8E9064AA6}"/>
+          </ac:spMkLst>
+        </pc:spChg>
+        <pc:spChg chg="add mod">
+          <ac:chgData name="kothamanikanta2@outlook.com" userId="fee3ba77f589661d" providerId="LiveId" clId="{C086426E-0C7D-42A7-A957-92C2176DB329}" dt="2024-02-01T16:59:40.264" v="7890" actId="1076"/>
+          <ac:spMkLst>
+            <pc:docMk/>
+            <pc:sldMk cId="2360101881" sldId="274"/>
+            <ac:spMk id="7" creationId="{ECC7AF18-A9BA-E68B-FA75-B232EF784684}"/>
+          </ac:spMkLst>
+        </pc:spChg>
+        <pc:spChg chg="add del mod">
+          <ac:chgData name="kothamanikanta2@outlook.com" userId="fee3ba77f589661d" providerId="LiveId" clId="{C086426E-0C7D-42A7-A957-92C2176DB329}" dt="2023-11-22T10:54:01.553" v="1717"/>
+          <ac:spMkLst>
+            <pc:docMk/>
+            <pc:sldMk cId="2360101881" sldId="274"/>
+            <ac:spMk id="8" creationId="{3627D1FC-8B28-EA39-EC61-FB9EF9EE067F}"/>
+          </ac:spMkLst>
+        </pc:spChg>
+        <pc:spChg chg="add mod">
+          <ac:chgData name="kothamanikanta2@outlook.com" userId="fee3ba77f589661d" providerId="LiveId" clId="{C086426E-0C7D-42A7-A957-92C2176DB329}" dt="2024-02-01T17:00:13.028" v="7894" actId="1076"/>
+          <ac:spMkLst>
+            <pc:docMk/>
+            <pc:sldMk cId="2360101881" sldId="274"/>
+            <ac:spMk id="8" creationId="{5E770087-52E7-A325-3876-2B26808A7853}"/>
+          </ac:spMkLst>
+        </pc:spChg>
+        <pc:spChg chg="add mod">
+          <ac:chgData name="kothamanikanta2@outlook.com" userId="fee3ba77f589661d" providerId="LiveId" clId="{C086426E-0C7D-42A7-A957-92C2176DB329}" dt="2024-02-01T17:00:26.156" v="7896" actId="1076"/>
+          <ac:spMkLst>
+            <pc:docMk/>
+            <pc:sldMk cId="2360101881" sldId="274"/>
+            <ac:spMk id="9" creationId="{A7DBCE2D-5342-4FBF-3C15-583DC79D572C}"/>
+          </ac:spMkLst>
+        </pc:spChg>
+        <pc:spChg chg="add del mod">
+          <ac:chgData name="kothamanikanta2@outlook.com" userId="fee3ba77f589661d" providerId="LiveId" clId="{C086426E-0C7D-42A7-A957-92C2176DB329}" dt="2023-11-22T10:54:16.815" v="1720" actId="21"/>
+          <ac:spMkLst>
+            <pc:docMk/>
+            <pc:sldMk cId="2360101881" sldId="274"/>
+            <ac:spMk id="9" creationId="{D23767BA-CC5A-49B2-5489-9313E4CDBBB6}"/>
+          </ac:spMkLst>
+        </pc:spChg>
+        <pc:spChg chg="add del mod">
+          <ac:chgData name="kothamanikanta2@outlook.com" userId="fee3ba77f589661d" providerId="LiveId" clId="{C086426E-0C7D-42A7-A957-92C2176DB329}" dt="2024-02-01T16:00:32.202" v="6014" actId="478"/>
+          <ac:spMkLst>
+            <pc:docMk/>
+            <pc:sldMk cId="2360101881" sldId="274"/>
+            <ac:spMk id="10" creationId="{4B124A8A-E640-AD69-B6F1-34566C705307}"/>
+          </ac:spMkLst>
+        </pc:spChg>
+      </pc:sldChg>
+      <pc:sldChg chg="addSp delSp modSp new mod">
+        <pc:chgData name="kothamanikanta2@outlook.com" userId="fee3ba77f589661d" providerId="LiveId" clId="{C086426E-0C7D-42A7-A957-92C2176DB329}" dt="2023-11-26T14:27:43.686" v="3837" actId="1076"/>
+        <pc:sldMkLst>
+          <pc:docMk/>
+          <pc:sldMk cId="1862772237" sldId="275"/>
+        </pc:sldMkLst>
+        <pc:spChg chg="add del mod">
+          <ac:chgData name="kothamanikanta2@outlook.com" userId="fee3ba77f589661d" providerId="LiveId" clId="{C086426E-0C7D-42A7-A957-92C2176DB329}" dt="2023-11-26T06:12:19.738" v="3734" actId="14100"/>
+          <ac:spMkLst>
+            <pc:docMk/>
+            <pc:sldMk cId="1862772237" sldId="275"/>
+            <ac:spMk id="2" creationId="{41D9E846-2046-C524-7D53-EA05B7009068}"/>
+          </ac:spMkLst>
+        </pc:spChg>
+        <pc:spChg chg="add del mod">
+          <ac:chgData name="kothamanikanta2@outlook.com" userId="fee3ba77f589661d" providerId="LiveId" clId="{C086426E-0C7D-42A7-A957-92C2176DB329}" dt="2023-11-22T11:03:02.171" v="1801" actId="21"/>
+          <ac:spMkLst>
+            <pc:docMk/>
+            <pc:sldMk cId="1862772237" sldId="275"/>
+            <ac:spMk id="3" creationId="{4980D986-E216-4E60-B0D4-DE678283095F}"/>
+          </ac:spMkLst>
+        </pc:spChg>
+        <pc:spChg chg="add del mod">
+          <ac:chgData name="kothamanikanta2@outlook.com" userId="fee3ba77f589661d" providerId="LiveId" clId="{C086426E-0C7D-42A7-A957-92C2176DB329}" dt="2023-11-22T11:01:30.292" v="1786" actId="21"/>
+          <ac:spMkLst>
+            <pc:docMk/>
+            <pc:sldMk cId="1862772237" sldId="275"/>
+            <ac:spMk id="7" creationId="{F9FE27FB-1469-9F23-17E1-A5F1B5A159D3}"/>
+          </ac:spMkLst>
+        </pc:spChg>
+        <pc:spChg chg="add del mod">
+          <ac:chgData name="kothamanikanta2@outlook.com" userId="fee3ba77f589661d" providerId="LiveId" clId="{C086426E-0C7D-42A7-A957-92C2176DB329}" dt="2023-11-22T11:02:54.198" v="1798" actId="478"/>
+          <ac:spMkLst>
+            <pc:docMk/>
+            <pc:sldMk cId="1862772237" sldId="275"/>
+            <ac:spMk id="9" creationId="{1F807E99-476E-187D-146E-11C85A7E39BB}"/>
+          </ac:spMkLst>
+        </pc:spChg>
+        <pc:spChg chg="add del mod">
+          <ac:chgData name="kothamanikanta2@outlook.com" userId="fee3ba77f589661d" providerId="LiveId" clId="{C086426E-0C7D-42A7-A957-92C2176DB329}" dt="2023-11-22T11:02:54.198" v="1798" actId="478"/>
+          <ac:spMkLst>
+            <pc:docMk/>
+            <pc:sldMk cId="1862772237" sldId="275"/>
+            <ac:spMk id="11" creationId="{6E7FC0DE-2F47-8B37-6B4D-8AB924290407}"/>
+          </ac:spMkLst>
+        </pc:spChg>
+        <pc:spChg chg="add del mod">
+          <ac:chgData name="kothamanikanta2@outlook.com" userId="fee3ba77f589661d" providerId="LiveId" clId="{C086426E-0C7D-42A7-A957-92C2176DB329}" dt="2023-11-22T11:03:18.900" v="1806"/>
+          <ac:spMkLst>
+            <pc:docMk/>
+            <pc:sldMk cId="1862772237" sldId="275"/>
+            <ac:spMk id="12" creationId="{E462AC1D-167E-B3E3-E481-40F8F8132171}"/>
+          </ac:spMkLst>
+        </pc:spChg>
+        <pc:spChg chg="add del mod">
+          <ac:chgData name="kothamanikanta2@outlook.com" userId="fee3ba77f589661d" providerId="LiveId" clId="{C086426E-0C7D-42A7-A957-92C2176DB329}" dt="2023-11-22T11:03:18.882" v="1804" actId="21"/>
+          <ac:spMkLst>
+            <pc:docMk/>
+            <pc:sldMk cId="1862772237" sldId="275"/>
+            <ac:spMk id="13" creationId="{0B8CC59E-D3F5-6214-3CE3-C8F75CE52D54}"/>
+          </ac:spMkLst>
+        </pc:spChg>
+        <pc:spChg chg="add mod">
+          <ac:chgData name="kothamanikanta2@outlook.com" userId="fee3ba77f589661d" providerId="LiveId" clId="{C086426E-0C7D-42A7-A957-92C2176DB329}" dt="2023-11-26T14:27:43.686" v="3837" actId="1076"/>
+          <ac:spMkLst>
+            <pc:docMk/>
+            <pc:sldMk cId="1862772237" sldId="275"/>
+            <ac:spMk id="14" creationId="{022C1AF5-0FE2-A4AF-51BB-69EAA34AEDE1}"/>
+          </ac:spMkLst>
+        </pc:spChg>
+        <pc:spChg chg="add mod ord">
+          <ac:chgData name="kothamanikanta2@outlook.com" userId="fee3ba77f589661d" providerId="LiveId" clId="{C086426E-0C7D-42A7-A957-92C2176DB329}" dt="2023-11-26T04:26:02.076" v="3644" actId="207"/>
+          <ac:spMkLst>
+            <pc:docMk/>
+            <pc:sldMk cId="1862772237" sldId="275"/>
+            <ac:spMk id="21" creationId="{603180F9-81DA-A93E-9101-7479BB9FADB0}"/>
+          </ac:spMkLst>
+        </pc:spChg>
+        <pc:picChg chg="add del mod">
+          <ac:chgData name="kothamanikanta2@outlook.com" userId="fee3ba77f589661d" providerId="LiveId" clId="{C086426E-0C7D-42A7-A957-92C2176DB329}" dt="2023-11-22T11:01:30.543" v="1787" actId="931"/>
+          <ac:picMkLst>
+            <pc:docMk/>
+            <pc:sldMk cId="1862772237" sldId="275"/>
+            <ac:picMk id="5" creationId="{CA54F75D-7A79-F5D1-DC1D-99FF8EA9F10C}"/>
+          </ac:picMkLst>
+        </pc:picChg>
+        <pc:picChg chg="add del mod">
+          <ac:chgData name="kothamanikanta2@outlook.com" userId="fee3ba77f589661d" providerId="LiveId" clId="{C086426E-0C7D-42A7-A957-92C2176DB329}" dt="2023-11-22T11:10:01.640" v="1843" actId="931"/>
+          <ac:picMkLst>
+            <pc:docMk/>
+            <pc:sldMk cId="1862772237" sldId="275"/>
+            <ac:picMk id="16" creationId="{A7E8371A-22C4-B118-007A-228628A3FF3A}"/>
+          </ac:picMkLst>
+        </pc:picChg>
+        <pc:picChg chg="add del mod">
+          <ac:chgData name="kothamanikanta2@outlook.com" userId="fee3ba77f589661d" providerId="LiveId" clId="{C086426E-0C7D-42A7-A957-92C2176DB329}" dt="2023-11-22T11:10:01.640" v="1843" actId="931"/>
+          <ac:picMkLst>
+            <pc:docMk/>
+            <pc:sldMk cId="1862772237" sldId="275"/>
+            <ac:picMk id="18" creationId="{252E1E37-7943-FF7D-3D23-F4DC1B1DE1F6}"/>
+          </ac:picMkLst>
+        </pc:picChg>
+        <pc:picChg chg="add mod">
+          <ac:chgData name="kothamanikanta2@outlook.com" userId="fee3ba77f589661d" providerId="LiveId" clId="{C086426E-0C7D-42A7-A957-92C2176DB329}" dt="2023-11-22T11:10:18.264" v="1845" actId="1076"/>
+          <ac:picMkLst>
+            <pc:docMk/>
+            <pc:sldMk cId="1862772237" sldId="275"/>
+            <ac:picMk id="20" creationId="{EE7F17B1-1D4E-2DB2-13D5-B8D9A8A0672B}"/>
+          </ac:picMkLst>
+        </pc:picChg>
+      </pc:sldChg>
+      <pc:sldChg chg="addSp delSp modSp new del mod">
+        <pc:chgData name="kothamanikanta2@outlook.com" userId="fee3ba77f589661d" providerId="LiveId" clId="{C086426E-0C7D-42A7-A957-92C2176DB329}" dt="2023-11-25T10:03:42.961" v="3023" actId="2696"/>
+        <pc:sldMkLst>
+          <pc:docMk/>
+          <pc:sldMk cId="1466749968" sldId="276"/>
+        </pc:sldMkLst>
+        <pc:spChg chg="del">
+          <ac:chgData name="kothamanikanta2@outlook.com" userId="fee3ba77f589661d" providerId="LiveId" clId="{C086426E-0C7D-42A7-A957-92C2176DB329}" dt="2023-11-22T11:17:54.989" v="1856" actId="478"/>
+          <ac:spMkLst>
+            <pc:docMk/>
+            <pc:sldMk cId="1466749968" sldId="276"/>
+            <ac:spMk id="2" creationId="{726388C8-1582-26AE-71C2-73C7CBED6FE9}"/>
+          </ac:spMkLst>
+        </pc:spChg>
+        <pc:spChg chg="add del mod">
+          <ac:chgData name="kothamanikanta2@outlook.com" userId="fee3ba77f589661d" providerId="LiveId" clId="{C086426E-0C7D-42A7-A957-92C2176DB329}" dt="2023-11-22T13:42:22.002" v="1885"/>
+          <ac:spMkLst>
+            <pc:docMk/>
+            <pc:sldMk cId="1466749968" sldId="276"/>
+            <ac:spMk id="2" creationId="{D18A526F-6666-762C-9CCA-1AA95BFB7BF1}"/>
+          </ac:spMkLst>
+        </pc:spChg>
+        <pc:spChg chg="del">
+          <ac:chgData name="kothamanikanta2@outlook.com" userId="fee3ba77f589661d" providerId="LiveId" clId="{C086426E-0C7D-42A7-A957-92C2176DB329}" dt="2023-11-22T11:19:16.781" v="1857" actId="478"/>
+          <ac:spMkLst>
+            <pc:docMk/>
+            <pc:sldMk cId="1466749968" sldId="276"/>
+            <ac:spMk id="3" creationId="{44498E58-0508-4A93-1312-A54743CC9F33}"/>
+          </ac:spMkLst>
+        </pc:spChg>
+        <pc:spChg chg="add mod">
+          <ac:chgData name="kothamanikanta2@outlook.com" userId="fee3ba77f589661d" providerId="LiveId" clId="{C086426E-0C7D-42A7-A957-92C2176DB329}" dt="2023-11-22T13:41:29.935" v="1882" actId="14100"/>
+          <ac:spMkLst>
+            <pc:docMk/>
+            <pc:sldMk cId="1466749968" sldId="276"/>
+            <ac:spMk id="6" creationId="{5293A3E8-06C1-E046-D179-DDD9A4262FE6}"/>
+          </ac:spMkLst>
+        </pc:spChg>
+        <pc:spChg chg="add del mod">
+          <ac:chgData name="kothamanikanta2@outlook.com" userId="fee3ba77f589661d" providerId="LiveId" clId="{C086426E-0C7D-42A7-A957-92C2176DB329}" dt="2023-11-22T11:50:25.536" v="1878"/>
+          <ac:spMkLst>
+            <pc:docMk/>
+            <pc:sldMk cId="1466749968" sldId="276"/>
+            <ac:spMk id="7" creationId="{6CA34E33-F16B-D87B-B791-AAA6BF6AB2A6}"/>
+          </ac:spMkLst>
+        </pc:spChg>
+        <pc:spChg chg="add del mod">
+          <ac:chgData name="kothamanikanta2@outlook.com" userId="fee3ba77f589661d" providerId="LiveId" clId="{C086426E-0C7D-42A7-A957-92C2176DB329}" dt="2023-11-22T11:50:25.536" v="1880"/>
+          <ac:spMkLst>
+            <pc:docMk/>
+            <pc:sldMk cId="1466749968" sldId="276"/>
+            <ac:spMk id="8" creationId="{5B291980-6B12-019A-6E50-D6C08B0204EC}"/>
+          </ac:spMkLst>
+        </pc:spChg>
+      </pc:sldChg>
+      <pc:sldChg chg="new del">
+        <pc:chgData name="kothamanikanta2@outlook.com" userId="fee3ba77f589661d" providerId="LiveId" clId="{C086426E-0C7D-42A7-A957-92C2176DB329}" dt="2023-11-22T13:48:01.979" v="1905" actId="680"/>
+        <pc:sldMkLst>
+          <pc:docMk/>
+          <pc:sldMk cId="2287762951" sldId="277"/>
+        </pc:sldMkLst>
+      </pc:sldChg>
+      <pc:sldChg chg="addSp modSp new mod">
+        <pc:chgData name="kothamanikanta2@outlook.com" userId="fee3ba77f589661d" providerId="LiveId" clId="{C086426E-0C7D-42A7-A957-92C2176DB329}" dt="2024-02-01T15:57:35.599" v="5998"/>
+        <pc:sldMkLst>
+          <pc:docMk/>
+          <pc:sldMk cId="3580402968" sldId="277"/>
+        </pc:sldMkLst>
+        <pc:spChg chg="mod">
+          <ac:chgData name="kothamanikanta2@outlook.com" userId="fee3ba77f589661d" providerId="LiveId" clId="{C086426E-0C7D-42A7-A957-92C2176DB329}" dt="2024-01-24T15:38:18.007" v="4729" actId="1076"/>
+          <ac:spMkLst>
+            <pc:docMk/>
+            <pc:sldMk cId="3580402968" sldId="277"/>
+            <ac:spMk id="2" creationId="{BC7B27F6-5627-40FB-834B-F28838085647}"/>
+          </ac:spMkLst>
+        </pc:spChg>
+        <pc:spChg chg="add">
+          <ac:chgData name="kothamanikanta2@outlook.com" userId="fee3ba77f589661d" providerId="LiveId" clId="{C086426E-0C7D-42A7-A957-92C2176DB329}" dt="2024-02-01T15:57:35.599" v="5998"/>
+          <ac:spMkLst>
+            <pc:docMk/>
+            <pc:sldMk cId="3580402968" sldId="277"/>
+            <ac:spMk id="4" creationId="{26C3BBD1-44E0-D5C6-E836-E9396F4BA31B}"/>
+          </ac:spMkLst>
+        </pc:spChg>
+      </pc:sldChg>
+      <pc:sldChg chg="new del">
+        <pc:chgData name="kothamanikanta2@outlook.com" userId="fee3ba77f589661d" providerId="LiveId" clId="{C086426E-0C7D-42A7-A957-92C2176DB329}" dt="2023-11-22T13:48:01.338" v="1904" actId="680"/>
+        <pc:sldMkLst>
+          <pc:docMk/>
+          <pc:sldMk cId="3334559425" sldId="278"/>
+        </pc:sldMkLst>
+      </pc:sldChg>
+      <pc:sldChg chg="addSp delSp modSp new mod">
+        <pc:chgData name="kothamanikanta2@outlook.com" userId="fee3ba77f589661d" providerId="LiveId" clId="{C086426E-0C7D-42A7-A957-92C2176DB329}" dt="2024-02-01T15:57:35.599" v="5998"/>
+        <pc:sldMkLst>
+          <pc:docMk/>
+          <pc:sldMk cId="3581344412" sldId="278"/>
+        </pc:sldMkLst>
+        <pc:spChg chg="mod">
+          <ac:chgData name="kothamanikanta2@outlook.com" userId="fee3ba77f589661d" providerId="LiveId" clId="{C086426E-0C7D-42A7-A957-92C2176DB329}" dt="2023-11-25T09:52:45.054" v="2939" actId="114"/>
+          <ac:spMkLst>
+            <pc:docMk/>
+            <pc:sldMk cId="3581344412" sldId="278"/>
+            <ac:spMk id="2" creationId="{B2F0F58C-C378-8508-C14F-C003CA7B9509}"/>
+          </ac:spMkLst>
+        </pc:spChg>
+        <pc:spChg chg="add">
+          <ac:chgData name="kothamanikanta2@outlook.com" userId="fee3ba77f589661d" providerId="LiveId" clId="{C086426E-0C7D-42A7-A957-92C2176DB329}" dt="2024-02-01T15:57:35.599" v="5998"/>
+          <ac:spMkLst>
+            <pc:docMk/>
+            <pc:sldMk cId="3581344412" sldId="278"/>
+            <ac:spMk id="4" creationId="{F2CB6DE9-E163-0B10-00FD-47A0899308B4}"/>
+          </ac:spMkLst>
+        </pc:spChg>
+        <pc:spChg chg="add del mod">
+          <ac:chgData name="kothamanikanta2@outlook.com" userId="fee3ba77f589661d" providerId="LiveId" clId="{C086426E-0C7D-42A7-A957-92C2176DB329}" dt="2024-01-24T15:37:23.639" v="4728" actId="931"/>
+          <ac:spMkLst>
+            <pc:docMk/>
+            <pc:sldMk cId="3581344412" sldId="278"/>
+            <ac:spMk id="6" creationId="{97F4C480-B69F-51EA-BC36-2440D6ADA8EE}"/>
+          </ac:spMkLst>
+        </pc:spChg>
+        <pc:picChg chg="del">
+          <ac:chgData name="kothamanikanta2@outlook.com" userId="fee3ba77f589661d" providerId="LiveId" clId="{C086426E-0C7D-42A7-A957-92C2176DB329}" dt="2024-01-24T15:37:14.230" v="4727" actId="478"/>
+          <ac:picMkLst>
+            <pc:docMk/>
+            <pc:sldMk cId="3581344412" sldId="278"/>
+            <ac:picMk id="5" creationId="{8D48E0B9-A830-4B30-D107-59928CEEFCC0}"/>
+          </ac:picMkLst>
+        </pc:picChg>
+        <pc:picChg chg="add mod">
+          <ac:chgData name="kothamanikanta2@outlook.com" userId="fee3ba77f589661d" providerId="LiveId" clId="{C086426E-0C7D-42A7-A957-92C2176DB329}" dt="2024-01-24T15:38:55.211" v="4733" actId="1076"/>
+          <ac:picMkLst>
+            <pc:docMk/>
+            <pc:sldMk cId="3581344412" sldId="278"/>
+            <ac:picMk id="8" creationId="{FD1DC2E3-8FB6-9A03-D2E0-9DEA773D568C}"/>
+          </ac:picMkLst>
+        </pc:picChg>
+      </pc:sldChg>
+      <pc:sldChg chg="addSp delSp modSp new mod">
+        <pc:chgData name="kothamanikanta2@outlook.com" userId="fee3ba77f589661d" providerId="LiveId" clId="{C086426E-0C7D-42A7-A957-92C2176DB329}" dt="2024-02-01T15:57:35.599" v="5998"/>
+        <pc:sldMkLst>
+          <pc:docMk/>
+          <pc:sldMk cId="1522386170" sldId="279"/>
+        </pc:sldMkLst>
+        <pc:spChg chg="mod">
+          <ac:chgData name="kothamanikanta2@outlook.com" userId="fee3ba77f589661d" providerId="LiveId" clId="{C086426E-0C7D-42A7-A957-92C2176DB329}" dt="2023-11-25T09:52:59.370" v="2941" actId="114"/>
+          <ac:spMkLst>
+            <pc:docMk/>
+            <pc:sldMk cId="1522386170" sldId="279"/>
+            <ac:spMk id="2" creationId="{C6774039-EE80-BD5B-5A1D-12A77CD99984}"/>
+          </ac:spMkLst>
+        </pc:spChg>
+        <pc:spChg chg="add">
+          <ac:chgData name="kothamanikanta2@outlook.com" userId="fee3ba77f589661d" providerId="LiveId" clId="{C086426E-0C7D-42A7-A957-92C2176DB329}" dt="2024-02-01T15:57:35.599" v="5998"/>
+          <ac:spMkLst>
+            <pc:docMk/>
+            <pc:sldMk cId="1522386170" sldId="279"/>
+            <ac:spMk id="4" creationId="{A712F980-A9F1-BB85-4B60-0625F29D5190}"/>
+          </ac:spMkLst>
+        </pc:spChg>
+        <pc:spChg chg="add del mod">
+          <ac:chgData name="kothamanikanta2@outlook.com" userId="fee3ba77f589661d" providerId="LiveId" clId="{C086426E-0C7D-42A7-A957-92C2176DB329}" dt="2024-01-24T15:36:45.328" v="4723" actId="478"/>
+          <ac:spMkLst>
+            <pc:docMk/>
+            <pc:sldMk cId="1522386170" sldId="279"/>
+            <ac:spMk id="6" creationId="{94AA17B5-9E4F-3897-4C11-BA3D8CC968A2}"/>
+          </ac:spMkLst>
+        </pc:spChg>
+        <pc:picChg chg="add mod">
+          <ac:chgData name="kothamanikanta2@outlook.com" userId="fee3ba77f589661d" providerId="LiveId" clId="{C086426E-0C7D-42A7-A957-92C2176DB329}" dt="2024-01-24T15:38:50.915" v="4732" actId="1076"/>
+          <ac:picMkLst>
+            <pc:docMk/>
+            <pc:sldMk cId="1522386170" sldId="279"/>
+            <ac:picMk id="3" creationId="{C75D8527-044D-5A76-93B7-0F613CFF4A82}"/>
+          </ac:picMkLst>
+        </pc:picChg>
+        <pc:picChg chg="del mod">
+          <ac:chgData name="kothamanikanta2@outlook.com" userId="fee3ba77f589661d" providerId="LiveId" clId="{C086426E-0C7D-42A7-A957-92C2176DB329}" dt="2024-01-24T15:36:37.004" v="4721" actId="478"/>
+          <ac:picMkLst>
+            <pc:docMk/>
+            <pc:sldMk cId="1522386170" sldId="279"/>
+            <ac:picMk id="7" creationId="{ABC06A9C-A083-74D7-F96A-7C95B1B23D83}"/>
+          </ac:picMkLst>
+        </pc:picChg>
+      </pc:sldChg>
+      <pc:sldChg chg="new del">
+        <pc:chgData name="kothamanikanta2@outlook.com" userId="fee3ba77f589661d" providerId="LiveId" clId="{C086426E-0C7D-42A7-A957-92C2176DB329}" dt="2023-11-22T13:48:00.957" v="1903" actId="680"/>
+        <pc:sldMkLst>
+          <pc:docMk/>
+          <pc:sldMk cId="3379949405" sldId="279"/>
+        </pc:sldMkLst>
+      </pc:sldChg>
+      <pc:sldChg chg="addSp delSp modSp mod">
+        <pc:chgData name="kothamanikanta2@outlook.com" userId="fee3ba77f589661d" providerId="LiveId" clId="{C086426E-0C7D-42A7-A957-92C2176DB329}" dt="2024-02-01T15:57:35.599" v="5998"/>
+        <pc:sldMkLst>
+          <pc:docMk/>
+          <pc:sldMk cId="828683039" sldId="280"/>
+        </pc:sldMkLst>
+        <pc:spChg chg="mod">
+          <ac:chgData name="kothamanikanta2@outlook.com" userId="fee3ba77f589661d" providerId="LiveId" clId="{C086426E-0C7D-42A7-A957-92C2176DB329}" dt="2023-11-25T09:53:03.550" v="2943" actId="114"/>
+          <ac:spMkLst>
+            <pc:docMk/>
+            <pc:sldMk cId="828683039" sldId="280"/>
+            <ac:spMk id="2" creationId="{C6873E55-F160-9772-67D7-AC2A66D8BCAC}"/>
+          </ac:spMkLst>
+        </pc:spChg>
+        <pc:spChg chg="add">
+          <ac:chgData name="kothamanikanta2@outlook.com" userId="fee3ba77f589661d" providerId="LiveId" clId="{C086426E-0C7D-42A7-A957-92C2176DB329}" dt="2024-02-01T15:57:35.599" v="5998"/>
+          <ac:spMkLst>
+            <pc:docMk/>
+            <pc:sldMk cId="828683039" sldId="280"/>
+            <ac:spMk id="4" creationId="{88CF0C16-996C-AA9C-1713-0A63D9B600CE}"/>
+          </ac:spMkLst>
+        </pc:spChg>
+        <pc:spChg chg="add del mod">
+          <ac:chgData name="kothamanikanta2@outlook.com" userId="fee3ba77f589661d" providerId="LiveId" clId="{C086426E-0C7D-42A7-A957-92C2176DB329}" dt="2024-01-24T15:36:12.789" v="4717" actId="931"/>
+          <ac:spMkLst>
+            <pc:docMk/>
+            <pc:sldMk cId="828683039" sldId="280"/>
+            <ac:spMk id="5" creationId="{A190F4FB-2AFA-6409-A01A-447083ADAFF5}"/>
+          </ac:spMkLst>
+        </pc:spChg>
+        <pc:spChg chg="add del mod">
+          <ac:chgData name="kothamanikanta2@outlook.com" userId="fee3ba77f589661d" providerId="LiveId" clId="{C086426E-0C7D-42A7-A957-92C2176DB329}" dt="2024-01-24T15:37:00.766" v="4726" actId="931"/>
+          <ac:spMkLst>
+            <pc:docMk/>
+            <pc:sldMk cId="828683039" sldId="280"/>
+            <ac:spMk id="9" creationId="{865C1660-50B0-DD43-208A-E4145D6AD959}"/>
+          </ac:spMkLst>
+        </pc:spChg>
+        <pc:picChg chg="add del mod">
+          <ac:chgData name="kothamanikanta2@outlook.com" userId="fee3ba77f589661d" providerId="LiveId" clId="{C086426E-0C7D-42A7-A957-92C2176DB329}" dt="2024-01-24T15:36:50.998" v="4725" actId="478"/>
+          <ac:picMkLst>
+            <pc:docMk/>
+            <pc:sldMk cId="828683039" sldId="280"/>
+            <ac:picMk id="7" creationId="{B31B93A5-E0F3-5C0E-3ABB-8DEB3B4FFC31}"/>
+          </ac:picMkLst>
+        </pc:picChg>
+        <pc:picChg chg="del">
+          <ac:chgData name="kothamanikanta2@outlook.com" userId="fee3ba77f589661d" providerId="LiveId" clId="{C086426E-0C7D-42A7-A957-92C2176DB329}" dt="2024-01-24T15:36:06.957" v="4716" actId="478"/>
+          <ac:picMkLst>
+            <pc:docMk/>
+            <pc:sldMk cId="828683039" sldId="280"/>
+            <ac:picMk id="10" creationId="{B351EB9F-2475-C3ED-4359-40CFD612618E}"/>
+          </ac:picMkLst>
+        </pc:picChg>
+        <pc:picChg chg="add mod">
+          <ac:chgData name="kothamanikanta2@outlook.com" userId="fee3ba77f589661d" providerId="LiveId" clId="{C086426E-0C7D-42A7-A957-92C2176DB329}" dt="2024-01-24T15:38:45.745" v="4731" actId="1076"/>
+          <ac:picMkLst>
+            <pc:docMk/>
+            <pc:sldMk cId="828683039" sldId="280"/>
+            <ac:picMk id="12" creationId="{9F4D2F90-B611-A9AC-2A61-CB8CB3A39C22}"/>
+          </ac:picMkLst>
+        </pc:picChg>
+      </pc:sldChg>
+      <pc:sldChg chg="new del">
+        <pc:chgData name="kothamanikanta2@outlook.com" userId="fee3ba77f589661d" providerId="LiveId" clId="{C086426E-0C7D-42A7-A957-92C2176DB329}" dt="2023-11-22T13:48:00.675" v="1902" actId="680"/>
+        <pc:sldMkLst>
+          <pc:docMk/>
+          <pc:sldMk cId="3846547104" sldId="280"/>
+        </pc:sldMkLst>
+      </pc:sldChg>
+      <pc:sldChg chg="addSp delSp modSp mod">
+        <pc:chgData name="kothamanikanta2@outlook.com" userId="fee3ba77f589661d" providerId="LiveId" clId="{C086426E-0C7D-42A7-A957-92C2176DB329}" dt="2024-02-01T15:57:35.599" v="5998"/>
+        <pc:sldMkLst>
+          <pc:docMk/>
+          <pc:sldMk cId="3498562304" sldId="281"/>
+        </pc:sldMkLst>
+        <pc:spChg chg="mod">
+          <ac:chgData name="kothamanikanta2@outlook.com" userId="fee3ba77f589661d" providerId="LiveId" clId="{C086426E-0C7D-42A7-A957-92C2176DB329}" dt="2023-11-25T09:53:07.955" v="2945" actId="114"/>
+          <ac:spMkLst>
+            <pc:docMk/>
+            <pc:sldMk cId="3498562304" sldId="281"/>
+            <ac:spMk id="2" creationId="{E77317EB-4399-07A0-C671-CD7F4BBF3A13}"/>
+          </ac:spMkLst>
+        </pc:spChg>
+        <pc:spChg chg="add">
+          <ac:chgData name="kothamanikanta2@outlook.com" userId="fee3ba77f589661d" providerId="LiveId" clId="{C086426E-0C7D-42A7-A957-92C2176DB329}" dt="2024-02-01T15:57:35.599" v="5998"/>
+          <ac:spMkLst>
+            <pc:docMk/>
+            <pc:sldMk cId="3498562304" sldId="281"/>
+            <ac:spMk id="5" creationId="{DE37967B-4382-87DD-40B0-D795CE3E61A8}"/>
+          </ac:spMkLst>
+        </pc:spChg>
+        <pc:spChg chg="add del mod">
+          <ac:chgData name="kothamanikanta2@outlook.com" userId="fee3ba77f589661d" providerId="LiveId" clId="{C086426E-0C7D-42A7-A957-92C2176DB329}" dt="2024-01-24T15:35:52.577" v="4715" actId="931"/>
+          <ac:spMkLst>
+            <pc:docMk/>
+            <pc:sldMk cId="3498562304" sldId="281"/>
+            <ac:spMk id="6" creationId="{E37D0569-5365-7FA7-989D-5E3089EC5260}"/>
+          </ac:spMkLst>
+        </pc:spChg>
+        <pc:picChg chg="del mod">
+          <ac:chgData name="kothamanikanta2@outlook.com" userId="fee3ba77f589661d" providerId="LiveId" clId="{C086426E-0C7D-42A7-A957-92C2176DB329}" dt="2024-01-24T15:35:34.555" v="4714" actId="478"/>
+          <ac:picMkLst>
+            <pc:docMk/>
+            <pc:sldMk cId="3498562304" sldId="281"/>
+            <ac:picMk id="4" creationId="{6FEAAD3F-6E80-E2E7-4BAA-8F3CDAB551FE}"/>
+          </ac:picMkLst>
+        </pc:picChg>
+        <pc:picChg chg="add mod">
+          <ac:chgData name="kothamanikanta2@outlook.com" userId="fee3ba77f589661d" providerId="LiveId" clId="{C086426E-0C7D-42A7-A957-92C2176DB329}" dt="2024-01-24T15:38:41.154" v="4730" actId="1076"/>
+          <ac:picMkLst>
+            <pc:docMk/>
+            <pc:sldMk cId="3498562304" sldId="281"/>
+            <ac:picMk id="8" creationId="{0AA1BEE6-84E2-029A-3973-56723EEC5D28}"/>
+          </ac:picMkLst>
+        </pc:picChg>
+      </pc:sldChg>
+      <pc:sldChg chg="addSp delSp modSp new mod ord">
+        <pc:chgData name="kothamanikanta2@outlook.com" userId="fee3ba77f589661d" providerId="LiveId" clId="{C086426E-0C7D-42A7-A957-92C2176DB329}" dt="2024-02-01T15:57:35.599" v="5998"/>
+        <pc:sldMkLst>
+          <pc:docMk/>
+          <pc:sldMk cId="3073562487" sldId="282"/>
+        </pc:sldMkLst>
+        <pc:spChg chg="del mod">
+          <ac:chgData name="kothamanikanta2@outlook.com" userId="fee3ba77f589661d" providerId="LiveId" clId="{C086426E-0C7D-42A7-A957-92C2176DB329}" dt="2023-11-27T16:08:48.546" v="4078" actId="478"/>
+          <ac:spMkLst>
+            <pc:docMk/>
+            <pc:sldMk cId="3073562487" sldId="282"/>
+            <ac:spMk id="2" creationId="{69B87419-A3B1-F866-3DFA-299E6DC1FAA0}"/>
+          </ac:spMkLst>
+        </pc:spChg>
+        <pc:spChg chg="del">
+          <ac:chgData name="kothamanikanta2@outlook.com" userId="fee3ba77f589661d" providerId="LiveId" clId="{C086426E-0C7D-42A7-A957-92C2176DB329}" dt="2023-11-23T03:21:43.958" v="1921"/>
+          <ac:spMkLst>
+            <pc:docMk/>
+            <pc:sldMk cId="3073562487" sldId="282"/>
+            <ac:spMk id="3" creationId="{73A376C3-14D4-033B-8252-773054D9F7D7}"/>
+          </ac:spMkLst>
+        </pc:spChg>
+        <pc:spChg chg="mod">
+          <ac:chgData name="kothamanikanta2@outlook.com" userId="fee3ba77f589661d" providerId="LiveId" clId="{C086426E-0C7D-42A7-A957-92C2176DB329}" dt="2023-11-27T16:08:37.548" v="4076" actId="2711"/>
+          <ac:spMkLst>
+            <pc:docMk/>
+            <pc:sldMk cId="3073562487" sldId="282"/>
+            <ac:spMk id="4" creationId="{7DD14CBC-F4FC-B029-72D9-753410BA601B}"/>
+          </ac:spMkLst>
+        </pc:spChg>
+        <pc:spChg chg="add">
+          <ac:chgData name="kothamanikanta2@outlook.com" userId="fee3ba77f589661d" providerId="LiveId" clId="{C086426E-0C7D-42A7-A957-92C2176DB329}" dt="2024-02-01T15:57:35.599" v="5998"/>
+          <ac:spMkLst>
+            <pc:docMk/>
+            <pc:sldMk cId="3073562487" sldId="282"/>
+            <ac:spMk id="6" creationId="{DA082291-FB3B-50F1-501E-A859B5C5CCEC}"/>
+          </ac:spMkLst>
+        </pc:spChg>
+        <pc:picChg chg="add mod">
+          <ac:chgData name="kothamanikanta2@outlook.com" userId="fee3ba77f589661d" providerId="LiveId" clId="{C086426E-0C7D-42A7-A957-92C2176DB329}" dt="2023-11-26T04:25:11.152" v="3637" actId="1076"/>
+          <ac:picMkLst>
+            <pc:docMk/>
+            <pc:sldMk cId="3073562487" sldId="282"/>
+            <ac:picMk id="2050" creationId="{22B95BBE-71DA-F50A-D722-BD260D96A9A3}"/>
+          </ac:picMkLst>
+        </pc:picChg>
+      </pc:sldChg>
+      <pc:sldChg chg="addSp delSp modSp new del ord">
+        <pc:chgData name="kothamanikanta2@outlook.com" userId="fee3ba77f589661d" providerId="LiveId" clId="{C086426E-0C7D-42A7-A957-92C2176DB329}" dt="2023-11-25T06:55:31.838" v="2934" actId="2696"/>
+        <pc:sldMkLst>
+          <pc:docMk/>
+          <pc:sldMk cId="767395318" sldId="283"/>
+        </pc:sldMkLst>
+        <pc:spChg chg="mod">
+          <ac:chgData name="kothamanikanta2@outlook.com" userId="fee3ba77f589661d" providerId="LiveId" clId="{C086426E-0C7D-42A7-A957-92C2176DB329}" dt="2023-11-25T06:38:55.766" v="2680"/>
+          <ac:spMkLst>
+            <pc:docMk/>
+            <pc:sldMk cId="767395318" sldId="283"/>
+            <ac:spMk id="2" creationId="{0F61154F-B273-9AD5-53EF-E29330F2CEEA}"/>
+          </ac:spMkLst>
+        </pc:spChg>
+        <pc:spChg chg="del">
+          <ac:chgData name="kothamanikanta2@outlook.com" userId="fee3ba77f589661d" providerId="LiveId" clId="{C086426E-0C7D-42A7-A957-92C2176DB329}" dt="2023-11-23T03:25:11.356" v="1940"/>
+          <ac:spMkLst>
+            <pc:docMk/>
+            <pc:sldMk cId="767395318" sldId="283"/>
+            <ac:spMk id="3" creationId="{E1C93DA2-957A-FB13-A014-AC801CB47DD5}"/>
+          </ac:spMkLst>
+        </pc:spChg>
+        <pc:picChg chg="add mod">
+          <ac:chgData name="kothamanikanta2@outlook.com" userId="fee3ba77f589661d" providerId="LiveId" clId="{C086426E-0C7D-42A7-A957-92C2176DB329}" dt="2023-11-23T03:31:09.452" v="1979" actId="1076"/>
+          <ac:picMkLst>
+            <pc:docMk/>
+            <pc:sldMk cId="767395318" sldId="283"/>
+            <ac:picMk id="3074" creationId="{3BA500FB-7AE7-1C7D-BA71-D4B4B060CE37}"/>
+          </ac:picMkLst>
+        </pc:picChg>
+        <pc:picChg chg="add mod">
+          <ac:chgData name="kothamanikanta2@outlook.com" userId="fee3ba77f589661d" providerId="LiveId" clId="{C086426E-0C7D-42A7-A957-92C2176DB329}" dt="2023-11-23T03:58:52.547" v="2308" actId="1076"/>
+          <ac:picMkLst>
+            <pc:docMk/>
+            <pc:sldMk cId="767395318" sldId="283"/>
+            <ac:picMk id="3076" creationId="{61E52A42-FEEE-949B-A2F0-9A9D1433C2BF}"/>
+          </ac:picMkLst>
+        </pc:picChg>
+        <pc:picChg chg="add mod">
+          <ac:chgData name="kothamanikanta2@outlook.com" userId="fee3ba77f589661d" providerId="LiveId" clId="{C086426E-0C7D-42A7-A957-92C2176DB329}" dt="2023-11-23T03:31:56.283" v="1995" actId="14100"/>
+          <ac:picMkLst>
+            <pc:docMk/>
+            <pc:sldMk cId="767395318" sldId="283"/>
+            <ac:picMk id="3078" creationId="{84604D76-F00A-3053-F5F4-F3C3D751C162}"/>
+          </ac:picMkLst>
+        </pc:picChg>
+        <pc:picChg chg="add mod">
+          <ac:chgData name="kothamanikanta2@outlook.com" userId="fee3ba77f589661d" providerId="LiveId" clId="{C086426E-0C7D-42A7-A957-92C2176DB329}" dt="2023-11-23T03:58:56.209" v="2309" actId="1076"/>
+          <ac:picMkLst>
+            <pc:docMk/>
+            <pc:sldMk cId="767395318" sldId="283"/>
+            <ac:picMk id="3080" creationId="{B14FB238-652D-B58A-7BD4-824653E22C3F}"/>
+          </ac:picMkLst>
+        </pc:picChg>
+        <pc:picChg chg="add del mod">
+          <ac:chgData name="kothamanikanta2@outlook.com" userId="fee3ba77f589661d" providerId="LiveId" clId="{C086426E-0C7D-42A7-A957-92C2176DB329}" dt="2023-11-23T03:33:23.356" v="2015" actId="478"/>
+          <ac:picMkLst>
+            <pc:docMk/>
+            <pc:sldMk cId="767395318" sldId="283"/>
+            <ac:picMk id="3082" creationId="{2760A28D-E6BF-A1D8-8426-B94B7E3AE775}"/>
+          </ac:picMkLst>
+        </pc:picChg>
+        <pc:picChg chg="add del">
+          <ac:chgData name="kothamanikanta2@outlook.com" userId="fee3ba77f589661d" providerId="LiveId" clId="{C086426E-0C7D-42A7-A957-92C2176DB329}" dt="2023-11-23T03:33:17.556" v="2013"/>
+          <ac:picMkLst>
+            <pc:docMk/>
+            <pc:sldMk cId="767395318" sldId="283"/>
+            <ac:picMk id="3084" creationId="{4435266E-691F-A8D8-6503-BFB7B0A5A204}"/>
+          </ac:picMkLst>
+        </pc:picChg>
+        <pc:picChg chg="add del">
+          <ac:chgData name="kothamanikanta2@outlook.com" userId="fee3ba77f589661d" providerId="LiveId" clId="{C086426E-0C7D-42A7-A957-92C2176DB329}" dt="2023-11-23T03:58:42.799" v="2307"/>
+          <ac:picMkLst>
+            <pc:docMk/>
+            <pc:sldMk cId="767395318" sldId="283"/>
+            <ac:picMk id="3086" creationId="{7109EB1D-8736-8FC4-A8D3-857ADFEFF945}"/>
+          </ac:picMkLst>
+        </pc:picChg>
+      </pc:sldChg>
+      <pc:sldChg chg="addSp delSp modSp new mod ord">
+        <pc:chgData name="kothamanikanta2@outlook.com" userId="fee3ba77f589661d" providerId="LiveId" clId="{C086426E-0C7D-42A7-A957-92C2176DB329}" dt="2023-11-27T16:10:02.015" v="4083" actId="5793"/>
+        <pc:sldMkLst>
+          <pc:docMk/>
+          <pc:sldMk cId="127017271" sldId="284"/>
+        </pc:sldMkLst>
+        <pc:spChg chg="add mod">
+          <ac:chgData name="kothamanikanta2@outlook.com" userId="fee3ba77f589661d" providerId="LiveId" clId="{C086426E-0C7D-42A7-A957-92C2176DB329}" dt="2023-11-27T16:10:02.015" v="4083" actId="5793"/>
+          <ac:spMkLst>
+            <pc:docMk/>
+            <pc:sldMk cId="127017271" sldId="284"/>
+            <ac:spMk id="2" creationId="{A2C76FEC-5CAC-2E1B-C01D-33E786F3D3CC}"/>
+          </ac:spMkLst>
+        </pc:spChg>
+        <pc:spChg chg="del">
+          <ac:chgData name="kothamanikanta2@outlook.com" userId="fee3ba77f589661d" providerId="LiveId" clId="{C086426E-0C7D-42A7-A957-92C2176DB329}" dt="2023-11-23T03:33:41.168" v="2019" actId="478"/>
+          <ac:spMkLst>
+            <pc:docMk/>
+            <pc:sldMk cId="127017271" sldId="284"/>
+            <ac:spMk id="2" creationId="{BA7B7419-7BBF-9F7E-558A-102FD0E21A48}"/>
+          </ac:spMkLst>
+        </pc:spChg>
+        <pc:spChg chg="del mod">
+          <ac:chgData name="kothamanikanta2@outlook.com" userId="fee3ba77f589661d" providerId="LiveId" clId="{C086426E-0C7D-42A7-A957-92C2176DB329}" dt="2023-11-23T03:33:37.863" v="2018" actId="478"/>
+          <ac:spMkLst>
+            <pc:docMk/>
+            <pc:sldMk cId="127017271" sldId="284"/>
+            <ac:spMk id="3" creationId="{04DA18F8-DFB7-7BA9-83B2-E242108CD56E}"/>
+          </ac:spMkLst>
+        </pc:spChg>
+        <pc:picChg chg="add mod">
+          <ac:chgData name="kothamanikanta2@outlook.com" userId="fee3ba77f589661d" providerId="LiveId" clId="{C086426E-0C7D-42A7-A957-92C2176DB329}" dt="2023-11-23T03:34:01.794" v="2025" actId="14100"/>
+          <ac:picMkLst>
+            <pc:docMk/>
+            <pc:sldMk cId="127017271" sldId="284"/>
+            <ac:picMk id="4" creationId="{56071188-07F2-D6CC-62E6-E495E4909E1B}"/>
+          </ac:picMkLst>
+        </pc:picChg>
+      </pc:sldChg>
+      <pc:sldChg chg="new del">
+        <pc:chgData name="kothamanikanta2@outlook.com" userId="fee3ba77f589661d" providerId="LiveId" clId="{C086426E-0C7D-42A7-A957-92C2176DB329}" dt="2023-11-23T03:28:01.088" v="1947" actId="680"/>
+        <pc:sldMkLst>
+          <pc:docMk/>
+          <pc:sldMk cId="2440072631" sldId="284"/>
+        </pc:sldMkLst>
+      </pc:sldChg>
+      <pc:sldChg chg="addSp delSp modSp new mod ord">
+        <pc:chgData name="kothamanikanta2@outlook.com" userId="fee3ba77f589661d" providerId="LiveId" clId="{C086426E-0C7D-42A7-A957-92C2176DB329}" dt="2024-02-01T15:57:35.599" v="5998"/>
+        <pc:sldMkLst>
+          <pc:docMk/>
+          <pc:sldMk cId="786129076" sldId="285"/>
+        </pc:sldMkLst>
+        <pc:spChg chg="del">
+          <ac:chgData name="kothamanikanta2@outlook.com" userId="fee3ba77f589661d" providerId="LiveId" clId="{C086426E-0C7D-42A7-A957-92C2176DB329}" dt="2023-11-23T03:39:15.822" v="2027" actId="478"/>
+          <ac:spMkLst>
+            <pc:docMk/>
+            <pc:sldMk cId="786129076" sldId="285"/>
+            <ac:spMk id="2" creationId="{9D0F82F0-DE3A-30C6-4659-96126850A194}"/>
+          </ac:spMkLst>
+        </pc:spChg>
+        <pc:spChg chg="add">
+          <ac:chgData name="kothamanikanta2@outlook.com" userId="fee3ba77f589661d" providerId="LiveId" clId="{C086426E-0C7D-42A7-A957-92C2176DB329}" dt="2024-02-01T15:57:35.599" v="5998"/>
+          <ac:spMkLst>
+            <pc:docMk/>
+            <pc:sldMk cId="786129076" sldId="285"/>
+            <ac:spMk id="3" creationId="{36F5FE4D-730A-5D15-D15F-05325DB4F377}"/>
+          </ac:spMkLst>
+        </pc:spChg>
+        <pc:spChg chg="del">
+          <ac:chgData name="kothamanikanta2@outlook.com" userId="fee3ba77f589661d" providerId="LiveId" clId="{C086426E-0C7D-42A7-A957-92C2176DB329}" dt="2023-11-23T03:39:17.744" v="2028"/>
+          <ac:spMkLst>
+            <pc:docMk/>
+            <pc:sldMk cId="786129076" sldId="285"/>
+            <ac:spMk id="3" creationId="{68E45E8A-8D44-A89A-7B38-E8C5A74060BB}"/>
+          </ac:spMkLst>
+        </pc:spChg>
+        <pc:spChg chg="add mod">
+          <ac:chgData name="kothamanikanta2@outlook.com" userId="fee3ba77f589661d" providerId="LiveId" clId="{C086426E-0C7D-42A7-A957-92C2176DB329}" dt="2023-11-27T16:09:14.868" v="4079" actId="2711"/>
+          <ac:spMkLst>
+            <pc:docMk/>
+            <pc:sldMk cId="786129076" sldId="285"/>
+            <ac:spMk id="4" creationId="{31FB87BC-7984-DC53-01F0-05A3075095A5}"/>
+          </ac:spMkLst>
+        </pc:spChg>
+        <pc:picChg chg="add mod">
+          <ac:chgData name="kothamanikanta2@outlook.com" userId="fee3ba77f589661d" providerId="LiveId" clId="{C086426E-0C7D-42A7-A957-92C2176DB329}" dt="2023-11-23T03:44:13.130" v="2206" actId="1035"/>
+          <ac:picMkLst>
+            <pc:docMk/>
+            <pc:sldMk cId="786129076" sldId="285"/>
+            <ac:picMk id="4098" creationId="{E77EF853-1198-11EC-E7F6-9807FF45629C}"/>
+          </ac:picMkLst>
+        </pc:picChg>
+      </pc:sldChg>
+      <pc:sldChg chg="new del">
+        <pc:chgData name="kothamanikanta2@outlook.com" userId="fee3ba77f589661d" providerId="LiveId" clId="{C086426E-0C7D-42A7-A957-92C2176DB329}" dt="2023-11-23T03:27:58.307" v="1946" actId="680"/>
+        <pc:sldMkLst>
+          <pc:docMk/>
+          <pc:sldMk cId="2513778537" sldId="285"/>
+        </pc:sldMkLst>
+      </pc:sldChg>
+      <pc:sldChg chg="new del">
+        <pc:chgData name="kothamanikanta2@outlook.com" userId="fee3ba77f589661d" providerId="LiveId" clId="{C086426E-0C7D-42A7-A957-92C2176DB329}" dt="2023-11-23T03:27:58.118" v="1945" actId="680"/>
+        <pc:sldMkLst>
+          <pc:docMk/>
+          <pc:sldMk cId="2846386402" sldId="286"/>
+        </pc:sldMkLst>
+      </pc:sldChg>
+      <pc:sldChg chg="addSp delSp modSp new mod ord">
+        <pc:chgData name="kothamanikanta2@outlook.com" userId="fee3ba77f589661d" providerId="LiveId" clId="{C086426E-0C7D-42A7-A957-92C2176DB329}" dt="2024-02-11T14:38:34.364" v="7933"/>
+        <pc:sldMkLst>
+          <pc:docMk/>
+          <pc:sldMk cId="2941569670" sldId="286"/>
+        </pc:sldMkLst>
+        <pc:spChg chg="mod">
+          <ac:chgData name="kothamanikanta2@outlook.com" userId="fee3ba77f589661d" providerId="LiveId" clId="{C086426E-0C7D-42A7-A957-92C2176DB329}" dt="2023-11-27T16:09:42.036" v="4082" actId="1036"/>
+          <ac:spMkLst>
+            <pc:docMk/>
+            <pc:sldMk cId="2941569670" sldId="286"/>
+            <ac:spMk id="2" creationId="{49C9DB22-761E-0082-2469-0BF90E7A9D8C}"/>
+          </ac:spMkLst>
+        </pc:spChg>
+        <pc:spChg chg="del">
+          <ac:chgData name="kothamanikanta2@outlook.com" userId="fee3ba77f589661d" providerId="LiveId" clId="{C086426E-0C7D-42A7-A957-92C2176DB329}" dt="2023-11-23T03:49:16.597" v="2229" actId="478"/>
+          <ac:spMkLst>
+            <pc:docMk/>
+            <pc:sldMk cId="2941569670" sldId="286"/>
+            <ac:spMk id="2" creationId="{5176A865-1EE3-806D-2757-4EC48F2B222A}"/>
+          </ac:spMkLst>
+        </pc:spChg>
+        <pc:spChg chg="del">
+          <ac:chgData name="kothamanikanta2@outlook.com" userId="fee3ba77f589661d" providerId="LiveId" clId="{C086426E-0C7D-42A7-A957-92C2176DB329}" dt="2023-11-23T03:48:30.101" v="2208"/>
+          <ac:spMkLst>
+            <pc:docMk/>
+            <pc:sldMk cId="2941569670" sldId="286"/>
+            <ac:spMk id="3" creationId="{F0ED60FE-ABFE-8CF4-B748-2F8B3F21AD3B}"/>
+          </ac:spMkLst>
+        </pc:spChg>
+        <pc:spChg chg="add mod">
+          <ac:chgData name="kothamanikanta2@outlook.com" userId="fee3ba77f589661d" providerId="LiveId" clId="{C086426E-0C7D-42A7-A957-92C2176DB329}" dt="2023-11-23T03:56:42.519" v="2303" actId="20577"/>
+          <ac:spMkLst>
+            <pc:docMk/>
+            <pc:sldMk cId="2941569670" sldId="286"/>
+            <ac:spMk id="4" creationId="{6EE1F628-0009-5563-8787-D322BE8D7F84}"/>
+          </ac:spMkLst>
+        </pc:spChg>
+        <pc:spChg chg="add mod">
+          <ac:chgData name="kothamanikanta2@outlook.com" userId="fee3ba77f589661d" providerId="LiveId" clId="{C086426E-0C7D-42A7-A957-92C2176DB329}" dt="2023-11-23T03:56:27.111" v="2285" actId="20577"/>
+          <ac:spMkLst>
+            <pc:docMk/>
+            <pc:sldMk cId="2941569670" sldId="286"/>
+            <ac:spMk id="5" creationId="{DF366EA1-622F-FE08-7053-1E25D39BCD23}"/>
+          </ac:spMkLst>
+        </pc:spChg>
+        <pc:spChg chg="add">
+          <ac:chgData name="kothamanikanta2@outlook.com" userId="fee3ba77f589661d" providerId="LiveId" clId="{C086426E-0C7D-42A7-A957-92C2176DB329}" dt="2024-02-01T15:57:35.599" v="5998"/>
+          <ac:spMkLst>
+            <pc:docMk/>
+            <pc:sldMk cId="2941569670" sldId="286"/>
+            <ac:spMk id="6" creationId="{435BCCB2-7E37-4E0A-3D86-8DF48E6C9868}"/>
+          </ac:spMkLst>
+        </pc:spChg>
+        <pc:picChg chg="add mod">
+          <ac:chgData name="kothamanikanta2@outlook.com" userId="fee3ba77f589661d" providerId="LiveId" clId="{C086426E-0C7D-42A7-A957-92C2176DB329}" dt="2023-11-26T06:09:50.004" v="3697"/>
+          <ac:picMkLst>
+            <pc:docMk/>
+            <pc:sldMk cId="2941569670" sldId="286"/>
+            <ac:picMk id="6146" creationId="{D24E6F4D-A96B-97D3-5390-F10B4E5092F4}"/>
+          </ac:picMkLst>
+        </pc:picChg>
+        <pc:picChg chg="add mod">
+          <ac:chgData name="kothamanikanta2@outlook.com" userId="fee3ba77f589661d" providerId="LiveId" clId="{C086426E-0C7D-42A7-A957-92C2176DB329}" dt="2024-02-11T13:01:58.209" v="7927" actId="1035"/>
+          <ac:picMkLst>
+            <pc:docMk/>
+            <pc:sldMk cId="2941569670" sldId="286"/>
+            <ac:picMk id="6148" creationId="{55936FA0-F141-FABA-DFF3-CEE41C09B52A}"/>
+          </ac:picMkLst>
+        </pc:picChg>
+      </pc:sldChg>
+      <pc:sldChg chg="addSp delSp modSp new mod ord">
+        <pc:chgData name="kothamanikanta2@outlook.com" userId="fee3ba77f589661d" providerId="LiveId" clId="{C086426E-0C7D-42A7-A957-92C2176DB329}" dt="2024-02-01T17:03:43.020" v="7925" actId="1036"/>
+        <pc:sldMkLst>
+          <pc:docMk/>
+          <pc:sldMk cId="3293870533" sldId="287"/>
+        </pc:sldMkLst>
+        <pc:spChg chg="add mod">
+          <ac:chgData name="kothamanikanta2@outlook.com" userId="fee3ba77f589661d" providerId="LiveId" clId="{C086426E-0C7D-42A7-A957-92C2176DB329}" dt="2024-02-01T15:52:10.186" v="5933" actId="1076"/>
+          <ac:spMkLst>
+            <pc:docMk/>
+            <pc:sldMk cId="3293870533" sldId="287"/>
+            <ac:spMk id="2" creationId="{22B75E78-0550-68B9-9910-FE9A33B7754C}"/>
+          </ac:spMkLst>
+        </pc:spChg>
+        <pc:spChg chg="del">
+          <ac:chgData name="kothamanikanta2@outlook.com" userId="fee3ba77f589661d" providerId="LiveId" clId="{C086426E-0C7D-42A7-A957-92C2176DB329}" dt="2023-11-23T04:03:19.159" v="2331" actId="478"/>
+          <ac:spMkLst>
+            <pc:docMk/>
+            <pc:sldMk cId="3293870533" sldId="287"/>
+            <ac:spMk id="2" creationId="{513FC9A3-DCEF-E43E-CC3F-6B8DA4B51644}"/>
+          </ac:spMkLst>
+        </pc:spChg>
+        <pc:spChg chg="del">
+          <ac:chgData name="kothamanikanta2@outlook.com" userId="fee3ba77f589661d" providerId="LiveId" clId="{C086426E-0C7D-42A7-A957-92C2176DB329}" dt="2023-11-23T04:03:15.532" v="2330" actId="478"/>
+          <ac:spMkLst>
+            <pc:docMk/>
+            <pc:sldMk cId="3293870533" sldId="287"/>
+            <ac:spMk id="3" creationId="{1CE06AE9-5177-D4FE-E50C-9DEC6602BC4D}"/>
+          </ac:spMkLst>
+        </pc:spChg>
+        <pc:spChg chg="add del mod">
+          <ac:chgData name="kothamanikanta2@outlook.com" userId="fee3ba77f589661d" providerId="LiveId" clId="{C086426E-0C7D-42A7-A957-92C2176DB329}" dt="2024-01-29T13:22:38.906" v="5691" actId="478"/>
+          <ac:spMkLst>
+            <pc:docMk/>
+            <pc:sldMk cId="3293870533" sldId="287"/>
+            <ac:spMk id="3" creationId="{3A5A59B9-B400-F63B-FB0B-E788E54688FD}"/>
+          </ac:spMkLst>
+        </pc:spChg>
+        <pc:spChg chg="add mod">
+          <ac:chgData name="kothamanikanta2@outlook.com" userId="fee3ba77f589661d" providerId="LiveId" clId="{C086426E-0C7D-42A7-A957-92C2176DB329}" dt="2024-02-01T17:03:43.020" v="7925" actId="1036"/>
+          <ac:spMkLst>
+            <pc:docMk/>
+            <pc:sldMk cId="3293870533" sldId="287"/>
+            <ac:spMk id="4" creationId="{0CB7D046-FAA5-33B1-E313-20105CD287AF}"/>
+          </ac:spMkLst>
+        </pc:spChg>
+        <pc:spChg chg="add mod">
+          <ac:chgData name="kothamanikanta2@outlook.com" userId="fee3ba77f589661d" providerId="LiveId" clId="{C086426E-0C7D-42A7-A957-92C2176DB329}" dt="2024-02-01T15:52:06.102" v="5932" actId="1076"/>
+          <ac:spMkLst>
+            <pc:docMk/>
+            <pc:sldMk cId="3293870533" sldId="287"/>
+            <ac:spMk id="5" creationId="{F13ED16F-CF58-A5D1-1ED5-49FEE4A2BCB9}"/>
+          </ac:spMkLst>
+        </pc:spChg>
+        <pc:spChg chg="add del mod">
+          <ac:chgData name="kothamanikanta2@outlook.com" userId="fee3ba77f589661d" providerId="LiveId" clId="{C086426E-0C7D-42A7-A957-92C2176DB329}" dt="2024-01-29T13:28:34.589" v="5735" actId="478"/>
+          <ac:spMkLst>
+            <pc:docMk/>
+            <pc:sldMk cId="3293870533" sldId="287"/>
+            <ac:spMk id="5" creationId="{F69D053D-4066-64D6-ACA1-42BE9D1E41D4}"/>
+          </ac:spMkLst>
+        </pc:spChg>
+        <pc:spChg chg="add del mod">
+          <ac:chgData name="kothamanikanta2@outlook.com" userId="fee3ba77f589661d" providerId="LiveId" clId="{C086426E-0C7D-42A7-A957-92C2176DB329}" dt="2024-01-29T13:25:48.725" v="5730" actId="478"/>
+          <ac:spMkLst>
+            <pc:docMk/>
+            <pc:sldMk cId="3293870533" sldId="287"/>
+            <ac:spMk id="6" creationId="{BED40FDB-D69C-2D5B-597C-D4DAE9AC2392}"/>
+          </ac:spMkLst>
+        </pc:spChg>
+        <pc:spChg chg="add del mod">
+          <ac:chgData name="kothamanikanta2@outlook.com" userId="fee3ba77f589661d" providerId="LiveId" clId="{C086426E-0C7D-42A7-A957-92C2176DB329}" dt="2024-01-29T13:31:07.583" v="5747" actId="478"/>
+          <ac:spMkLst>
+            <pc:docMk/>
+            <pc:sldMk cId="3293870533" sldId="287"/>
+            <ac:spMk id="7" creationId="{CEDD3F49-EC89-A0AD-0046-2D0D79EF3DEF}"/>
+          </ac:spMkLst>
+        </pc:spChg>
+        <pc:spChg chg="add del mod">
+          <ac:chgData name="kothamanikanta2@outlook.com" userId="fee3ba77f589661d" providerId="LiveId" clId="{C086426E-0C7D-42A7-A957-92C2176DB329}" dt="2024-01-29T13:31:59.325" v="5750" actId="12084"/>
+          <ac:spMkLst>
+            <pc:docMk/>
+            <pc:sldMk cId="3293870533" sldId="287"/>
+            <ac:spMk id="9" creationId="{9D393D58-91BF-0F12-477E-87CE495C1551}"/>
+          </ac:spMkLst>
+        </pc:spChg>
+        <pc:spChg chg="add del mod">
+          <ac:chgData name="kothamanikanta2@outlook.com" userId="fee3ba77f589661d" providerId="LiveId" clId="{C086426E-0C7D-42A7-A957-92C2176DB329}" dt="2024-01-29T13:35:12.619" v="5774" actId="478"/>
+          <ac:spMkLst>
+            <pc:docMk/>
+            <pc:sldMk cId="3293870533" sldId="287"/>
+            <ac:spMk id="12" creationId="{056F1726-52FE-E1E8-C70A-B27503A73F8F}"/>
+          </ac:spMkLst>
+        </pc:spChg>
+        <pc:spChg chg="add del mod ord">
+          <ac:chgData name="kothamanikanta2@outlook.com" userId="fee3ba77f589661d" providerId="LiveId" clId="{C086426E-0C7D-42A7-A957-92C2176DB329}" dt="2024-01-31T16:22:36.616" v="5782" actId="478"/>
+          <ac:spMkLst>
+            <pc:docMk/>
+            <pc:sldMk cId="3293870533" sldId="287"/>
+            <ac:spMk id="13" creationId="{254774F0-2830-D7AB-4BFF-30686D53CA79}"/>
+          </ac:spMkLst>
+        </pc:spChg>
+        <pc:graphicFrameChg chg="add del mod">
+          <ac:chgData name="kothamanikanta2@outlook.com" userId="fee3ba77f589661d" providerId="LiveId" clId="{C086426E-0C7D-42A7-A957-92C2176DB329}" dt="2024-01-29T13:33:59.480" v="5761" actId="478"/>
+          <ac:graphicFrameMkLst>
+            <pc:docMk/>
+            <pc:sldMk cId="3293870533" sldId="287"/>
+            <ac:graphicFrameMk id="10" creationId="{10C7BF25-E565-1F21-5465-D3CB16331D9E}"/>
+          </ac:graphicFrameMkLst>
+        </pc:graphicFrameChg>
+        <pc:picChg chg="add mod">
+          <ac:chgData name="kothamanikanta2@outlook.com" userId="fee3ba77f589661d" providerId="LiveId" clId="{C086426E-0C7D-42A7-A957-92C2176DB329}" dt="2024-02-01T15:52:20.681" v="5955" actId="1038"/>
+          <ac:picMkLst>
+            <pc:docMk/>
+            <pc:sldMk cId="3293870533" sldId="287"/>
+            <ac:picMk id="7170" creationId="{F2F5D0A7-98E1-C69B-0C82-DE9878B732C1}"/>
+          </ac:picMkLst>
+        </pc:picChg>
+      </pc:sldChg>
+      <pc:sldChg chg="addSp delSp modSp new mod ord setBg">
+        <pc:chgData name="kothamanikanta2@outlook.com" userId="fee3ba77f589661d" providerId="LiveId" clId="{C086426E-0C7D-42A7-A957-92C2176DB329}" dt="2024-02-01T15:57:35.599" v="5998"/>
+        <pc:sldMkLst>
+          <pc:docMk/>
+          <pc:sldMk cId="3453967955" sldId="288"/>
+        </pc:sldMkLst>
+        <pc:spChg chg="del">
+          <ac:chgData name="kothamanikanta2@outlook.com" userId="fee3ba77f589661d" providerId="LiveId" clId="{C086426E-0C7D-42A7-A957-92C2176DB329}" dt="2023-11-23T04:10:45.967" v="2333" actId="478"/>
+          <ac:spMkLst>
+            <pc:docMk/>
+            <pc:sldMk cId="3453967955" sldId="288"/>
+            <ac:spMk id="2" creationId="{6AD23BE9-F51E-C5F0-760A-9ECBC12CF4C8}"/>
+          </ac:spMkLst>
+        </pc:spChg>
+        <pc:spChg chg="add del mod">
+          <ac:chgData name="kothamanikanta2@outlook.com" userId="fee3ba77f589661d" providerId="LiveId" clId="{C086426E-0C7D-42A7-A957-92C2176DB329}" dt="2023-11-27T14:19:50.259" v="3988"/>
+          <ac:spMkLst>
+            <pc:docMk/>
+            <pc:sldMk cId="3453967955" sldId="288"/>
+            <ac:spMk id="2" creationId="{84714773-6955-791B-2AC6-2D43966F1301}"/>
+          </ac:spMkLst>
+        </pc:spChg>
+        <pc:spChg chg="del">
+          <ac:chgData name="kothamanikanta2@outlook.com" userId="fee3ba77f589661d" providerId="LiveId" clId="{C086426E-0C7D-42A7-A957-92C2176DB329}" dt="2023-11-23T04:10:47.762" v="2334" actId="478"/>
+          <ac:spMkLst>
+            <pc:docMk/>
+            <pc:sldMk cId="3453967955" sldId="288"/>
+            <ac:spMk id="3" creationId="{2CAA631C-B635-3711-92FB-4982856BAE0C}"/>
+          </ac:spMkLst>
+        </pc:spChg>
+        <pc:spChg chg="add mod">
+          <ac:chgData name="kothamanikanta2@outlook.com" userId="fee3ba77f589661d" providerId="LiveId" clId="{C086426E-0C7D-42A7-A957-92C2176DB329}" dt="2024-02-01T15:41:34.809" v="5852"/>
+          <ac:spMkLst>
+            <pc:docMk/>
+            <pc:sldMk cId="3453967955" sldId="288"/>
+            <ac:spMk id="3" creationId="{452C80D2-2794-0790-D974-949235321575}"/>
+          </ac:spMkLst>
+        </pc:spChg>
+        <pc:spChg chg="add mod">
+          <ac:chgData name="kothamanikanta2@outlook.com" userId="fee3ba77f589661d" providerId="LiveId" clId="{C086426E-0C7D-42A7-A957-92C2176DB329}" dt="2024-02-01T15:41:51.941" v="5855"/>
+          <ac:spMkLst>
+            <pc:docMk/>
+            <pc:sldMk cId="3453967955" sldId="288"/>
+            <ac:spMk id="4" creationId="{B132B527-D8DA-212A-966F-D3BB3FDCB059}"/>
+          </ac:spMkLst>
+        </pc:spChg>
+        <pc:spChg chg="add mod">
+          <ac:chgData name="kothamanikanta2@outlook.com" userId="fee3ba77f589661d" providerId="LiveId" clId="{C086426E-0C7D-42A7-A957-92C2176DB329}" dt="2024-02-01T15:42:01.141" v="5856"/>
+          <ac:spMkLst>
+            <pc:docMk/>
+            <pc:sldMk cId="3453967955" sldId="288"/>
+            <ac:spMk id="5" creationId="{B72D2BB7-801A-8A0B-B1C5-DFA3B9C2DD6B}"/>
+          </ac:spMkLst>
+        </pc:spChg>
+        <pc:spChg chg="add mod">
+          <ac:chgData name="kothamanikanta2@outlook.com" userId="fee3ba77f589661d" providerId="LiveId" clId="{C086426E-0C7D-42A7-A957-92C2176DB329}" dt="2024-02-01T15:42:08.068" v="5857"/>
+          <ac:spMkLst>
+            <pc:docMk/>
+            <pc:sldMk cId="3453967955" sldId="288"/>
+            <ac:spMk id="6" creationId="{76F69F2E-49DC-3EF2-E90A-609C91C7DD1A}"/>
+          </ac:spMkLst>
+        </pc:spChg>
+        <pc:spChg chg="add mod">
+          <ac:chgData name="kothamanikanta2@outlook.com" userId="fee3ba77f589661d" providerId="LiveId" clId="{C086426E-0C7D-42A7-A957-92C2176DB329}" dt="2024-02-01T15:41:13.078" v="5848"/>
+          <ac:spMkLst>
+            <pc:docMk/>
+            <pc:sldMk cId="3453967955" sldId="288"/>
+            <ac:spMk id="7" creationId="{AABDEF2B-44FD-B280-B891-8E98E7A66964}"/>
+          </ac:spMkLst>
+        </pc:spChg>
+        <pc:spChg chg="add del mod">
+          <ac:chgData name="kothamanikanta2@outlook.com" userId="fee3ba77f589661d" providerId="LiveId" clId="{C086426E-0C7D-42A7-A957-92C2176DB329}" dt="2023-11-27T14:43:48.163" v="4053" actId="478"/>
+          <ac:spMkLst>
+            <pc:docMk/>
+            <pc:sldMk cId="3453967955" sldId="288"/>
+            <ac:spMk id="8" creationId="{83945AF7-8966-32AC-1C35-4F10E535F97F}"/>
+          </ac:spMkLst>
+        </pc:spChg>
+        <pc:spChg chg="add del mod">
+          <ac:chgData name="kothamanikanta2@outlook.com" userId="fee3ba77f589661d" providerId="LiveId" clId="{C086426E-0C7D-42A7-A957-92C2176DB329}" dt="2023-11-26T14:39:45.708" v="3902" actId="478"/>
+          <ac:spMkLst>
+            <pc:docMk/>
+            <pc:sldMk cId="3453967955" sldId="288"/>
+            <ac:spMk id="8" creationId="{E78A5B06-FB86-D38A-9646-D7E81ABA9FE0}"/>
+          </ac:spMkLst>
+        </pc:spChg>
+        <pc:spChg chg="add">
+          <ac:chgData name="kothamanikanta2@outlook.com" userId="fee3ba77f589661d" providerId="LiveId" clId="{C086426E-0C7D-42A7-A957-92C2176DB329}" dt="2024-02-01T15:57:35.599" v="5998"/>
+          <ac:spMkLst>
+            <pc:docMk/>
+            <pc:sldMk cId="3453967955" sldId="288"/>
+            <ac:spMk id="8" creationId="{F6CE46EA-1F23-C4CB-ECC7-0E6BB4BD8538}"/>
+          </ac:spMkLst>
+        </pc:spChg>
+        <pc:spChg chg="add mod">
+          <ac:chgData name="kothamanikanta2@outlook.com" userId="fee3ba77f589661d" providerId="LiveId" clId="{C086426E-0C7D-42A7-A957-92C2176DB329}" dt="2024-02-01T15:41:24.393" v="5850"/>
+          <ac:spMkLst>
+            <pc:docMk/>
+            <pc:sldMk cId="3453967955" sldId="288"/>
+            <ac:spMk id="9" creationId="{0BFA1BE3-0912-791B-64F7-1EE203E0FBCF}"/>
+          </ac:spMkLst>
+        </pc:spChg>
+        <pc:spChg chg="add mod">
+          <ac:chgData name="kothamanikanta2@outlook.com" userId="fee3ba77f589661d" providerId="LiveId" clId="{C086426E-0C7D-42A7-A957-92C2176DB329}" dt="2023-11-26T14:34:41.691" v="3857" actId="1076"/>
+          <ac:spMkLst>
+            <pc:docMk/>
+            <pc:sldMk cId="3453967955" sldId="288"/>
+            <ac:spMk id="10" creationId="{0EB7641D-DFA4-3D86-1467-CE2A0792FCA5}"/>
+          </ac:spMkLst>
+        </pc:spChg>
+        <pc:spChg chg="add del mod">
+          <ac:chgData name="kothamanikanta2@outlook.com" userId="fee3ba77f589661d" providerId="LiveId" clId="{C086426E-0C7D-42A7-A957-92C2176DB329}" dt="2023-11-27T14:43:51.463" v="4054" actId="478"/>
+          <ac:spMkLst>
+            <pc:docMk/>
+            <pc:sldMk cId="3453967955" sldId="288"/>
+            <ac:spMk id="11" creationId="{48F85461-DA4F-60CE-A051-3022410DE5F6}"/>
+          </ac:spMkLst>
+        </pc:spChg>
+        <pc:spChg chg="add del mod">
+          <ac:chgData name="kothamanikanta2@outlook.com" userId="fee3ba77f589661d" providerId="LiveId" clId="{C086426E-0C7D-42A7-A957-92C2176DB329}" dt="2023-11-26T14:34:56.742" v="3859" actId="478"/>
+          <ac:spMkLst>
+            <pc:docMk/>
+            <pc:sldMk cId="3453967955" sldId="288"/>
+            <ac:spMk id="11" creationId="{508A602E-3C0C-DADF-17F1-D56CD83FAF71}"/>
+          </ac:spMkLst>
+        </pc:spChg>
+        <pc:spChg chg="add mod">
+          <ac:chgData name="kothamanikanta2@outlook.com" userId="fee3ba77f589661d" providerId="LiveId" clId="{C086426E-0C7D-42A7-A957-92C2176DB329}" dt="2024-02-01T15:41:20.197" v="5849"/>
+          <ac:spMkLst>
+            <pc:docMk/>
+            <pc:sldMk cId="3453967955" sldId="288"/>
+            <ac:spMk id="12" creationId="{82E3F522-EECF-8D17-D7D9-2B4E12639E03}"/>
+          </ac:spMkLst>
+        </pc:spChg>
+        <pc:spChg chg="add mod">
+          <ac:chgData name="kothamanikanta2@outlook.com" userId="fee3ba77f589661d" providerId="LiveId" clId="{C086426E-0C7D-42A7-A957-92C2176DB329}" dt="2024-02-01T15:49:28.090" v="5886"/>
+          <ac:spMkLst>
+            <pc:docMk/>
+            <pc:sldMk cId="3453967955" sldId="288"/>
+            <ac:spMk id="14" creationId="{2A3D8A9A-3E5E-52EB-38E9-C862478E573D}"/>
+          </ac:spMkLst>
+        </pc:spChg>
+        <pc:spChg chg="add mod">
+          <ac:chgData name="kothamanikanta2@outlook.com" userId="fee3ba77f589661d" providerId="LiveId" clId="{C086426E-0C7D-42A7-A957-92C2176DB329}" dt="2023-11-27T16:04:05.095" v="4071" actId="1076"/>
+          <ac:spMkLst>
+            <pc:docMk/>
+            <pc:sldMk cId="3453967955" sldId="288"/>
+            <ac:spMk id="15" creationId="{6B9BACB1-3052-51F5-21CF-D4533F18011D}"/>
+          </ac:spMkLst>
+        </pc:spChg>
+        <pc:spChg chg="add del mod">
+          <ac:chgData name="kothamanikanta2@outlook.com" userId="fee3ba77f589661d" providerId="LiveId" clId="{C086426E-0C7D-42A7-A957-92C2176DB329}" dt="2023-11-23T04:24:38.905" v="2458"/>
+          <ac:spMkLst>
+            <pc:docMk/>
+            <pc:sldMk cId="3453967955" sldId="288"/>
+            <ac:spMk id="16" creationId="{48B01661-9651-2B46-6332-941FB959A52E}"/>
+          </ac:spMkLst>
+        </pc:spChg>
+        <pc:spChg chg="add mod">
+          <ac:chgData name="kothamanikanta2@outlook.com" userId="fee3ba77f589661d" providerId="LiveId" clId="{C086426E-0C7D-42A7-A957-92C2176DB329}" dt="2024-02-01T15:41:28.162" v="5851"/>
+          <ac:spMkLst>
+            <pc:docMk/>
+            <pc:sldMk cId="3453967955" sldId="288"/>
+            <ac:spMk id="16" creationId="{BB372221-68FD-B775-9D27-8264389AD9D2}"/>
+          </ac:spMkLst>
+        </pc:spChg>
+        <pc:spChg chg="add del mod">
+          <ac:chgData name="kothamanikanta2@outlook.com" userId="fee3ba77f589661d" providerId="LiveId" clId="{C086426E-0C7D-42A7-A957-92C2176DB329}" dt="2023-11-27T14:43:38.562" v="4052" actId="478"/>
+          <ac:spMkLst>
+            <pc:docMk/>
+            <pc:sldMk cId="3453967955" sldId="288"/>
+            <ac:spMk id="20" creationId="{BF8C186B-977E-EF95-6E81-C015917FAF8D}"/>
+          </ac:spMkLst>
+        </pc:spChg>
+        <pc:spChg chg="add del mod">
+          <ac:chgData name="kothamanikanta2@outlook.com" userId="fee3ba77f589661d" providerId="LiveId" clId="{C086426E-0C7D-42A7-A957-92C2176DB329}" dt="2023-11-27T14:43:34.620" v="4050" actId="478"/>
+          <ac:spMkLst>
+            <pc:docMk/>
+            <pc:sldMk cId="3453967955" sldId="288"/>
+            <ac:spMk id="21" creationId="{FAF19F57-1B24-FED9-128A-166831157661}"/>
+          </ac:spMkLst>
+        </pc:spChg>
+        <pc:spChg chg="add del mod">
+          <ac:chgData name="kothamanikanta2@outlook.com" userId="fee3ba77f589661d" providerId="LiveId" clId="{C086426E-0C7D-42A7-A957-92C2176DB329}" dt="2023-11-27T14:24:14.443" v="4020" actId="478"/>
+          <ac:spMkLst>
+            <pc:docMk/>
+            <pc:sldMk cId="3453967955" sldId="288"/>
+            <ac:spMk id="22" creationId="{7B168856-CB4D-854F-91E0-F66DE3C9B73E}"/>
+          </ac:spMkLst>
+        </pc:spChg>
+        <pc:spChg chg="add del mod">
+          <ac:chgData name="kothamanikanta2@outlook.com" userId="fee3ba77f589661d" providerId="LiveId" clId="{C086426E-0C7D-42A7-A957-92C2176DB329}" dt="2023-11-27T14:24:16.957" v="4021" actId="478"/>
+          <ac:spMkLst>
+            <pc:docMk/>
+            <pc:sldMk cId="3453967955" sldId="288"/>
+            <ac:spMk id="23" creationId="{917B9156-2EA5-02FB-E88E-92A8E5802332}"/>
+          </ac:spMkLst>
+        </pc:spChg>
+        <pc:spChg chg="add del mod">
+          <ac:chgData name="kothamanikanta2@outlook.com" userId="fee3ba77f589661d" providerId="LiveId" clId="{C086426E-0C7D-42A7-A957-92C2176DB329}" dt="2023-11-27T14:43:48.163" v="4053" actId="478"/>
+          <ac:spMkLst>
+            <pc:docMk/>
+            <pc:sldMk cId="3453967955" sldId="288"/>
+            <ac:spMk id="24" creationId="{79310E45-0AD5-68D9-1019-1CD64D64D34C}"/>
+          </ac:spMkLst>
+        </pc:spChg>
+        <pc:graphicFrameChg chg="add del mod modGraphic">
+          <ac:chgData name="kothamanikanta2@outlook.com" userId="fee3ba77f589661d" providerId="LiveId" clId="{C086426E-0C7D-42A7-A957-92C2176DB329}" dt="2023-11-23T04:11:15.886" v="2346" actId="27309"/>
+          <ac:graphicFrameMkLst>
+            <pc:docMk/>
+            <pc:sldMk cId="3453967955" sldId="288"/>
+            <ac:graphicFrameMk id="5" creationId="{21BD1D3D-D368-6410-08C6-D8B554B24A16}"/>
+          </ac:graphicFrameMkLst>
+        </pc:graphicFrameChg>
+        <pc:graphicFrameChg chg="add del mod modGraphic">
+          <ac:chgData name="kothamanikanta2@outlook.com" userId="fee3ba77f589661d" providerId="LiveId" clId="{C086426E-0C7D-42A7-A957-92C2176DB329}" dt="2023-11-23T04:11:15.196" v="2345" actId="27309"/>
+          <ac:graphicFrameMkLst>
+            <pc:docMk/>
+            <pc:sldMk cId="3453967955" sldId="288"/>
+            <ac:graphicFrameMk id="7" creationId="{08344FF7-A4A7-AE44-27FD-061DBE0B04EB}"/>
+          </ac:graphicFrameMkLst>
+        </pc:graphicFrameChg>
+        <pc:graphicFrameChg chg="add del modGraphic">
+          <ac:chgData name="kothamanikanta2@outlook.com" userId="fee3ba77f589661d" providerId="LiveId" clId="{C086426E-0C7D-42A7-A957-92C2176DB329}" dt="2023-11-23T04:11:14.154" v="2341" actId="27309"/>
+          <ac:graphicFrameMkLst>
+            <pc:docMk/>
+            <pc:sldMk cId="3453967955" sldId="288"/>
+            <ac:graphicFrameMk id="9" creationId="{66849310-2CC4-27CB-90D6-7F1F75E3D6A9}"/>
+          </ac:graphicFrameMkLst>
+        </pc:graphicFrameChg>
+        <pc:graphicFrameChg chg="add del mod modGraphic">
+          <ac:chgData name="kothamanikanta2@outlook.com" userId="fee3ba77f589661d" providerId="LiveId" clId="{C086426E-0C7D-42A7-A957-92C2176DB329}" dt="2023-11-26T14:40:03.347" v="3905" actId="478"/>
+          <ac:graphicFrameMkLst>
+            <pc:docMk/>
+            <pc:sldMk cId="3453967955" sldId="288"/>
+            <ac:graphicFrameMk id="17" creationId="{B0690760-4700-7100-6237-D592A816E682}"/>
+          </ac:graphicFrameMkLst>
+        </pc:graphicFrameChg>
+        <pc:graphicFrameChg chg="add del mod modGraphic">
+          <ac:chgData name="kothamanikanta2@outlook.com" userId="fee3ba77f589661d" providerId="LiveId" clId="{C086426E-0C7D-42A7-A957-92C2176DB329}" dt="2023-11-23T04:42:28.284" v="2675" actId="478"/>
+          <ac:graphicFrameMkLst>
+            <pc:docMk/>
+            <pc:sldMk cId="3453967955" sldId="288"/>
+            <ac:graphicFrameMk id="18" creationId="{8E6D2F58-E985-B1DC-EA36-6F54A0EEA10B}"/>
+          </ac:graphicFrameMkLst>
+        </pc:graphicFrameChg>
+        <pc:graphicFrameChg chg="add del mod modGraphic">
+          <ac:chgData name="kothamanikanta2@outlook.com" userId="fee3ba77f589661d" providerId="LiveId" clId="{C086426E-0C7D-42A7-A957-92C2176DB329}" dt="2023-11-27T14:20:23.668" v="3996" actId="478"/>
+          <ac:graphicFrameMkLst>
+            <pc:docMk/>
+            <pc:sldMk cId="3453967955" sldId="288"/>
+            <ac:graphicFrameMk id="19" creationId="{C925AD5E-9D19-005B-6E8D-ED1DF1F52C4B}"/>
+          </ac:graphicFrameMkLst>
+        </pc:graphicFrameChg>
+        <pc:cxnChg chg="add del mod">
+          <ac:chgData name="kothamanikanta2@outlook.com" userId="fee3ba77f589661d" providerId="LiveId" clId="{C086426E-0C7D-42A7-A957-92C2176DB329}" dt="2023-11-26T14:35:00.855" v="3860" actId="478"/>
+          <ac:cxnSpMkLst>
+            <pc:docMk/>
+            <pc:sldMk cId="3453967955" sldId="288"/>
+            <ac:cxnSpMk id="13" creationId="{430B1B86-3F4C-7085-2745-812022119FF1}"/>
+          </ac:cxnSpMkLst>
+        </pc:cxnChg>
+        <pc:cxnChg chg="add mod">
+          <ac:chgData name="kothamanikanta2@outlook.com" userId="fee3ba77f589661d" providerId="LiveId" clId="{C086426E-0C7D-42A7-A957-92C2176DB329}" dt="2023-11-26T14:44:14.091" v="3949" actId="14100"/>
+          <ac:cxnSpMkLst>
+            <pc:docMk/>
+            <pc:sldMk cId="3453967955" sldId="288"/>
+            <ac:cxnSpMk id="25" creationId="{1C22015F-5FD6-F8DD-9BFD-1461F7AFA4D2}"/>
+          </ac:cxnSpMkLst>
+        </pc:cxnChg>
+      </pc:sldChg>
+      <pc:sldChg chg="addSp delSp modSp new del">
+        <pc:chgData name="kothamanikanta2@outlook.com" userId="fee3ba77f589661d" providerId="LiveId" clId="{C086426E-0C7D-42A7-A957-92C2176DB329}" dt="2023-11-26T14:26:30.104" v="3833" actId="47"/>
+        <pc:sldMkLst>
+          <pc:docMk/>
+          <pc:sldMk cId="207793195" sldId="289"/>
+        </pc:sldMkLst>
+        <pc:spChg chg="mod">
+          <ac:chgData name="kothamanikanta2@outlook.com" userId="fee3ba77f589661d" providerId="LiveId" clId="{C086426E-0C7D-42A7-A957-92C2176DB329}" dt="2023-11-26T06:09:50.004" v="3697"/>
+          <ac:spMkLst>
+            <pc:docMk/>
+            <pc:sldMk cId="207793195" sldId="289"/>
+            <ac:spMk id="2" creationId="{83A13A60-C9FD-223F-F2BB-E066D6632926}"/>
+          </ac:spMkLst>
+        </pc:spChg>
+        <pc:spChg chg="del">
+          <ac:chgData name="kothamanikanta2@outlook.com" userId="fee3ba77f589661d" providerId="LiveId" clId="{C086426E-0C7D-42A7-A957-92C2176DB329}" dt="2023-11-25T10:14:23.808" v="3106"/>
+          <ac:spMkLst>
+            <pc:docMk/>
+            <pc:sldMk cId="207793195" sldId="289"/>
+            <ac:spMk id="3" creationId="{9CB1575E-FA75-3557-D8B9-7E11A694EA8A}"/>
+          </ac:spMkLst>
+        </pc:spChg>
+        <pc:picChg chg="add mod">
+          <ac:chgData name="kothamanikanta2@outlook.com" userId="fee3ba77f589661d" providerId="LiveId" clId="{C086426E-0C7D-42A7-A957-92C2176DB329}" dt="2023-11-26T06:09:50.004" v="3697"/>
+          <ac:picMkLst>
+            <pc:docMk/>
+            <pc:sldMk cId="207793195" sldId="289"/>
+            <ac:picMk id="1026" creationId="{80F98DDC-3C38-F079-75B1-37A646117EA1}"/>
+          </ac:picMkLst>
+        </pc:picChg>
+        <pc:picChg chg="add">
+          <ac:chgData name="kothamanikanta2@outlook.com" userId="fee3ba77f589661d" providerId="LiveId" clId="{C086426E-0C7D-42A7-A957-92C2176DB329}" dt="2023-11-25T10:14:50.002" v="3107"/>
+          <ac:picMkLst>
+            <pc:docMk/>
+            <pc:sldMk cId="207793195" sldId="289"/>
+            <ac:picMk id="1028" creationId="{62FE4A40-E72D-D57A-1554-147EC1659730}"/>
+          </ac:picMkLst>
+        </pc:picChg>
+        <pc:picChg chg="add mod">
+          <ac:chgData name="kothamanikanta2@outlook.com" userId="fee3ba77f589661d" providerId="LiveId" clId="{C086426E-0C7D-42A7-A957-92C2176DB329}" dt="2023-11-25T10:14:56.882" v="3108"/>
+          <ac:picMkLst>
+            <pc:docMk/>
+            <pc:sldMk cId="207793195" sldId="289"/>
+            <ac:picMk id="1030" creationId="{D48D3139-9DAE-1786-60AD-3B67C2D46308}"/>
+          </ac:picMkLst>
+        </pc:picChg>
+      </pc:sldChg>
+      <pc:sldChg chg="new del">
+        <pc:chgData name="kothamanikanta2@outlook.com" userId="fee3ba77f589661d" providerId="LiveId" clId="{C086426E-0C7D-42A7-A957-92C2176DB329}" dt="2023-11-25T06:51:35.097" v="2891" actId="680"/>
+        <pc:sldMkLst>
+          <pc:docMk/>
+          <pc:sldMk cId="594260096" sldId="289"/>
+        </pc:sldMkLst>
+      </pc:sldChg>
+      <pc:sldChg chg="addSp modSp mod">
+        <pc:chgData name="kothamanikanta2@outlook.com" userId="fee3ba77f589661d" providerId="LiveId" clId="{C086426E-0C7D-42A7-A957-92C2176DB329}" dt="2024-02-01T15:57:35.599" v="5998"/>
+        <pc:sldMkLst>
+          <pc:docMk/>
+          <pc:sldMk cId="2022322490" sldId="289"/>
+        </pc:sldMkLst>
+        <pc:spChg chg="add">
+          <ac:chgData name="kothamanikanta2@outlook.com" userId="fee3ba77f589661d" providerId="LiveId" clId="{C086426E-0C7D-42A7-A957-92C2176DB329}" dt="2024-02-01T15:57:35.599" v="5998"/>
+          <ac:spMkLst>
+            <pc:docMk/>
+            <pc:sldMk cId="2022322490" sldId="289"/>
+            <ac:spMk id="2" creationId="{F7DC8D9D-3D71-74A7-17E5-B967B48BDBAF}"/>
+          </ac:spMkLst>
+        </pc:spChg>
+        <pc:spChg chg="add mod">
+          <ac:chgData name="kothamanikanta2@outlook.com" userId="fee3ba77f589661d" providerId="LiveId" clId="{C086426E-0C7D-42A7-A957-92C2176DB329}" dt="2024-02-01T15:57:34.468" v="5997" actId="33987"/>
+          <ac:spMkLst>
+            <pc:docMk/>
+            <pc:sldMk cId="2022322490" sldId="289"/>
+            <ac:spMk id="7" creationId="{4B934FF7-6B20-9A4D-1D23-F7E5284C1518}"/>
+          </ac:spMkLst>
+        </pc:spChg>
+        <pc:graphicFrameChg chg="modGraphic">
+          <ac:chgData name="kothamanikanta2@outlook.com" userId="fee3ba77f589661d" providerId="LiveId" clId="{C086426E-0C7D-42A7-A957-92C2176DB329}" dt="2024-02-01T15:49:10.992" v="5884" actId="207"/>
+          <ac:graphicFrameMkLst>
+            <pc:docMk/>
+            <pc:sldMk cId="2022322490" sldId="289"/>
+            <ac:graphicFrameMk id="4" creationId="{844DA423-0912-3C55-AE8F-74763E853AF4}"/>
+          </ac:graphicFrameMkLst>
+        </pc:graphicFrameChg>
+      </pc:sldChg>
+      <pc:sldChg chg="addSp delSp modSp new del mod modClrScheme chgLayout">
+        <pc:chgData name="kothamanikanta2@outlook.com" userId="fee3ba77f589661d" providerId="LiveId" clId="{C086426E-0C7D-42A7-A957-92C2176DB329}" dt="2023-11-26T14:14:35.807" v="3772" actId="47"/>
+        <pc:sldMkLst>
+          <pc:docMk/>
+          <pc:sldMk cId="1865959195" sldId="290"/>
+        </pc:sldMkLst>
+        <pc:spChg chg="del mod ord">
+          <ac:chgData name="kothamanikanta2@outlook.com" userId="fee3ba77f589661d" providerId="LiveId" clId="{C086426E-0C7D-42A7-A957-92C2176DB329}" dt="2023-11-26T14:13:55.885" v="3771" actId="700"/>
+          <ac:spMkLst>
+            <pc:docMk/>
+            <pc:sldMk cId="1865959195" sldId="290"/>
+            <ac:spMk id="2" creationId="{2362BFE0-4098-BBE8-F3DA-D99D6CC3A2DB}"/>
+          </ac:spMkLst>
+        </pc:spChg>
+        <pc:spChg chg="del mod ord">
+          <ac:chgData name="kothamanikanta2@outlook.com" userId="fee3ba77f589661d" providerId="LiveId" clId="{C086426E-0C7D-42A7-A957-92C2176DB329}" dt="2023-11-26T14:13:55.885" v="3771" actId="700"/>
+          <ac:spMkLst>
+            <pc:docMk/>
+            <pc:sldMk cId="1865959195" sldId="290"/>
+            <ac:spMk id="3" creationId="{8B604601-AEA6-F59E-4E9D-4A893F80DE6C}"/>
+          </ac:spMkLst>
+        </pc:spChg>
+        <pc:spChg chg="add mod ord">
+          <ac:chgData name="kothamanikanta2@outlook.com" userId="fee3ba77f589661d" providerId="LiveId" clId="{C086426E-0C7D-42A7-A957-92C2176DB329}" dt="2023-11-26T14:13:55.885" v="3771" actId="700"/>
+          <ac:spMkLst>
+            <pc:docMk/>
+            <pc:sldMk cId="1865959195" sldId="290"/>
+            <ac:spMk id="4" creationId="{F09C8001-7C50-2190-4451-8F6D60C94911}"/>
+          </ac:spMkLst>
+        </pc:spChg>
+        <pc:spChg chg="add mod ord">
+          <ac:chgData name="kothamanikanta2@outlook.com" userId="fee3ba77f589661d" providerId="LiveId" clId="{C086426E-0C7D-42A7-A957-92C2176DB329}" dt="2023-11-26T14:13:55.885" v="3771" actId="700"/>
+          <ac:spMkLst>
+            <pc:docMk/>
+            <pc:sldMk cId="1865959195" sldId="290"/>
+            <ac:spMk id="5" creationId="{68D3C7DD-3F25-3DC5-DC4E-B321509AFF4B}"/>
+          </ac:spMkLst>
+        </pc:spChg>
+        <pc:spChg chg="add mod ord">
+          <ac:chgData name="kothamanikanta2@outlook.com" userId="fee3ba77f589661d" providerId="LiveId" clId="{C086426E-0C7D-42A7-A957-92C2176DB329}" dt="2023-11-26T14:13:55.885" v="3771" actId="700"/>
+          <ac:spMkLst>
+            <pc:docMk/>
+            <pc:sldMk cId="1865959195" sldId="290"/>
+            <ac:spMk id="6" creationId="{1E478087-9FC2-7AE8-8F9F-B3DD1DD52E96}"/>
+          </ac:spMkLst>
+        </pc:spChg>
+        <pc:spChg chg="add mod ord">
+          <ac:chgData name="kothamanikanta2@outlook.com" userId="fee3ba77f589661d" providerId="LiveId" clId="{C086426E-0C7D-42A7-A957-92C2176DB329}" dt="2023-11-26T14:13:55.885" v="3771" actId="700"/>
+          <ac:spMkLst>
+            <pc:docMk/>
+            <pc:sldMk cId="1865959195" sldId="290"/>
+            <ac:spMk id="7" creationId="{F0479006-71E5-F32D-3EA9-F13F4094ABC4}"/>
+          </ac:spMkLst>
+        </pc:spChg>
+        <pc:spChg chg="add mod ord">
+          <ac:chgData name="kothamanikanta2@outlook.com" userId="fee3ba77f589661d" providerId="LiveId" clId="{C086426E-0C7D-42A7-A957-92C2176DB329}" dt="2023-11-26T14:13:55.885" v="3771" actId="700"/>
+          <ac:spMkLst>
+            <pc:docMk/>
+            <pc:sldMk cId="1865959195" sldId="290"/>
+            <ac:spMk id="8" creationId="{BF82CBD2-12DE-FB84-CD16-FC4CB8112259}"/>
+          </ac:spMkLst>
+        </pc:spChg>
+      </pc:sldChg>
+      <pc:sldChg chg="addSp modSp mod">
+        <pc:chgData name="kothamanikanta2@outlook.com" userId="fee3ba77f589661d" providerId="LiveId" clId="{C086426E-0C7D-42A7-A957-92C2176DB329}" dt="2024-02-01T16:41:31.956" v="7118" actId="20577"/>
+        <pc:sldMkLst>
+          <pc:docMk/>
+          <pc:sldMk cId="1060457461" sldId="291"/>
+        </pc:sldMkLst>
+        <pc:spChg chg="mod">
+          <ac:chgData name="kothamanikanta2@outlook.com" userId="fee3ba77f589661d" providerId="LiveId" clId="{C086426E-0C7D-42A7-A957-92C2176DB329}" dt="2024-02-01T15:50:55.929" v="5908" actId="1038"/>
+          <ac:spMkLst>
+            <pc:docMk/>
+            <pc:sldMk cId="1060457461" sldId="291"/>
+            <ac:spMk id="2" creationId="{88A2A837-19F7-AF3B-F658-D0F520C26103}"/>
+          </ac:spMkLst>
+        </pc:spChg>
+        <pc:spChg chg="add">
+          <ac:chgData name="kothamanikanta2@outlook.com" userId="fee3ba77f589661d" providerId="LiveId" clId="{C086426E-0C7D-42A7-A957-92C2176DB329}" dt="2024-02-01T15:57:35.599" v="5998"/>
+          <ac:spMkLst>
+            <pc:docMk/>
+            <pc:sldMk cId="1060457461" sldId="291"/>
+            <ac:spMk id="3" creationId="{A8D280AA-1EDD-6ACF-A930-EBDE7DD7C516}"/>
+          </ac:spMkLst>
+        </pc:spChg>
+        <pc:spChg chg="mod">
+          <ac:chgData name="kothamanikanta2@outlook.com" userId="fee3ba77f589661d" providerId="LiveId" clId="{C086426E-0C7D-42A7-A957-92C2176DB329}" dt="2024-02-01T16:41:31.956" v="7118" actId="20577"/>
+          <ac:spMkLst>
+            <pc:docMk/>
+            <pc:sldMk cId="1060457461" sldId="291"/>
+            <ac:spMk id="4" creationId="{3EC78BA0-DC8E-87EB-C22C-59281368DBCD}"/>
+          </ac:spMkLst>
+        </pc:spChg>
+      </pc:sldChg>
+      <pc:sldChg chg="addSp modSp mod">
+        <pc:chgData name="kothamanikanta2@outlook.com" userId="fee3ba77f589661d" providerId="LiveId" clId="{C086426E-0C7D-42A7-A957-92C2176DB329}" dt="2024-02-01T15:57:35.599" v="5998"/>
+        <pc:sldMkLst>
+          <pc:docMk/>
+          <pc:sldMk cId="245740127" sldId="292"/>
+        </pc:sldMkLst>
+        <pc:spChg chg="add mod">
+          <ac:chgData name="kothamanikanta2@outlook.com" userId="fee3ba77f589661d" providerId="LiveId" clId="{C086426E-0C7D-42A7-A957-92C2176DB329}" dt="2024-02-01T15:54:45.192" v="5993" actId="1076"/>
+          <ac:spMkLst>
+            <pc:docMk/>
+            <pc:sldMk cId="245740127" sldId="292"/>
+            <ac:spMk id="2" creationId="{5130DF8A-E4AD-FA45-3DD8-D71B9A9F0463}"/>
+          </ac:spMkLst>
+        </pc:spChg>
+        <pc:spChg chg="add">
+          <ac:chgData name="kothamanikanta2@outlook.com" userId="fee3ba77f589661d" providerId="LiveId" clId="{C086426E-0C7D-42A7-A957-92C2176DB329}" dt="2024-02-01T15:57:35.599" v="5998"/>
+          <ac:spMkLst>
+            <pc:docMk/>
+            <pc:sldMk cId="245740127" sldId="292"/>
+            <ac:spMk id="4" creationId="{B5865D0D-3E7F-65E4-E006-93251F87B21E}"/>
+          </ac:spMkLst>
+        </pc:spChg>
+        <pc:spChg chg="mod">
+          <ac:chgData name="kothamanikanta2@outlook.com" userId="fee3ba77f589661d" providerId="LiveId" clId="{C086426E-0C7D-42A7-A957-92C2176DB329}" dt="2024-02-01T15:53:36.223" v="5960" actId="1076"/>
+          <ac:spMkLst>
+            <pc:docMk/>
+            <pc:sldMk cId="245740127" sldId="292"/>
+            <ac:spMk id="7" creationId="{BB1EA265-0033-28ED-BD6C-089DBF0B5574}"/>
+          </ac:spMkLst>
+        </pc:spChg>
+        <pc:spChg chg="mod">
+          <ac:chgData name="kothamanikanta2@outlook.com" userId="fee3ba77f589661d" providerId="LiveId" clId="{C086426E-0C7D-42A7-A957-92C2176DB329}" dt="2024-02-01T15:53:39.519" v="5961" actId="1076"/>
+          <ac:spMkLst>
+            <pc:docMk/>
+            <pc:sldMk cId="245740127" sldId="292"/>
+            <ac:spMk id="8" creationId="{96BDA036-FC71-2FE2-7A50-7C6ED49F9F03}"/>
+          </ac:spMkLst>
+        </pc:spChg>
+        <pc:picChg chg="mod">
+          <ac:chgData name="kothamanikanta2@outlook.com" userId="fee3ba77f589661d" providerId="LiveId" clId="{C086426E-0C7D-42A7-A957-92C2176DB329}" dt="2024-02-01T15:53:25.470" v="5958" actId="1076"/>
+          <ac:picMkLst>
+            <pc:docMk/>
+            <pc:sldMk cId="245740127" sldId="292"/>
+            <ac:picMk id="5" creationId="{4796CC66-7BA2-4147-55BB-05AC018EC0AD}"/>
+          </ac:picMkLst>
+        </pc:picChg>
+        <pc:picChg chg="mod">
+          <ac:chgData name="kothamanikanta2@outlook.com" userId="fee3ba77f589661d" providerId="LiveId" clId="{C086426E-0C7D-42A7-A957-92C2176DB329}" dt="2024-02-01T15:53:28.165" v="5959" actId="1076"/>
+          <ac:picMkLst>
+            <pc:docMk/>
+            <pc:sldMk cId="245740127" sldId="292"/>
+            <ac:picMk id="6" creationId="{55E406D5-DB36-3B99-D2AF-A39228412374}"/>
+          </ac:picMkLst>
+        </pc:picChg>
+      </pc:sldChg>
+      <pc:sldChg chg="addSp">
+        <pc:chgData name="kothamanikanta2@outlook.com" userId="fee3ba77f589661d" providerId="LiveId" clId="{C086426E-0C7D-42A7-A957-92C2176DB329}" dt="2024-02-01T15:57:35.599" v="5998"/>
+        <pc:sldMkLst>
+          <pc:docMk/>
+          <pc:sldMk cId="3927742526" sldId="293"/>
+        </pc:sldMkLst>
+        <pc:spChg chg="add">
+          <ac:chgData name="kothamanikanta2@outlook.com" userId="fee3ba77f589661d" providerId="LiveId" clId="{C086426E-0C7D-42A7-A957-92C2176DB329}" dt="2024-02-01T15:57:35.599" v="5998"/>
+          <ac:spMkLst>
+            <pc:docMk/>
+            <pc:sldMk cId="3927742526" sldId="293"/>
+            <ac:spMk id="4" creationId="{F29C3FE3-8F58-A9FD-7170-1563B10E3637}"/>
+          </ac:spMkLst>
+        </pc:spChg>
+      </pc:sldChg>
+      <pc:sldChg chg="addSp modSp mod">
+        <pc:chgData name="kothamanikanta2@outlook.com" userId="fee3ba77f589661d" providerId="LiveId" clId="{C086426E-0C7D-42A7-A957-92C2176DB329}" dt="2024-02-01T16:42:49.547" v="7125" actId="1036"/>
+        <pc:sldMkLst>
+          <pc:docMk/>
+          <pc:sldMk cId="1450693995" sldId="294"/>
+        </pc:sldMkLst>
+        <pc:spChg chg="add">
+          <ac:chgData name="kothamanikanta2@outlook.com" userId="fee3ba77f589661d" providerId="LiveId" clId="{C086426E-0C7D-42A7-A957-92C2176DB329}" dt="2024-02-01T15:57:35.599" v="5998"/>
+          <ac:spMkLst>
+            <pc:docMk/>
+            <pc:sldMk cId="1450693995" sldId="294"/>
+            <ac:spMk id="4" creationId="{F4994774-8024-3E19-845E-B6B8C95378E3}"/>
+          </ac:spMkLst>
+        </pc:spChg>
+        <pc:spChg chg="mod">
+          <ac:chgData name="kothamanikanta2@outlook.com" userId="fee3ba77f589661d" providerId="LiveId" clId="{C086426E-0C7D-42A7-A957-92C2176DB329}" dt="2024-02-01T16:42:49.547" v="7125" actId="1036"/>
+          <ac:spMkLst>
+            <pc:docMk/>
+            <pc:sldMk cId="1450693995" sldId="294"/>
+            <ac:spMk id="8" creationId="{8DCAD648-0A7A-77EB-12C9-65B290D3FD74}"/>
+          </ac:spMkLst>
+        </pc:spChg>
+        <pc:picChg chg="mod">
+          <ac:chgData name="kothamanikanta2@outlook.com" userId="fee3ba77f589661d" providerId="LiveId" clId="{C086426E-0C7D-42A7-A957-92C2176DB329}" dt="2024-02-01T16:42:33.017" v="7123" actId="14100"/>
+          <ac:picMkLst>
+            <pc:docMk/>
+            <pc:sldMk cId="1450693995" sldId="294"/>
+            <ac:picMk id="5" creationId="{D3441529-1E7B-91FC-35C6-C79DACAB460B}"/>
+          </ac:picMkLst>
+        </pc:picChg>
+      </pc:sldChg>
+      <pc:sldChg chg="addSp">
+        <pc:chgData name="kothamanikanta2@outlook.com" userId="fee3ba77f589661d" providerId="LiveId" clId="{C086426E-0C7D-42A7-A957-92C2176DB329}" dt="2024-02-01T15:57:35.599" v="5998"/>
+        <pc:sldMkLst>
+          <pc:docMk/>
+          <pc:sldMk cId="4036988420" sldId="295"/>
+        </pc:sldMkLst>
+        <pc:spChg chg="add">
+          <ac:chgData name="kothamanikanta2@outlook.com" userId="fee3ba77f589661d" providerId="LiveId" clId="{C086426E-0C7D-42A7-A957-92C2176DB329}" dt="2024-02-01T15:57:35.599" v="5998"/>
+          <ac:spMkLst>
+            <pc:docMk/>
+            <pc:sldMk cId="4036988420" sldId="295"/>
+            <ac:spMk id="4" creationId="{526CD544-9733-562F-31AA-9F36FCA1697E}"/>
+          </ac:spMkLst>
+        </pc:spChg>
+      </pc:sldChg>
+      <pc:sldChg chg="addSp modSp mod">
+        <pc:chgData name="kothamanikanta2@outlook.com" userId="fee3ba77f589661d" providerId="LiveId" clId="{C086426E-0C7D-42A7-A957-92C2176DB329}" dt="2024-02-01T16:43:38.329" v="7134" actId="1076"/>
+        <pc:sldMkLst>
+          <pc:docMk/>
+          <pc:sldMk cId="4176955215" sldId="296"/>
+        </pc:sldMkLst>
+        <pc:spChg chg="add mod">
+          <ac:chgData name="kothamanikanta2@outlook.com" userId="fee3ba77f589661d" providerId="LiveId" clId="{C086426E-0C7D-42A7-A957-92C2176DB329}" dt="2024-02-01T16:43:38.329" v="7134" actId="1076"/>
+          <ac:spMkLst>
+            <pc:docMk/>
+            <pc:sldMk cId="4176955215" sldId="296"/>
+            <ac:spMk id="2" creationId="{B6FD1327-08F4-0F79-036E-8416596C3292}"/>
+          </ac:spMkLst>
+        </pc:spChg>
+        <pc:spChg chg="add mod">
+          <ac:chgData name="kothamanikanta2@outlook.com" userId="fee3ba77f589661d" providerId="LiveId" clId="{C086426E-0C7D-42A7-A957-92C2176DB329}" dt="2024-01-31T16:39:48.099" v="5842" actId="1076"/>
+          <ac:spMkLst>
+            <pc:docMk/>
+            <pc:sldMk cId="4176955215" sldId="296"/>
+            <ac:spMk id="3" creationId="{360618B3-6261-E605-403D-2DD1EDCFD709}"/>
+          </ac:spMkLst>
+        </pc:spChg>
+        <pc:spChg chg="add">
+          <ac:chgData name="kothamanikanta2@outlook.com" userId="fee3ba77f589661d" providerId="LiveId" clId="{C086426E-0C7D-42A7-A957-92C2176DB329}" dt="2024-02-01T15:57:35.599" v="5998"/>
+          <ac:spMkLst>
+            <pc:docMk/>
+            <pc:sldMk cId="4176955215" sldId="296"/>
+            <ac:spMk id="4" creationId="{C131592A-91D8-A430-7E92-ED629F4746EB}"/>
+          </ac:spMkLst>
+        </pc:spChg>
+      </pc:sldChg>
+      <pc:sldChg chg="addSp delSp modSp new mod">
+        <pc:chgData name="kothamanikanta2@outlook.com" userId="fee3ba77f589661d" providerId="LiveId" clId="{C086426E-0C7D-42A7-A957-92C2176DB329}" dt="2024-02-01T16:38:29.576" v="7091" actId="12"/>
+        <pc:sldMkLst>
+          <pc:docMk/>
+          <pc:sldMk cId="2048988567" sldId="297"/>
+        </pc:sldMkLst>
+        <pc:spChg chg="del">
+          <ac:chgData name="kothamanikanta2@outlook.com" userId="fee3ba77f589661d" providerId="LiveId" clId="{C086426E-0C7D-42A7-A957-92C2176DB329}" dt="2024-02-01T16:31:06.652" v="6932" actId="478"/>
+          <ac:spMkLst>
+            <pc:docMk/>
+            <pc:sldMk cId="2048988567" sldId="297"/>
+            <ac:spMk id="2" creationId="{A7BEBBBC-D13F-EC07-3D88-135AC1615C59}"/>
+          </ac:spMkLst>
+        </pc:spChg>
+        <pc:spChg chg="del">
+          <ac:chgData name="kothamanikanta2@outlook.com" userId="fee3ba77f589661d" providerId="LiveId" clId="{C086426E-0C7D-42A7-A957-92C2176DB329}" dt="2024-02-01T16:31:08.843" v="6933" actId="478"/>
+          <ac:spMkLst>
+            <pc:docMk/>
+            <pc:sldMk cId="2048988567" sldId="297"/>
+            <ac:spMk id="3" creationId="{29C1BE18-C346-8CA2-3EE0-31BF65D29B2A}"/>
+          </ac:spMkLst>
+        </pc:spChg>
+        <pc:spChg chg="add mod">
+          <ac:chgData name="kothamanikanta2@outlook.com" userId="fee3ba77f589661d" providerId="LiveId" clId="{C086426E-0C7D-42A7-A957-92C2176DB329}" dt="2024-02-01T16:38:05.178" v="7084" actId="1076"/>
+          <ac:spMkLst>
+            <pc:docMk/>
+            <pc:sldMk cId="2048988567" sldId="297"/>
+            <ac:spMk id="5" creationId="{A88ED0B1-027A-A119-8AE8-7951ACFE252B}"/>
+          </ac:spMkLst>
+        </pc:spChg>
+        <pc:spChg chg="add mod">
+          <ac:chgData name="kothamanikanta2@outlook.com" userId="fee3ba77f589661d" providerId="LiveId" clId="{C086426E-0C7D-42A7-A957-92C2176DB329}" dt="2024-02-01T16:38:27.376" v="7090" actId="12"/>
+          <ac:spMkLst>
+            <pc:docMk/>
+            <pc:sldMk cId="2048988567" sldId="297"/>
+            <ac:spMk id="6" creationId="{F07AD3CC-6BE0-5A96-E39E-C008286BE56C}"/>
+          </ac:spMkLst>
+        </pc:spChg>
+        <pc:spChg chg="add del mod">
+          <ac:chgData name="kothamanikanta2@outlook.com" userId="fee3ba77f589661d" providerId="LiveId" clId="{C086426E-0C7D-42A7-A957-92C2176DB329}" dt="2024-02-01T16:33:27.574" v="6990" actId="478"/>
+          <ac:spMkLst>
+            <pc:docMk/>
+            <pc:sldMk cId="2048988567" sldId="297"/>
+            <ac:spMk id="7" creationId="{BF0C7EC8-9E62-9D51-5DC8-236047F2D984}"/>
+          </ac:spMkLst>
+        </pc:spChg>
+        <pc:spChg chg="add mod">
+          <ac:chgData name="kothamanikanta2@outlook.com" userId="fee3ba77f589661d" providerId="LiveId" clId="{C086426E-0C7D-42A7-A957-92C2176DB329}" dt="2024-02-01T16:38:13.643" v="7086" actId="1076"/>
+          <ac:spMkLst>
+            <pc:docMk/>
+            <pc:sldMk cId="2048988567" sldId="297"/>
+            <ac:spMk id="8" creationId="{5BE049CA-9917-30A5-D2B3-F48E0ECCEBEE}"/>
+          </ac:spMkLst>
+        </pc:spChg>
+        <pc:spChg chg="add mod">
+          <ac:chgData name="kothamanikanta2@outlook.com" userId="fee3ba77f589661d" providerId="LiveId" clId="{C086426E-0C7D-42A7-A957-92C2176DB329}" dt="2024-02-01T16:38:25.188" v="7089" actId="12"/>
+          <ac:spMkLst>
+            <pc:docMk/>
+            <pc:sldMk cId="2048988567" sldId="297"/>
+            <ac:spMk id="9" creationId="{EB389C08-13CC-62BA-D963-37F89BEAE63E}"/>
+          </ac:spMkLst>
+        </pc:spChg>
+        <pc:spChg chg="add mod">
+          <ac:chgData name="kothamanikanta2@outlook.com" userId="fee3ba77f589661d" providerId="LiveId" clId="{C086426E-0C7D-42A7-A957-92C2176DB329}" dt="2024-02-01T16:38:29.576" v="7091" actId="12"/>
+          <ac:spMkLst>
+            <pc:docMk/>
+            <pc:sldMk cId="2048988567" sldId="297"/>
+            <ac:spMk id="10" creationId="{70EA8142-9D54-FFAB-8EEC-6C4C85F08CF8}"/>
+          </ac:spMkLst>
+        </pc:spChg>
+        <pc:spChg chg="add del mod">
+          <ac:chgData name="kothamanikanta2@outlook.com" userId="fee3ba77f589661d" providerId="LiveId" clId="{C086426E-0C7D-42A7-A957-92C2176DB329}" dt="2024-02-01T16:36:57.655" v="7063"/>
+          <ac:spMkLst>
+            <pc:docMk/>
+            <pc:sldMk cId="2048988567" sldId="297"/>
+            <ac:spMk id="11" creationId="{742E10A9-846E-85CD-E7CA-B7589EAE86D5}"/>
+          </ac:spMkLst>
+        </pc:spChg>
+        <pc:spChg chg="add mod">
+          <ac:chgData name="kothamanikanta2@outlook.com" userId="fee3ba77f589661d" providerId="LiveId" clId="{C086426E-0C7D-42A7-A957-92C2176DB329}" dt="2024-02-01T16:38:22.743" v="7088" actId="1076"/>
+          <ac:spMkLst>
+            <pc:docMk/>
+            <pc:sldMk cId="2048988567" sldId="297"/>
+            <ac:spMk id="12" creationId="{02A86EE9-E47C-2607-710F-414F179BA619}"/>
+          </ac:spMkLst>
+        </pc:spChg>
+      </pc:sldChg>
+      <pc:sldChg chg="addSp delSp modSp new mod">
+        <pc:chgData name="kothamanikanta2@outlook.com" userId="fee3ba77f589661d" providerId="LiveId" clId="{C086426E-0C7D-42A7-A957-92C2176DB329}" dt="2024-02-01T17:03:24.460" v="7924" actId="14861"/>
+        <pc:sldMkLst>
+          <pc:docMk/>
+          <pc:sldMk cId="579252214" sldId="298"/>
+        </pc:sldMkLst>
+        <pc:spChg chg="add mod">
+          <ac:chgData name="kothamanikanta2@outlook.com" userId="fee3ba77f589661d" providerId="LiveId" clId="{C086426E-0C7D-42A7-A957-92C2176DB329}" dt="2024-02-01T16:26:39.459" v="6823" actId="20577"/>
+          <ac:spMkLst>
+            <pc:docMk/>
+            <pc:sldMk cId="579252214" sldId="298"/>
+            <ac:spMk id="5" creationId="{2EF84CFC-6C8F-840D-51F0-4DDFAF0E83C6}"/>
+          </ac:spMkLst>
+        </pc:spChg>
+        <pc:spChg chg="add mod">
+          <ac:chgData name="kothamanikanta2@outlook.com" userId="fee3ba77f589661d" providerId="LiveId" clId="{C086426E-0C7D-42A7-A957-92C2176DB329}" dt="2024-02-01T16:39:00.114" v="7097" actId="14100"/>
+          <ac:spMkLst>
+            <pc:docMk/>
+            <pc:sldMk cId="579252214" sldId="298"/>
+            <ac:spMk id="6" creationId="{4DABCE6A-2371-1065-858F-B518B6D9EDB2}"/>
+          </ac:spMkLst>
+        </pc:spChg>
+        <pc:spChg chg="add mod">
+          <ac:chgData name="kothamanikanta2@outlook.com" userId="fee3ba77f589661d" providerId="LiveId" clId="{C086426E-0C7D-42A7-A957-92C2176DB329}" dt="2024-02-01T16:38:54.566" v="7095" actId="12"/>
+          <ac:spMkLst>
+            <pc:docMk/>
+            <pc:sldMk cId="579252214" sldId="298"/>
+            <ac:spMk id="7" creationId="{2EDBCB5A-3EBC-F513-7BAC-2C183309D644}"/>
+          </ac:spMkLst>
+        </pc:spChg>
+        <pc:spChg chg="add mod">
+          <ac:chgData name="kothamanikanta2@outlook.com" userId="fee3ba77f589661d" providerId="LiveId" clId="{C086426E-0C7D-42A7-A957-92C2176DB329}" dt="2024-02-01T16:39:37.937" v="7105" actId="1076"/>
+          <ac:spMkLst>
+            <pc:docMk/>
+            <pc:sldMk cId="579252214" sldId="298"/>
+            <ac:spMk id="8" creationId="{E1965CDC-FEF5-C48A-1C81-F3EA89B28A46}"/>
+          </ac:spMkLst>
+        </pc:spChg>
+        <pc:graphicFrameChg chg="add mod modGraphic">
+          <ac:chgData name="kothamanikanta2@outlook.com" userId="fee3ba77f589661d" providerId="LiveId" clId="{C086426E-0C7D-42A7-A957-92C2176DB329}" dt="2024-02-01T17:03:24.460" v="7924" actId="14861"/>
+          <ac:graphicFrameMkLst>
+            <pc:docMk/>
+            <pc:sldMk cId="579252214" sldId="298"/>
+            <ac:graphicFrameMk id="4" creationId="{FF6FE32C-5C7D-638C-CFC9-FEED7F8D39FD}"/>
+          </ac:graphicFrameMkLst>
+        </pc:graphicFrameChg>
+        <pc:picChg chg="add del mod">
+          <ac:chgData name="kothamanikanta2@outlook.com" userId="fee3ba77f589661d" providerId="LiveId" clId="{C086426E-0C7D-42A7-A957-92C2176DB329}" dt="2024-02-01T16:10:12.574" v="6113" actId="478"/>
+          <ac:picMkLst>
+            <pc:docMk/>
+            <pc:sldMk cId="579252214" sldId="298"/>
+            <ac:picMk id="3" creationId="{151E6C9D-54F7-1823-2B43-82B63D7B4B39}"/>
+          </ac:picMkLst>
+        </pc:picChg>
+      </pc:sldChg>
+      <pc:sldMasterChg chg="setBg modSldLayout">
+        <pc:chgData name="kothamanikanta2@outlook.com" userId="fee3ba77f589661d" providerId="LiveId" clId="{C086426E-0C7D-42A7-A957-92C2176DB329}" dt="2023-11-27T14:47:00.522" v="4056"/>
+        <pc:sldMasterMkLst>
+          <pc:docMk/>
+          <pc:sldMasterMk cId="1634395302" sldId="2147483827"/>
+        </pc:sldMasterMkLst>
+        <pc:sldLayoutChg chg="setBg">
+          <pc:chgData name="kothamanikanta2@outlook.com" userId="fee3ba77f589661d" providerId="LiveId" clId="{C086426E-0C7D-42A7-A957-92C2176DB329}" dt="2023-11-27T14:47:00.522" v="4056"/>
+          <pc:sldLayoutMkLst>
+            <pc:docMk/>
+            <pc:sldMasterMk cId="1634395302" sldId="2147483827"/>
+            <pc:sldLayoutMk cId="1062751848" sldId="2147483828"/>
+          </pc:sldLayoutMkLst>
+        </pc:sldLayoutChg>
+        <pc:sldLayoutChg chg="setBg">
+          <pc:chgData name="kothamanikanta2@outlook.com" userId="fee3ba77f589661d" providerId="LiveId" clId="{C086426E-0C7D-42A7-A957-92C2176DB329}" dt="2023-11-27T14:47:00.522" v="4056"/>
+          <pc:sldLayoutMkLst>
+            <pc:docMk/>
+            <pc:sldMasterMk cId="1634395302" sldId="2147483827"/>
+            <pc:sldLayoutMk cId="4055180743" sldId="2147483829"/>
+          </pc:sldLayoutMkLst>
+        </pc:sldLayoutChg>
+        <pc:sldLayoutChg chg="setBg">
+          <pc:chgData name="kothamanikanta2@outlook.com" userId="fee3ba77f589661d" providerId="LiveId" clId="{C086426E-0C7D-42A7-A957-92C2176DB329}" dt="2023-11-27T14:47:00.522" v="4056"/>
+          <pc:sldLayoutMkLst>
+            <pc:docMk/>
+            <pc:sldMasterMk cId="1634395302" sldId="2147483827"/>
+            <pc:sldLayoutMk cId="1073600676" sldId="2147483830"/>
+          </pc:sldLayoutMkLst>
+        </pc:sldLayoutChg>
+        <pc:sldLayoutChg chg="setBg">
+          <pc:chgData name="kothamanikanta2@outlook.com" userId="fee3ba77f589661d" providerId="LiveId" clId="{C086426E-0C7D-42A7-A957-92C2176DB329}" dt="2023-11-27T14:47:00.522" v="4056"/>
+          <pc:sldLayoutMkLst>
+            <pc:docMk/>
+            <pc:sldMasterMk cId="1634395302" sldId="2147483827"/>
+            <pc:sldLayoutMk cId="3633612565" sldId="2147483831"/>
+          </pc:sldLayoutMkLst>
+        </pc:sldLayoutChg>
+        <pc:sldLayoutChg chg="setBg">
+          <pc:chgData name="kothamanikanta2@outlook.com" userId="fee3ba77f589661d" providerId="LiveId" clId="{C086426E-0C7D-42A7-A957-92C2176DB329}" dt="2023-11-27T14:47:00.522" v="4056"/>
+          <pc:sldLayoutMkLst>
+            <pc:docMk/>
+            <pc:sldMasterMk cId="1634395302" sldId="2147483827"/>
+            <pc:sldLayoutMk cId="1020708165" sldId="2147483832"/>
+          </pc:sldLayoutMkLst>
+        </pc:sldLayoutChg>
+        <pc:sldLayoutChg chg="setBg">
+          <pc:chgData name="kothamanikanta2@outlook.com" userId="fee3ba77f589661d" providerId="LiveId" clId="{C086426E-0C7D-42A7-A957-92C2176DB329}" dt="2023-11-27T14:47:00.522" v="4056"/>
+          <pc:sldLayoutMkLst>
+            <pc:docMk/>
+            <pc:sldMasterMk cId="1634395302" sldId="2147483827"/>
+            <pc:sldLayoutMk cId="4018970139" sldId="2147483833"/>
+          </pc:sldLayoutMkLst>
+        </pc:sldLayoutChg>
+        <pc:sldLayoutChg chg="setBg">
+          <pc:chgData name="kothamanikanta2@outlook.com" userId="fee3ba77f589661d" providerId="LiveId" clId="{C086426E-0C7D-42A7-A957-92C2176DB329}" dt="2023-11-27T14:47:00.522" v="4056"/>
+          <pc:sldLayoutMkLst>
+            <pc:docMk/>
+            <pc:sldMasterMk cId="1634395302" sldId="2147483827"/>
+            <pc:sldLayoutMk cId="3531600954" sldId="2147483834"/>
+          </pc:sldLayoutMkLst>
+        </pc:sldLayoutChg>
+        <pc:sldLayoutChg chg="setBg">
+          <pc:chgData name="kothamanikanta2@outlook.com" userId="fee3ba77f589661d" providerId="LiveId" clId="{C086426E-0C7D-42A7-A957-92C2176DB329}" dt="2023-11-27T14:47:00.522" v="4056"/>
+          <pc:sldLayoutMkLst>
+            <pc:docMk/>
+            <pc:sldMasterMk cId="1634395302" sldId="2147483827"/>
+            <pc:sldLayoutMk cId="2347921036" sldId="2147483835"/>
+          </pc:sldLayoutMkLst>
+        </pc:sldLayoutChg>
+        <pc:sldLayoutChg chg="setBg">
+          <pc:chgData name="kothamanikanta2@outlook.com" userId="fee3ba77f589661d" providerId="LiveId" clId="{C086426E-0C7D-42A7-A957-92C2176DB329}" dt="2023-11-27T14:47:00.522" v="4056"/>
+          <pc:sldLayoutMkLst>
+            <pc:docMk/>
+            <pc:sldMasterMk cId="1634395302" sldId="2147483827"/>
+            <pc:sldLayoutMk cId="4039557290" sldId="2147483836"/>
+          </pc:sldLayoutMkLst>
+        </pc:sldLayoutChg>
+        <pc:sldLayoutChg chg="setBg">
+          <pc:chgData name="kothamanikanta2@outlook.com" userId="fee3ba77f589661d" providerId="LiveId" clId="{C086426E-0C7D-42A7-A957-92C2176DB329}" dt="2023-11-27T14:47:00.522" v="4056"/>
+          <pc:sldLayoutMkLst>
+            <pc:docMk/>
+            <pc:sldMasterMk cId="1634395302" sldId="2147483827"/>
+            <pc:sldLayoutMk cId="74414250" sldId="2147483837"/>
+          </pc:sldLayoutMkLst>
+        </pc:sldLayoutChg>
+        <pc:sldLayoutChg chg="setBg">
+          <pc:chgData name="kothamanikanta2@outlook.com" userId="fee3ba77f589661d" providerId="LiveId" clId="{C086426E-0C7D-42A7-A957-92C2176DB329}" dt="2023-11-27T14:47:00.522" v="4056"/>
+          <pc:sldLayoutMkLst>
+            <pc:docMk/>
+            <pc:sldMasterMk cId="1634395302" sldId="2147483827"/>
+            <pc:sldLayoutMk cId="1407584120" sldId="2147483838"/>
+          </pc:sldLayoutMkLst>
+        </pc:sldLayoutChg>
+      </pc:sldMasterChg>
+    </pc:docChg>
+  </pc:docChgLst>
+  <pc:docChgLst>
+    <pc:chgData name="Guest User" providerId="Windows Live" clId="Web-{4CCADD21-D820-48CE-8235-DE8EE01DD108}"/>
+    <pc:docChg chg="modSld">
+      <pc:chgData name="Guest User" userId="" providerId="Windows Live" clId="Web-{4CCADD21-D820-48CE-8235-DE8EE01DD108}" dt="2023-11-28T05:02:05.316" v="69" actId="1076"/>
+      <pc:docMkLst>
+        <pc:docMk/>
+      </pc:docMkLst>
+      <pc:sldChg chg="modSp">
+        <pc:chgData name="Guest User" userId="" providerId="Windows Live" clId="Web-{4CCADD21-D820-48CE-8235-DE8EE01DD108}" dt="2023-11-28T04:56:06.107" v="5" actId="1076"/>
+        <pc:sldMkLst>
+          <pc:docMk/>
+          <pc:sldMk cId="4260394364" sldId="256"/>
+        </pc:sldMkLst>
+        <pc:picChg chg="mod">
+          <ac:chgData name="Guest User" userId="" providerId="Windows Live" clId="Web-{4CCADD21-D820-48CE-8235-DE8EE01DD108}" dt="2023-11-28T04:56:06.107" v="5" actId="1076"/>
+          <ac:picMkLst>
+            <pc:docMk/>
+            <pc:sldMk cId="4260394364" sldId="256"/>
+            <ac:picMk id="3" creationId="{B80F0153-33BB-708A-1290-863FAEC7C274}"/>
+          </ac:picMkLst>
+        </pc:picChg>
+        <pc:picChg chg="mod">
+          <ac:chgData name="Guest User" userId="" providerId="Windows Live" clId="Web-{4CCADD21-D820-48CE-8235-DE8EE01DD108}" dt="2023-11-28T04:55:58.747" v="4" actId="1076"/>
+          <ac:picMkLst>
+            <pc:docMk/>
+            <pc:sldMk cId="4260394364" sldId="256"/>
+            <ac:picMk id="8" creationId="{B521FE1E-FFBB-A7A8-0CF7-9A4CDE1FFFCE}"/>
+          </ac:picMkLst>
+        </pc:picChg>
+      </pc:sldChg>
+      <pc:sldChg chg="modSp">
+        <pc:chgData name="Guest User" userId="" providerId="Windows Live" clId="Web-{4CCADD21-D820-48CE-8235-DE8EE01DD108}" dt="2023-11-28T05:02:05.316" v="69" actId="1076"/>
+        <pc:sldMkLst>
+          <pc:docMk/>
+          <pc:sldMk cId="3023639347" sldId="273"/>
+        </pc:sldMkLst>
+        <pc:spChg chg="mod">
+          <ac:chgData name="Guest User" userId="" providerId="Windows Live" clId="Web-{4CCADD21-D820-48CE-8235-DE8EE01DD108}" dt="2023-11-28T05:01:49.644" v="68" actId="1076"/>
+          <ac:spMkLst>
+            <pc:docMk/>
+            <pc:sldMk cId="3023639347" sldId="273"/>
+            <ac:spMk id="2" creationId="{412598FA-CD78-833D-772D-61C605DFAAA6}"/>
+          </ac:spMkLst>
+        </pc:spChg>
+        <pc:spChg chg="mod">
+          <ac:chgData name="Guest User" userId="" providerId="Windows Live" clId="Web-{4CCADD21-D820-48CE-8235-DE8EE01DD108}" dt="2023-11-28T05:02:05.316" v="69" actId="1076"/>
+          <ac:spMkLst>
+            <pc:docMk/>
+            <pc:sldMk cId="3023639347" sldId="273"/>
+            <ac:spMk id="7" creationId="{43791EDA-CA57-F223-1164-032D49E67AF4}"/>
+          </ac:spMkLst>
+        </pc:spChg>
+        <pc:picChg chg="mod">
+          <ac:chgData name="Guest User" userId="" providerId="Windows Live" clId="Web-{4CCADD21-D820-48CE-8235-DE8EE01DD108}" dt="2023-11-28T05:01:17.659" v="62" actId="1076"/>
+          <ac:picMkLst>
+            <pc:docMk/>
+            <pc:sldMk cId="3023639347" sldId="273"/>
+            <ac:picMk id="1026" creationId="{687E2E8B-FBFE-CA02-E672-D741F7E450F2}"/>
+          </ac:picMkLst>
+        </pc:picChg>
+      </pc:sldChg>
+      <pc:sldChg chg="modSp">
+        <pc:chgData name="Guest User" userId="" providerId="Windows Live" clId="Web-{4CCADD21-D820-48CE-8235-DE8EE01DD108}" dt="2023-11-28T05:00:12.330" v="50" actId="20577"/>
+        <pc:sldMkLst>
+          <pc:docMk/>
+          <pc:sldMk cId="127017271" sldId="284"/>
+        </pc:sldMkLst>
+        <pc:spChg chg="mod">
+          <ac:chgData name="Guest User" userId="" providerId="Windows Live" clId="Web-{4CCADD21-D820-48CE-8235-DE8EE01DD108}" dt="2023-11-28T05:00:12.330" v="50" actId="20577"/>
+          <ac:spMkLst>
+            <pc:docMk/>
+            <pc:sldMk cId="127017271" sldId="284"/>
+            <ac:spMk id="2" creationId="{A2C76FEC-5CAC-2E1B-C01D-33E786F3D3CC}"/>
+          </ac:spMkLst>
+        </pc:spChg>
+        <pc:picChg chg="mod">
+          <ac:chgData name="Guest User" userId="" providerId="Windows Live" clId="Web-{4CCADD21-D820-48CE-8235-DE8EE01DD108}" dt="2023-11-28T04:59:57.142" v="47" actId="1076"/>
+          <ac:picMkLst>
+            <pc:docMk/>
+            <pc:sldMk cId="127017271" sldId="284"/>
+            <ac:picMk id="4" creationId="{56071188-07F2-D6CC-62E6-E495E4909E1B}"/>
+          </ac:picMkLst>
+        </pc:picChg>
+      </pc:sldChg>
+      <pc:sldChg chg="modSp">
+        <pc:chgData name="Guest User" userId="" providerId="Windows Live" clId="Web-{4CCADD21-D820-48CE-8235-DE8EE01DD108}" dt="2023-11-28T05:00:45.331" v="57" actId="1076"/>
+        <pc:sldMkLst>
+          <pc:docMk/>
+          <pc:sldMk cId="786129076" sldId="285"/>
+        </pc:sldMkLst>
+        <pc:spChg chg="mod">
+          <ac:chgData name="Guest User" userId="" providerId="Windows Live" clId="Web-{4CCADD21-D820-48CE-8235-DE8EE01DD108}" dt="2023-11-28T05:00:37.971" v="56" actId="1076"/>
+          <ac:spMkLst>
+            <pc:docMk/>
+            <pc:sldMk cId="786129076" sldId="285"/>
+            <ac:spMk id="4" creationId="{31FB87BC-7984-DC53-01F0-05A3075095A5}"/>
+          </ac:spMkLst>
+        </pc:spChg>
+        <pc:picChg chg="mod">
+          <ac:chgData name="Guest User" userId="" providerId="Windows Live" clId="Web-{4CCADD21-D820-48CE-8235-DE8EE01DD108}" dt="2023-11-28T05:00:45.331" v="57" actId="1076"/>
+          <ac:picMkLst>
+            <pc:docMk/>
+            <pc:sldMk cId="786129076" sldId="285"/>
+            <ac:picMk id="4098" creationId="{E77EF853-1198-11EC-E7F6-9807FF45629C}"/>
+          </ac:picMkLst>
+        </pc:picChg>
+      </pc:sldChg>
+      <pc:sldChg chg="modSp">
+        <pc:chgData name="Guest User" userId="" providerId="Windows Live" clId="Web-{4CCADD21-D820-48CE-8235-DE8EE01DD108}" dt="2023-11-28T04:59:51.595" v="46" actId="1076"/>
+        <pc:sldMkLst>
+          <pc:docMk/>
+          <pc:sldMk cId="2941569670" sldId="286"/>
+        </pc:sldMkLst>
+        <pc:spChg chg="mod">
+          <ac:chgData name="Guest User" userId="" providerId="Windows Live" clId="Web-{4CCADD21-D820-48CE-8235-DE8EE01DD108}" dt="2023-11-28T04:59:17.907" v="39" actId="1076"/>
+          <ac:spMkLst>
+            <pc:docMk/>
+            <pc:sldMk cId="2941569670" sldId="286"/>
+            <ac:spMk id="4" creationId="{6EE1F628-0009-5563-8787-D322BE8D7F84}"/>
+          </ac:spMkLst>
+        </pc:spChg>
+        <pc:spChg chg="mod">
+          <ac:chgData name="Guest User" userId="" providerId="Windows Live" clId="Web-{4CCADD21-D820-48CE-8235-DE8EE01DD108}" dt="2023-11-28T04:59:37.267" v="44" actId="1076"/>
+          <ac:spMkLst>
+            <pc:docMk/>
+            <pc:sldMk cId="2941569670" sldId="286"/>
+            <ac:spMk id="5" creationId="{DF366EA1-622F-FE08-7053-1E25D39BCD23}"/>
+          </ac:spMkLst>
+        </pc:spChg>
+        <pc:picChg chg="mod">
+          <ac:chgData name="Guest User" userId="" providerId="Windows Live" clId="Web-{4CCADD21-D820-48CE-8235-DE8EE01DD108}" dt="2023-11-28T04:59:51.595" v="46" actId="1076"/>
+          <ac:picMkLst>
+            <pc:docMk/>
+            <pc:sldMk cId="2941569670" sldId="286"/>
+            <ac:picMk id="6146" creationId="{D24E6F4D-A96B-97D3-5390-F10B4E5092F4}"/>
+          </ac:picMkLst>
+        </pc:picChg>
+      </pc:sldChg>
+      <pc:sldChg chg="modSp">
+        <pc:chgData name="Guest User" userId="" providerId="Windows Live" clId="Web-{4CCADD21-D820-48CE-8235-DE8EE01DD108}" dt="2023-11-28T05:01:11.034" v="61" actId="1076"/>
+        <pc:sldMkLst>
+          <pc:docMk/>
+          <pc:sldMk cId="3293870533" sldId="287"/>
+        </pc:sldMkLst>
+        <pc:spChg chg="mod">
+          <ac:chgData name="Guest User" userId="" providerId="Windows Live" clId="Web-{4CCADD21-D820-48CE-8235-DE8EE01DD108}" dt="2023-11-28T05:01:03.363" v="60" actId="20577"/>
+          <ac:spMkLst>
+            <pc:docMk/>
+            <pc:sldMk cId="3293870533" sldId="287"/>
+            <ac:spMk id="2" creationId="{22B75E78-0550-68B9-9910-FE9A33B7754C}"/>
+          </ac:spMkLst>
+        </pc:spChg>
+        <pc:picChg chg="mod">
+          <ac:chgData name="Guest User" userId="" providerId="Windows Live" clId="Web-{4CCADD21-D820-48CE-8235-DE8EE01DD108}" dt="2023-11-28T05:01:11.034" v="61" actId="1076"/>
+          <ac:picMkLst>
+            <pc:docMk/>
+            <pc:sldMk cId="3293870533" sldId="287"/>
+            <ac:picMk id="7170" creationId="{F2F5D0A7-98E1-C69B-0C82-DE9878B732C1}"/>
+          </ac:picMkLst>
+        </pc:picChg>
+      </pc:sldChg>
+      <pc:sldChg chg="modSp">
+        <pc:chgData name="Guest User" userId="" providerId="Windows Live" clId="Web-{4CCADD21-D820-48CE-8235-DE8EE01DD108}" dt="2023-11-28T04:58:45.688" v="36" actId="1076"/>
+        <pc:sldMkLst>
+          <pc:docMk/>
+          <pc:sldMk cId="3453967955" sldId="288"/>
+        </pc:sldMkLst>
+        <pc:spChg chg="mod">
+          <ac:chgData name="Guest User" userId="" providerId="Windows Live" clId="Web-{4CCADD21-D820-48CE-8235-DE8EE01DD108}" dt="2023-11-28T04:58:38.203" v="35" actId="1076"/>
+          <ac:spMkLst>
+            <pc:docMk/>
+            <pc:sldMk cId="3453967955" sldId="288"/>
+            <ac:spMk id="7" creationId="{AABDEF2B-44FD-B280-B891-8E98E7A66964}"/>
+          </ac:spMkLst>
+        </pc:spChg>
+        <pc:spChg chg="mod">
+          <ac:chgData name="Guest User" userId="" providerId="Windows Live" clId="Web-{4CCADD21-D820-48CE-8235-DE8EE01DD108}" dt="2023-11-28T04:57:37.811" v="27" actId="1076"/>
+          <ac:spMkLst>
+            <pc:docMk/>
+            <pc:sldMk cId="3453967955" sldId="288"/>
+            <ac:spMk id="9" creationId="{0BFA1BE3-0912-791B-64F7-1EE203E0FBCF}"/>
+          </ac:spMkLst>
+        </pc:spChg>
+        <pc:spChg chg="mod">
+          <ac:chgData name="Guest User" userId="" providerId="Windows Live" clId="Web-{4CCADD21-D820-48CE-8235-DE8EE01DD108}" dt="2023-11-28T04:57:53.906" v="30" actId="1076"/>
+          <ac:spMkLst>
+            <pc:docMk/>
+            <pc:sldMk cId="3453967955" sldId="288"/>
+            <ac:spMk id="12" creationId="{82E3F522-EECF-8D17-D7D9-2B4E12639E03}"/>
+          </ac:spMkLst>
+        </pc:spChg>
+        <pc:spChg chg="mod">
+          <ac:chgData name="Guest User" userId="" providerId="Windows Live" clId="Web-{4CCADD21-D820-48CE-8235-DE8EE01DD108}" dt="2023-11-28T04:58:45.688" v="36" actId="1076"/>
+          <ac:spMkLst>
+            <pc:docMk/>
+            <pc:sldMk cId="3453967955" sldId="288"/>
+            <ac:spMk id="14" creationId="{2A3D8A9A-3E5E-52EB-38E9-C862478E573D}"/>
+          </ac:spMkLst>
+        </pc:spChg>
+        <pc:spChg chg="mod">
+          <ac:chgData name="Guest User" userId="" providerId="Windows Live" clId="Web-{4CCADD21-D820-48CE-8235-DE8EE01DD108}" dt="2023-11-28T04:56:59.733" v="22" actId="1076"/>
+          <ac:spMkLst>
+            <pc:docMk/>
+            <pc:sldMk cId="3453967955" sldId="288"/>
+            <ac:spMk id="15" creationId="{6B9BACB1-3052-51F5-21CF-D4533F18011D}"/>
+          </ac:spMkLst>
+        </pc:spChg>
+        <pc:spChg chg="mod">
+          <ac:chgData name="Guest User" userId="" providerId="Windows Live" clId="Web-{4CCADD21-D820-48CE-8235-DE8EE01DD108}" dt="2023-11-28T04:57:19.311" v="23" actId="1076"/>
+          <ac:spMkLst>
+            <pc:docMk/>
+            <pc:sldMk cId="3453967955" sldId="288"/>
+            <ac:spMk id="16" creationId="{BB372221-68FD-B775-9D27-8264389AD9D2}"/>
+          </ac:spMkLst>
+        </pc:spChg>
+      </pc:sldChg>
+    </pc:docChg>
+  </pc:docChgLst>
+  <pc:docChgLst>
+    <pc:chgData name="Guest User" providerId="Windows Live" clId="Web-{119DE808-D9D9-4C5E-A13E-426BBD208514}"/>
+    <pc:docChg chg="addSld delSld modSld sldOrd">
+      <pc:chgData name="Guest User" userId="" providerId="Windows Live" clId="Web-{119DE808-D9D9-4C5E-A13E-426BBD208514}" dt="2023-11-26T15:16:55.837" v="271" actId="20577"/>
+      <pc:docMkLst>
+        <pc:docMk/>
+      </pc:docMkLst>
+      <pc:sldChg chg="modSp">
+        <pc:chgData name="Guest User" userId="" providerId="Windows Live" clId="Web-{119DE808-D9D9-4C5E-A13E-426BBD208514}" dt="2023-11-26T14:17:01.932" v="24" actId="20577"/>
+        <pc:sldMkLst>
+          <pc:docMk/>
+          <pc:sldMk cId="4260394364" sldId="256"/>
+        </pc:sldMkLst>
+        <pc:spChg chg="mod">
+          <ac:chgData name="Guest User" userId="" providerId="Windows Live" clId="Web-{119DE808-D9D9-4C5E-A13E-426BBD208514}" dt="2023-11-26T14:17:01.932" v="24" actId="20577"/>
+          <ac:spMkLst>
+            <pc:docMk/>
+            <pc:sldMk cId="4260394364" sldId="256"/>
+            <ac:spMk id="45" creationId="{E9B2F742-D846-388D-FC1E-89639D67AE9A}"/>
+          </ac:spMkLst>
+        </pc:spChg>
+        <pc:picChg chg="mod">
+          <ac:chgData name="Guest User" userId="" providerId="Windows Live" clId="Web-{119DE808-D9D9-4C5E-A13E-426BBD208514}" dt="2023-11-26T14:15:59.634" v="2" actId="1076"/>
+          <ac:picMkLst>
+            <pc:docMk/>
+            <pc:sldMk cId="4260394364" sldId="256"/>
+            <ac:picMk id="3" creationId="{B80F0153-33BB-708A-1290-863FAEC7C274}"/>
+          </ac:picMkLst>
+        </pc:picChg>
+        <pc:picChg chg="mod">
+          <ac:chgData name="Guest User" userId="" providerId="Windows Live" clId="Web-{119DE808-D9D9-4C5E-A13E-426BBD208514}" dt="2023-11-26T14:15:49.399" v="0" actId="1076"/>
+          <ac:picMkLst>
+            <pc:docMk/>
+            <pc:sldMk cId="4260394364" sldId="256"/>
+            <ac:picMk id="8" creationId="{B521FE1E-FFBB-A7A8-0CF7-9A4CDE1FFFCE}"/>
+          </ac:picMkLst>
+        </pc:picChg>
+      </pc:sldChg>
+      <pc:sldChg chg="addSp delSp modSp">
+        <pc:chgData name="Guest User" userId="" providerId="Windows Live" clId="Web-{119DE808-D9D9-4C5E-A13E-426BBD208514}" dt="2023-11-26T15:13:48.724" v="253" actId="1076"/>
+        <pc:sldMkLst>
+          <pc:docMk/>
+          <pc:sldMk cId="180968550" sldId="258"/>
+        </pc:sldMkLst>
+        <pc:spChg chg="add mod">
+          <ac:chgData name="Guest User" userId="" providerId="Windows Live" clId="Web-{119DE808-D9D9-4C5E-A13E-426BBD208514}" dt="2023-11-26T15:13:48.724" v="253" actId="1076"/>
+          <ac:spMkLst>
+            <pc:docMk/>
+            <pc:sldMk cId="180968550" sldId="258"/>
+            <ac:spMk id="3" creationId="{D4C2CEBC-82CD-4EB8-4BEC-66BBD0779301}"/>
+          </ac:spMkLst>
+        </pc:spChg>
+        <pc:spChg chg="mod">
+          <ac:chgData name="Guest User" userId="" providerId="Windows Live" clId="Web-{119DE808-D9D9-4C5E-A13E-426BBD208514}" dt="2023-11-26T14:55:06.872" v="81" actId="20577"/>
+          <ac:spMkLst>
+            <pc:docMk/>
+            <pc:sldMk cId="180968550" sldId="258"/>
+            <ac:spMk id="4" creationId="{706CCC07-A8D3-F5BF-E990-3C5F8056BCF1}"/>
+          </ac:spMkLst>
+        </pc:spChg>
+        <pc:spChg chg="mod">
+          <ac:chgData name="Guest User" userId="" providerId="Windows Live" clId="Web-{119DE808-D9D9-4C5E-A13E-426BBD208514}" dt="2023-11-26T14:57:05.343" v="113" actId="20577"/>
+          <ac:spMkLst>
+            <pc:docMk/>
+            <pc:sldMk cId="180968550" sldId="258"/>
+            <ac:spMk id="8" creationId="{A4E90743-BAA7-C286-5C23-6419DFDFA63E}"/>
+          </ac:spMkLst>
+        </pc:spChg>
+        <pc:spChg chg="mod">
+          <ac:chgData name="Guest User" userId="" providerId="Windows Live" clId="Web-{119DE808-D9D9-4C5E-A13E-426BBD208514}" dt="2023-11-26T15:01:05.332" v="159" actId="20577"/>
+          <ac:spMkLst>
+            <pc:docMk/>
+            <pc:sldMk cId="180968550" sldId="258"/>
+            <ac:spMk id="13" creationId="{67C969EA-DFB6-E2F5-8E39-0E541FCFC802}"/>
+          </ac:spMkLst>
+        </pc:spChg>
+        <pc:spChg chg="mod">
+          <ac:chgData name="Guest User" userId="" providerId="Windows Live" clId="Web-{119DE808-D9D9-4C5E-A13E-426BBD208514}" dt="2023-11-26T15:11:27.846" v="223" actId="20577"/>
+          <ac:spMkLst>
+            <pc:docMk/>
+            <pc:sldMk cId="180968550" sldId="258"/>
+            <ac:spMk id="14" creationId="{9B1BBA90-D3F1-DAF4-963E-C371007A7E17}"/>
+          </ac:spMkLst>
+        </pc:spChg>
+        <pc:spChg chg="mod">
+          <ac:chgData name="Guest User" userId="" providerId="Windows Live" clId="Web-{119DE808-D9D9-4C5E-A13E-426BBD208514}" dt="2023-11-26T15:12:32.769" v="247" actId="14100"/>
+          <ac:spMkLst>
+            <pc:docMk/>
+            <pc:sldMk cId="180968550" sldId="258"/>
+            <ac:spMk id="16" creationId="{98B41139-847A-6B37-EC35-EAFF588D86AD}"/>
+          </ac:spMkLst>
+        </pc:spChg>
+        <pc:spChg chg="mod">
+          <ac:chgData name="Guest User" userId="" providerId="Windows Live" clId="Web-{119DE808-D9D9-4C5E-A13E-426BBD208514}" dt="2023-11-26T14:57:51.156" v="120" actId="14100"/>
+          <ac:spMkLst>
+            <pc:docMk/>
+            <pc:sldMk cId="180968550" sldId="258"/>
+            <ac:spMk id="24" creationId="{31025664-15FB-1222-061C-4E225885791E}"/>
+          </ac:spMkLst>
+        </pc:spChg>
+        <pc:spChg chg="add del mod">
+          <ac:chgData name="Guest User" userId="" providerId="Windows Live" clId="Web-{119DE808-D9D9-4C5E-A13E-426BBD208514}" dt="2023-11-26T15:12:49.269" v="249" actId="1076"/>
+          <ac:spMkLst>
+            <pc:docMk/>
+            <pc:sldMk cId="180968550" sldId="258"/>
+            <ac:spMk id="47" creationId="{D0E4F81F-2EDD-CC9C-F3F2-001EE0D3C0D4}"/>
+          </ac:spMkLst>
+        </pc:spChg>
+        <pc:cxnChg chg="mod">
+          <ac:chgData name="Guest User" userId="" providerId="Windows Live" clId="Web-{119DE808-D9D9-4C5E-A13E-426BBD208514}" dt="2023-11-26T14:58:43.751" v="134" actId="1076"/>
+          <ac:cxnSpMkLst>
+            <pc:docMk/>
+            <pc:sldMk cId="180968550" sldId="258"/>
+            <ac:cxnSpMk id="7" creationId="{AE05F758-9F13-7257-BEEE-63CC13CB2EB4}"/>
+          </ac:cxnSpMkLst>
+        </pc:cxnChg>
+        <pc:cxnChg chg="mod">
+          <ac:chgData name="Guest User" userId="" providerId="Windows Live" clId="Web-{119DE808-D9D9-4C5E-A13E-426BBD208514}" dt="2023-11-26T14:57:56.485" v="121" actId="1076"/>
+          <ac:cxnSpMkLst>
+            <pc:docMk/>
+            <pc:sldMk cId="180968550" sldId="258"/>
+            <ac:cxnSpMk id="12" creationId="{2A4C3E25-3A2A-3DFF-42AB-2CCB4EF255FA}"/>
+          </ac:cxnSpMkLst>
+        </pc:cxnChg>
+        <pc:cxnChg chg="mod">
+          <ac:chgData name="Guest User" userId="" providerId="Windows Live" clId="Web-{119DE808-D9D9-4C5E-A13E-426BBD208514}" dt="2023-11-26T15:12:39.535" v="248" actId="1076"/>
+          <ac:cxnSpMkLst>
+            <pc:docMk/>
+            <pc:sldMk cId="180968550" sldId="258"/>
+            <ac:cxnSpMk id="25" creationId="{CF551CC9-B2E5-DBE8-3E6A-2657F3EDEAB8}"/>
+          </ac:cxnSpMkLst>
+        </pc:cxnChg>
+      </pc:sldChg>
+      <pc:sldChg chg="add del">
+        <pc:chgData name="Guest User" userId="" providerId="Windows Live" clId="Web-{119DE808-D9D9-4C5E-A13E-426BBD208514}" dt="2023-11-26T14:27:45.727" v="37"/>
+        <pc:sldMkLst>
+          <pc:docMk/>
+          <pc:sldMk cId="3626822673" sldId="259"/>
+        </pc:sldMkLst>
+      </pc:sldChg>
+      <pc:sldChg chg="addSp modSp">
+        <pc:chgData name="Guest User" userId="" providerId="Windows Live" clId="Web-{119DE808-D9D9-4C5E-A13E-426BBD208514}" dt="2023-11-26T15:16:55.837" v="271" actId="20577"/>
+        <pc:sldMkLst>
+          <pc:docMk/>
+          <pc:sldMk cId="760823331" sldId="261"/>
+        </pc:sldMkLst>
+        <pc:spChg chg="mod">
+          <ac:chgData name="Guest User" userId="" providerId="Windows Live" clId="Web-{119DE808-D9D9-4C5E-A13E-426BBD208514}" dt="2023-11-26T15:15:01.038" v="262" actId="20577"/>
+          <ac:spMkLst>
+            <pc:docMk/>
+            <pc:sldMk cId="760823331" sldId="261"/>
+            <ac:spMk id="2" creationId="{A864E670-36A9-200B-CA60-5F662C3F03E7}"/>
+          </ac:spMkLst>
+        </pc:spChg>
+        <pc:spChg chg="add mod">
+          <ac:chgData name="Guest User" userId="" providerId="Windows Live" clId="Web-{119DE808-D9D9-4C5E-A13E-426BBD208514}" dt="2023-11-26T15:16:55.837" v="271" actId="20577"/>
+          <ac:spMkLst>
+            <pc:docMk/>
+            <pc:sldMk cId="760823331" sldId="261"/>
+            <ac:spMk id="3" creationId="{7551DBE9-2B9C-73BE-7CD5-6CD481A7704E}"/>
+          </ac:spMkLst>
+        </pc:spChg>
+        <pc:spChg chg="mod">
+          <ac:chgData name="Guest User" userId="" providerId="Windows Live" clId="Web-{119DE808-D9D9-4C5E-A13E-426BBD208514}" dt="2023-11-26T15:14:52.256" v="261" actId="1076"/>
+          <ac:spMkLst>
+            <pc:docMk/>
+            <pc:sldMk cId="760823331" sldId="261"/>
+            <ac:spMk id="13" creationId="{126E1AA7-42DC-FC1F-26F8-9C49EC025FE0}"/>
+          </ac:spMkLst>
+        </pc:spChg>
+        <pc:picChg chg="mod">
+          <ac:chgData name="Guest User" userId="" providerId="Windows Live" clId="Web-{119DE808-D9D9-4C5E-A13E-426BBD208514}" dt="2023-11-26T15:14:34.412" v="259" actId="1076"/>
+          <ac:picMkLst>
+            <pc:docMk/>
+            <pc:sldMk cId="760823331" sldId="261"/>
+            <ac:picMk id="5" creationId="{F157B429-89F6-7387-DD52-157DAF476E3D}"/>
+          </ac:picMkLst>
+        </pc:picChg>
+      </pc:sldChg>
+      <pc:sldChg chg="del">
+        <pc:chgData name="Guest User" userId="" providerId="Windows Live" clId="Web-{119DE808-D9D9-4C5E-A13E-426BBD208514}" dt="2023-11-26T15:16:14.696" v="266"/>
+        <pc:sldMkLst>
+          <pc:docMk/>
+          <pc:sldMk cId="1153978083" sldId="262"/>
+        </pc:sldMkLst>
+      </pc:sldChg>
+      <pc:sldChg chg="del">
+        <pc:chgData name="Guest User" userId="" providerId="Windows Live" clId="Web-{119DE808-D9D9-4C5E-A13E-426BBD208514}" dt="2023-11-26T15:16:10.742" v="265"/>
+        <pc:sldMkLst>
+          <pc:docMk/>
+          <pc:sldMk cId="2861336507" sldId="263"/>
+        </pc:sldMkLst>
+      </pc:sldChg>
+      <pc:sldChg chg="modSp ord">
+        <pc:chgData name="Guest User" userId="" providerId="Windows Live" clId="Web-{119DE808-D9D9-4C5E-A13E-426BBD208514}" dt="2023-11-26T15:15:52.133" v="264"/>
+        <pc:sldMkLst>
+          <pc:docMk/>
+          <pc:sldMk cId="3023639347" sldId="273"/>
+        </pc:sldMkLst>
+        <pc:spChg chg="mod">
+          <ac:chgData name="Guest User" userId="" providerId="Windows Live" clId="Web-{119DE808-D9D9-4C5E-A13E-426BBD208514}" dt="2023-11-26T14:47:02.533" v="52" actId="20577"/>
+          <ac:spMkLst>
+            <pc:docMk/>
+            <pc:sldMk cId="3023639347" sldId="273"/>
+            <ac:spMk id="2" creationId="{412598FA-CD78-833D-772D-61C605DFAAA6}"/>
+          </ac:spMkLst>
+        </pc:spChg>
+      </pc:sldChg>
+      <pc:sldChg chg="modSp">
+        <pc:chgData name="Guest User" userId="" providerId="Windows Live" clId="Web-{119DE808-D9D9-4C5E-A13E-426BBD208514}" dt="2023-11-26T14:47:53.394" v="53" actId="20577"/>
+        <pc:sldMkLst>
+          <pc:docMk/>
+          <pc:sldMk cId="3073562487" sldId="282"/>
+        </pc:sldMkLst>
+        <pc:spChg chg="mod">
+          <ac:chgData name="Guest User" userId="" providerId="Windows Live" clId="Web-{119DE808-D9D9-4C5E-A13E-426BBD208514}" dt="2023-11-26T14:47:53.394" v="53" actId="20577"/>
+          <ac:spMkLst>
+            <pc:docMk/>
+            <pc:sldMk cId="3073562487" sldId="282"/>
+            <ac:spMk id="2" creationId="{69B87419-A3B1-F866-3DFA-299E6DC1FAA0}"/>
+          </ac:spMkLst>
+        </pc:spChg>
+      </pc:sldChg>
+      <pc:sldChg chg="modSp">
+        <pc:chgData name="Guest User" userId="" providerId="Windows Live" clId="Web-{119DE808-D9D9-4C5E-A13E-426BBD208514}" dt="2023-11-26T15:04:17.118" v="184" actId="14100"/>
+        <pc:sldMkLst>
+          <pc:docMk/>
+          <pc:sldMk cId="786129076" sldId="285"/>
+        </pc:sldMkLst>
+        <pc:spChg chg="mod">
+          <ac:chgData name="Guest User" userId="" providerId="Windows Live" clId="Web-{119DE808-D9D9-4C5E-A13E-426BBD208514}" dt="2023-11-26T15:04:17.118" v="184" actId="14100"/>
+          <ac:spMkLst>
+            <pc:docMk/>
+            <pc:sldMk cId="786129076" sldId="285"/>
+            <ac:spMk id="4" creationId="{31FB87BC-7984-DC53-01F0-05A3075095A5}"/>
+          </ac:spMkLst>
+        </pc:spChg>
+      </pc:sldChg>
+      <pc:sldChg chg="modSp">
+        <pc:chgData name="Guest User" userId="" providerId="Windows Live" clId="Web-{119DE808-D9D9-4C5E-A13E-426BBD208514}" dt="2023-11-26T15:10:02.516" v="217" actId="1076"/>
+        <pc:sldMkLst>
+          <pc:docMk/>
+          <pc:sldMk cId="2941569670" sldId="286"/>
+        </pc:sldMkLst>
+        <pc:spChg chg="mod">
+          <ac:chgData name="Guest User" userId="" providerId="Windows Live" clId="Web-{119DE808-D9D9-4C5E-A13E-426BBD208514}" dt="2023-11-26T15:10:02.516" v="217" actId="1076"/>
+          <ac:spMkLst>
+            <pc:docMk/>
+            <pc:sldMk cId="2941569670" sldId="286"/>
+            <ac:spMk id="2" creationId="{49C9DB22-761E-0082-2469-0BF90E7A9D8C}"/>
+          </ac:spMkLst>
+        </pc:spChg>
+        <pc:spChg chg="mod">
+          <ac:chgData name="Guest User" userId="" providerId="Windows Live" clId="Web-{119DE808-D9D9-4C5E-A13E-426BBD208514}" dt="2023-11-26T15:09:34.156" v="213" actId="1076"/>
+          <ac:spMkLst>
+            <pc:docMk/>
+            <pc:sldMk cId="2941569670" sldId="286"/>
+            <ac:spMk id="4" creationId="{6EE1F628-0009-5563-8787-D322BE8D7F84}"/>
+          </ac:spMkLst>
+        </pc:spChg>
+        <pc:spChg chg="mod">
+          <ac:chgData name="Guest User" userId="" providerId="Windows Live" clId="Web-{119DE808-D9D9-4C5E-A13E-426BBD208514}" dt="2023-11-26T15:08:17.373" v="206" actId="20577"/>
+          <ac:spMkLst>
+            <pc:docMk/>
+            <pc:sldMk cId="2941569670" sldId="286"/>
+            <ac:spMk id="5" creationId="{DF366EA1-622F-FE08-7053-1E25D39BCD23}"/>
+          </ac:spMkLst>
+        </pc:spChg>
+        <pc:picChg chg="mod">
+          <ac:chgData name="Guest User" userId="" providerId="Windows Live" clId="Web-{119DE808-D9D9-4C5E-A13E-426BBD208514}" dt="2023-11-26T15:07:35.872" v="204" actId="1076"/>
+          <ac:picMkLst>
+            <pc:docMk/>
+            <pc:sldMk cId="2941569670" sldId="286"/>
+            <ac:picMk id="6146" creationId="{D24E6F4D-A96B-97D3-5390-F10B4E5092F4}"/>
+          </ac:picMkLst>
+        </pc:picChg>
+        <pc:picChg chg="mod">
+          <ac:chgData name="Guest User" userId="" providerId="Windows Live" clId="Web-{119DE808-D9D9-4C5E-A13E-426BBD208514}" dt="2023-11-26T15:09:49.641" v="216" actId="1076"/>
+          <ac:picMkLst>
+            <pc:docMk/>
+            <pc:sldMk cId="2941569670" sldId="286"/>
+            <ac:picMk id="6148" creationId="{55936FA0-F141-FABA-DFF3-CEE41C09B52A}"/>
+          </ac:picMkLst>
+        </pc:picChg>
+      </pc:sldChg>
+      <pc:sldChg chg="modSp">
+        <pc:chgData name="Guest User" userId="" providerId="Windows Live" clId="Web-{119DE808-D9D9-4C5E-A13E-426BBD208514}" dt="2023-11-26T14:34:28.595" v="48" actId="20577"/>
+        <pc:sldMkLst>
+          <pc:docMk/>
+          <pc:sldMk cId="3453967955" sldId="288"/>
+        </pc:sldMkLst>
+        <pc:spChg chg="mod">
+          <ac:chgData name="Guest User" userId="" providerId="Windows Live" clId="Web-{119DE808-D9D9-4C5E-A13E-426BBD208514}" dt="2023-11-26T14:24:19.691" v="35" actId="1076"/>
+          <ac:spMkLst>
+            <pc:docMk/>
+            <pc:sldMk cId="3453967955" sldId="288"/>
+            <ac:spMk id="11" creationId="{508A602E-3C0C-DADF-17F1-D56CD83FAF71}"/>
+          </ac:spMkLst>
+        </pc:spChg>
+        <pc:spChg chg="mod">
+          <ac:chgData name="Guest User" userId="" providerId="Windows Live" clId="Web-{119DE808-D9D9-4C5E-A13E-426BBD208514}" dt="2023-11-26T14:34:28.595" v="48" actId="20577"/>
+          <ac:spMkLst>
+            <pc:docMk/>
+            <pc:sldMk cId="3453967955" sldId="288"/>
+            <ac:spMk id="14" creationId="{2A3D8A9A-3E5E-52EB-38E9-C862478E573D}"/>
+          </ac:spMkLst>
+        </pc:spChg>
+        <pc:spChg chg="mod">
+          <ac:chgData name="Guest User" userId="" providerId="Windows Live" clId="Web-{119DE808-D9D9-4C5E-A13E-426BBD208514}" dt="2023-11-26T14:30:04.449" v="38" actId="14100"/>
+          <ac:spMkLst>
+            <pc:docMk/>
+            <pc:sldMk cId="3453967955" sldId="288"/>
+            <ac:spMk id="15" creationId="{6B9BACB1-3052-51F5-21CF-D4533F18011D}"/>
+          </ac:spMkLst>
+        </pc:spChg>
+        <pc:spChg chg="mod">
+          <ac:chgData name="Guest User" userId="" providerId="Windows Live" clId="Web-{119DE808-D9D9-4C5E-A13E-426BBD208514}" dt="2023-11-26T14:31:39.420" v="39" actId="14100"/>
+          <ac:spMkLst>
+            <pc:docMk/>
+            <pc:sldMk cId="3453967955" sldId="288"/>
+            <ac:spMk id="23" creationId="{917B9156-2EA5-02FB-E88E-92A8E5802332}"/>
+          </ac:spMkLst>
+        </pc:spChg>
+        <pc:spChg chg="mod">
+          <ac:chgData name="Guest User" userId="" providerId="Windows Live" clId="Web-{119DE808-D9D9-4C5E-A13E-426BBD208514}" dt="2023-11-26T14:23:32.690" v="27" actId="1076"/>
+          <ac:spMkLst>
+            <pc:docMk/>
+            <pc:sldMk cId="3453967955" sldId="288"/>
+            <ac:spMk id="24" creationId="{79310E45-0AD5-68D9-1019-1CD64D64D34C}"/>
+          </ac:spMkLst>
+        </pc:spChg>
+        <pc:graphicFrameChg chg="mod">
+          <ac:chgData name="Guest User" userId="" providerId="Windows Live" clId="Web-{119DE808-D9D9-4C5E-A13E-426BBD208514}" dt="2023-11-26T14:23:53.082" v="31" actId="1076"/>
+          <ac:graphicFrameMkLst>
+            <pc:docMk/>
+            <pc:sldMk cId="3453967955" sldId="288"/>
+            <ac:graphicFrameMk id="17" creationId="{B0690760-4700-7100-6237-D592A816E682}"/>
+          </ac:graphicFrameMkLst>
+        </pc:graphicFrameChg>
+        <pc:graphicFrameChg chg="mod">
+          <ac:chgData name="Guest User" userId="" providerId="Windows Live" clId="Web-{119DE808-D9D9-4C5E-A13E-426BBD208514}" dt="2023-11-26T14:24:06.676" v="33" actId="1076"/>
+          <ac:graphicFrameMkLst>
+            <pc:docMk/>
+            <pc:sldMk cId="3453967955" sldId="288"/>
+            <ac:graphicFrameMk id="19" creationId="{C925AD5E-9D19-005B-6E8D-ED1DF1F52C4B}"/>
+          </ac:graphicFrameMkLst>
+        </pc:graphicFrameChg>
+        <pc:cxnChg chg="mod">
+          <ac:chgData name="Guest User" userId="" providerId="Windows Live" clId="Web-{119DE808-D9D9-4C5E-A13E-426BBD208514}" dt="2023-11-26T14:24:19.691" v="35" actId="1076"/>
+          <ac:cxnSpMkLst>
+            <pc:docMk/>
+            <pc:sldMk cId="3453967955" sldId="288"/>
+            <ac:cxnSpMk id="13" creationId="{430B1B86-3F4C-7085-2745-812022119FF1}"/>
+          </ac:cxnSpMkLst>
+        </pc:cxnChg>
+      </pc:sldChg>
+    </pc:docChg>
+  </pc:docChgLst>
+  <pc:docChgLst>
+    <pc:chgData name="Guest User" providerId="Windows Live" clId="Web-{D8C36859-47BC-4617-9AF9-D2200EE05A8E}"/>
+    <pc:docChg chg="addSld delSld modSld">
+      <pc:chgData name="Guest User" userId="" providerId="Windows Live" clId="Web-{D8C36859-47BC-4617-9AF9-D2200EE05A8E}" dt="2024-02-01T15:41:52.199" v="14" actId="1076"/>
+      <pc:docMkLst>
+        <pc:docMk/>
+      </pc:docMkLst>
+      <pc:sldChg chg="addSp modSp add del">
+        <pc:chgData name="Guest User" userId="" providerId="Windows Live" clId="Web-{D8C36859-47BC-4617-9AF9-D2200EE05A8E}" dt="2024-02-01T15:37:56.926" v="9" actId="14100"/>
+        <pc:sldMkLst>
+          <pc:docMk/>
+          <pc:sldMk cId="4260394364" sldId="256"/>
+        </pc:sldMkLst>
+        <pc:picChg chg="add mod">
+          <ac:chgData name="Guest User" userId="" providerId="Windows Live" clId="Web-{D8C36859-47BC-4617-9AF9-D2200EE05A8E}" dt="2024-02-01T15:37:56.926" v="9" actId="14100"/>
+          <ac:picMkLst>
+            <pc:docMk/>
+            <pc:sldMk cId="4260394364" sldId="256"/>
+            <ac:picMk id="6" creationId="{49B3D74A-416D-3A83-6B39-686109335AFA}"/>
+          </ac:picMkLst>
+        </pc:picChg>
+      </pc:sldChg>
+      <pc:sldChg chg="modSp">
+        <pc:chgData name="Guest User" userId="" providerId="Windows Live" clId="Web-{D8C36859-47BC-4617-9AF9-D2200EE05A8E}" dt="2024-02-01T15:41:52.199" v="14" actId="1076"/>
+        <pc:sldMkLst>
+          <pc:docMk/>
+          <pc:sldMk cId="4176955215" sldId="296"/>
+        </pc:sldMkLst>
+        <pc:spChg chg="mod">
+          <ac:chgData name="Guest User" userId="" providerId="Windows Live" clId="Web-{D8C36859-47BC-4617-9AF9-D2200EE05A8E}" dt="2024-02-01T15:41:45.511" v="13" actId="1076"/>
+          <ac:spMkLst>
+            <pc:docMk/>
+            <pc:sldMk cId="4176955215" sldId="296"/>
+            <ac:spMk id="2" creationId="{B6FD1327-08F4-0F79-036E-8416596C3292}"/>
+          </ac:spMkLst>
+        </pc:spChg>
+        <pc:spChg chg="mod">
+          <ac:chgData name="Guest User" userId="" providerId="Windows Live" clId="Web-{D8C36859-47BC-4617-9AF9-D2200EE05A8E}" dt="2024-02-01T15:41:38.698" v="12" actId="20577"/>
+          <ac:spMkLst>
+            <pc:docMk/>
+            <pc:sldMk cId="4176955215" sldId="296"/>
+            <ac:spMk id="3" creationId="{360618B3-6261-E605-403D-2DD1EDCFD709}"/>
+          </ac:spMkLst>
+        </pc:spChg>
+        <pc:spChg chg="mod">
+          <ac:chgData name="Guest User" userId="" providerId="Windows Live" clId="Web-{D8C36859-47BC-4617-9AF9-D2200EE05A8E}" dt="2024-02-01T15:41:52.199" v="14" actId="1076"/>
+          <ac:spMkLst>
+            <pc:docMk/>
+            <pc:sldMk cId="4176955215" sldId="296"/>
+            <ac:spMk id="7" creationId="{086FAD40-B454-4719-9F45-72402127ABFA}"/>
+          </ac:spMkLst>
+        </pc:spChg>
+      </pc:sldChg>
+    </pc:docChg>
+  </pc:docChgLst>
+  <pc:docChgLst>
+    <pc:chgData name="Guest User" providerId="Windows Live" clId="Web-{052C02E8-EC6C-4549-80C3-706763064DE1}"/>
+    <pc:docChg chg="delSld modSld">
+      <pc:chgData name="Guest User" userId="" providerId="Windows Live" clId="Web-{052C02E8-EC6C-4549-80C3-706763064DE1}" dt="2024-01-22T14:29:53.518" v="20" actId="1076"/>
+      <pc:docMkLst>
+        <pc:docMk/>
+      </pc:docMkLst>
+      <pc:sldChg chg="modSp">
+        <pc:chgData name="Guest User" userId="" providerId="Windows Live" clId="Web-{052C02E8-EC6C-4549-80C3-706763064DE1}" dt="2024-01-22T14:27:54.452" v="4" actId="1076"/>
+        <pc:sldMkLst>
+          <pc:docMk/>
+          <pc:sldMk cId="1862772237" sldId="275"/>
+        </pc:sldMkLst>
+        <pc:spChg chg="mod">
+          <ac:chgData name="Guest User" userId="" providerId="Windows Live" clId="Web-{052C02E8-EC6C-4549-80C3-706763064DE1}" dt="2024-01-22T14:27:54.452" v="4" actId="1076"/>
+          <ac:spMkLst>
+            <pc:docMk/>
+            <pc:sldMk cId="1862772237" sldId="275"/>
+            <ac:spMk id="14" creationId="{022C1AF5-0FE2-A4AF-51BB-69EAA34AEDE1}"/>
+          </ac:spMkLst>
+        </pc:spChg>
+        <pc:spChg chg="mod">
+          <ac:chgData name="Guest User" userId="" providerId="Windows Live" clId="Web-{052C02E8-EC6C-4549-80C3-706763064DE1}" dt="2024-01-22T14:27:35.670" v="2" actId="14100"/>
+          <ac:spMkLst>
+            <pc:docMk/>
+            <pc:sldMk cId="1862772237" sldId="275"/>
+            <ac:spMk id="21" creationId="{603180F9-81DA-A93E-9101-7479BB9FADB0}"/>
+          </ac:spMkLst>
+        </pc:spChg>
+      </pc:sldChg>
+      <pc:sldChg chg="del">
+        <pc:chgData name="Guest User" userId="" providerId="Windows Live" clId="Web-{052C02E8-EC6C-4549-80C3-706763064DE1}" dt="2024-01-22T14:28:19.203" v="5"/>
+        <pc:sldMkLst>
+          <pc:docMk/>
+          <pc:sldMk cId="127017271" sldId="284"/>
+        </pc:sldMkLst>
+      </pc:sldChg>
+      <pc:sldChg chg="modSp">
+        <pc:chgData name="Guest User" userId="" providerId="Windows Live" clId="Web-{052C02E8-EC6C-4549-80C3-706763064DE1}" dt="2024-01-22T14:29:53.518" v="20" actId="1076"/>
+        <pc:sldMkLst>
+          <pc:docMk/>
+          <pc:sldMk cId="3453967955" sldId="288"/>
+        </pc:sldMkLst>
+        <pc:spChg chg="mod">
+          <ac:chgData name="Guest User" userId="" providerId="Windows Live" clId="Web-{052C02E8-EC6C-4549-80C3-706763064DE1}" dt="2024-01-22T14:28:50.485" v="7" actId="1076"/>
+          <ac:spMkLst>
+            <pc:docMk/>
+            <pc:sldMk cId="3453967955" sldId="288"/>
+            <ac:spMk id="3" creationId="{452C80D2-2794-0790-D974-949235321575}"/>
+          </ac:spMkLst>
+        </pc:spChg>
+        <pc:spChg chg="mod">
+          <ac:chgData name="Guest User" userId="" providerId="Windows Live" clId="Web-{052C02E8-EC6C-4549-80C3-706763064DE1}" dt="2024-01-22T14:29:10.204" v="11" actId="1076"/>
+          <ac:spMkLst>
+            <pc:docMk/>
+            <pc:sldMk cId="3453967955" sldId="288"/>
+            <ac:spMk id="4" creationId="{B132B527-D8DA-212A-966F-D3BB3FDCB059}"/>
+          </ac:spMkLst>
+        </pc:spChg>
+        <pc:spChg chg="mod">
+          <ac:chgData name="Guest User" userId="" providerId="Windows Live" clId="Web-{052C02E8-EC6C-4549-80C3-706763064DE1}" dt="2024-01-22T14:29:26.533" v="15" actId="1076"/>
+          <ac:spMkLst>
+            <pc:docMk/>
+            <pc:sldMk cId="3453967955" sldId="288"/>
+            <ac:spMk id="5" creationId="{B72D2BB7-801A-8A0B-B1C5-DFA3B9C2DD6B}"/>
+          </ac:spMkLst>
+        </pc:spChg>
+        <pc:spChg chg="mod">
+          <ac:chgData name="Guest User" userId="" providerId="Windows Live" clId="Web-{052C02E8-EC6C-4549-80C3-706763064DE1}" dt="2024-01-22T14:29:36.221" v="18" actId="1076"/>
+          <ac:spMkLst>
+            <pc:docMk/>
+            <pc:sldMk cId="3453967955" sldId="288"/>
+            <ac:spMk id="6" creationId="{76F69F2E-49DC-3EF2-E90A-609C91C7DD1A}"/>
+          </ac:spMkLst>
+        </pc:spChg>
+        <pc:spChg chg="mod">
+          <ac:chgData name="Guest User" userId="" providerId="Windows Live" clId="Web-{052C02E8-EC6C-4549-80C3-706763064DE1}" dt="2024-01-22T14:28:43.219" v="6" actId="1076"/>
+          <ac:spMkLst>
+            <pc:docMk/>
+            <pc:sldMk cId="3453967955" sldId="288"/>
+            <ac:spMk id="7" creationId="{AABDEF2B-44FD-B280-B891-8E98E7A66964}"/>
+          </ac:spMkLst>
+        </pc:spChg>
+        <pc:spChg chg="mod">
+          <ac:chgData name="Guest User" userId="" providerId="Windows Live" clId="Web-{052C02E8-EC6C-4549-80C3-706763064DE1}" dt="2024-01-22T14:29:16.283" v="12" actId="1076"/>
+          <ac:spMkLst>
+            <pc:docMk/>
+            <pc:sldMk cId="3453967955" sldId="288"/>
+            <ac:spMk id="9" creationId="{0BFA1BE3-0912-791B-64F7-1EE203E0FBCF}"/>
+          </ac:spMkLst>
+        </pc:spChg>
+        <pc:spChg chg="mod">
+          <ac:chgData name="Guest User" userId="" providerId="Windows Live" clId="Web-{052C02E8-EC6C-4549-80C3-706763064DE1}" dt="2024-01-22T14:28:57.954" v="8" actId="1076"/>
+          <ac:spMkLst>
+            <pc:docMk/>
+            <pc:sldMk cId="3453967955" sldId="288"/>
+            <ac:spMk id="12" creationId="{82E3F522-EECF-8D17-D7D9-2B4E12639E03}"/>
+          </ac:spMkLst>
+        </pc:spChg>
+        <pc:spChg chg="mod">
+          <ac:chgData name="Guest User" userId="" providerId="Windows Live" clId="Web-{052C02E8-EC6C-4549-80C3-706763064DE1}" dt="2024-01-22T14:29:53.518" v="20" actId="1076"/>
+          <ac:spMkLst>
+            <pc:docMk/>
+            <pc:sldMk cId="3453967955" sldId="288"/>
+            <ac:spMk id="14" creationId="{2A3D8A9A-3E5E-52EB-38E9-C862478E573D}"/>
+          </ac:spMkLst>
+        </pc:spChg>
+        <pc:spChg chg="mod">
+          <ac:chgData name="Guest User" userId="" providerId="Windows Live" clId="Web-{052C02E8-EC6C-4549-80C3-706763064DE1}" dt="2024-01-22T14:29:43.283" v="19" actId="1076"/>
+          <ac:spMkLst>
+            <pc:docMk/>
+            <pc:sldMk cId="3453967955" sldId="288"/>
+            <ac:spMk id="16" creationId="{BB372221-68FD-B775-9D27-8264389AD9D2}"/>
+          </ac:spMkLst>
+        </pc:spChg>
+      </pc:sldChg>
+    </pc:docChg>
+  </pc:docChgLst>
+  <pc:docChgLst>
+    <pc:chgData name="aryan vakharia" userId="52c2b478ce9f83b4" providerId="LiveId" clId="{B3432921-D38C-4E44-8472-C8526C7191DC}"/>
+    <pc:docChg chg="undo redo custSel addSld delSld modSld sldOrd">
+      <pc:chgData name="aryan vakharia" userId="52c2b478ce9f83b4" providerId="LiveId" clId="{B3432921-D38C-4E44-8472-C8526C7191DC}" dt="2024-02-01T06:41:29.831" v="391" actId="20577"/>
+      <pc:docMkLst>
+        <pc:docMk/>
+      </pc:docMkLst>
+      <pc:sldChg chg="addSp modSp mod">
+        <pc:chgData name="aryan vakharia" userId="52c2b478ce9f83b4" providerId="LiveId" clId="{B3432921-D38C-4E44-8472-C8526C7191DC}" dt="2023-11-27T20:13:30.565" v="40" actId="1076"/>
+        <pc:sldMkLst>
+          <pc:docMk/>
+          <pc:sldMk cId="4260394364" sldId="256"/>
+        </pc:sldMkLst>
+        <pc:spChg chg="add mod">
+          <ac:chgData name="aryan vakharia" userId="52c2b478ce9f83b4" providerId="LiveId" clId="{B3432921-D38C-4E44-8472-C8526C7191DC}" dt="2023-11-27T20:13:30.565" v="40" actId="1076"/>
+          <ac:spMkLst>
+            <pc:docMk/>
+            <pc:sldMk cId="4260394364" sldId="256"/>
+            <ac:spMk id="5" creationId="{C4EA906A-B8C7-EE28-6F9A-30DE68F5EBEA}"/>
+          </ac:spMkLst>
+        </pc:spChg>
+        <pc:spChg chg="mod">
+          <ac:chgData name="aryan vakharia" userId="52c2b478ce9f83b4" providerId="LiveId" clId="{B3432921-D38C-4E44-8472-C8526C7191DC}" dt="2023-11-27T20:13:24.814" v="39" actId="1076"/>
+          <ac:spMkLst>
+            <pc:docMk/>
+            <pc:sldMk cId="4260394364" sldId="256"/>
+            <ac:spMk id="44" creationId="{013AAACF-D639-04CE-E0A3-F5C2AF5D29BF}"/>
+          </ac:spMkLst>
+        </pc:spChg>
+        <pc:picChg chg="mod">
+          <ac:chgData name="aryan vakharia" userId="52c2b478ce9f83b4" providerId="LiveId" clId="{B3432921-D38C-4E44-8472-C8526C7191DC}" dt="2023-11-27T20:13:21.494" v="38" actId="1076"/>
+          <ac:picMkLst>
+            <pc:docMk/>
+            <pc:sldMk cId="4260394364" sldId="256"/>
+            <ac:picMk id="3" creationId="{B80F0153-33BB-708A-1290-863FAEC7C274}"/>
+          </ac:picMkLst>
+        </pc:picChg>
+        <pc:picChg chg="mod">
+          <ac:chgData name="aryan vakharia" userId="52c2b478ce9f83b4" providerId="LiveId" clId="{B3432921-D38C-4E44-8472-C8526C7191DC}" dt="2023-11-27T20:13:15.036" v="37" actId="1076"/>
+          <ac:picMkLst>
+            <pc:docMk/>
+            <pc:sldMk cId="4260394364" sldId="256"/>
+            <ac:picMk id="8" creationId="{B521FE1E-FFBB-A7A8-0CF7-9A4CDE1FFFCE}"/>
+          </ac:picMkLst>
+        </pc:picChg>
+      </pc:sldChg>
+      <pc:sldChg chg="modSp mod ord">
+        <pc:chgData name="aryan vakharia" userId="52c2b478ce9f83b4" providerId="LiveId" clId="{B3432921-D38C-4E44-8472-C8526C7191DC}" dt="2023-11-27T21:00:10.981" v="302" actId="1076"/>
+        <pc:sldMkLst>
+          <pc:docMk/>
+          <pc:sldMk cId="1694635106" sldId="257"/>
+        </pc:sldMkLst>
+        <pc:spChg chg="mod">
+          <ac:chgData name="aryan vakharia" userId="52c2b478ce9f83b4" providerId="LiveId" clId="{B3432921-D38C-4E44-8472-C8526C7191DC}" dt="2023-11-27T20:31:48.963" v="168" actId="1076"/>
+          <ac:spMkLst>
+            <pc:docMk/>
+            <pc:sldMk cId="1694635106" sldId="257"/>
+            <ac:spMk id="2" creationId="{F1A022C9-F9BC-4B70-C9DA-2334BFA1EC5D}"/>
+          </ac:spMkLst>
+        </pc:spChg>
+        <pc:spChg chg="mod">
+          <ac:chgData name="aryan vakharia" userId="52c2b478ce9f83b4" providerId="LiveId" clId="{B3432921-D38C-4E44-8472-C8526C7191DC}" dt="2023-11-27T21:00:10.981" v="302" actId="1076"/>
+          <ac:spMkLst>
+            <pc:docMk/>
+            <pc:sldMk cId="1694635106" sldId="257"/>
+            <ac:spMk id="4" creationId="{ECE11B6D-52A2-0EE8-5815-66FC6A59D0D4}"/>
+          </ac:spMkLst>
+        </pc:spChg>
+        <pc:spChg chg="mod">
+          <ac:chgData name="aryan vakharia" userId="52c2b478ce9f83b4" providerId="LiveId" clId="{B3432921-D38C-4E44-8472-C8526C7191DC}" dt="2023-11-27T20:31:46.583" v="167" actId="20577"/>
+          <ac:spMkLst>
+            <pc:docMk/>
+            <pc:sldMk cId="1694635106" sldId="257"/>
+            <ac:spMk id="11" creationId="{3EDD9955-F0AE-8C45-01FC-AB3508484B08}"/>
+          </ac:spMkLst>
+        </pc:spChg>
+        <pc:spChg chg="mod">
+          <ac:chgData name="aryan vakharia" userId="52c2b478ce9f83b4" providerId="LiveId" clId="{B3432921-D38C-4E44-8472-C8526C7191DC}" dt="2023-11-27T20:32:20.075" v="172" actId="2711"/>
+          <ac:spMkLst>
+            <pc:docMk/>
+            <pc:sldMk cId="1694635106" sldId="257"/>
+            <ac:spMk id="13" creationId="{83631975-A157-BF61-066B-728B4E1B04DC}"/>
+          </ac:spMkLst>
+        </pc:spChg>
+        <pc:spChg chg="mod">
+          <ac:chgData name="aryan vakharia" userId="52c2b478ce9f83b4" providerId="LiveId" clId="{B3432921-D38C-4E44-8472-C8526C7191DC}" dt="2023-11-27T20:33:59.825" v="177" actId="20577"/>
+          <ac:spMkLst>
+            <pc:docMk/>
+            <pc:sldMk cId="1694635106" sldId="257"/>
+            <ac:spMk id="15" creationId="{BEF52B5C-EB38-720E-D838-CEEB54EC5227}"/>
+          </ac:spMkLst>
+        </pc:spChg>
+        <pc:spChg chg="mod">
+          <ac:chgData name="aryan vakharia" userId="52c2b478ce9f83b4" providerId="LiveId" clId="{B3432921-D38C-4E44-8472-C8526C7191DC}" dt="2023-11-27T20:35:31.766" v="187" actId="1076"/>
+          <ac:spMkLst>
+            <pc:docMk/>
+            <pc:sldMk cId="1694635106" sldId="257"/>
+            <ac:spMk id="16" creationId="{BA7527F6-C8FE-6A50-662B-293C3D1A8EDD}"/>
+          </ac:spMkLst>
+        </pc:spChg>
+        <pc:spChg chg="mod">
+          <ac:chgData name="aryan vakharia" userId="52c2b478ce9f83b4" providerId="LiveId" clId="{B3432921-D38C-4E44-8472-C8526C7191DC}" dt="2023-11-27T20:34:48.389" v="181" actId="20577"/>
+          <ac:spMkLst>
+            <pc:docMk/>
+            <pc:sldMk cId="1694635106" sldId="257"/>
+            <ac:spMk id="17" creationId="{AA0E5C5A-522F-7267-D1CC-3839098796EC}"/>
+          </ac:spMkLst>
+        </pc:spChg>
+        <pc:spChg chg="mod">
+          <ac:chgData name="aryan vakharia" userId="52c2b478ce9f83b4" providerId="LiveId" clId="{B3432921-D38C-4E44-8472-C8526C7191DC}" dt="2023-11-27T20:35:26.645" v="186" actId="1076"/>
+          <ac:spMkLst>
+            <pc:docMk/>
+            <pc:sldMk cId="1694635106" sldId="257"/>
+            <ac:spMk id="18" creationId="{FC59C414-1141-F352-DC8A-0BE3ED4A11A4}"/>
+          </ac:spMkLst>
+        </pc:spChg>
+        <pc:picChg chg="mod">
+          <ac:chgData name="aryan vakharia" userId="52c2b478ce9f83b4" providerId="LiveId" clId="{B3432921-D38C-4E44-8472-C8526C7191DC}" dt="2023-11-27T20:28:41.544" v="146" actId="1076"/>
+          <ac:picMkLst>
+            <pc:docMk/>
+            <pc:sldMk cId="1694635106" sldId="257"/>
+            <ac:picMk id="5" creationId="{906680AD-18DA-E5CE-E4DA-5E3CE3A58104}"/>
+          </ac:picMkLst>
+        </pc:picChg>
+        <pc:picChg chg="mod">
+          <ac:chgData name="aryan vakharia" userId="52c2b478ce9f83b4" providerId="LiveId" clId="{B3432921-D38C-4E44-8472-C8526C7191DC}" dt="2023-11-27T20:30:17.761" v="162" actId="1076"/>
+          <ac:picMkLst>
+            <pc:docMk/>
+            <pc:sldMk cId="1694635106" sldId="257"/>
+            <ac:picMk id="8" creationId="{9AC9EEEE-3469-3A78-E926-80F78042979F}"/>
+          </ac:picMkLst>
+        </pc:picChg>
+        <pc:picChg chg="mod">
+          <ac:chgData name="aryan vakharia" userId="52c2b478ce9f83b4" providerId="LiveId" clId="{B3432921-D38C-4E44-8472-C8526C7191DC}" dt="2023-11-27T20:30:13.439" v="161" actId="1076"/>
+          <ac:picMkLst>
+            <pc:docMk/>
+            <pc:sldMk cId="1694635106" sldId="257"/>
+            <ac:picMk id="10" creationId="{7E6900A9-F036-1317-9471-101C729C0B3A}"/>
+          </ac:picMkLst>
+        </pc:picChg>
+      </pc:sldChg>
+      <pc:sldChg chg="modSp del mod">
+        <pc:chgData name="aryan vakharia" userId="52c2b478ce9f83b4" providerId="LiveId" clId="{B3432921-D38C-4E44-8472-C8526C7191DC}" dt="2024-02-01T06:40:45.757" v="372" actId="2696"/>
+        <pc:sldMkLst>
+          <pc:docMk/>
+          <pc:sldMk cId="180968550" sldId="258"/>
+        </pc:sldMkLst>
+        <pc:spChg chg="mod">
+          <ac:chgData name="aryan vakharia" userId="52c2b478ce9f83b4" providerId="LiveId" clId="{B3432921-D38C-4E44-8472-C8526C7191DC}" dt="2023-11-27T20:59:36.445" v="299" actId="14100"/>
+          <ac:spMkLst>
+            <pc:docMk/>
+            <pc:sldMk cId="180968550" sldId="258"/>
+            <ac:spMk id="6" creationId="{BB87CB72-A462-F452-14D3-A4EDDB93D7DB}"/>
+          </ac:spMkLst>
+        </pc:spChg>
+      </pc:sldChg>
+      <pc:sldChg chg="modSp del">
+        <pc:chgData name="aryan vakharia" userId="52c2b478ce9f83b4" providerId="LiveId" clId="{B3432921-D38C-4E44-8472-C8526C7191DC}" dt="2023-11-27T20:27:47.013" v="143" actId="2696"/>
+        <pc:sldMkLst>
+          <pc:docMk/>
+          <pc:sldMk cId="1026899388" sldId="260"/>
+        </pc:sldMkLst>
+        <pc:graphicFrameChg chg="mod">
+          <ac:chgData name="aryan vakharia" userId="52c2b478ce9f83b4" providerId="LiveId" clId="{B3432921-D38C-4E44-8472-C8526C7191DC}" dt="2023-11-27T20:17:53.049" v="85"/>
+          <ac:graphicFrameMkLst>
+            <pc:docMk/>
+            <pc:sldMk cId="1026899388" sldId="260"/>
+            <ac:graphicFrameMk id="23" creationId="{2FC19868-F769-99A3-B393-FAD22FA2B269}"/>
+          </ac:graphicFrameMkLst>
+        </pc:graphicFrameChg>
+        <pc:graphicFrameChg chg="mod">
+          <ac:chgData name="aryan vakharia" userId="52c2b478ce9f83b4" providerId="LiveId" clId="{B3432921-D38C-4E44-8472-C8526C7191DC}" dt="2023-11-27T20:18:07.974" v="90"/>
+          <ac:graphicFrameMkLst>
+            <pc:docMk/>
+            <pc:sldMk cId="1026899388" sldId="260"/>
+            <ac:graphicFrameMk id="24" creationId="{0733D929-AA54-5B0C-3104-51D8E3822328}"/>
+          </ac:graphicFrameMkLst>
+        </pc:graphicFrameChg>
+      </pc:sldChg>
+      <pc:sldChg chg="modSp mod">
+        <pc:chgData name="aryan vakharia" userId="52c2b478ce9f83b4" providerId="LiveId" clId="{B3432921-D38C-4E44-8472-C8526C7191DC}" dt="2023-11-27T21:07:34.912" v="336" actId="1076"/>
+        <pc:sldMkLst>
+          <pc:docMk/>
+          <pc:sldMk cId="283086270" sldId="264"/>
+        </pc:sldMkLst>
+        <pc:spChg chg="mod">
+          <ac:chgData name="aryan vakharia" userId="52c2b478ce9f83b4" providerId="LiveId" clId="{B3432921-D38C-4E44-8472-C8526C7191DC}" dt="2023-11-27T20:45:31.062" v="248" actId="1076"/>
+          <ac:spMkLst>
+            <pc:docMk/>
+            <pc:sldMk cId="283086270" sldId="264"/>
+            <ac:spMk id="4" creationId="{5296B14F-0A0B-A394-4145-7E8BCC8E9C4D}"/>
+          </ac:spMkLst>
+        </pc:spChg>
+        <pc:spChg chg="mod">
+          <ac:chgData name="aryan vakharia" userId="52c2b478ce9f83b4" providerId="LiveId" clId="{B3432921-D38C-4E44-8472-C8526C7191DC}" dt="2023-11-27T21:07:34.912" v="336" actId="1076"/>
+          <ac:spMkLst>
+            <pc:docMk/>
+            <pc:sldMk cId="283086270" sldId="264"/>
+            <ac:spMk id="5" creationId="{8613FF2F-2C0F-1E93-42D0-7DCD5666DCAE}"/>
+          </ac:spMkLst>
+        </pc:spChg>
+        <pc:picChg chg="mod">
+          <ac:chgData name="aryan vakharia" userId="52c2b478ce9f83b4" providerId="LiveId" clId="{B3432921-D38C-4E44-8472-C8526C7191DC}" dt="2023-11-27T20:24:23.894" v="128" actId="1076"/>
+          <ac:picMkLst>
+            <pc:docMk/>
+            <pc:sldMk cId="283086270" sldId="264"/>
+            <ac:picMk id="3" creationId="{D5258182-EC62-FF31-36EC-BC38DC582278}"/>
+          </ac:picMkLst>
+        </pc:picChg>
+      </pc:sldChg>
+      <pc:sldChg chg="modSp mod">
+        <pc:chgData name="aryan vakharia" userId="52c2b478ce9f83b4" providerId="LiveId" clId="{B3432921-D38C-4E44-8472-C8526C7191DC}" dt="2023-11-27T21:08:49.524" v="339" actId="1076"/>
+        <pc:sldMkLst>
+          <pc:docMk/>
+          <pc:sldMk cId="2547628497" sldId="265"/>
+        </pc:sldMkLst>
+        <pc:spChg chg="mod">
+          <ac:chgData name="aryan vakharia" userId="52c2b478ce9f83b4" providerId="LiveId" clId="{B3432921-D38C-4E44-8472-C8526C7191DC}" dt="2023-11-27T20:45:12.384" v="245" actId="1076"/>
+          <ac:spMkLst>
+            <pc:docMk/>
+            <pc:sldMk cId="2547628497" sldId="265"/>
+            <ac:spMk id="2" creationId="{526C7C04-38B3-27EB-B2DD-39E016715DE3}"/>
+          </ac:spMkLst>
+        </pc:spChg>
+        <pc:spChg chg="mod">
+          <ac:chgData name="aryan vakharia" userId="52c2b478ce9f83b4" providerId="LiveId" clId="{B3432921-D38C-4E44-8472-C8526C7191DC}" dt="2023-11-27T21:08:49.524" v="339" actId="1076"/>
+          <ac:spMkLst>
+            <pc:docMk/>
+            <pc:sldMk cId="2547628497" sldId="265"/>
+            <ac:spMk id="4" creationId="{AFCDAAE7-1A53-DB1C-5447-0BBE3D5E975A}"/>
+          </ac:spMkLst>
+        </pc:spChg>
+        <pc:picChg chg="mod">
+          <ac:chgData name="aryan vakharia" userId="52c2b478ce9f83b4" providerId="LiveId" clId="{B3432921-D38C-4E44-8472-C8526C7191DC}" dt="2023-11-27T20:24:47.954" v="135" actId="1076"/>
+          <ac:picMkLst>
+            <pc:docMk/>
+            <pc:sldMk cId="2547628497" sldId="265"/>
+            <ac:picMk id="5" creationId="{6DFEECCA-1DD8-513D-1498-624A8D92E00F}"/>
+          </ac:picMkLst>
+        </pc:picChg>
+      </pc:sldChg>
+      <pc:sldChg chg="modSp mod">
+        <pc:chgData name="aryan vakharia" userId="52c2b478ce9f83b4" providerId="LiveId" clId="{B3432921-D38C-4E44-8472-C8526C7191DC}" dt="2023-11-27T21:09:23.880" v="343" actId="1076"/>
+        <pc:sldMkLst>
+          <pc:docMk/>
+          <pc:sldMk cId="1958361094" sldId="266"/>
+        </pc:sldMkLst>
+        <pc:spChg chg="mod">
+          <ac:chgData name="aryan vakharia" userId="52c2b478ce9f83b4" providerId="LiveId" clId="{B3432921-D38C-4E44-8472-C8526C7191DC}" dt="2023-11-27T20:25:00.278" v="137" actId="1076"/>
+          <ac:spMkLst>
+            <pc:docMk/>
+            <pc:sldMk cId="1958361094" sldId="266"/>
+            <ac:spMk id="2" creationId="{BD7918D0-2AF6-74B2-32AC-4B6385FE6F09}"/>
+          </ac:spMkLst>
+        </pc:spChg>
+        <pc:spChg chg="mod">
+          <ac:chgData name="aryan vakharia" userId="52c2b478ce9f83b4" providerId="LiveId" clId="{B3432921-D38C-4E44-8472-C8526C7191DC}" dt="2023-11-27T21:09:23.880" v="343" actId="1076"/>
+          <ac:spMkLst>
+            <pc:docMk/>
+            <pc:sldMk cId="1958361094" sldId="266"/>
+            <ac:spMk id="5" creationId="{E6326DF7-5EF9-F659-2805-68AF0BC5CEEE}"/>
+          </ac:spMkLst>
+        </pc:spChg>
+      </pc:sldChg>
+      <pc:sldChg chg="modSp mod">
+        <pc:chgData name="aryan vakharia" userId="52c2b478ce9f83b4" providerId="LiveId" clId="{B3432921-D38C-4E44-8472-C8526C7191DC}" dt="2023-11-27T21:05:59.931" v="333" actId="1076"/>
+        <pc:sldMkLst>
+          <pc:docMk/>
+          <pc:sldMk cId="3368940407" sldId="267"/>
+        </pc:sldMkLst>
+        <pc:spChg chg="mod">
+          <ac:chgData name="aryan vakharia" userId="52c2b478ce9f83b4" providerId="LiveId" clId="{B3432921-D38C-4E44-8472-C8526C7191DC}" dt="2023-11-27T21:04:35.868" v="330" actId="1076"/>
+          <ac:spMkLst>
+            <pc:docMk/>
+            <pc:sldMk cId="3368940407" sldId="267"/>
+            <ac:spMk id="2" creationId="{B3938F9E-7254-F384-7D48-FD09554572CF}"/>
+          </ac:spMkLst>
+        </pc:spChg>
+        <pc:spChg chg="mod">
+          <ac:chgData name="aryan vakharia" userId="52c2b478ce9f83b4" providerId="LiveId" clId="{B3432921-D38C-4E44-8472-C8526C7191DC}" dt="2023-11-27T21:05:59.931" v="333" actId="1076"/>
+          <ac:spMkLst>
+            <pc:docMk/>
+            <pc:sldMk cId="3368940407" sldId="267"/>
+            <ac:spMk id="4" creationId="{65B2CFED-4827-230B-F6FF-0309ECC6983C}"/>
+          </ac:spMkLst>
+        </pc:spChg>
+      </pc:sldChg>
+      <pc:sldChg chg="modSp mod">
+        <pc:chgData name="aryan vakharia" userId="52c2b478ce9f83b4" providerId="LiveId" clId="{B3432921-D38C-4E44-8472-C8526C7191DC}" dt="2023-11-27T21:09:54.538" v="346" actId="1076"/>
+        <pc:sldMkLst>
+          <pc:docMk/>
+          <pc:sldMk cId="230552811" sldId="268"/>
+        </pc:sldMkLst>
+        <pc:spChg chg="mod">
+          <ac:chgData name="aryan vakharia" userId="52c2b478ce9f83b4" providerId="LiveId" clId="{B3432921-D38C-4E44-8472-C8526C7191DC}" dt="2023-11-27T20:26:28.207" v="138" actId="5793"/>
+          <ac:spMkLst>
+            <pc:docMk/>
+            <pc:sldMk cId="230552811" sldId="268"/>
+            <ac:spMk id="2" creationId="{9BA66BEA-8D44-450C-721A-DED07F295069}"/>
+          </ac:spMkLst>
+        </pc:spChg>
+        <pc:spChg chg="mod">
+          <ac:chgData name="aryan vakharia" userId="52c2b478ce9f83b4" providerId="LiveId" clId="{B3432921-D38C-4E44-8472-C8526C7191DC}" dt="2023-11-27T21:09:54.538" v="346" actId="1076"/>
+          <ac:spMkLst>
+            <pc:docMk/>
+            <pc:sldMk cId="230552811" sldId="268"/>
+            <ac:spMk id="5" creationId="{97227567-3119-A001-071A-2862377A2DEA}"/>
+          </ac:spMkLst>
+        </pc:spChg>
+      </pc:sldChg>
+      <pc:sldChg chg="modSp mod">
+        <pc:chgData name="aryan vakharia" userId="52c2b478ce9f83b4" providerId="LiveId" clId="{B3432921-D38C-4E44-8472-C8526C7191DC}" dt="2023-11-27T21:11:02.953" v="350" actId="1076"/>
+        <pc:sldMkLst>
+          <pc:docMk/>
+          <pc:sldMk cId="3292129419" sldId="272"/>
+        </pc:sldMkLst>
+        <pc:spChg chg="mod">
+          <ac:chgData name="aryan vakharia" userId="52c2b478ce9f83b4" providerId="LiveId" clId="{B3432921-D38C-4E44-8472-C8526C7191DC}" dt="2023-11-27T20:26:35.413" v="139" actId="5793"/>
+          <ac:spMkLst>
+            <pc:docMk/>
+            <pc:sldMk cId="3292129419" sldId="272"/>
+            <ac:spMk id="2" creationId="{A99682E7-16C1-460B-75A4-F360E278C345}"/>
+          </ac:spMkLst>
+        </pc:spChg>
+        <pc:spChg chg="mod">
+          <ac:chgData name="aryan vakharia" userId="52c2b478ce9f83b4" providerId="LiveId" clId="{B3432921-D38C-4E44-8472-C8526C7191DC}" dt="2023-11-27T21:11:02.953" v="350" actId="1076"/>
+          <ac:spMkLst>
+            <pc:docMk/>
+            <pc:sldMk cId="3292129419" sldId="272"/>
+            <ac:spMk id="4" creationId="{BB575AF9-6889-4C43-6349-B5275FD405FA}"/>
+          </ac:spMkLst>
+        </pc:spChg>
+      </pc:sldChg>
+      <pc:sldChg chg="modSp mod ord">
+        <pc:chgData name="aryan vakharia" userId="52c2b478ce9f83b4" providerId="LiveId" clId="{B3432921-D38C-4E44-8472-C8526C7191DC}" dt="2023-11-27T21:03:27.520" v="322" actId="1076"/>
+        <pc:sldMkLst>
+          <pc:docMk/>
+          <pc:sldMk cId="3023639347" sldId="273"/>
+        </pc:sldMkLst>
+        <pc:spChg chg="mod">
+          <ac:chgData name="aryan vakharia" userId="52c2b478ce9f83b4" providerId="LiveId" clId="{B3432921-D38C-4E44-8472-C8526C7191DC}" dt="2023-11-27T20:42:22.823" v="241" actId="1076"/>
+          <ac:spMkLst>
+            <pc:docMk/>
+            <pc:sldMk cId="3023639347" sldId="273"/>
+            <ac:spMk id="2" creationId="{412598FA-CD78-833D-772D-61C605DFAAA6}"/>
+          </ac:spMkLst>
+        </pc:spChg>
+        <pc:spChg chg="mod">
+          <ac:chgData name="aryan vakharia" userId="52c2b478ce9f83b4" providerId="LiveId" clId="{B3432921-D38C-4E44-8472-C8526C7191DC}" dt="2023-11-27T21:03:27.520" v="322" actId="1076"/>
+          <ac:spMkLst>
+            <pc:docMk/>
+            <pc:sldMk cId="3023639347" sldId="273"/>
+            <ac:spMk id="4" creationId="{A758DF46-5C93-6CD2-729F-CBA56082E7A5}"/>
+          </ac:spMkLst>
+        </pc:spChg>
+        <pc:spChg chg="mod">
+          <ac:chgData name="aryan vakharia" userId="52c2b478ce9f83b4" providerId="LiveId" clId="{B3432921-D38C-4E44-8472-C8526C7191DC}" dt="2023-11-27T20:42:30.638" v="242" actId="1076"/>
+          <ac:spMkLst>
+            <pc:docMk/>
+            <pc:sldMk cId="3023639347" sldId="273"/>
+            <ac:spMk id="7" creationId="{43791EDA-CA57-F223-1164-032D49E67AF4}"/>
+          </ac:spMkLst>
+        </pc:spChg>
+        <pc:picChg chg="mod">
+          <ac:chgData name="aryan vakharia" userId="52c2b478ce9f83b4" providerId="LiveId" clId="{B3432921-D38C-4E44-8472-C8526C7191DC}" dt="2023-11-27T20:42:37.351" v="244" actId="14100"/>
+          <ac:picMkLst>
+            <pc:docMk/>
+            <pc:sldMk cId="3023639347" sldId="273"/>
+            <ac:picMk id="1026" creationId="{687E2E8B-FBFE-CA02-E672-D741F7E450F2}"/>
+          </ac:picMkLst>
+        </pc:picChg>
+      </pc:sldChg>
+      <pc:sldChg chg="addSp modSp mod">
+        <pc:chgData name="aryan vakharia" userId="52c2b478ce9f83b4" providerId="LiveId" clId="{B3432921-D38C-4E44-8472-C8526C7191DC}" dt="2023-11-27T21:11:54.554" v="357" actId="1076"/>
+        <pc:sldMkLst>
+          <pc:docMk/>
+          <pc:sldMk cId="2360101881" sldId="274"/>
+        </pc:sldMkLst>
+        <pc:spChg chg="add mod">
+          <ac:chgData name="aryan vakharia" userId="52c2b478ce9f83b4" providerId="LiveId" clId="{B3432921-D38C-4E44-8472-C8526C7191DC}" dt="2023-11-27T21:11:54.554" v="357" actId="1076"/>
+          <ac:spMkLst>
+            <pc:docMk/>
+            <pc:sldMk cId="2360101881" sldId="274"/>
+            <ac:spMk id="3" creationId="{34119D1A-764A-DA53-752D-63B083B06F1C}"/>
+          </ac:spMkLst>
+        </pc:spChg>
+      </pc:sldChg>
+      <pc:sldChg chg="modSp mod">
+        <pc:chgData name="aryan vakharia" userId="52c2b478ce9f83b4" providerId="LiveId" clId="{B3432921-D38C-4E44-8472-C8526C7191DC}" dt="2023-11-27T20:45:49.597" v="250" actId="1076"/>
+        <pc:sldMkLst>
+          <pc:docMk/>
+          <pc:sldMk cId="1862772237" sldId="275"/>
+        </pc:sldMkLst>
+        <pc:spChg chg="mod">
+          <ac:chgData name="aryan vakharia" userId="52c2b478ce9f83b4" providerId="LiveId" clId="{B3432921-D38C-4E44-8472-C8526C7191DC}" dt="2023-11-27T20:45:43.893" v="249" actId="1076"/>
+          <ac:spMkLst>
+            <pc:docMk/>
+            <pc:sldMk cId="1862772237" sldId="275"/>
+            <ac:spMk id="14" creationId="{022C1AF5-0FE2-A4AF-51BB-69EAA34AEDE1}"/>
+          </ac:spMkLst>
+        </pc:spChg>
+        <pc:spChg chg="mod">
+          <ac:chgData name="aryan vakharia" userId="52c2b478ce9f83b4" providerId="LiveId" clId="{B3432921-D38C-4E44-8472-C8526C7191DC}" dt="2023-11-27T20:45:49.597" v="250" actId="1076"/>
+          <ac:spMkLst>
+            <pc:docMk/>
+            <pc:sldMk cId="1862772237" sldId="275"/>
+            <ac:spMk id="21" creationId="{603180F9-81DA-A93E-9101-7479BB9FADB0}"/>
+          </ac:spMkLst>
+        </pc:spChg>
+      </pc:sldChg>
+      <pc:sldChg chg="modSp mod">
+        <pc:chgData name="aryan vakharia" userId="52c2b478ce9f83b4" providerId="LiveId" clId="{B3432921-D38C-4E44-8472-C8526C7191DC}" dt="2023-11-27T21:14:01.934" v="366" actId="1076"/>
+        <pc:sldMkLst>
+          <pc:docMk/>
+          <pc:sldMk cId="3580402968" sldId="277"/>
+        </pc:sldMkLst>
+        <pc:spChg chg="mod">
+          <ac:chgData name="aryan vakharia" userId="52c2b478ce9f83b4" providerId="LiveId" clId="{B3432921-D38C-4E44-8472-C8526C7191DC}" dt="2023-11-27T21:14:01.934" v="366" actId="1076"/>
+          <ac:spMkLst>
+            <pc:docMk/>
+            <pc:sldMk cId="3580402968" sldId="277"/>
+            <ac:spMk id="2" creationId="{BC7B27F6-5627-40FB-834B-F28838085647}"/>
+          </ac:spMkLst>
+        </pc:spChg>
+        <pc:spChg chg="mod">
+          <ac:chgData name="aryan vakharia" userId="52c2b478ce9f83b4" providerId="LiveId" clId="{B3432921-D38C-4E44-8472-C8526C7191DC}" dt="2023-11-27T21:12:16.726" v="361" actId="1076"/>
+          <ac:spMkLst>
+            <pc:docMk/>
+            <pc:sldMk cId="3580402968" sldId="277"/>
+            <ac:spMk id="4" creationId="{26C3BBD1-44E0-D5C6-E836-E9396F4BA31B}"/>
+          </ac:spMkLst>
+        </pc:spChg>
+      </pc:sldChg>
+      <pc:sldChg chg="modSp mod ord">
+        <pc:chgData name="aryan vakharia" userId="52c2b478ce9f83b4" providerId="LiveId" clId="{B3432921-D38C-4E44-8472-C8526C7191DC}" dt="2023-11-27T21:01:24.513" v="307" actId="1076"/>
+        <pc:sldMkLst>
+          <pc:docMk/>
+          <pc:sldMk cId="3073562487" sldId="282"/>
+        </pc:sldMkLst>
+        <pc:spChg chg="mod">
+          <ac:chgData name="aryan vakharia" userId="52c2b478ce9f83b4" providerId="LiveId" clId="{B3432921-D38C-4E44-8472-C8526C7191DC}" dt="2023-11-27T21:01:24.513" v="307" actId="1076"/>
+          <ac:spMkLst>
+            <pc:docMk/>
+            <pc:sldMk cId="3073562487" sldId="282"/>
+            <ac:spMk id="6" creationId="{DA082291-FB3B-50F1-501E-A859B5C5CCEC}"/>
+          </ac:spMkLst>
+        </pc:spChg>
+      </pc:sldChg>
+      <pc:sldChg chg="modSp mod ord">
+        <pc:chgData name="aryan vakharia" userId="52c2b478ce9f83b4" providerId="LiveId" clId="{B3432921-D38C-4E44-8472-C8526C7191DC}" dt="2023-11-27T21:02:00.973" v="313" actId="1076"/>
+        <pc:sldMkLst>
+          <pc:docMk/>
+          <pc:sldMk cId="127017271" sldId="284"/>
+        </pc:sldMkLst>
+        <pc:spChg chg="mod">
+          <ac:chgData name="aryan vakharia" userId="52c2b478ce9f83b4" providerId="LiveId" clId="{B3432921-D38C-4E44-8472-C8526C7191DC}" dt="2023-11-27T21:02:00.973" v="313" actId="1076"/>
+          <ac:spMkLst>
+            <pc:docMk/>
+            <pc:sldMk cId="127017271" sldId="284"/>
+            <ac:spMk id="5" creationId="{493550AD-2885-7311-46CB-EEC3B7FBEFB6}"/>
+          </ac:spMkLst>
+        </pc:spChg>
+      </pc:sldChg>
+      <pc:sldChg chg="modSp mod ord">
+        <pc:chgData name="aryan vakharia" userId="52c2b478ce9f83b4" providerId="LiveId" clId="{B3432921-D38C-4E44-8472-C8526C7191DC}" dt="2023-11-27T21:03:00.442" v="316" actId="1076"/>
+        <pc:sldMkLst>
+          <pc:docMk/>
+          <pc:sldMk cId="786129076" sldId="285"/>
+        </pc:sldMkLst>
+        <pc:spChg chg="mod">
+          <ac:chgData name="aryan vakharia" userId="52c2b478ce9f83b4" providerId="LiveId" clId="{B3432921-D38C-4E44-8472-C8526C7191DC}" dt="2023-11-27T21:03:00.442" v="316" actId="1076"/>
+          <ac:spMkLst>
+            <pc:docMk/>
+            <pc:sldMk cId="786129076" sldId="285"/>
+            <ac:spMk id="3" creationId="{36F5FE4D-730A-5D15-D15F-05325DB4F377}"/>
+          </ac:spMkLst>
+        </pc:spChg>
+        <pc:spChg chg="mod">
+          <ac:chgData name="aryan vakharia" userId="52c2b478ce9f83b4" providerId="LiveId" clId="{B3432921-D38C-4E44-8472-C8526C7191DC}" dt="2023-11-27T20:27:37.947" v="142" actId="2711"/>
+          <ac:spMkLst>
+            <pc:docMk/>
+            <pc:sldMk cId="786129076" sldId="285"/>
+            <ac:spMk id="4" creationId="{31FB87BC-7984-DC53-01F0-05A3075095A5}"/>
+          </ac:spMkLst>
+        </pc:spChg>
+      </pc:sldChg>
+      <pc:sldChg chg="modSp mod ord">
+        <pc:chgData name="aryan vakharia" userId="52c2b478ce9f83b4" providerId="LiveId" clId="{B3432921-D38C-4E44-8472-C8526C7191DC}" dt="2023-11-27T21:01:40.351" v="310" actId="255"/>
+        <pc:sldMkLst>
+          <pc:docMk/>
+          <pc:sldMk cId="2941569670" sldId="286"/>
+        </pc:sldMkLst>
+        <pc:spChg chg="mod">
+          <ac:chgData name="aryan vakharia" userId="52c2b478ce9f83b4" providerId="LiveId" clId="{B3432921-D38C-4E44-8472-C8526C7191DC}" dt="2023-11-27T21:01:40.351" v="310" actId="255"/>
+          <ac:spMkLst>
+            <pc:docMk/>
+            <pc:sldMk cId="2941569670" sldId="286"/>
+            <ac:spMk id="6" creationId="{435BCCB2-7E37-4E0A-3D86-8DF48E6C9868}"/>
+          </ac:spMkLst>
+        </pc:spChg>
+      </pc:sldChg>
+      <pc:sldChg chg="modSp mod ord">
+        <pc:chgData name="aryan vakharia" userId="52c2b478ce9f83b4" providerId="LiveId" clId="{B3432921-D38C-4E44-8472-C8526C7191DC}" dt="2023-11-27T21:03:11.839" v="319" actId="1076"/>
+        <pc:sldMkLst>
+          <pc:docMk/>
+          <pc:sldMk cId="3293870533" sldId="287"/>
+        </pc:sldMkLst>
+        <pc:spChg chg="mod">
+          <ac:chgData name="aryan vakharia" userId="52c2b478ce9f83b4" providerId="LiveId" clId="{B3432921-D38C-4E44-8472-C8526C7191DC}" dt="2023-11-27T20:27:25.519" v="141" actId="1076"/>
+          <ac:spMkLst>
+            <pc:docMk/>
+            <pc:sldMk cId="3293870533" sldId="287"/>
+            <ac:spMk id="2" creationId="{22B75E78-0550-68B9-9910-FE9A33B7754C}"/>
+          </ac:spMkLst>
+        </pc:spChg>
+        <pc:spChg chg="mod">
+          <ac:chgData name="aryan vakharia" userId="52c2b478ce9f83b4" providerId="LiveId" clId="{B3432921-D38C-4E44-8472-C8526C7191DC}" dt="2023-11-27T21:03:11.839" v="319" actId="1076"/>
+          <ac:spMkLst>
+            <pc:docMk/>
+            <pc:sldMk cId="3293870533" sldId="287"/>
+            <ac:spMk id="4" creationId="{0CB7D046-FAA5-33B1-E313-20105CD287AF}"/>
+          </ac:spMkLst>
+        </pc:spChg>
+      </pc:sldChg>
+      <pc:sldChg chg="modSp mod">
+        <pc:chgData name="aryan vakharia" userId="52c2b478ce9f83b4" providerId="LiveId" clId="{B3432921-D38C-4E44-8472-C8526C7191DC}" dt="2023-11-27T20:58:53.633" v="296" actId="14100"/>
+        <pc:sldMkLst>
+          <pc:docMk/>
+          <pc:sldMk cId="3453967955" sldId="288"/>
+        </pc:sldMkLst>
+        <pc:spChg chg="mod">
+          <ac:chgData name="aryan vakharia" userId="52c2b478ce9f83b4" providerId="LiveId" clId="{B3432921-D38C-4E44-8472-C8526C7191DC}" dt="2023-11-27T20:58:53.633" v="296" actId="14100"/>
+          <ac:spMkLst>
+            <pc:docMk/>
+            <pc:sldMk cId="3453967955" sldId="288"/>
+            <ac:spMk id="8" creationId="{F6CE46EA-1F23-C4CB-ECC7-0E6BB4BD8538}"/>
+          </ac:spMkLst>
+        </pc:spChg>
+      </pc:sldChg>
+      <pc:sldChg chg="addSp delSp modSp new mod">
+        <pc:chgData name="aryan vakharia" userId="52c2b478ce9f83b4" providerId="LiveId" clId="{B3432921-D38C-4E44-8472-C8526C7191DC}" dt="2023-11-27T20:57:37.391" v="293" actId="14100"/>
+        <pc:sldMkLst>
+          <pc:docMk/>
+          <pc:sldMk cId="2022322490" sldId="289"/>
+        </pc:sldMkLst>
+        <pc:spChg chg="mod">
+          <ac:chgData name="aryan vakharia" userId="52c2b478ce9f83b4" providerId="LiveId" clId="{B3432921-D38C-4E44-8472-C8526C7191DC}" dt="2023-11-27T20:57:37.391" v="293" actId="14100"/>
+          <ac:spMkLst>
+            <pc:docMk/>
+            <pc:sldMk cId="2022322490" sldId="289"/>
+            <ac:spMk id="2" creationId="{F7DC8D9D-3D71-74A7-17E5-B967B48BDBAF}"/>
+          </ac:spMkLst>
+        </pc:spChg>
+        <pc:spChg chg="add mod">
+          <ac:chgData name="aryan vakharia" userId="52c2b478ce9f83b4" providerId="LiveId" clId="{B3432921-D38C-4E44-8472-C8526C7191DC}" dt="2023-11-27T20:39:58.465" v="231" actId="1076"/>
+          <ac:spMkLst>
+            <pc:docMk/>
+            <pc:sldMk cId="2022322490" sldId="289"/>
+            <ac:spMk id="5" creationId="{4B0F72AA-4FCC-FF22-DB44-CC9A0854A533}"/>
+          </ac:spMkLst>
+        </pc:spChg>
+        <pc:graphicFrameChg chg="add del mod modGraphic">
+          <ac:chgData name="aryan vakharia" userId="52c2b478ce9f83b4" providerId="LiveId" clId="{B3432921-D38C-4E44-8472-C8526C7191DC}" dt="2023-11-27T20:36:34.924" v="197" actId="3680"/>
+          <ac:graphicFrameMkLst>
+            <pc:docMk/>
+            <pc:sldMk cId="2022322490" sldId="289"/>
+            <ac:graphicFrameMk id="3" creationId="{9BB3348A-AA27-41E4-8917-AD0A2D1684CD}"/>
+          </ac:graphicFrameMkLst>
+        </pc:graphicFrameChg>
+        <pc:graphicFrameChg chg="add mod modGraphic">
+          <ac:chgData name="aryan vakharia" userId="52c2b478ce9f83b4" providerId="LiveId" clId="{B3432921-D38C-4E44-8472-C8526C7191DC}" dt="2023-11-27T20:38:50.178" v="210" actId="1076"/>
+          <ac:graphicFrameMkLst>
+            <pc:docMk/>
+            <pc:sldMk cId="2022322490" sldId="289"/>
+            <ac:graphicFrameMk id="4" creationId="{844DA423-0912-3C55-AE8F-74763E853AF4}"/>
+          </ac:graphicFrameMkLst>
+        </pc:graphicFrameChg>
+      </pc:sldChg>
+      <pc:sldChg chg="addSp delSp modSp new del mod">
+        <pc:chgData name="aryan vakharia" userId="52c2b478ce9f83b4" providerId="LiveId" clId="{B3432921-D38C-4E44-8472-C8526C7191DC}" dt="2024-02-01T06:40:52.495" v="373" actId="47"/>
+        <pc:sldMkLst>
+          <pc:docMk/>
+          <pc:sldMk cId="2168253912" sldId="290"/>
+        </pc:sldMkLst>
+        <pc:spChg chg="mod">
+          <ac:chgData name="aryan vakharia" userId="52c2b478ce9f83b4" providerId="LiveId" clId="{B3432921-D38C-4E44-8472-C8526C7191DC}" dt="2023-11-27T20:56:58.273" v="290" actId="255"/>
+          <ac:spMkLst>
+            <pc:docMk/>
+            <pc:sldMk cId="2168253912" sldId="290"/>
+            <ac:spMk id="2" creationId="{18B4F472-3E7B-0FB7-B1D5-695832DB2CF7}"/>
+          </ac:spMkLst>
+        </pc:spChg>
+        <pc:spChg chg="add del mod">
+          <ac:chgData name="aryan vakharia" userId="52c2b478ce9f83b4" providerId="LiveId" clId="{B3432921-D38C-4E44-8472-C8526C7191DC}" dt="2023-11-27T20:19:46.170" v="98"/>
+          <ac:spMkLst>
+            <pc:docMk/>
+            <pc:sldMk cId="2168253912" sldId="290"/>
+            <ac:spMk id="4" creationId="{B58E35FC-FA88-F7AB-5A04-9BE04FAACFBF}"/>
+          </ac:spMkLst>
+        </pc:spChg>
+        <pc:spChg chg="add del mod">
+          <ac:chgData name="aryan vakharia" userId="52c2b478ce9f83b4" providerId="LiveId" clId="{B3432921-D38C-4E44-8472-C8526C7191DC}" dt="2023-11-27T20:17:50.958" v="84"/>
+          <ac:spMkLst>
+            <pc:docMk/>
+            <pc:sldMk cId="2168253912" sldId="290"/>
+            <ac:spMk id="5" creationId="{2601CBF4-980D-9684-25D1-06AF76C9900E}"/>
+          </ac:spMkLst>
+        </pc:spChg>
+        <pc:spChg chg="add del mod">
+          <ac:chgData name="aryan vakharia" userId="52c2b478ce9f83b4" providerId="LiveId" clId="{B3432921-D38C-4E44-8472-C8526C7191DC}" dt="2023-11-27T20:18:05.324" v="89"/>
+          <ac:spMkLst>
+            <pc:docMk/>
+            <pc:sldMk cId="2168253912" sldId="290"/>
+            <ac:spMk id="6" creationId="{E6D86948-D38F-514F-3506-54E7C6E7CC98}"/>
+          </ac:spMkLst>
+        </pc:spChg>
+        <pc:spChg chg="add mod">
+          <ac:chgData name="aryan vakharia" userId="52c2b478ce9f83b4" providerId="LiveId" clId="{B3432921-D38C-4E44-8472-C8526C7191DC}" dt="2023-11-27T20:49:05.035" v="256" actId="113"/>
+          <ac:spMkLst>
+            <pc:docMk/>
+            <pc:sldMk cId="2168253912" sldId="290"/>
+            <ac:spMk id="7" creationId="{11AA1818-602A-8CBA-CFE2-9BD4F225BFD7}"/>
+          </ac:spMkLst>
+        </pc:spChg>
+        <pc:graphicFrameChg chg="add mod modGraphic">
+          <ac:chgData name="aryan vakharia" userId="52c2b478ce9f83b4" providerId="LiveId" clId="{B3432921-D38C-4E44-8472-C8526C7191DC}" dt="2023-11-27T20:56:44.828" v="287" actId="14100"/>
+          <ac:graphicFrameMkLst>
+            <pc:docMk/>
+            <pc:sldMk cId="2168253912" sldId="290"/>
+            <ac:graphicFrameMk id="3" creationId="{734C55D0-FB48-122B-1C48-83AA344C9CA9}"/>
+          </ac:graphicFrameMkLst>
+        </pc:graphicFrameChg>
+      </pc:sldChg>
+      <pc:sldChg chg="modSp new add del mod">
+        <pc:chgData name="aryan vakharia" userId="52c2b478ce9f83b4" providerId="LiveId" clId="{B3432921-D38C-4E44-8472-C8526C7191DC}" dt="2024-02-01T06:41:29.831" v="391" actId="20577"/>
+        <pc:sldMkLst>
+          <pc:docMk/>
+          <pc:sldMk cId="1060457461" sldId="291"/>
+        </pc:sldMkLst>
+        <pc:spChg chg="mod">
+          <ac:chgData name="aryan vakharia" userId="52c2b478ce9f83b4" providerId="LiveId" clId="{B3432921-D38C-4E44-8472-C8526C7191DC}" dt="2023-11-27T21:04:04.431" v="323" actId="1076"/>
+          <ac:spMkLst>
+            <pc:docMk/>
+            <pc:sldMk cId="1060457461" sldId="291"/>
+            <ac:spMk id="2" creationId="{88A2A837-19F7-AF3B-F658-D0F520C26103}"/>
+          </ac:spMkLst>
+        </pc:spChg>
+        <pc:spChg chg="mod">
+          <ac:chgData name="aryan vakharia" userId="52c2b478ce9f83b4" providerId="LiveId" clId="{B3432921-D38C-4E44-8472-C8526C7191DC}" dt="2023-11-27T20:56:30.646" v="285" actId="14100"/>
+          <ac:spMkLst>
+            <pc:docMk/>
+            <pc:sldMk cId="1060457461" sldId="291"/>
+            <ac:spMk id="3" creationId="{A8D280AA-1EDD-6ACF-A930-EBDE7DD7C516}"/>
+          </ac:spMkLst>
+        </pc:spChg>
+        <pc:spChg chg="mod">
+          <ac:chgData name="aryan vakharia" userId="52c2b478ce9f83b4" providerId="LiveId" clId="{B3432921-D38C-4E44-8472-C8526C7191DC}" dt="2024-02-01T06:41:29.831" v="391" actId="20577"/>
+          <ac:spMkLst>
+            <pc:docMk/>
+            <pc:sldMk cId="1060457461" sldId="291"/>
+            <ac:spMk id="4" creationId="{3EC78BA0-DC8E-87EB-C22C-59281368DBCD}"/>
+          </ac:spMkLst>
+        </pc:spChg>
+      </pc:sldChg>
+      <pc:sldChg chg="modSp mod">
+        <pc:chgData name="aryan vakharia" userId="52c2b478ce9f83b4" providerId="LiveId" clId="{B3432921-D38C-4E44-8472-C8526C7191DC}" dt="2024-02-01T06:35:11.195" v="367" actId="12"/>
+        <pc:sldMkLst>
+          <pc:docMk/>
+          <pc:sldMk cId="4176955215" sldId="296"/>
+        </pc:sldMkLst>
+        <pc:spChg chg="mod">
+          <ac:chgData name="aryan vakharia" userId="52c2b478ce9f83b4" providerId="LiveId" clId="{B3432921-D38C-4E44-8472-C8526C7191DC}" dt="2024-02-01T06:35:11.195" v="367" actId="12"/>
+          <ac:spMkLst>
+            <pc:docMk/>
+            <pc:sldMk cId="4176955215" sldId="296"/>
+            <ac:spMk id="3" creationId="{360618B3-6261-E605-403D-2DD1EDCFD709}"/>
+          </ac:spMkLst>
+        </pc:spChg>
+      </pc:sldChg>
+    </pc:docChg>
+  </pc:docChgLst>
+  <pc:docChgLst>
+    <pc:chgData name="Guest User" providerId="Windows Live" clId="Web-{81D0D0F2-F0FE-494C-AD2E-8A89D87F6880}"/>
+    <pc:docChg chg="modSld addMainMaster delMainMaster">
+      <pc:chgData name="Guest User" userId="" providerId="Windows Live" clId="Web-{81D0D0F2-F0FE-494C-AD2E-8A89D87F6880}" dt="2023-11-25T12:04:38.769" v="31" actId="20577"/>
+      <pc:docMkLst>
+        <pc:docMk/>
+      </pc:docMkLst>
+      <pc:sldChg chg="modSp mod modTransition modClrScheme chgLayout">
+        <pc:chgData name="Guest User" userId="" providerId="Windows Live" clId="Web-{81D0D0F2-F0FE-494C-AD2E-8A89D87F6880}" dt="2023-11-25T12:04:38.769" v="31" actId="20577"/>
+        <pc:sldMkLst>
+          <pc:docMk/>
+          <pc:sldMk cId="4260394364" sldId="256"/>
+        </pc:sldMkLst>
+        <pc:spChg chg="mod">
+          <ac:chgData name="Guest User" userId="" providerId="Windows Live" clId="Web-{81D0D0F2-F0FE-494C-AD2E-8A89D87F6880}" dt="2023-11-25T12:03:06.578" v="21" actId="1076"/>
+          <ac:spMkLst>
+            <pc:docMk/>
+            <pc:sldMk cId="4260394364" sldId="256"/>
+            <ac:spMk id="44" creationId="{013AAACF-D639-04CE-E0A3-F5C2AF5D29BF}"/>
+          </ac:spMkLst>
+        </pc:spChg>
+        <pc:spChg chg="mod">
+          <ac:chgData name="Guest User" userId="" providerId="Windows Live" clId="Web-{81D0D0F2-F0FE-494C-AD2E-8A89D87F6880}" dt="2023-11-25T12:04:38.769" v="31" actId="20577"/>
+          <ac:spMkLst>
+            <pc:docMk/>
+            <pc:sldMk cId="4260394364" sldId="256"/>
+            <ac:spMk id="45" creationId="{E9B2F742-D846-388D-FC1E-89639D67AE9A}"/>
+          </ac:spMkLst>
+        </pc:spChg>
+        <pc:picChg chg="mod">
+          <ac:chgData name="Guest User" userId="" providerId="Windows Live" clId="Web-{81D0D0F2-F0FE-494C-AD2E-8A89D87F6880}" dt="2023-11-25T12:01:34.997" v="2" actId="1076"/>
+          <ac:picMkLst>
+            <pc:docMk/>
+            <pc:sldMk cId="4260394364" sldId="256"/>
+            <ac:picMk id="3" creationId="{B80F0153-33BB-708A-1290-863FAEC7C274}"/>
+          </ac:picMkLst>
+        </pc:picChg>
+        <pc:picChg chg="mod">
+          <ac:chgData name="Guest User" userId="" providerId="Windows Live" clId="Web-{81D0D0F2-F0FE-494C-AD2E-8A89D87F6880}" dt="2023-11-25T12:01:40.013" v="3" actId="1076"/>
+          <ac:picMkLst>
+            <pc:docMk/>
+            <pc:sldMk cId="4260394364" sldId="256"/>
+            <ac:picMk id="8" creationId="{B521FE1E-FFBB-A7A8-0CF7-9A4CDE1FFFCE}"/>
+          </ac:picMkLst>
+        </pc:picChg>
+      </pc:sldChg>
+      <pc:sldChg chg="modSp mod modClrScheme chgLayout">
+        <pc:chgData name="Guest User" userId="" providerId="Windows Live" clId="Web-{81D0D0F2-F0FE-494C-AD2E-8A89D87F6880}" dt="2023-11-25T12:04:00.737" v="27"/>
+        <pc:sldMkLst>
+          <pc:docMk/>
+          <pc:sldMk cId="1694635106" sldId="257"/>
+        </pc:sldMkLst>
+        <pc:spChg chg="mod ord">
+          <ac:chgData name="Guest User" userId="" providerId="Windows Live" clId="Web-{81D0D0F2-F0FE-494C-AD2E-8A89D87F6880}" dt="2023-11-25T12:04:00.737" v="27"/>
+          <ac:spMkLst>
+            <pc:docMk/>
+            <pc:sldMk cId="1694635106" sldId="257"/>
+            <ac:spMk id="2" creationId="{F1A022C9-F9BC-4B70-C9DA-2334BFA1EC5D}"/>
+          </ac:spMkLst>
+        </pc:spChg>
+        <pc:picChg chg="mod ord">
+          <ac:chgData name="Guest User" userId="" providerId="Windows Live" clId="Web-{81D0D0F2-F0FE-494C-AD2E-8A89D87F6880}" dt="2023-11-25T12:04:00.737" v="27"/>
+          <ac:picMkLst>
+            <pc:docMk/>
+            <pc:sldMk cId="1694635106" sldId="257"/>
+            <ac:picMk id="5" creationId="{906680AD-18DA-E5CE-E4DA-5E3CE3A58104}"/>
+          </ac:picMkLst>
+        </pc:picChg>
+      </pc:sldChg>
+      <pc:sldChg chg="mod modClrScheme chgLayout">
+        <pc:chgData name="Guest User" userId="" providerId="Windows Live" clId="Web-{81D0D0F2-F0FE-494C-AD2E-8A89D87F6880}" dt="2023-11-25T12:04:00.737" v="27"/>
+        <pc:sldMkLst>
+          <pc:docMk/>
+          <pc:sldMk cId="180968550" sldId="258"/>
+        </pc:sldMkLst>
+      </pc:sldChg>
+      <pc:sldChg chg="modSp mod modClrScheme chgLayout">
+        <pc:chgData name="Guest User" userId="" providerId="Windows Live" clId="Web-{81D0D0F2-F0FE-494C-AD2E-8A89D87F6880}" dt="2023-11-25T12:04:00.737" v="27"/>
+        <pc:sldMkLst>
+          <pc:docMk/>
+          <pc:sldMk cId="3626822673" sldId="259"/>
+        </pc:sldMkLst>
+        <pc:spChg chg="mod ord">
+          <ac:chgData name="Guest User" userId="" providerId="Windows Live" clId="Web-{81D0D0F2-F0FE-494C-AD2E-8A89D87F6880}" dt="2023-11-25T12:04:00.737" v="27"/>
+          <ac:spMkLst>
+            <pc:docMk/>
+            <pc:sldMk cId="3626822673" sldId="259"/>
+            <ac:spMk id="2" creationId="{BDC539D2-E360-890C-A2C2-78E6507FE0C6}"/>
+          </ac:spMkLst>
+        </pc:spChg>
+      </pc:sldChg>
+      <pc:sldChg chg="modSp mod modClrScheme chgLayout">
+        <pc:chgData name="Guest User" userId="" providerId="Windows Live" clId="Web-{81D0D0F2-F0FE-494C-AD2E-8A89D87F6880}" dt="2023-11-25T12:04:00.737" v="27"/>
+        <pc:sldMkLst>
+          <pc:docMk/>
+          <pc:sldMk cId="1026899388" sldId="260"/>
+        </pc:sldMkLst>
+        <pc:spChg chg="mod ord">
+          <ac:chgData name="Guest User" userId="" providerId="Windows Live" clId="Web-{81D0D0F2-F0FE-494C-AD2E-8A89D87F6880}" dt="2023-11-25T12:04:00.737" v="27"/>
+          <ac:spMkLst>
+            <pc:docMk/>
+            <pc:sldMk cId="1026899388" sldId="260"/>
+            <ac:spMk id="2" creationId="{341FF71D-2EFF-6579-EC45-C39DE4603908}"/>
+          </ac:spMkLst>
+        </pc:spChg>
+      </pc:sldChg>
+      <pc:sldChg chg="modSp mod modClrScheme chgLayout">
+        <pc:chgData name="Guest User" userId="" providerId="Windows Live" clId="Web-{81D0D0F2-F0FE-494C-AD2E-8A89D87F6880}" dt="2023-11-25T12:04:00.737" v="27"/>
+        <pc:sldMkLst>
+          <pc:docMk/>
+          <pc:sldMk cId="760823331" sldId="261"/>
+        </pc:sldMkLst>
+        <pc:spChg chg="mod ord">
+          <ac:chgData name="Guest User" userId="" providerId="Windows Live" clId="Web-{81D0D0F2-F0FE-494C-AD2E-8A89D87F6880}" dt="2023-11-25T12:04:00.737" v="27"/>
+          <ac:spMkLst>
+            <pc:docMk/>
+            <pc:sldMk cId="760823331" sldId="261"/>
+            <ac:spMk id="2" creationId="{A864E670-36A9-200B-CA60-5F662C3F03E7}"/>
+          </ac:spMkLst>
+        </pc:spChg>
+      </pc:sldChg>
+      <pc:sldChg chg="modSp mod modClrScheme chgLayout">
+        <pc:chgData name="Guest User" userId="" providerId="Windows Live" clId="Web-{81D0D0F2-F0FE-494C-AD2E-8A89D87F6880}" dt="2023-11-25T12:04:00.737" v="27"/>
+        <pc:sldMkLst>
+          <pc:docMk/>
+          <pc:sldMk cId="1153978083" sldId="262"/>
+        </pc:sldMkLst>
+        <pc:picChg chg="mod ord">
+          <ac:chgData name="Guest User" userId="" providerId="Windows Live" clId="Web-{81D0D0F2-F0FE-494C-AD2E-8A89D87F6880}" dt="2023-11-25T12:04:00.737" v="27"/>
+          <ac:picMkLst>
+            <pc:docMk/>
+            <pc:sldMk cId="1153978083" sldId="262"/>
+            <ac:picMk id="4" creationId="{96ADB908-2AB1-AF68-CB3F-BCB97F8BCF34}"/>
+          </ac:picMkLst>
+        </pc:picChg>
+      </pc:sldChg>
+      <pc:sldChg chg="mod modClrScheme chgLayout">
+        <pc:chgData name="Guest User" userId="" providerId="Windows Live" clId="Web-{81D0D0F2-F0FE-494C-AD2E-8A89D87F6880}" dt="2023-11-25T12:04:00.737" v="27"/>
+        <pc:sldMkLst>
+          <pc:docMk/>
+          <pc:sldMk cId="2861336507" sldId="263"/>
+        </pc:sldMkLst>
+      </pc:sldChg>
+      <pc:sldChg chg="mod modClrScheme chgLayout">
+        <pc:chgData name="Guest User" userId="" providerId="Windows Live" clId="Web-{81D0D0F2-F0FE-494C-AD2E-8A89D87F6880}" dt="2023-11-25T12:04:00.737" v="27"/>
+        <pc:sldMkLst>
+          <pc:docMk/>
+          <pc:sldMk cId="283086270" sldId="264"/>
+        </pc:sldMkLst>
+      </pc:sldChg>
+      <pc:sldChg chg="modSp mod modClrScheme chgLayout">
+        <pc:chgData name="Guest User" userId="" providerId="Windows Live" clId="Web-{81D0D0F2-F0FE-494C-AD2E-8A89D87F6880}" dt="2023-11-25T12:04:00.737" v="27"/>
+        <pc:sldMkLst>
+          <pc:docMk/>
+          <pc:sldMk cId="2547628497" sldId="265"/>
+        </pc:sldMkLst>
+        <pc:spChg chg="mod ord">
+          <ac:chgData name="Guest User" userId="" providerId="Windows Live" clId="Web-{81D0D0F2-F0FE-494C-AD2E-8A89D87F6880}" dt="2023-11-25T12:04:00.737" v="27"/>
+          <ac:spMkLst>
+            <pc:docMk/>
+            <pc:sldMk cId="2547628497" sldId="265"/>
+            <ac:spMk id="2" creationId="{526C7C04-38B3-27EB-B2DD-39E016715DE3}"/>
+          </ac:spMkLst>
+        </pc:spChg>
+      </pc:sldChg>
+      <pc:sldChg chg="modSp mod modClrScheme chgLayout">
+        <pc:chgData name="Guest User" userId="" providerId="Windows Live" clId="Web-{81D0D0F2-F0FE-494C-AD2E-8A89D87F6880}" dt="2023-11-25T12:04:00.737" v="27"/>
+        <pc:sldMkLst>
+          <pc:docMk/>
+          <pc:sldMk cId="1958361094" sldId="266"/>
+        </pc:sldMkLst>
+        <pc:spChg chg="mod ord">
+          <ac:chgData name="Guest User" userId="" providerId="Windows Live" clId="Web-{81D0D0F2-F0FE-494C-AD2E-8A89D87F6880}" dt="2023-11-25T12:04:00.737" v="27"/>
+          <ac:spMkLst>
+            <pc:docMk/>
+            <pc:sldMk cId="1958361094" sldId="266"/>
+            <ac:spMk id="2" creationId="{BD7918D0-2AF6-74B2-32AC-4B6385FE6F09}"/>
+          </ac:spMkLst>
+        </pc:spChg>
+      </pc:sldChg>
+      <pc:sldChg chg="modSp mod modClrScheme chgLayout">
+        <pc:chgData name="Guest User" userId="" providerId="Windows Live" clId="Web-{81D0D0F2-F0FE-494C-AD2E-8A89D87F6880}" dt="2023-11-25T12:04:00.737" v="27"/>
+        <pc:sldMkLst>
+          <pc:docMk/>
+          <pc:sldMk cId="3368940407" sldId="267"/>
+        </pc:sldMkLst>
+        <pc:spChg chg="mod ord">
+          <ac:chgData name="Guest User" userId="" providerId="Windows Live" clId="Web-{81D0D0F2-F0FE-494C-AD2E-8A89D87F6880}" dt="2023-11-25T12:04:00.737" v="27"/>
+          <ac:spMkLst>
+            <pc:docMk/>
+            <pc:sldMk cId="3368940407" sldId="267"/>
+            <ac:spMk id="2" creationId="{B3938F9E-7254-F384-7D48-FD09554572CF}"/>
+          </ac:spMkLst>
+        </pc:spChg>
+      </pc:sldChg>
+      <pc:sldChg chg="modSp mod modClrScheme chgLayout">
+        <pc:chgData name="Guest User" userId="" providerId="Windows Live" clId="Web-{81D0D0F2-F0FE-494C-AD2E-8A89D87F6880}" dt="2023-11-25T12:04:00.737" v="27"/>
+        <pc:sldMkLst>
+          <pc:docMk/>
+          <pc:sldMk cId="230552811" sldId="268"/>
+        </pc:sldMkLst>
+        <pc:spChg chg="mod ord">
+          <ac:chgData name="Guest User" userId="" providerId="Windows Live" clId="Web-{81D0D0F2-F0FE-494C-AD2E-8A89D87F6880}" dt="2023-11-25T12:04:00.737" v="27"/>
+          <ac:spMkLst>
+            <pc:docMk/>
+            <pc:sldMk cId="230552811" sldId="268"/>
+            <ac:spMk id="2" creationId="{9BA66BEA-8D44-450C-721A-DED07F295069}"/>
+          </ac:spMkLst>
+        </pc:spChg>
+        <pc:picChg chg="mod ord">
+          <ac:chgData name="Guest User" userId="" providerId="Windows Live" clId="Web-{81D0D0F2-F0FE-494C-AD2E-8A89D87F6880}" dt="2023-11-25T12:04:00.737" v="27"/>
+          <ac:picMkLst>
+            <pc:docMk/>
+            <pc:sldMk cId="230552811" sldId="268"/>
+            <ac:picMk id="4" creationId="{14F60DD2-6C1F-383D-6D67-9D5947BED77E}"/>
+          </ac:picMkLst>
+        </pc:picChg>
+      </pc:sldChg>
+      <pc:sldChg chg="modSp mod modClrScheme chgLayout">
+        <pc:chgData name="Guest User" userId="" providerId="Windows Live" clId="Web-{81D0D0F2-F0FE-494C-AD2E-8A89D87F6880}" dt="2023-11-25T12:04:00.737" v="27"/>
+        <pc:sldMkLst>
+          <pc:docMk/>
+          <pc:sldMk cId="1833674735" sldId="269"/>
+        </pc:sldMkLst>
+        <pc:spChg chg="mod ord">
+          <ac:chgData name="Guest User" userId="" providerId="Windows Live" clId="Web-{81D0D0F2-F0FE-494C-AD2E-8A89D87F6880}" dt="2023-11-25T12:04:00.737" v="27"/>
+          <ac:spMkLst>
+            <pc:docMk/>
+            <pc:sldMk cId="1833674735" sldId="269"/>
+            <ac:spMk id="2" creationId="{7F375BF7-FA6B-9AC6-63EF-FE79B5058916}"/>
+          </ac:spMkLst>
+        </pc:spChg>
+        <pc:picChg chg="mod ord">
+          <ac:chgData name="Guest User" userId="" providerId="Windows Live" clId="Web-{81D0D0F2-F0FE-494C-AD2E-8A89D87F6880}" dt="2023-11-25T12:04:00.737" v="27"/>
+          <ac:picMkLst>
+            <pc:docMk/>
+            <pc:sldMk cId="1833674735" sldId="269"/>
+            <ac:picMk id="4" creationId="{3B841555-9837-D540-09E7-21F79E1D6DBD}"/>
+          </ac:picMkLst>
+        </pc:picChg>
+      </pc:sldChg>
+      <pc:sldChg chg="modSp mod modClrScheme chgLayout">
+        <pc:chgData name="Guest User" userId="" providerId="Windows Live" clId="Web-{81D0D0F2-F0FE-494C-AD2E-8A89D87F6880}" dt="2023-11-25T12:04:00.737" v="27"/>
+        <pc:sldMkLst>
+          <pc:docMk/>
+          <pc:sldMk cId="3633643091" sldId="270"/>
+        </pc:sldMkLst>
+        <pc:spChg chg="mod ord">
+          <ac:chgData name="Guest User" userId="" providerId="Windows Live" clId="Web-{81D0D0F2-F0FE-494C-AD2E-8A89D87F6880}" dt="2023-11-25T12:04:00.737" v="27"/>
+          <ac:spMkLst>
+            <pc:docMk/>
+            <pc:sldMk cId="3633643091" sldId="270"/>
+            <ac:spMk id="2" creationId="{D2213C0A-CED8-3DDF-5798-9118403295F4}"/>
+          </ac:spMkLst>
+        </pc:spChg>
+        <pc:picChg chg="mod ord">
+          <ac:chgData name="Guest User" userId="" providerId="Windows Live" clId="Web-{81D0D0F2-F0FE-494C-AD2E-8A89D87F6880}" dt="2023-11-25T12:04:00.737" v="27"/>
+          <ac:picMkLst>
+            <pc:docMk/>
+            <pc:sldMk cId="3633643091" sldId="270"/>
+            <ac:picMk id="4" creationId="{67D83E0B-8E92-379A-F509-37E9A8A97C52}"/>
+          </ac:picMkLst>
+        </pc:picChg>
+      </pc:sldChg>
+      <pc:sldChg chg="modSp mod modClrScheme chgLayout">
+        <pc:chgData name="Guest User" userId="" providerId="Windows Live" clId="Web-{81D0D0F2-F0FE-494C-AD2E-8A89D87F6880}" dt="2023-11-25T12:04:00.737" v="27"/>
+        <pc:sldMkLst>
+          <pc:docMk/>
+          <pc:sldMk cId="2936763220" sldId="271"/>
+        </pc:sldMkLst>
+        <pc:spChg chg="mod ord">
+          <ac:chgData name="Guest User" userId="" providerId="Windows Live" clId="Web-{81D0D0F2-F0FE-494C-AD2E-8A89D87F6880}" dt="2023-11-25T12:04:00.737" v="27"/>
+          <ac:spMkLst>
+            <pc:docMk/>
+            <pc:sldMk cId="2936763220" sldId="271"/>
+            <ac:spMk id="2" creationId="{83015288-2CBA-56A3-9DB8-F4444C54C382}"/>
+          </ac:spMkLst>
+        </pc:spChg>
+      </pc:sldChg>
+      <pc:sldChg chg="modSp mod modClrScheme chgLayout">
+        <pc:chgData name="Guest User" userId="" providerId="Windows Live" clId="Web-{81D0D0F2-F0FE-494C-AD2E-8A89D87F6880}" dt="2023-11-25T12:04:00.737" v="27"/>
+        <pc:sldMkLst>
+          <pc:docMk/>
+          <pc:sldMk cId="3292129419" sldId="272"/>
+        </pc:sldMkLst>
+        <pc:spChg chg="mod ord">
+          <ac:chgData name="Guest User" userId="" providerId="Windows Live" clId="Web-{81D0D0F2-F0FE-494C-AD2E-8A89D87F6880}" dt="2023-11-25T12:04:00.737" v="27"/>
+          <ac:spMkLst>
+            <pc:docMk/>
+            <pc:sldMk cId="3292129419" sldId="272"/>
+            <ac:spMk id="2" creationId="{A99682E7-16C1-460B-75A4-F360E278C345}"/>
+          </ac:spMkLst>
+        </pc:spChg>
+      </pc:sldChg>
+      <pc:sldChg chg="modSp mod modClrScheme chgLayout">
+        <pc:chgData name="Guest User" userId="" providerId="Windows Live" clId="Web-{81D0D0F2-F0FE-494C-AD2E-8A89D87F6880}" dt="2023-11-25T12:04:00.737" v="27"/>
+        <pc:sldMkLst>
+          <pc:docMk/>
+          <pc:sldMk cId="3023639347" sldId="273"/>
+        </pc:sldMkLst>
+        <pc:spChg chg="mod ord">
+          <ac:chgData name="Guest User" userId="" providerId="Windows Live" clId="Web-{81D0D0F2-F0FE-494C-AD2E-8A89D87F6880}" dt="2023-11-25T12:04:00.737" v="27"/>
+          <ac:spMkLst>
+            <pc:docMk/>
+            <pc:sldMk cId="3023639347" sldId="273"/>
+            <ac:spMk id="2" creationId="{412598FA-CD78-833D-772D-61C605DFAAA6}"/>
+          </ac:spMkLst>
+        </pc:spChg>
+      </pc:sldChg>
+      <pc:sldChg chg="modSp mod modClrScheme chgLayout">
+        <pc:chgData name="Guest User" userId="" providerId="Windows Live" clId="Web-{81D0D0F2-F0FE-494C-AD2E-8A89D87F6880}" dt="2023-11-25T12:04:00.737" v="27"/>
+        <pc:sldMkLst>
+          <pc:docMk/>
+          <pc:sldMk cId="2360101881" sldId="274"/>
+        </pc:sldMkLst>
+        <pc:spChg chg="mod ord">
+          <ac:chgData name="Guest User" userId="" providerId="Windows Live" clId="Web-{81D0D0F2-F0FE-494C-AD2E-8A89D87F6880}" dt="2023-11-25T12:04:00.737" v="27"/>
+          <ac:spMkLst>
+            <pc:docMk/>
+            <pc:sldMk cId="2360101881" sldId="274"/>
+            <ac:spMk id="2" creationId="{5CD0402E-BCF0-2B05-51A1-936D65FBB591}"/>
+          </ac:spMkLst>
+        </pc:spChg>
+      </pc:sldChg>
+      <pc:sldChg chg="modSp mod modClrScheme chgLayout">
+        <pc:chgData name="Guest User" userId="" providerId="Windows Live" clId="Web-{81D0D0F2-F0FE-494C-AD2E-8A89D87F6880}" dt="2023-11-25T12:04:00.737" v="27"/>
+        <pc:sldMkLst>
+          <pc:docMk/>
+          <pc:sldMk cId="1862772237" sldId="275"/>
+        </pc:sldMkLst>
+        <pc:spChg chg="mod ord">
+          <ac:chgData name="Guest User" userId="" providerId="Windows Live" clId="Web-{81D0D0F2-F0FE-494C-AD2E-8A89D87F6880}" dt="2023-11-25T12:04:00.737" v="27"/>
+          <ac:spMkLst>
+            <pc:docMk/>
+            <pc:sldMk cId="1862772237" sldId="275"/>
+            <ac:spMk id="2" creationId="{41D9E846-2046-C524-7D53-EA05B7009068}"/>
+          </ac:spMkLst>
+        </pc:spChg>
+      </pc:sldChg>
+      <pc:sldChg chg="modSp mod modClrScheme chgLayout">
+        <pc:chgData name="Guest User" userId="" providerId="Windows Live" clId="Web-{81D0D0F2-F0FE-494C-AD2E-8A89D87F6880}" dt="2023-11-25T12:04:00.737" v="27"/>
+        <pc:sldMkLst>
+          <pc:docMk/>
+          <pc:sldMk cId="3580402968" sldId="277"/>
+        </pc:sldMkLst>
+        <pc:spChg chg="mod ord">
+          <ac:chgData name="Guest User" userId="" providerId="Windows Live" clId="Web-{81D0D0F2-F0FE-494C-AD2E-8A89D87F6880}" dt="2023-11-25T12:04:00.737" v="27"/>
+          <ac:spMkLst>
+            <pc:docMk/>
+            <pc:sldMk cId="3580402968" sldId="277"/>
+            <ac:spMk id="2" creationId="{BC7B27F6-5627-40FB-834B-F28838085647}"/>
+          </ac:spMkLst>
+        </pc:spChg>
+      </pc:sldChg>
+      <pc:sldChg chg="modSp mod modClrScheme chgLayout">
+        <pc:chgData name="Guest User" userId="" providerId="Windows Live" clId="Web-{81D0D0F2-F0FE-494C-AD2E-8A89D87F6880}" dt="2023-11-25T12:04:00.737" v="27"/>
+        <pc:sldMkLst>
+          <pc:docMk/>
+          <pc:sldMk cId="3581344412" sldId="278"/>
+        </pc:sldMkLst>
+        <pc:spChg chg="mod ord">
+          <ac:chgData name="Guest User" userId="" providerId="Windows Live" clId="Web-{81D0D0F2-F0FE-494C-AD2E-8A89D87F6880}" dt="2023-11-25T12:04:00.737" v="27"/>
+          <ac:spMkLst>
+            <pc:docMk/>
+            <pc:sldMk cId="3581344412" sldId="278"/>
+            <ac:spMk id="2" creationId="{B2F0F58C-C378-8508-C14F-C003CA7B9509}"/>
+          </ac:spMkLst>
+        </pc:spChg>
+        <pc:picChg chg="mod ord">
+          <ac:chgData name="Guest User" userId="" providerId="Windows Live" clId="Web-{81D0D0F2-F0FE-494C-AD2E-8A89D87F6880}" dt="2023-11-25T12:04:00.737" v="27"/>
+          <ac:picMkLst>
+            <pc:docMk/>
+            <pc:sldMk cId="3581344412" sldId="278"/>
+            <ac:picMk id="5" creationId="{8D48E0B9-A830-4B30-D107-59928CEEFCC0}"/>
+          </ac:picMkLst>
+        </pc:picChg>
+      </pc:sldChg>
+      <pc:sldChg chg="modSp mod modClrScheme chgLayout">
+        <pc:chgData name="Guest User" userId="" providerId="Windows Live" clId="Web-{81D0D0F2-F0FE-494C-AD2E-8A89D87F6880}" dt="2023-11-25T12:04:00.737" v="27"/>
+        <pc:sldMkLst>
+          <pc:docMk/>
+          <pc:sldMk cId="1522386170" sldId="279"/>
+        </pc:sldMkLst>
+        <pc:spChg chg="mod ord">
+          <ac:chgData name="Guest User" userId="" providerId="Windows Live" clId="Web-{81D0D0F2-F0FE-494C-AD2E-8A89D87F6880}" dt="2023-11-25T12:04:00.737" v="27"/>
+          <ac:spMkLst>
+            <pc:docMk/>
+            <pc:sldMk cId="1522386170" sldId="279"/>
+            <ac:spMk id="2" creationId="{C6774039-EE80-BD5B-5A1D-12A77CD99984}"/>
+          </ac:spMkLst>
+        </pc:spChg>
+        <pc:picChg chg="mod ord">
+          <ac:chgData name="Guest User" userId="" providerId="Windows Live" clId="Web-{81D0D0F2-F0FE-494C-AD2E-8A89D87F6880}" dt="2023-11-25T12:04:00.737" v="27"/>
+          <ac:picMkLst>
+            <pc:docMk/>
+            <pc:sldMk cId="1522386170" sldId="279"/>
+            <ac:picMk id="7" creationId="{ABC06A9C-A083-74D7-F96A-7C95B1B23D83}"/>
+          </ac:picMkLst>
+        </pc:picChg>
+      </pc:sldChg>
+      <pc:sldChg chg="modSp mod modClrScheme chgLayout">
+        <pc:chgData name="Guest User" userId="" providerId="Windows Live" clId="Web-{81D0D0F2-F0FE-494C-AD2E-8A89D87F6880}" dt="2023-11-25T12:04:00.737" v="27"/>
+        <pc:sldMkLst>
+          <pc:docMk/>
+          <pc:sldMk cId="828683039" sldId="280"/>
+        </pc:sldMkLst>
+        <pc:spChg chg="mod ord">
+          <ac:chgData name="Guest User" userId="" providerId="Windows Live" clId="Web-{81D0D0F2-F0FE-494C-AD2E-8A89D87F6880}" dt="2023-11-25T12:04:00.737" v="27"/>
+          <ac:spMkLst>
+            <pc:docMk/>
+            <pc:sldMk cId="828683039" sldId="280"/>
+            <ac:spMk id="2" creationId="{C6873E55-F160-9772-67D7-AC2A66D8BCAC}"/>
+          </ac:spMkLst>
+        </pc:spChg>
+        <pc:picChg chg="mod ord">
+          <ac:chgData name="Guest User" userId="" providerId="Windows Live" clId="Web-{81D0D0F2-F0FE-494C-AD2E-8A89D87F6880}" dt="2023-11-25T12:04:00.737" v="27"/>
+          <ac:picMkLst>
+            <pc:docMk/>
+            <pc:sldMk cId="828683039" sldId="280"/>
+            <ac:picMk id="10" creationId="{B351EB9F-2475-C3ED-4359-40CFD612618E}"/>
+          </ac:picMkLst>
+        </pc:picChg>
+      </pc:sldChg>
+      <pc:sldChg chg="modSp mod modClrScheme chgLayout">
+        <pc:chgData name="Guest User" userId="" providerId="Windows Live" clId="Web-{81D0D0F2-F0FE-494C-AD2E-8A89D87F6880}" dt="2023-11-25T12:04:00.737" v="27"/>
+        <pc:sldMkLst>
+          <pc:docMk/>
+          <pc:sldMk cId="3498562304" sldId="281"/>
+        </pc:sldMkLst>
+        <pc:spChg chg="mod ord">
+          <ac:chgData name="Guest User" userId="" providerId="Windows Live" clId="Web-{81D0D0F2-F0FE-494C-AD2E-8A89D87F6880}" dt="2023-11-25T12:04:00.737" v="27"/>
+          <ac:spMkLst>
+            <pc:docMk/>
+            <pc:sldMk cId="3498562304" sldId="281"/>
+            <ac:spMk id="2" creationId="{E77317EB-4399-07A0-C671-CD7F4BBF3A13}"/>
+          </ac:spMkLst>
+        </pc:spChg>
+        <pc:picChg chg="mod ord">
+          <ac:chgData name="Guest User" userId="" providerId="Windows Live" clId="Web-{81D0D0F2-F0FE-494C-AD2E-8A89D87F6880}" dt="2023-11-25T12:04:00.737" v="27"/>
+          <ac:picMkLst>
+            <pc:docMk/>
+            <pc:sldMk cId="3498562304" sldId="281"/>
+            <ac:picMk id="4" creationId="{6FEAAD3F-6E80-E2E7-4BAA-8F3CDAB551FE}"/>
+          </ac:picMkLst>
+        </pc:picChg>
+      </pc:sldChg>
+      <pc:sldChg chg="modSp mod modClrScheme chgLayout">
+        <pc:chgData name="Guest User" userId="" providerId="Windows Live" clId="Web-{81D0D0F2-F0FE-494C-AD2E-8A89D87F6880}" dt="2023-11-25T12:04:00.737" v="27"/>
+        <pc:sldMkLst>
+          <pc:docMk/>
+          <pc:sldMk cId="3073562487" sldId="282"/>
+        </pc:sldMkLst>
+        <pc:spChg chg="mod ord">
+          <ac:chgData name="Guest User" userId="" providerId="Windows Live" clId="Web-{81D0D0F2-F0FE-494C-AD2E-8A89D87F6880}" dt="2023-11-25T12:04:00.737" v="27"/>
+          <ac:spMkLst>
+            <pc:docMk/>
+            <pc:sldMk cId="3073562487" sldId="282"/>
+            <ac:spMk id="2" creationId="{69B87419-A3B1-F866-3DFA-299E6DC1FAA0}"/>
+          </ac:spMkLst>
+        </pc:spChg>
+        <pc:picChg chg="mod ord">
+          <ac:chgData name="Guest User" userId="" providerId="Windows Live" clId="Web-{81D0D0F2-F0FE-494C-AD2E-8A89D87F6880}" dt="2023-11-25T12:04:00.737" v="27"/>
+          <ac:picMkLst>
+            <pc:docMk/>
+            <pc:sldMk cId="3073562487" sldId="282"/>
+            <ac:picMk id="2050" creationId="{22B95BBE-71DA-F50A-D722-BD260D96A9A3}"/>
+          </ac:picMkLst>
+        </pc:picChg>
+      </pc:sldChg>
+      <pc:sldChg chg="mod modClrScheme chgLayout">
+        <pc:chgData name="Guest User" userId="" providerId="Windows Live" clId="Web-{81D0D0F2-F0FE-494C-AD2E-8A89D87F6880}" dt="2023-11-25T12:04:00.737" v="27"/>
+        <pc:sldMkLst>
+          <pc:docMk/>
+          <pc:sldMk cId="127017271" sldId="284"/>
+        </pc:sldMkLst>
+      </pc:sldChg>
+      <pc:sldChg chg="modSp mod modClrScheme chgLayout">
+        <pc:chgData name="Guest User" userId="" providerId="Windows Live" clId="Web-{81D0D0F2-F0FE-494C-AD2E-8A89D87F6880}" dt="2023-11-25T12:04:00.737" v="27"/>
+        <pc:sldMkLst>
+          <pc:docMk/>
+          <pc:sldMk cId="786129076" sldId="285"/>
+        </pc:sldMkLst>
+        <pc:picChg chg="mod ord">
+          <ac:chgData name="Guest User" userId="" providerId="Windows Live" clId="Web-{81D0D0F2-F0FE-494C-AD2E-8A89D87F6880}" dt="2023-11-25T12:04:00.737" v="27"/>
+          <ac:picMkLst>
+            <pc:docMk/>
+            <pc:sldMk cId="786129076" sldId="285"/>
+            <ac:picMk id="4098" creationId="{E77EF853-1198-11EC-E7F6-9807FF45629C}"/>
+          </ac:picMkLst>
+        </pc:picChg>
+      </pc:sldChg>
+      <pc:sldChg chg="modSp mod modClrScheme chgLayout">
+        <pc:chgData name="Guest User" userId="" providerId="Windows Live" clId="Web-{81D0D0F2-F0FE-494C-AD2E-8A89D87F6880}" dt="2023-11-25T12:04:00.737" v="27"/>
+        <pc:sldMkLst>
+          <pc:docMk/>
+          <pc:sldMk cId="2941569670" sldId="286"/>
+        </pc:sldMkLst>
+        <pc:picChg chg="mod ord">
+          <ac:chgData name="Guest User" userId="" providerId="Windows Live" clId="Web-{81D0D0F2-F0FE-494C-AD2E-8A89D87F6880}" dt="2023-11-25T12:04:00.737" v="27"/>
+          <ac:picMkLst>
+            <pc:docMk/>
+            <pc:sldMk cId="2941569670" sldId="286"/>
+            <ac:picMk id="6146" creationId="{D24E6F4D-A96B-97D3-5390-F10B4E5092F4}"/>
+          </ac:picMkLst>
+        </pc:picChg>
+      </pc:sldChg>
+      <pc:sldChg chg="mod modClrScheme chgLayout">
+        <pc:chgData name="Guest User" userId="" providerId="Windows Live" clId="Web-{81D0D0F2-F0FE-494C-AD2E-8A89D87F6880}" dt="2023-11-25T12:04:00.737" v="27"/>
+        <pc:sldMkLst>
+          <pc:docMk/>
+          <pc:sldMk cId="3293870533" sldId="287"/>
+        </pc:sldMkLst>
+      </pc:sldChg>
+      <pc:sldChg chg="mod modClrScheme chgLayout">
+        <pc:chgData name="Guest User" userId="" providerId="Windows Live" clId="Web-{81D0D0F2-F0FE-494C-AD2E-8A89D87F6880}" dt="2023-11-25T12:04:00.737" v="27"/>
+        <pc:sldMkLst>
+          <pc:docMk/>
+          <pc:sldMk cId="3453967955" sldId="288"/>
+        </pc:sldMkLst>
+      </pc:sldChg>
+      <pc:sldChg chg="modSp mod modClrScheme chgLayout">
+        <pc:chgData name="Guest User" userId="" providerId="Windows Live" clId="Web-{81D0D0F2-F0FE-494C-AD2E-8A89D87F6880}" dt="2023-11-25T12:04:00.737" v="27"/>
+        <pc:sldMkLst>
+          <pc:docMk/>
+          <pc:sldMk cId="207793195" sldId="289"/>
+        </pc:sldMkLst>
+        <pc:spChg chg="mod ord">
+          <ac:chgData name="Guest User" userId="" providerId="Windows Live" clId="Web-{81D0D0F2-F0FE-494C-AD2E-8A89D87F6880}" dt="2023-11-25T12:04:00.737" v="27"/>
+          <ac:spMkLst>
+            <pc:docMk/>
+            <pc:sldMk cId="207793195" sldId="289"/>
+            <ac:spMk id="2" creationId="{83A13A60-C9FD-223F-F2BB-E066D6632926}"/>
+          </ac:spMkLst>
+        </pc:spChg>
+        <pc:picChg chg="mod ord">
+          <ac:chgData name="Guest User" userId="" providerId="Windows Live" clId="Web-{81D0D0F2-F0FE-494C-AD2E-8A89D87F6880}" dt="2023-11-25T12:04:00.737" v="27"/>
+          <ac:picMkLst>
+            <pc:docMk/>
+            <pc:sldMk cId="207793195" sldId="289"/>
+            <ac:picMk id="1026" creationId="{80F98DDC-3C38-F079-75B1-37A646117EA1}"/>
+          </ac:picMkLst>
+        </pc:picChg>
+      </pc:sldChg>
+      <pc:sldMasterChg chg="del delSldLayout">
+        <pc:chgData name="Guest User" userId="" providerId="Windows Live" clId="Web-{81D0D0F2-F0FE-494C-AD2E-8A89D87F6880}" dt="2023-11-25T12:03:51.471" v="25"/>
+        <pc:sldMasterMkLst>
+          <pc:docMk/>
+          <pc:sldMasterMk cId="1293137111" sldId="2147483695"/>
+        </pc:sldMasterMkLst>
+        <pc:sldLayoutChg chg="del">
+          <pc:chgData name="Guest User" userId="" providerId="Windows Live" clId="Web-{81D0D0F2-F0FE-494C-AD2E-8A89D87F6880}" dt="2023-11-25T12:03:51.471" v="25"/>
+          <pc:sldLayoutMkLst>
+            <pc:docMk/>
+            <pc:sldMasterMk cId="1293137111" sldId="2147483695"/>
+            <pc:sldLayoutMk cId="1255755548" sldId="2147483696"/>
+          </pc:sldLayoutMkLst>
+        </pc:sldLayoutChg>
+        <pc:sldLayoutChg chg="del">
+          <pc:chgData name="Guest User" userId="" providerId="Windows Live" clId="Web-{81D0D0F2-F0FE-494C-AD2E-8A89D87F6880}" dt="2023-11-25T12:03:51.471" v="25"/>
+          <pc:sldLayoutMkLst>
+            <pc:docMk/>
+            <pc:sldMasterMk cId="1293137111" sldId="2147483695"/>
+            <pc:sldLayoutMk cId="1288985665" sldId="2147483697"/>
+          </pc:sldLayoutMkLst>
+        </pc:sldLayoutChg>
+        <pc:sldLayoutChg chg="del">
+          <pc:chgData name="Guest User" userId="" providerId="Windows Live" clId="Web-{81D0D0F2-F0FE-494C-AD2E-8A89D87F6880}" dt="2023-11-25T12:03:51.471" v="25"/>
+          <pc:sldLayoutMkLst>
+            <pc:docMk/>
+            <pc:sldMasterMk cId="1293137111" sldId="2147483695"/>
+            <pc:sldLayoutMk cId="1811071714" sldId="2147483698"/>
+          </pc:sldLayoutMkLst>
+        </pc:sldLayoutChg>
+        <pc:sldLayoutChg chg="del">
+          <pc:chgData name="Guest User" userId="" providerId="Windows Live" clId="Web-{81D0D0F2-F0FE-494C-AD2E-8A89D87F6880}" dt="2023-11-25T12:03:51.471" v="25"/>
+          <pc:sldLayoutMkLst>
+            <pc:docMk/>
+            <pc:sldMasterMk cId="1293137111" sldId="2147483695"/>
+            <pc:sldLayoutMk cId="556129961" sldId="2147483699"/>
+          </pc:sldLayoutMkLst>
+        </pc:sldLayoutChg>
+        <pc:sldLayoutChg chg="del">
+          <pc:chgData name="Guest User" userId="" providerId="Windows Live" clId="Web-{81D0D0F2-F0FE-494C-AD2E-8A89D87F6880}" dt="2023-11-25T12:03:51.471" v="25"/>
+          <pc:sldLayoutMkLst>
+            <pc:docMk/>
+            <pc:sldMasterMk cId="1293137111" sldId="2147483695"/>
+            <pc:sldLayoutMk cId="2414957848" sldId="2147483700"/>
+          </pc:sldLayoutMkLst>
+        </pc:sldLayoutChg>
+        <pc:sldLayoutChg chg="del">
+          <pc:chgData name="Guest User" userId="" providerId="Windows Live" clId="Web-{81D0D0F2-F0FE-494C-AD2E-8A89D87F6880}" dt="2023-11-25T12:03:51.471" v="25"/>
+          <pc:sldLayoutMkLst>
+            <pc:docMk/>
+            <pc:sldMasterMk cId="1293137111" sldId="2147483695"/>
+            <pc:sldLayoutMk cId="3028148540" sldId="2147483701"/>
+          </pc:sldLayoutMkLst>
+        </pc:sldLayoutChg>
+        <pc:sldLayoutChg chg="del">
+          <pc:chgData name="Guest User" userId="" providerId="Windows Live" clId="Web-{81D0D0F2-F0FE-494C-AD2E-8A89D87F6880}" dt="2023-11-25T12:03:51.471" v="25"/>
+          <pc:sldLayoutMkLst>
+            <pc:docMk/>
+            <pc:sldMasterMk cId="1293137111" sldId="2147483695"/>
+            <pc:sldLayoutMk cId="862964770" sldId="2147483702"/>
+          </pc:sldLayoutMkLst>
+        </pc:sldLayoutChg>
+        <pc:sldLayoutChg chg="del">
+          <pc:chgData name="Guest User" userId="" providerId="Windows Live" clId="Web-{81D0D0F2-F0FE-494C-AD2E-8A89D87F6880}" dt="2023-11-25T12:03:51.471" v="25"/>
+          <pc:sldLayoutMkLst>
+            <pc:docMk/>
+            <pc:sldMasterMk cId="1293137111" sldId="2147483695"/>
+            <pc:sldLayoutMk cId="2681766936" sldId="2147483703"/>
+          </pc:sldLayoutMkLst>
+        </pc:sldLayoutChg>
+        <pc:sldLayoutChg chg="del">
+          <pc:chgData name="Guest User" userId="" providerId="Windows Live" clId="Web-{81D0D0F2-F0FE-494C-AD2E-8A89D87F6880}" dt="2023-11-25T12:03:51.471" v="25"/>
+          <pc:sldLayoutMkLst>
+            <pc:docMk/>
+            <pc:sldMasterMk cId="1293137111" sldId="2147483695"/>
+            <pc:sldLayoutMk cId="2366224129" sldId="2147483704"/>
+          </pc:sldLayoutMkLst>
+        </pc:sldLayoutChg>
+        <pc:sldLayoutChg chg="del">
+          <pc:chgData name="Guest User" userId="" providerId="Windows Live" clId="Web-{81D0D0F2-F0FE-494C-AD2E-8A89D87F6880}" dt="2023-11-25T12:03:51.471" v="25"/>
+          <pc:sldLayoutMkLst>
+            <pc:docMk/>
+            <pc:sldMasterMk cId="1293137111" sldId="2147483695"/>
+            <pc:sldLayoutMk cId="294895765" sldId="2147483705"/>
+          </pc:sldLayoutMkLst>
+        </pc:sldLayoutChg>
+        <pc:sldLayoutChg chg="del">
+          <pc:chgData name="Guest User" userId="" providerId="Windows Live" clId="Web-{81D0D0F2-F0FE-494C-AD2E-8A89D87F6880}" dt="2023-11-25T12:03:51.471" v="25"/>
+          <pc:sldLayoutMkLst>
+            <pc:docMk/>
+            <pc:sldMasterMk cId="1293137111" sldId="2147483695"/>
+            <pc:sldLayoutMk cId="1118016321" sldId="2147483706"/>
+          </pc:sldLayoutMkLst>
+        </pc:sldLayoutChg>
+      </pc:sldMasterChg>
+      <pc:sldMasterChg chg="add del addSldLayout delSldLayout modSldLayout">
+        <pc:chgData name="Guest User" userId="" providerId="Windows Live" clId="Web-{81D0D0F2-F0FE-494C-AD2E-8A89D87F6880}" dt="2023-11-25T12:03:57.127" v="26"/>
+        <pc:sldMasterMkLst>
+          <pc:docMk/>
+          <pc:sldMasterMk cId="1143232871" sldId="2147483707"/>
+        </pc:sldMasterMkLst>
+        <pc:sldLayoutChg chg="add del mod replId">
+          <pc:chgData name="Guest User" userId="" providerId="Windows Live" clId="Web-{81D0D0F2-F0FE-494C-AD2E-8A89D87F6880}" dt="2023-11-25T12:03:57.127" v="26"/>
+          <pc:sldLayoutMkLst>
+            <pc:docMk/>
+            <pc:sldMasterMk cId="1143232871" sldId="2147483707"/>
+            <pc:sldLayoutMk cId="327684610" sldId="2147483708"/>
+          </pc:sldLayoutMkLst>
+        </pc:sldLayoutChg>
+        <pc:sldLayoutChg chg="add del mod replId">
+          <pc:chgData name="Guest User" userId="" providerId="Windows Live" clId="Web-{81D0D0F2-F0FE-494C-AD2E-8A89D87F6880}" dt="2023-11-25T12:03:57.127" v="26"/>
+          <pc:sldLayoutMkLst>
+            <pc:docMk/>
+            <pc:sldMasterMk cId="1143232871" sldId="2147483707"/>
+            <pc:sldLayoutMk cId="3596223101" sldId="2147483709"/>
+          </pc:sldLayoutMkLst>
+        </pc:sldLayoutChg>
+        <pc:sldLayoutChg chg="add del mod replId">
+          <pc:chgData name="Guest User" userId="" providerId="Windows Live" clId="Web-{81D0D0F2-F0FE-494C-AD2E-8A89D87F6880}" dt="2023-11-25T12:03:57.127" v="26"/>
+          <pc:sldLayoutMkLst>
+            <pc:docMk/>
+            <pc:sldMasterMk cId="1143232871" sldId="2147483707"/>
+            <pc:sldLayoutMk cId="3609038193" sldId="2147483710"/>
+          </pc:sldLayoutMkLst>
+        </pc:sldLayoutChg>
+        <pc:sldLayoutChg chg="add del mod replId">
+          <pc:chgData name="Guest User" userId="" providerId="Windows Live" clId="Web-{81D0D0F2-F0FE-494C-AD2E-8A89D87F6880}" dt="2023-11-25T12:03:57.127" v="26"/>
+          <pc:sldLayoutMkLst>
+            <pc:docMk/>
+            <pc:sldMasterMk cId="1143232871" sldId="2147483707"/>
+            <pc:sldLayoutMk cId="3682768767" sldId="2147483711"/>
+          </pc:sldLayoutMkLst>
+        </pc:sldLayoutChg>
+        <pc:sldLayoutChg chg="add del mod replId">
+          <pc:chgData name="Guest User" userId="" providerId="Windows Live" clId="Web-{81D0D0F2-F0FE-494C-AD2E-8A89D87F6880}" dt="2023-11-25T12:03:57.127" v="26"/>
+          <pc:sldLayoutMkLst>
+            <pc:docMk/>
+            <pc:sldMasterMk cId="1143232871" sldId="2147483707"/>
+            <pc:sldLayoutMk cId="3367391814" sldId="2147483712"/>
+          </pc:sldLayoutMkLst>
+        </pc:sldLayoutChg>
+        <pc:sldLayoutChg chg="add del mod replId">
+          <pc:chgData name="Guest User" userId="" providerId="Windows Live" clId="Web-{81D0D0F2-F0FE-494C-AD2E-8A89D87F6880}" dt="2023-11-25T12:03:57.127" v="26"/>
+          <pc:sldLayoutMkLst>
+            <pc:docMk/>
+            <pc:sldMasterMk cId="1143232871" sldId="2147483707"/>
+            <pc:sldLayoutMk cId="966329647" sldId="2147483713"/>
+          </pc:sldLayoutMkLst>
+        </pc:sldLayoutChg>
+        <pc:sldLayoutChg chg="add del mod replId">
+          <pc:chgData name="Guest User" userId="" providerId="Windows Live" clId="Web-{81D0D0F2-F0FE-494C-AD2E-8A89D87F6880}" dt="2023-11-25T12:03:57.127" v="26"/>
+          <pc:sldLayoutMkLst>
+            <pc:docMk/>
+            <pc:sldMasterMk cId="1143232871" sldId="2147483707"/>
+            <pc:sldLayoutMk cId="2680183725" sldId="2147483714"/>
+          </pc:sldLayoutMkLst>
+        </pc:sldLayoutChg>
+        <pc:sldLayoutChg chg="add del mod replId">
+          <pc:chgData name="Guest User" userId="" providerId="Windows Live" clId="Web-{81D0D0F2-F0FE-494C-AD2E-8A89D87F6880}" dt="2023-11-25T12:03:57.127" v="26"/>
+          <pc:sldLayoutMkLst>
+            <pc:docMk/>
+            <pc:sldMasterMk cId="1143232871" sldId="2147483707"/>
+            <pc:sldLayoutMk cId="2220770101" sldId="2147483715"/>
+          </pc:sldLayoutMkLst>
+        </pc:sldLayoutChg>
+        <pc:sldLayoutChg chg="add del mod replId">
+          <pc:chgData name="Guest User" userId="" providerId="Windows Live" clId="Web-{81D0D0F2-F0FE-494C-AD2E-8A89D87F6880}" dt="2023-11-25T12:03:57.127" v="26"/>
+          <pc:sldLayoutMkLst>
+            <pc:docMk/>
+            <pc:sldMasterMk cId="1143232871" sldId="2147483707"/>
+            <pc:sldLayoutMk cId="4097537086" sldId="2147483716"/>
+          </pc:sldLayoutMkLst>
+        </pc:sldLayoutChg>
+        <pc:sldLayoutChg chg="add del mod replId">
+          <pc:chgData name="Guest User" userId="" providerId="Windows Live" clId="Web-{81D0D0F2-F0FE-494C-AD2E-8A89D87F6880}" dt="2023-11-25T12:03:57.127" v="26"/>
+          <pc:sldLayoutMkLst>
+            <pc:docMk/>
+            <pc:sldMasterMk cId="1143232871" sldId="2147483707"/>
+            <pc:sldLayoutMk cId="1536495965" sldId="2147483717"/>
+          </pc:sldLayoutMkLst>
+        </pc:sldLayoutChg>
+        <pc:sldLayoutChg chg="add del mod replId">
+          <pc:chgData name="Guest User" userId="" providerId="Windows Live" clId="Web-{81D0D0F2-F0FE-494C-AD2E-8A89D87F6880}" dt="2023-11-25T12:03:57.127" v="26"/>
+          <pc:sldLayoutMkLst>
+            <pc:docMk/>
+            <pc:sldMasterMk cId="1143232871" sldId="2147483707"/>
+            <pc:sldLayoutMk cId="1229146829" sldId="2147483718"/>
+          </pc:sldLayoutMkLst>
+        </pc:sldLayoutChg>
+      </pc:sldMasterChg>
+      <pc:sldMasterChg chg="add del addSldLayout delSldLayout modSldLayout">
+        <pc:chgData name="Guest User" userId="" providerId="Windows Live" clId="Web-{81D0D0F2-F0FE-494C-AD2E-8A89D87F6880}" dt="2023-11-25T12:04:00.737" v="27"/>
+        <pc:sldMasterMkLst>
+          <pc:docMk/>
+          <pc:sldMasterMk cId="572173263" sldId="2147483719"/>
+        </pc:sldMasterMkLst>
+        <pc:sldLayoutChg chg="add del mod replId">
+          <pc:chgData name="Guest User" userId="" providerId="Windows Live" clId="Web-{81D0D0F2-F0FE-494C-AD2E-8A89D87F6880}" dt="2023-11-25T12:04:00.737" v="27"/>
+          <pc:sldLayoutMkLst>
+            <pc:docMk/>
+            <pc:sldMasterMk cId="572173263" sldId="2147483719"/>
+            <pc:sldLayoutMk cId="2198816480" sldId="2147483720"/>
+          </pc:sldLayoutMkLst>
+        </pc:sldLayoutChg>
+        <pc:sldLayoutChg chg="add del mod replId">
+          <pc:chgData name="Guest User" userId="" providerId="Windows Live" clId="Web-{81D0D0F2-F0FE-494C-AD2E-8A89D87F6880}" dt="2023-11-25T12:04:00.737" v="27"/>
+          <pc:sldLayoutMkLst>
+            <pc:docMk/>
+            <pc:sldMasterMk cId="572173263" sldId="2147483719"/>
+            <pc:sldLayoutMk cId="402832195" sldId="2147483721"/>
+          </pc:sldLayoutMkLst>
+        </pc:sldLayoutChg>
+        <pc:sldLayoutChg chg="add del mod replId">
+          <pc:chgData name="Guest User" userId="" providerId="Windows Live" clId="Web-{81D0D0F2-F0FE-494C-AD2E-8A89D87F6880}" dt="2023-11-25T12:04:00.737" v="27"/>
+          <pc:sldLayoutMkLst>
+            <pc:docMk/>
+            <pc:sldMasterMk cId="572173263" sldId="2147483719"/>
+            <pc:sldLayoutMk cId="3671810558" sldId="2147483722"/>
+          </pc:sldLayoutMkLst>
+        </pc:sldLayoutChg>
+        <pc:sldLayoutChg chg="add del mod replId">
+          <pc:chgData name="Guest User" userId="" providerId="Windows Live" clId="Web-{81D0D0F2-F0FE-494C-AD2E-8A89D87F6880}" dt="2023-11-25T12:04:00.737" v="27"/>
+          <pc:sldLayoutMkLst>
+            <pc:docMk/>
+            <pc:sldMasterMk cId="572173263" sldId="2147483719"/>
+            <pc:sldLayoutMk cId="56721852" sldId="2147483723"/>
+          </pc:sldLayoutMkLst>
+        </pc:sldLayoutChg>
+        <pc:sldLayoutChg chg="add del mod replId">
+          <pc:chgData name="Guest User" userId="" providerId="Windows Live" clId="Web-{81D0D0F2-F0FE-494C-AD2E-8A89D87F6880}" dt="2023-11-25T12:04:00.737" v="27"/>
+          <pc:sldLayoutMkLst>
+            <pc:docMk/>
+            <pc:sldMasterMk cId="572173263" sldId="2147483719"/>
+            <pc:sldLayoutMk cId="1239857488" sldId="2147483724"/>
+          </pc:sldLayoutMkLst>
+        </pc:sldLayoutChg>
+        <pc:sldLayoutChg chg="add del mod replId">
+          <pc:chgData name="Guest User" userId="" providerId="Windows Live" clId="Web-{81D0D0F2-F0FE-494C-AD2E-8A89D87F6880}" dt="2023-11-25T12:04:00.737" v="27"/>
+          <pc:sldLayoutMkLst>
+            <pc:docMk/>
+            <pc:sldMasterMk cId="572173263" sldId="2147483719"/>
+            <pc:sldLayoutMk cId="1572064372" sldId="2147483725"/>
+          </pc:sldLayoutMkLst>
+        </pc:sldLayoutChg>
+        <pc:sldLayoutChg chg="add del mod replId">
+          <pc:chgData name="Guest User" userId="" providerId="Windows Live" clId="Web-{81D0D0F2-F0FE-494C-AD2E-8A89D87F6880}" dt="2023-11-25T12:04:00.737" v="27"/>
+          <pc:sldLayoutMkLst>
+            <pc:docMk/>
+            <pc:sldMasterMk cId="572173263" sldId="2147483719"/>
+            <pc:sldLayoutMk cId="1927628670" sldId="2147483726"/>
+          </pc:sldLayoutMkLst>
+        </pc:sldLayoutChg>
+        <pc:sldLayoutChg chg="add del mod replId">
+          <pc:chgData name="Guest User" userId="" providerId="Windows Live" clId="Web-{81D0D0F2-F0FE-494C-AD2E-8A89D87F6880}" dt="2023-11-25T12:04:00.737" v="27"/>
+          <pc:sldLayoutMkLst>
+            <pc:docMk/>
+            <pc:sldMasterMk cId="572173263" sldId="2147483719"/>
+            <pc:sldLayoutMk cId="2567848693" sldId="2147483727"/>
+          </pc:sldLayoutMkLst>
+        </pc:sldLayoutChg>
+        <pc:sldLayoutChg chg="add del mod replId">
+          <pc:chgData name="Guest User" userId="" providerId="Windows Live" clId="Web-{81D0D0F2-F0FE-494C-AD2E-8A89D87F6880}" dt="2023-11-25T12:04:00.737" v="27"/>
+          <pc:sldLayoutMkLst>
+            <pc:docMk/>
+            <pc:sldMasterMk cId="572173263" sldId="2147483719"/>
+            <pc:sldLayoutMk cId="1563992037" sldId="2147483728"/>
+          </pc:sldLayoutMkLst>
+        </pc:sldLayoutChg>
+        <pc:sldLayoutChg chg="add del mod replId">
+          <pc:chgData name="Guest User" userId="" providerId="Windows Live" clId="Web-{81D0D0F2-F0FE-494C-AD2E-8A89D87F6880}" dt="2023-11-25T12:04:00.737" v="27"/>
+          <pc:sldLayoutMkLst>
+            <pc:docMk/>
+            <pc:sldMasterMk cId="572173263" sldId="2147483719"/>
+            <pc:sldLayoutMk cId="2125791646" sldId="2147483729"/>
+          </pc:sldLayoutMkLst>
+        </pc:sldLayoutChg>
+        <pc:sldLayoutChg chg="add del mod replId">
+          <pc:chgData name="Guest User" userId="" providerId="Windows Live" clId="Web-{81D0D0F2-F0FE-494C-AD2E-8A89D87F6880}" dt="2023-11-25T12:04:00.737" v="27"/>
+          <pc:sldLayoutMkLst>
+            <pc:docMk/>
+            <pc:sldMasterMk cId="572173263" sldId="2147483719"/>
+            <pc:sldLayoutMk cId="3624656941" sldId="2147483730"/>
+          </pc:sldLayoutMkLst>
+        </pc:sldLayoutChg>
+      </pc:sldMasterChg>
+      <pc:sldMasterChg chg="add addSldLayout modSldLayout">
+        <pc:chgData name="Guest User" userId="" providerId="Windows Live" clId="Web-{81D0D0F2-F0FE-494C-AD2E-8A89D87F6880}" dt="2023-11-25T12:04:00.737" v="27"/>
+        <pc:sldMasterMkLst>
+          <pc:docMk/>
+          <pc:sldMasterMk cId="629977157" sldId="2147483731"/>
+        </pc:sldMasterMkLst>
+        <pc:sldLayoutChg chg="add mod replId">
+          <pc:chgData name="Guest User" userId="" providerId="Windows Live" clId="Web-{81D0D0F2-F0FE-494C-AD2E-8A89D87F6880}" dt="2023-11-25T12:04:00.737" v="27"/>
+          <pc:sldLayoutMkLst>
+            <pc:docMk/>
+            <pc:sldMasterMk cId="629977157" sldId="2147483731"/>
+            <pc:sldLayoutMk cId="1003473693" sldId="2147483732"/>
+          </pc:sldLayoutMkLst>
+        </pc:sldLayoutChg>
+        <pc:sldLayoutChg chg="add mod replId">
+          <pc:chgData name="Guest User" userId="" providerId="Windows Live" clId="Web-{81D0D0F2-F0FE-494C-AD2E-8A89D87F6880}" dt="2023-11-25T12:04:00.737" v="27"/>
+          <pc:sldLayoutMkLst>
+            <pc:docMk/>
+            <pc:sldMasterMk cId="629977157" sldId="2147483731"/>
+            <pc:sldLayoutMk cId="2557109711" sldId="2147483733"/>
+          </pc:sldLayoutMkLst>
+        </pc:sldLayoutChg>
+        <pc:sldLayoutChg chg="add mod replId">
+          <pc:chgData name="Guest User" userId="" providerId="Windows Live" clId="Web-{81D0D0F2-F0FE-494C-AD2E-8A89D87F6880}" dt="2023-11-25T12:04:00.737" v="27"/>
+          <pc:sldLayoutMkLst>
+            <pc:docMk/>
+            <pc:sldMasterMk cId="629977157" sldId="2147483731"/>
+            <pc:sldLayoutMk cId="3208008581" sldId="2147483734"/>
+          </pc:sldLayoutMkLst>
+        </pc:sldLayoutChg>
+        <pc:sldLayoutChg chg="add mod replId">
+          <pc:chgData name="Guest User" userId="" providerId="Windows Live" clId="Web-{81D0D0F2-F0FE-494C-AD2E-8A89D87F6880}" dt="2023-11-25T12:04:00.737" v="27"/>
+          <pc:sldLayoutMkLst>
+            <pc:docMk/>
+            <pc:sldMasterMk cId="629977157" sldId="2147483731"/>
+            <pc:sldLayoutMk cId="2554431628" sldId="2147483735"/>
+          </pc:sldLayoutMkLst>
+        </pc:sldLayoutChg>
+        <pc:sldLayoutChg chg="add mod replId">
+          <pc:chgData name="Guest User" userId="" providerId="Windows Live" clId="Web-{81D0D0F2-F0FE-494C-AD2E-8A89D87F6880}" dt="2023-11-25T12:04:00.737" v="27"/>
+          <pc:sldLayoutMkLst>
+            <pc:docMk/>
+            <pc:sldMasterMk cId="629977157" sldId="2147483731"/>
+            <pc:sldLayoutMk cId="2502713444" sldId="2147483736"/>
+          </pc:sldLayoutMkLst>
+        </pc:sldLayoutChg>
+        <pc:sldLayoutChg chg="add mod replId">
+          <pc:chgData name="Guest User" userId="" providerId="Windows Live" clId="Web-{81D0D0F2-F0FE-494C-AD2E-8A89D87F6880}" dt="2023-11-25T12:04:00.737" v="27"/>
+          <pc:sldLayoutMkLst>
+            <pc:docMk/>
+            <pc:sldMasterMk cId="629977157" sldId="2147483731"/>
+            <pc:sldLayoutMk cId="4034778888" sldId="2147483737"/>
+          </pc:sldLayoutMkLst>
+        </pc:sldLayoutChg>
+        <pc:sldLayoutChg chg="add mod replId">
+          <pc:chgData name="Guest User" userId="" providerId="Windows Live" clId="Web-{81D0D0F2-F0FE-494C-AD2E-8A89D87F6880}" dt="2023-11-25T12:04:00.737" v="27"/>
+          <pc:sldLayoutMkLst>
+            <pc:docMk/>
+            <pc:sldMasterMk cId="629977157" sldId="2147483731"/>
+            <pc:sldLayoutMk cId="1569910157" sldId="2147483738"/>
+          </pc:sldLayoutMkLst>
+        </pc:sldLayoutChg>
+        <pc:sldLayoutChg chg="add mod replId">
+          <pc:chgData name="Guest User" userId="" providerId="Windows Live" clId="Web-{81D0D0F2-F0FE-494C-AD2E-8A89D87F6880}" dt="2023-11-25T12:04:00.737" v="27"/>
+          <pc:sldLayoutMkLst>
+            <pc:docMk/>
+            <pc:sldMasterMk cId="629977157" sldId="2147483731"/>
+            <pc:sldLayoutMk cId="2919721900" sldId="2147483739"/>
+          </pc:sldLayoutMkLst>
+        </pc:sldLayoutChg>
+        <pc:sldLayoutChg chg="add mod replId">
+          <pc:chgData name="Guest User" userId="" providerId="Windows Live" clId="Web-{81D0D0F2-F0FE-494C-AD2E-8A89D87F6880}" dt="2023-11-25T12:04:00.737" v="27"/>
+          <pc:sldLayoutMkLst>
+            <pc:docMk/>
+            <pc:sldMasterMk cId="629977157" sldId="2147483731"/>
+            <pc:sldLayoutMk cId="3147115796" sldId="2147483740"/>
+          </pc:sldLayoutMkLst>
+        </pc:sldLayoutChg>
+        <pc:sldLayoutChg chg="add mod replId">
+          <pc:chgData name="Guest User" userId="" providerId="Windows Live" clId="Web-{81D0D0F2-F0FE-494C-AD2E-8A89D87F6880}" dt="2023-11-25T12:04:00.737" v="27"/>
+          <pc:sldLayoutMkLst>
+            <pc:docMk/>
+            <pc:sldMasterMk cId="629977157" sldId="2147483731"/>
+            <pc:sldLayoutMk cId="3465249844" sldId="2147483741"/>
+          </pc:sldLayoutMkLst>
+        </pc:sldLayoutChg>
+        <pc:sldLayoutChg chg="add mod replId">
+          <pc:chgData name="Guest User" userId="" providerId="Windows Live" clId="Web-{81D0D0F2-F0FE-494C-AD2E-8A89D87F6880}" dt="2023-11-25T12:04:00.737" v="27"/>
+          <pc:sldLayoutMkLst>
+            <pc:docMk/>
+            <pc:sldMasterMk cId="629977157" sldId="2147483731"/>
+            <pc:sldLayoutMk cId="1937803416" sldId="2147483742"/>
+          </pc:sldLayoutMkLst>
+        </pc:sldLayoutChg>
+      </pc:sldMasterChg>
+    </pc:docChg>
+  </pc:docChgLst>
+  <pc:docChgLst>
+    <pc:chgData name="Guest User" providerId="Windows Live" clId="Web-{6FE578CA-9ADE-464B-BED3-A49D046D6ECF}"/>
+    <pc:docChg chg="modSld">
+      <pc:chgData name="Guest User" userId="" providerId="Windows Live" clId="Web-{6FE578CA-9ADE-464B-BED3-A49D046D6ECF}" dt="2024-02-01T12:32:30.073" v="29"/>
+      <pc:docMkLst>
+        <pc:docMk/>
+      </pc:docMkLst>
+      <pc:sldChg chg="addSp delSp">
+        <pc:chgData name="Guest User" userId="" providerId="Windows Live" clId="Web-{6FE578CA-9ADE-464B-BED3-A49D046D6ECF}" dt="2024-02-01T12:29:59.568" v="1"/>
+        <pc:sldMkLst>
+          <pc:docMk/>
+          <pc:sldMk cId="4260394364" sldId="256"/>
+        </pc:sldMkLst>
+        <pc:spChg chg="add del">
+          <ac:chgData name="Guest User" userId="" providerId="Windows Live" clId="Web-{6FE578CA-9ADE-464B-BED3-A49D046D6ECF}" dt="2024-02-01T12:29:59.568" v="1"/>
+          <ac:spMkLst>
+            <pc:docMk/>
+            <pc:sldMk cId="4260394364" sldId="256"/>
+            <ac:spMk id="6" creationId="{9CE62BDB-75A1-B979-4D14-5B73B16D7462}"/>
+          </ac:spMkLst>
+        </pc:spChg>
+      </pc:sldChg>
+      <pc:sldChg chg="modSp">
+        <pc:chgData name="Guest User" userId="" providerId="Windows Live" clId="Web-{6FE578CA-9ADE-464B-BED3-A49D046D6ECF}" dt="2024-02-01T12:32:30.073" v="29"/>
+        <pc:sldMkLst>
+          <pc:docMk/>
+          <pc:sldMk cId="2022322490" sldId="289"/>
+        </pc:sldMkLst>
+        <pc:graphicFrameChg chg="mod modGraphic">
+          <ac:chgData name="Guest User" userId="" providerId="Windows Live" clId="Web-{6FE578CA-9ADE-464B-BED3-A49D046D6ECF}" dt="2024-02-01T12:32:30.073" v="29"/>
+          <ac:graphicFrameMkLst>
+            <pc:docMk/>
+            <pc:sldMk cId="2022322490" sldId="289"/>
+            <ac:graphicFrameMk id="4" creationId="{844DA423-0912-3C55-AE8F-74763E853AF4}"/>
+          </ac:graphicFrameMkLst>
+        </pc:graphicFrameChg>
+      </pc:sldChg>
+    </pc:docChg>
+  </pc:docChgLst>
+  <pc:docChgLst>
+    <pc:chgData name="Guest User" providerId="Windows Live" clId="Web-{8C8953A8-B4E7-4765-9EA5-385AA97FEAED}"/>
+    <pc:docChg chg="modSld">
+      <pc:chgData name="Guest User" userId="" providerId="Windows Live" clId="Web-{8C8953A8-B4E7-4765-9EA5-385AA97FEAED}" dt="2024-02-21T19:01:00.330" v="2" actId="20577"/>
+      <pc:docMkLst>
+        <pc:docMk/>
+      </pc:docMkLst>
+      <pc:sldChg chg="modSp">
+        <pc:chgData name="Guest User" userId="" providerId="Windows Live" clId="Web-{8C8953A8-B4E7-4765-9EA5-385AA97FEAED}" dt="2024-02-21T19:01:00.330" v="2" actId="20577"/>
+        <pc:sldMkLst>
+          <pc:docMk/>
+          <pc:sldMk cId="4260394364" sldId="256"/>
+        </pc:sldMkLst>
+        <pc:spChg chg="mod">
+          <ac:chgData name="Guest User" userId="" providerId="Windows Live" clId="Web-{8C8953A8-B4E7-4765-9EA5-385AA97FEAED}" dt="2024-02-21T19:01:00.330" v="2" actId="20577"/>
+          <ac:spMkLst>
+            <pc:docMk/>
+            <pc:sldMk cId="4260394364" sldId="256"/>
+            <ac:spMk id="5" creationId="{C4EA906A-B8C7-EE28-6F9A-30DE68F5EBEA}"/>
+          </ac:spMkLst>
+        </pc:spChg>
+      </pc:sldChg>
+    </pc:docChg>
+  </pc:docChgLst>
+  <pc:docChgLst>
+    <pc:chgData name="Guest User" providerId="Windows Live" clId="Web-{BB2D53D3-4901-40DC-B58D-FC132A9907A7}"/>
+    <pc:docChg chg="addSld delSld modSld sldOrd">
+      <pc:chgData name="Guest User" userId="" providerId="Windows Live" clId="Web-{BB2D53D3-4901-40DC-B58D-FC132A9907A7}" dt="2024-01-24T17:05:03.201" v="1984" actId="20577"/>
+      <pc:docMkLst>
+        <pc:docMk/>
+      </pc:docMkLst>
+      <pc:sldChg chg="modSp">
+        <pc:chgData name="Guest User" userId="" providerId="Windows Live" clId="Web-{BB2D53D3-4901-40DC-B58D-FC132A9907A7}" dt="2024-01-24T17:03:48.964" v="1944" actId="20577"/>
+        <pc:sldMkLst>
+          <pc:docMk/>
+          <pc:sldMk cId="4260394364" sldId="256"/>
+        </pc:sldMkLst>
+        <pc:spChg chg="mod">
+          <ac:chgData name="Guest User" userId="" providerId="Windows Live" clId="Web-{BB2D53D3-4901-40DC-B58D-FC132A9907A7}" dt="2024-01-24T17:03:06.306" v="1935" actId="1076"/>
+          <ac:spMkLst>
+            <pc:docMk/>
+            <pc:sldMk cId="4260394364" sldId="256"/>
+            <ac:spMk id="2" creationId="{9E424393-3437-30CD-A74B-5937D270E534}"/>
+          </ac:spMkLst>
+        </pc:spChg>
+        <pc:spChg chg="mod">
+          <ac:chgData name="Guest User" userId="" providerId="Windows Live" clId="Web-{BB2D53D3-4901-40DC-B58D-FC132A9907A7}" dt="2024-01-24T17:03:48.964" v="1944" actId="20577"/>
+          <ac:spMkLst>
+            <pc:docMk/>
+            <pc:sldMk cId="4260394364" sldId="256"/>
+            <ac:spMk id="5" creationId="{C4EA906A-B8C7-EE28-6F9A-30DE68F5EBEA}"/>
+          </ac:spMkLst>
+        </pc:spChg>
+        <pc:spChg chg="mod">
+          <ac:chgData name="Guest User" userId="" providerId="Windows Live" clId="Web-{BB2D53D3-4901-40DC-B58D-FC132A9907A7}" dt="2024-01-24T17:03:46.636" v="1942" actId="20577"/>
+          <ac:spMkLst>
+            <pc:docMk/>
+            <pc:sldMk cId="4260394364" sldId="256"/>
+            <ac:spMk id="45" creationId="{E9B2F742-D846-388D-FC1E-89639D67AE9A}"/>
+          </ac:spMkLst>
+        </pc:spChg>
+      </pc:sldChg>
+      <pc:sldChg chg="modSp">
+        <pc:chgData name="Guest User" userId="" providerId="Windows Live" clId="Web-{BB2D53D3-4901-40DC-B58D-FC132A9907A7}" dt="2024-01-24T17:02:30.024" v="1934" actId="20577"/>
+        <pc:sldMkLst>
+          <pc:docMk/>
+          <pc:sldMk cId="180968550" sldId="258"/>
+        </pc:sldMkLst>
+        <pc:spChg chg="mod">
+          <ac:chgData name="Guest User" userId="" providerId="Windows Live" clId="Web-{BB2D53D3-4901-40DC-B58D-FC132A9907A7}" dt="2024-01-24T17:02:15.539" v="1930" actId="20577"/>
+          <ac:spMkLst>
+            <pc:docMk/>
+            <pc:sldMk cId="180968550" sldId="258"/>
+            <ac:spMk id="2" creationId="{24A63CF9-EEBF-BAEE-9253-FF792A2FFA85}"/>
+          </ac:spMkLst>
+        </pc:spChg>
+        <pc:spChg chg="mod">
+          <ac:chgData name="Guest User" userId="" providerId="Windows Live" clId="Web-{BB2D53D3-4901-40DC-B58D-FC132A9907A7}" dt="2024-01-24T17:02:30.024" v="1934" actId="20577"/>
+          <ac:spMkLst>
+            <pc:docMk/>
+            <pc:sldMk cId="180968550" sldId="258"/>
+            <ac:spMk id="4" creationId="{706CCC07-A8D3-F5BF-E990-3C5F8056BCF1}"/>
+          </ac:spMkLst>
+        </pc:spChg>
+        <pc:spChg chg="mod">
+          <ac:chgData name="Guest User" userId="" providerId="Windows Live" clId="Web-{BB2D53D3-4901-40DC-B58D-FC132A9907A7}" dt="2024-01-24T17:02:19.289" v="1932" actId="20577"/>
+          <ac:spMkLst>
+            <pc:docMk/>
+            <pc:sldMk cId="180968550" sldId="258"/>
+            <ac:spMk id="16" creationId="{98B41139-847A-6B37-EC35-EAFF588D86AD}"/>
+          </ac:spMkLst>
+        </pc:spChg>
+        <pc:spChg chg="mod">
+          <ac:chgData name="Guest User" userId="" providerId="Windows Live" clId="Web-{BB2D53D3-4901-40DC-B58D-FC132A9907A7}" dt="2024-01-24T17:02:10.648" v="1926" actId="20577"/>
+          <ac:spMkLst>
+            <pc:docMk/>
+            <pc:sldMk cId="180968550" sldId="258"/>
+            <ac:spMk id="24" creationId="{31025664-15FB-1222-061C-4E225885791E}"/>
+          </ac:spMkLst>
+        </pc:spChg>
+        <pc:cxnChg chg="mod">
+          <ac:chgData name="Guest User" userId="" providerId="Windows Live" clId="Web-{BB2D53D3-4901-40DC-B58D-FC132A9907A7}" dt="2024-01-24T16:15:11.551" v="454" actId="1076"/>
+          <ac:cxnSpMkLst>
+            <pc:docMk/>
+            <pc:sldMk cId="180968550" sldId="258"/>
+            <ac:cxnSpMk id="7" creationId="{AE05F758-9F13-7257-BEEE-63CC13CB2EB4}"/>
+          </ac:cxnSpMkLst>
+        </pc:cxnChg>
+      </pc:sldChg>
+      <pc:sldChg chg="addSp modSp">
+        <pc:chgData name="Guest User" userId="" providerId="Windows Live" clId="Web-{BB2D53D3-4901-40DC-B58D-FC132A9907A7}" dt="2024-01-24T16:55:41.572" v="1573" actId="20577"/>
+        <pc:sldMkLst>
+          <pc:docMk/>
+          <pc:sldMk cId="3368940407" sldId="267"/>
+        </pc:sldMkLst>
+        <pc:spChg chg="mod">
+          <ac:chgData name="Guest User" userId="" providerId="Windows Live" clId="Web-{BB2D53D3-4901-40DC-B58D-FC132A9907A7}" dt="2024-01-24T16:32:42.853" v="806" actId="1076"/>
+          <ac:spMkLst>
+            <pc:docMk/>
+            <pc:sldMk cId="3368940407" sldId="267"/>
+            <ac:spMk id="2" creationId="{B3938F9E-7254-F384-7D48-FD09554572CF}"/>
+          </ac:spMkLst>
+        </pc:spChg>
+        <pc:spChg chg="add mod">
+          <ac:chgData name="Guest User" userId="" providerId="Windows Live" clId="Web-{BB2D53D3-4901-40DC-B58D-FC132A9907A7}" dt="2024-01-24T16:55:41.572" v="1573" actId="20577"/>
+          <ac:spMkLst>
+            <pc:docMk/>
+            <pc:sldMk cId="3368940407" sldId="267"/>
+            <ac:spMk id="3" creationId="{21BD876B-4F3B-A2A4-4546-94C8A128614A}"/>
+          </ac:spMkLst>
+        </pc:spChg>
+      </pc:sldChg>
+      <pc:sldChg chg="modSp ord">
+        <pc:chgData name="Guest User" userId="" providerId="Windows Live" clId="Web-{BB2D53D3-4901-40DC-B58D-FC132A9907A7}" dt="2024-01-24T16:20:26.437" v="720" actId="1076"/>
+        <pc:sldMkLst>
+          <pc:docMk/>
+          <pc:sldMk cId="3023639347" sldId="273"/>
+        </pc:sldMkLst>
+        <pc:spChg chg="mod">
+          <ac:chgData name="Guest User" userId="" providerId="Windows Live" clId="Web-{BB2D53D3-4901-40DC-B58D-FC132A9907A7}" dt="2024-01-24T16:20:19.249" v="719" actId="1076"/>
+          <ac:spMkLst>
+            <pc:docMk/>
+            <pc:sldMk cId="3023639347" sldId="273"/>
+            <ac:spMk id="2" creationId="{412598FA-CD78-833D-772D-61C605DFAAA6}"/>
+          </ac:spMkLst>
+        </pc:spChg>
+        <pc:spChg chg="mod">
+          <ac:chgData name="Guest User" userId="" providerId="Windows Live" clId="Web-{BB2D53D3-4901-40DC-B58D-FC132A9907A7}" dt="2024-01-24T16:20:11.624" v="718" actId="1076"/>
+          <ac:spMkLst>
+            <pc:docMk/>
+            <pc:sldMk cId="3023639347" sldId="273"/>
+            <ac:spMk id="7" creationId="{43791EDA-CA57-F223-1164-032D49E67AF4}"/>
+          </ac:spMkLst>
+        </pc:spChg>
+        <pc:picChg chg="mod">
+          <ac:chgData name="Guest User" userId="" providerId="Windows Live" clId="Web-{BB2D53D3-4901-40DC-B58D-FC132A9907A7}" dt="2024-01-24T16:20:26.437" v="720" actId="1076"/>
+          <ac:picMkLst>
+            <pc:docMk/>
+            <pc:sldMk cId="3023639347" sldId="273"/>
+            <ac:picMk id="1026" creationId="{687E2E8B-FBFE-CA02-E672-D741F7E450F2}"/>
+          </ac:picMkLst>
+        </pc:picChg>
+      </pc:sldChg>
+      <pc:sldChg chg="addSp delSp modSp add del ord">
+        <pc:chgData name="Guest User" userId="" providerId="Windows Live" clId="Web-{BB2D53D3-4901-40DC-B58D-FC132A9907A7}" dt="2024-01-24T16:38:38.318" v="1080" actId="1076"/>
+        <pc:sldMkLst>
+          <pc:docMk/>
+          <pc:sldMk cId="1862772237" sldId="275"/>
+        </pc:sldMkLst>
+        <pc:spChg chg="mod">
+          <ac:chgData name="Guest User" userId="" providerId="Windows Live" clId="Web-{BB2D53D3-4901-40DC-B58D-FC132A9907A7}" dt="2024-01-24T16:38:38.318" v="1079" actId="1076"/>
+          <ac:spMkLst>
+            <pc:docMk/>
+            <pc:sldMk cId="1862772237" sldId="275"/>
+            <ac:spMk id="2" creationId="{41D9E846-2046-C524-7D53-EA05B7009068}"/>
+          </ac:spMkLst>
+        </pc:spChg>
+        <pc:spChg chg="add mod">
+          <ac:chgData name="Guest User" userId="" providerId="Windows Live" clId="Web-{BB2D53D3-4901-40DC-B58D-FC132A9907A7}" dt="2024-01-24T16:38:38.318" v="1080" actId="1076"/>
+          <ac:spMkLst>
+            <pc:docMk/>
+            <pc:sldMk cId="1862772237" sldId="275"/>
+            <ac:spMk id="3" creationId="{6907DA81-46D1-F8B8-E05D-18D32FBE5E78}"/>
+          </ac:spMkLst>
+        </pc:spChg>
+        <pc:spChg chg="del mod">
+          <ac:chgData name="Guest User" userId="" providerId="Windows Live" clId="Web-{BB2D53D3-4901-40DC-B58D-FC132A9907A7}" dt="2024-01-24T16:36:58.033" v="1043"/>
+          <ac:spMkLst>
+            <pc:docMk/>
+            <pc:sldMk cId="1862772237" sldId="275"/>
+            <ac:spMk id="14" creationId="{022C1AF5-0FE2-A4AF-51BB-69EAA34AEDE1}"/>
+          </ac:spMkLst>
+        </pc:spChg>
+        <pc:spChg chg="mod">
+          <ac:chgData name="Guest User" userId="" providerId="Windows Live" clId="Web-{BB2D53D3-4901-40DC-B58D-FC132A9907A7}" dt="2024-01-24T16:38:38.302" v="1077" actId="1076"/>
+          <ac:spMkLst>
+            <pc:docMk/>
+            <pc:sldMk cId="1862772237" sldId="275"/>
+            <ac:spMk id="21" creationId="{603180F9-81DA-A93E-9101-7479BB9FADB0}"/>
+          </ac:spMkLst>
+        </pc:spChg>
+        <pc:picChg chg="mod">
+          <ac:chgData name="Guest User" userId="" providerId="Windows Live" clId="Web-{BB2D53D3-4901-40DC-B58D-FC132A9907A7}" dt="2024-01-24T16:38:38.318" v="1078" actId="1076"/>
+          <ac:picMkLst>
+            <pc:docMk/>
+            <pc:sldMk cId="1862772237" sldId="275"/>
+            <ac:picMk id="20" creationId="{EE7F17B1-1D4E-2DB2-13D5-B8D9A8A0672B}"/>
+          </ac:picMkLst>
+        </pc:picChg>
+      </pc:sldChg>
+      <pc:sldChg chg="addSp delSp modSp">
+        <pc:chgData name="Guest User" userId="" providerId="Windows Live" clId="Web-{BB2D53D3-4901-40DC-B58D-FC132A9907A7}" dt="2024-01-24T16:36:22.720" v="1001" actId="20577"/>
+        <pc:sldMkLst>
+          <pc:docMk/>
+          <pc:sldMk cId="3580402968" sldId="277"/>
+        </pc:sldMkLst>
+        <pc:spChg chg="mod">
+          <ac:chgData name="Guest User" userId="" providerId="Windows Live" clId="Web-{BB2D53D3-4901-40DC-B58D-FC132A9907A7}" dt="2024-01-24T16:09:17.195" v="166" actId="20577"/>
+          <ac:spMkLst>
+            <pc:docMk/>
+            <pc:sldMk cId="3580402968" sldId="277"/>
+            <ac:spMk id="2" creationId="{BC7B27F6-5627-40FB-834B-F28838085647}"/>
+          </ac:spMkLst>
+        </pc:spChg>
+        <pc:spChg chg="add del">
+          <ac:chgData name="Guest User" userId="" providerId="Windows Live" clId="Web-{BB2D53D3-4901-40DC-B58D-FC132A9907A7}" dt="2024-01-24T16:05:05.984" v="34"/>
+          <ac:spMkLst>
+            <pc:docMk/>
+            <pc:sldMk cId="3580402968" sldId="277"/>
+            <ac:spMk id="5" creationId="{49EF35EE-0F6B-12B6-A4C7-5E5453DCA924}"/>
+          </ac:spMkLst>
+        </pc:spChg>
+        <pc:spChg chg="add mod">
+          <ac:chgData name="Guest User" userId="" providerId="Windows Live" clId="Web-{BB2D53D3-4901-40DC-B58D-FC132A9907A7}" dt="2024-01-24T16:36:22.720" v="1001" actId="20577"/>
+          <ac:spMkLst>
+            <pc:docMk/>
+            <pc:sldMk cId="3580402968" sldId="277"/>
+            <ac:spMk id="6" creationId="{9DAEF3B6-662C-4C67-421D-2F2DF41105B8}"/>
+          </ac:spMkLst>
+        </pc:spChg>
+        <pc:picChg chg="add del mod">
+          <ac:chgData name="Guest User" userId="" providerId="Windows Live" clId="Web-{BB2D53D3-4901-40DC-B58D-FC132A9907A7}" dt="2024-01-24T16:04:06.997" v="24"/>
+          <ac:picMkLst>
+            <pc:docMk/>
+            <pc:sldMk cId="3580402968" sldId="277"/>
+            <ac:picMk id="3" creationId="{146346D4-F40F-F36C-C157-CBC59C46534F}"/>
+          </ac:picMkLst>
+        </pc:picChg>
+      </pc:sldChg>
+      <pc:sldChg chg="modSp">
+        <pc:chgData name="Guest User" userId="" providerId="Windows Live" clId="Web-{BB2D53D3-4901-40DC-B58D-FC132A9907A7}" dt="2024-01-24T16:03:48.075" v="21" actId="1076"/>
+        <pc:sldMkLst>
+          <pc:docMk/>
+          <pc:sldMk cId="3581344412" sldId="278"/>
+        </pc:sldMkLst>
+        <pc:spChg chg="mod">
+          <ac:chgData name="Guest User" userId="" providerId="Windows Live" clId="Web-{BB2D53D3-4901-40DC-B58D-FC132A9907A7}" dt="2024-01-24T16:03:39.262" v="20"/>
+          <ac:spMkLst>
+            <pc:docMk/>
+            <pc:sldMk cId="3581344412" sldId="278"/>
+            <ac:spMk id="2" creationId="{B2F0F58C-C378-8508-C14F-C003CA7B9509}"/>
+          </ac:spMkLst>
+        </pc:spChg>
+        <pc:picChg chg="mod">
+          <ac:chgData name="Guest User" userId="" providerId="Windows Live" clId="Web-{BB2D53D3-4901-40DC-B58D-FC132A9907A7}" dt="2024-01-24T16:03:48.075" v="21" actId="1076"/>
+          <ac:picMkLst>
+            <pc:docMk/>
+            <pc:sldMk cId="3581344412" sldId="278"/>
+            <ac:picMk id="8" creationId="{FD1DC2E3-8FB6-9A03-D2E0-9DEA773D568C}"/>
+          </ac:picMkLst>
+        </pc:picChg>
+      </pc:sldChg>
+      <pc:sldChg chg="modSp">
+        <pc:chgData name="Guest User" userId="" providerId="Windows Live" clId="Web-{BB2D53D3-4901-40DC-B58D-FC132A9907A7}" dt="2024-01-24T16:03:27.230" v="16" actId="1076"/>
+        <pc:sldMkLst>
+          <pc:docMk/>
+          <pc:sldMk cId="1522386170" sldId="279"/>
+        </pc:sldMkLst>
+        <pc:spChg chg="mod">
+          <ac:chgData name="Guest User" userId="" providerId="Windows Live" clId="Web-{BB2D53D3-4901-40DC-B58D-FC132A9907A7}" dt="2024-01-24T16:03:21.761" v="15" actId="20577"/>
+          <ac:spMkLst>
+            <pc:docMk/>
+            <pc:sldMk cId="1522386170" sldId="279"/>
+            <ac:spMk id="2" creationId="{C6774039-EE80-BD5B-5A1D-12A77CD99984}"/>
+          </ac:spMkLst>
+        </pc:spChg>
+        <pc:picChg chg="mod">
+          <ac:chgData name="Guest User" userId="" providerId="Windows Live" clId="Web-{BB2D53D3-4901-40DC-B58D-FC132A9907A7}" dt="2024-01-24T16:03:27.230" v="16" actId="1076"/>
+          <ac:picMkLst>
+            <pc:docMk/>
+            <pc:sldMk cId="1522386170" sldId="279"/>
+            <ac:picMk id="3" creationId="{C75D8527-044D-5A76-93B7-0F613CFF4A82}"/>
+          </ac:picMkLst>
+        </pc:picChg>
+      </pc:sldChg>
+      <pc:sldChg chg="modSp">
+        <pc:chgData name="Guest User" userId="" providerId="Windows Live" clId="Web-{BB2D53D3-4901-40DC-B58D-FC132A9907A7}" dt="2024-01-24T16:03:01.604" v="11" actId="1076"/>
+        <pc:sldMkLst>
+          <pc:docMk/>
+          <pc:sldMk cId="828683039" sldId="280"/>
+        </pc:sldMkLst>
+        <pc:spChg chg="mod">
+          <ac:chgData name="Guest User" userId="" providerId="Windows Live" clId="Web-{BB2D53D3-4901-40DC-B58D-FC132A9907A7}" dt="2024-01-24T16:02:53.823" v="10"/>
+          <ac:spMkLst>
+            <pc:docMk/>
+            <pc:sldMk cId="828683039" sldId="280"/>
+            <ac:spMk id="2" creationId="{C6873E55-F160-9772-67D7-AC2A66D8BCAC}"/>
+          </ac:spMkLst>
+        </pc:spChg>
+        <pc:picChg chg="mod">
+          <ac:chgData name="Guest User" userId="" providerId="Windows Live" clId="Web-{BB2D53D3-4901-40DC-B58D-FC132A9907A7}" dt="2024-01-24T16:03:01.604" v="11" actId="1076"/>
+          <ac:picMkLst>
+            <pc:docMk/>
+            <pc:sldMk cId="828683039" sldId="280"/>
+            <ac:picMk id="12" creationId="{9F4D2F90-B611-A9AC-2A61-CB8CB3A39C22}"/>
+          </ac:picMkLst>
+        </pc:picChg>
+      </pc:sldChg>
+      <pc:sldChg chg="modSp">
+        <pc:chgData name="Guest User" userId="" providerId="Windows Live" clId="Web-{BB2D53D3-4901-40DC-B58D-FC132A9907A7}" dt="2024-01-24T16:02:40.619" v="6" actId="1076"/>
+        <pc:sldMkLst>
+          <pc:docMk/>
+          <pc:sldMk cId="3498562304" sldId="281"/>
+        </pc:sldMkLst>
+        <pc:spChg chg="mod">
+          <ac:chgData name="Guest User" userId="" providerId="Windows Live" clId="Web-{BB2D53D3-4901-40DC-B58D-FC132A9907A7}" dt="2024-01-24T16:02:33.900" v="5"/>
+          <ac:spMkLst>
+            <pc:docMk/>
+            <pc:sldMk cId="3498562304" sldId="281"/>
+            <ac:spMk id="2" creationId="{E77317EB-4399-07A0-C671-CD7F4BBF3A13}"/>
+          </ac:spMkLst>
+        </pc:spChg>
+        <pc:picChg chg="mod">
+          <ac:chgData name="Guest User" userId="" providerId="Windows Live" clId="Web-{BB2D53D3-4901-40DC-B58D-FC132A9907A7}" dt="2024-01-24T16:02:40.619" v="6" actId="1076"/>
+          <ac:picMkLst>
+            <pc:docMk/>
+            <pc:sldMk cId="3498562304" sldId="281"/>
+            <ac:picMk id="8" creationId="{0AA1BEE6-84E2-029A-3973-56723EEC5D28}"/>
+          </ac:picMkLst>
+        </pc:picChg>
+      </pc:sldChg>
+      <pc:sldChg chg="modSp">
+        <pc:chgData name="Guest User" userId="" providerId="Windows Live" clId="Web-{BB2D53D3-4901-40DC-B58D-FC132A9907A7}" dt="2024-01-24T16:31:39.304" v="795" actId="1076"/>
+        <pc:sldMkLst>
+          <pc:docMk/>
+          <pc:sldMk cId="786129076" sldId="285"/>
+        </pc:sldMkLst>
+        <pc:spChg chg="mod">
+          <ac:chgData name="Guest User" userId="" providerId="Windows Live" clId="Web-{BB2D53D3-4901-40DC-B58D-FC132A9907A7}" dt="2024-01-24T16:31:39.304" v="795" actId="1076"/>
+          <ac:spMkLst>
+            <pc:docMk/>
+            <pc:sldMk cId="786129076" sldId="285"/>
+            <ac:spMk id="4" creationId="{31FB87BC-7984-DC53-01F0-05A3075095A5}"/>
+          </ac:spMkLst>
+        </pc:spChg>
+        <pc:picChg chg="mod">
+          <ac:chgData name="Guest User" userId="" providerId="Windows Live" clId="Web-{BB2D53D3-4901-40DC-B58D-FC132A9907A7}" dt="2024-01-24T16:31:33.991" v="794" actId="1076"/>
+          <ac:picMkLst>
+            <pc:docMk/>
+            <pc:sldMk cId="786129076" sldId="285"/>
+            <ac:picMk id="4098" creationId="{E77EF853-1198-11EC-E7F6-9807FF45629C}"/>
+          </ac:picMkLst>
+        </pc:picChg>
+      </pc:sldChg>
+      <pc:sldChg chg="modSp">
+        <pc:chgData name="Guest User" userId="" providerId="Windows Live" clId="Web-{BB2D53D3-4901-40DC-B58D-FC132A9907A7}" dt="2024-01-24T16:22:36.145" v="738" actId="1076"/>
+        <pc:sldMkLst>
+          <pc:docMk/>
+          <pc:sldMk cId="2941569670" sldId="286"/>
+        </pc:sldMkLst>
+        <pc:spChg chg="mod">
+          <ac:chgData name="Guest User" userId="" providerId="Windows Live" clId="Web-{BB2D53D3-4901-40DC-B58D-FC132A9907A7}" dt="2024-01-24T16:22:00.550" v="736"/>
+          <ac:spMkLst>
+            <pc:docMk/>
+            <pc:sldMk cId="2941569670" sldId="286"/>
+            <ac:spMk id="2" creationId="{49C9DB22-761E-0082-2469-0BF90E7A9D8C}"/>
+          </ac:spMkLst>
+        </pc:spChg>
+        <pc:picChg chg="mod">
+          <ac:chgData name="Guest User" userId="" providerId="Windows Live" clId="Web-{BB2D53D3-4901-40DC-B58D-FC132A9907A7}" dt="2024-01-24T16:22:36.145" v="738" actId="1076"/>
+          <ac:picMkLst>
+            <pc:docMk/>
+            <pc:sldMk cId="2941569670" sldId="286"/>
+            <ac:picMk id="6146" creationId="{D24E6F4D-A96B-97D3-5390-F10B4E5092F4}"/>
+          </ac:picMkLst>
+        </pc:picChg>
+        <pc:picChg chg="mod">
+          <ac:chgData name="Guest User" userId="" providerId="Windows Live" clId="Web-{BB2D53D3-4901-40DC-B58D-FC132A9907A7}" dt="2024-01-24T16:22:32.723" v="737" actId="1076"/>
+          <ac:picMkLst>
+            <pc:docMk/>
+            <pc:sldMk cId="2941569670" sldId="286"/>
+            <ac:picMk id="6148" creationId="{55936FA0-F141-FABA-DFF3-CEE41C09B52A}"/>
+          </ac:picMkLst>
+        </pc:picChg>
+      </pc:sldChg>
+      <pc:sldChg chg="modSp ord">
+        <pc:chgData name="Guest User" userId="" providerId="Windows Live" clId="Web-{BB2D53D3-4901-40DC-B58D-FC132A9907A7}" dt="2024-01-24T16:19:09.231" v="710" actId="1076"/>
+        <pc:sldMkLst>
+          <pc:docMk/>
+          <pc:sldMk cId="3293870533" sldId="287"/>
+        </pc:sldMkLst>
+        <pc:spChg chg="mod">
+          <ac:chgData name="Guest User" userId="" providerId="Windows Live" clId="Web-{BB2D53D3-4901-40DC-B58D-FC132A9907A7}" dt="2024-01-24T16:19:01.825" v="709" actId="20577"/>
+          <ac:spMkLst>
+            <pc:docMk/>
+            <pc:sldMk cId="3293870533" sldId="287"/>
+            <ac:spMk id="2" creationId="{22B75E78-0550-68B9-9910-FE9A33B7754C}"/>
+          </ac:spMkLst>
+        </pc:spChg>
+        <pc:picChg chg="mod">
+          <ac:chgData name="Guest User" userId="" providerId="Windows Live" clId="Web-{BB2D53D3-4901-40DC-B58D-FC132A9907A7}" dt="2024-01-24T16:19:09.231" v="710" actId="1076"/>
+          <ac:picMkLst>
+            <pc:docMk/>
+            <pc:sldMk cId="3293870533" sldId="287"/>
+            <ac:picMk id="7170" creationId="{F2F5D0A7-98E1-C69B-0C82-DE9878B732C1}"/>
+          </ac:picMkLst>
+        </pc:picChg>
+      </pc:sldChg>
+      <pc:sldChg chg="modSp">
+        <pc:chgData name="Guest User" userId="" providerId="Windows Live" clId="Web-{BB2D53D3-4901-40DC-B58D-FC132A9907A7}" dt="2024-01-24T17:01:54.163" v="1914" actId="1076"/>
+        <pc:sldMkLst>
+          <pc:docMk/>
+          <pc:sldMk cId="3453967955" sldId="288"/>
+        </pc:sldMkLst>
+        <pc:spChg chg="mod">
+          <ac:chgData name="Guest User" userId="" providerId="Windows Live" clId="Web-{BB2D53D3-4901-40DC-B58D-FC132A9907A7}" dt="2024-01-24T17:01:14.912" v="1900" actId="1076"/>
+          <ac:spMkLst>
+            <pc:docMk/>
+            <pc:sldMk cId="3453967955" sldId="288"/>
+            <ac:spMk id="3" creationId="{452C80D2-2794-0790-D974-949235321575}"/>
+          </ac:spMkLst>
+        </pc:spChg>
+        <pc:spChg chg="mod">
+          <ac:chgData name="Guest User" userId="" providerId="Windows Live" clId="Web-{BB2D53D3-4901-40DC-B58D-FC132A9907A7}" dt="2024-01-24T17:01:14.880" v="1897" actId="1076"/>
+          <ac:spMkLst>
+            <pc:docMk/>
+            <pc:sldMk cId="3453967955" sldId="288"/>
+            <ac:spMk id="4" creationId="{B132B527-D8DA-212A-966F-D3BB3FDCB059}"/>
+          </ac:spMkLst>
+        </pc:spChg>
+        <pc:spChg chg="mod">
+          <ac:chgData name="Guest User" userId="" providerId="Windows Live" clId="Web-{BB2D53D3-4901-40DC-B58D-FC132A9907A7}" dt="2024-01-24T17:01:14.896" v="1898" actId="1076"/>
+          <ac:spMkLst>
+            <pc:docMk/>
+            <pc:sldMk cId="3453967955" sldId="288"/>
+            <ac:spMk id="5" creationId="{B72D2BB7-801A-8A0B-B1C5-DFA3B9C2DD6B}"/>
+          </ac:spMkLst>
+        </pc:spChg>
+        <pc:spChg chg="mod">
+          <ac:chgData name="Guest User" userId="" providerId="Windows Live" clId="Web-{BB2D53D3-4901-40DC-B58D-FC132A9907A7}" dt="2024-01-24T17:01:14.896" v="1899" actId="1076"/>
+          <ac:spMkLst>
+            <pc:docMk/>
+            <pc:sldMk cId="3453967955" sldId="288"/>
+            <ac:spMk id="6" creationId="{76F69F2E-49DC-3EF2-E90A-609C91C7DD1A}"/>
+          </ac:spMkLst>
+        </pc:spChg>
+        <pc:spChg chg="mod">
+          <ac:chgData name="Guest User" userId="" providerId="Windows Live" clId="Web-{BB2D53D3-4901-40DC-B58D-FC132A9907A7}" dt="2024-01-24T17:01:44.350" v="1913" actId="1076"/>
+          <ac:spMkLst>
+            <pc:docMk/>
+            <pc:sldMk cId="3453967955" sldId="288"/>
+            <ac:spMk id="7" creationId="{AABDEF2B-44FD-B280-B891-8E98E7A66964}"/>
+          </ac:spMkLst>
+        </pc:spChg>
+        <pc:spChg chg="mod">
+          <ac:chgData name="Guest User" userId="" providerId="Windows Live" clId="Web-{BB2D53D3-4901-40DC-B58D-FC132A9907A7}" dt="2024-01-24T17:01:38.225" v="1910" actId="1076"/>
+          <ac:spMkLst>
+            <pc:docMk/>
+            <pc:sldMk cId="3453967955" sldId="288"/>
+            <ac:spMk id="9" creationId="{0BFA1BE3-0912-791B-64F7-1EE203E0FBCF}"/>
+          </ac:spMkLst>
+        </pc:spChg>
+        <pc:spChg chg="mod">
+          <ac:chgData name="Guest User" userId="" providerId="Windows Live" clId="Web-{BB2D53D3-4901-40DC-B58D-FC132A9907A7}" dt="2024-01-24T17:01:38.225" v="1911" actId="1076"/>
+          <ac:spMkLst>
+            <pc:docMk/>
+            <pc:sldMk cId="3453967955" sldId="288"/>
+            <ac:spMk id="12" creationId="{82E3F522-EECF-8D17-D7D9-2B4E12639E03}"/>
+          </ac:spMkLst>
+        </pc:spChg>
+        <pc:spChg chg="mod">
+          <ac:chgData name="Guest User" userId="" providerId="Windows Live" clId="Web-{BB2D53D3-4901-40DC-B58D-FC132A9907A7}" dt="2024-01-24T17:01:54.163" v="1914" actId="1076"/>
+          <ac:spMkLst>
+            <pc:docMk/>
+            <pc:sldMk cId="3453967955" sldId="288"/>
+            <ac:spMk id="14" creationId="{2A3D8A9A-3E5E-52EB-38E9-C862478E573D}"/>
+          </ac:spMkLst>
+        </pc:spChg>
+        <pc:spChg chg="mod">
+          <ac:chgData name="Guest User" userId="" providerId="Windows Live" clId="Web-{BB2D53D3-4901-40DC-B58D-FC132A9907A7}" dt="2024-01-24T17:01:38.241" v="1912" actId="1076"/>
+          <ac:spMkLst>
+            <pc:docMk/>
+            <pc:sldMk cId="3453967955" sldId="288"/>
+            <ac:spMk id="16" creationId="{BB372221-68FD-B775-9D27-8264389AD9D2}"/>
+          </ac:spMkLst>
+        </pc:spChg>
+      </pc:sldChg>
+      <pc:sldChg chg="modSp">
+        <pc:chgData name="Guest User" userId="" providerId="Windows Live" clId="Web-{BB2D53D3-4901-40DC-B58D-FC132A9907A7}" dt="2024-01-24T17:00:48.536" v="1894"/>
+        <pc:sldMkLst>
+          <pc:docMk/>
+          <pc:sldMk cId="2022322490" sldId="289"/>
+        </pc:sldMkLst>
+        <pc:graphicFrameChg chg="mod modGraphic">
+          <ac:chgData name="Guest User" userId="" providerId="Windows Live" clId="Web-{BB2D53D3-4901-40DC-B58D-FC132A9907A7}" dt="2024-01-24T17:00:48.536" v="1894"/>
+          <ac:graphicFrameMkLst>
+            <pc:docMk/>
+            <pc:sldMk cId="2022322490" sldId="289"/>
+            <ac:graphicFrameMk id="4" creationId="{844DA423-0912-3C55-AE8F-74763E853AF4}"/>
+          </ac:graphicFrameMkLst>
+        </pc:graphicFrameChg>
+      </pc:sldChg>
+      <pc:sldChg chg="modSp">
+        <pc:chgData name="Guest User" userId="" providerId="Windows Live" clId="Web-{BB2D53D3-4901-40DC-B58D-FC132A9907A7}" dt="2024-01-24T17:04:35.809" v="1980"/>
+        <pc:sldMkLst>
+          <pc:docMk/>
+          <pc:sldMk cId="2168253912" sldId="290"/>
+        </pc:sldMkLst>
+        <pc:graphicFrameChg chg="mod modGraphic">
+          <ac:chgData name="Guest User" userId="" providerId="Windows Live" clId="Web-{BB2D53D3-4901-40DC-B58D-FC132A9907A7}" dt="2024-01-24T17:04:35.809" v="1980"/>
+          <ac:graphicFrameMkLst>
+            <pc:docMk/>
+            <pc:sldMk cId="2168253912" sldId="290"/>
+            <ac:graphicFrameMk id="3" creationId="{734C55D0-FB48-122B-1C48-83AA344C9CA9}"/>
+          </ac:graphicFrameMkLst>
+        </pc:graphicFrameChg>
+      </pc:sldChg>
+      <pc:sldChg chg="addSp modSp add del">
+        <pc:chgData name="Guest User" userId="" providerId="Windows Live" clId="Web-{BB2D53D3-4901-40DC-B58D-FC132A9907A7}" dt="2024-01-24T17:05:03.201" v="1984" actId="20577"/>
+        <pc:sldMkLst>
+          <pc:docMk/>
+          <pc:sldMk cId="1060457461" sldId="291"/>
+        </pc:sldMkLst>
+        <pc:spChg chg="mod">
+          <ac:chgData name="Guest User" userId="" providerId="Windows Live" clId="Web-{BB2D53D3-4901-40DC-B58D-FC132A9907A7}" dt="2024-01-24T16:48:20.275" v="1236" actId="1076"/>
+          <ac:spMkLst>
+            <pc:docMk/>
+            <pc:sldMk cId="1060457461" sldId="291"/>
+            <ac:spMk id="2" creationId="{88A2A837-19F7-AF3B-F658-D0F520C26103}"/>
+          </ac:spMkLst>
+        </pc:spChg>
+        <pc:spChg chg="add mod">
+          <ac:chgData name="Guest User" userId="" providerId="Windows Live" clId="Web-{BB2D53D3-4901-40DC-B58D-FC132A9907A7}" dt="2024-01-24T17:05:03.201" v="1984" actId="20577"/>
+          <ac:spMkLst>
+            <pc:docMk/>
+            <pc:sldMk cId="1060457461" sldId="291"/>
+            <ac:spMk id="4" creationId="{3EC78BA0-DC8E-87EB-C22C-59281368DBCD}"/>
+          </ac:spMkLst>
+        </pc:spChg>
+      </pc:sldChg>
+      <pc:sldChg chg="new del">
+        <pc:chgData name="Guest User" userId="" providerId="Windows Live" clId="Web-{BB2D53D3-4901-40DC-B58D-FC132A9907A7}" dt="2024-01-24T16:04:23.482" v="26"/>
+        <pc:sldMkLst>
+          <pc:docMk/>
+          <pc:sldMk cId="2610361320" sldId="292"/>
+        </pc:sldMkLst>
+      </pc:sldChg>
+      <pc:sldChg chg="modSp new">
+        <pc:chgData name="Guest User" userId="" providerId="Windows Live" clId="Web-{BB2D53D3-4901-40DC-B58D-FC132A9907A7}" dt="2024-01-24T16:50:01.294" v="1315" actId="20577"/>
+        <pc:sldMkLst>
+          <pc:docMk/>
+          <pc:sldMk cId="2702413930" sldId="292"/>
+        </pc:sldMkLst>
+        <pc:spChg chg="mod">
+          <ac:chgData name="Guest User" userId="" providerId="Windows Live" clId="Web-{BB2D53D3-4901-40DC-B58D-FC132A9907A7}" dt="2024-01-24T16:50:01.294" v="1315" actId="20577"/>
+          <ac:spMkLst>
+            <pc:docMk/>
+            <pc:sldMk cId="2702413930" sldId="292"/>
+            <ac:spMk id="2" creationId="{0EBCF05E-26AC-4997-03A2-368F994FE9A3}"/>
+          </ac:spMkLst>
+        </pc:spChg>
+      </pc:sldChg>
+    </pc:docChg>
+  </pc:docChgLst>
+  <pc:docChgLst>
+    <pc:chgData name="Guest User" providerId="Windows Live" clId="Web-{1C3C3190-1718-4FBF-AD20-ECA91A5B9ED0}"/>
+    <pc:docChg chg="modSld">
+      <pc:chgData name="Guest User" userId="" providerId="Windows Live" clId="Web-{1C3C3190-1718-4FBF-AD20-ECA91A5B9ED0}" dt="2023-11-27T10:57:23.990" v="30" actId="1076"/>
+      <pc:docMkLst>
+        <pc:docMk/>
+      </pc:docMkLst>
+      <pc:sldChg chg="addSp modSp">
+        <pc:chgData name="Guest User" userId="" providerId="Windows Live" clId="Web-{1C3C3190-1718-4FBF-AD20-ECA91A5B9ED0}" dt="2023-11-27T10:57:23.990" v="30" actId="1076"/>
+        <pc:sldMkLst>
+          <pc:docMk/>
+          <pc:sldMk cId="3073562487" sldId="282"/>
+        </pc:sldMkLst>
+        <pc:spChg chg="add">
+          <ac:chgData name="Guest User" userId="" providerId="Windows Live" clId="Web-{1C3C3190-1718-4FBF-AD20-ECA91A5B9ED0}" dt="2023-11-27T10:55:39.331" v="0"/>
+          <ac:spMkLst>
+            <pc:docMk/>
+            <pc:sldMk cId="3073562487" sldId="282"/>
+            <ac:spMk id="3" creationId="{ADE0A330-FE59-F81C-E333-A972E02BBE51}"/>
+          </ac:spMkLst>
+        </pc:spChg>
+        <pc:spChg chg="add mod">
+          <ac:chgData name="Guest User" userId="" providerId="Windows Live" clId="Web-{1C3C3190-1718-4FBF-AD20-ECA91A5B9ED0}" dt="2023-11-27T10:57:16.615" v="29" actId="20577"/>
+          <ac:spMkLst>
+            <pc:docMk/>
+            <pc:sldMk cId="3073562487" sldId="282"/>
+            <ac:spMk id="4" creationId="{7DD14CBC-F4FC-B029-72D9-753410BA601B}"/>
+          </ac:spMkLst>
+        </pc:spChg>
+        <pc:picChg chg="mod">
+          <ac:chgData name="Guest User" userId="" providerId="Windows Live" clId="Web-{1C3C3190-1718-4FBF-AD20-ECA91A5B9ED0}" dt="2023-11-27T10:57:23.990" v="30" actId="1076"/>
+          <ac:picMkLst>
+            <pc:docMk/>
+            <pc:sldMk cId="3073562487" sldId="282"/>
+            <ac:picMk id="2050" creationId="{22B95BBE-71DA-F50A-D722-BD260D96A9A3}"/>
+          </ac:picMkLst>
+        </pc:picChg>
+      </pc:sldChg>
+    </pc:docChg>
+  </pc:docChgLst>
+  <pc:docChgLst>
+    <pc:chgData name="Guest User" providerId="Windows Live" clId="Web-{2CB804DE-F817-4B57-B412-51524E33099D}"/>
+    <pc:docChg chg="modSld">
+      <pc:chgData name="Guest User" userId="" providerId="Windows Live" clId="Web-{2CB804DE-F817-4B57-B412-51524E33099D}" dt="2023-11-23T05:55:07.042" v="1" actId="1076"/>
+      <pc:docMkLst>
+        <pc:docMk/>
+      </pc:docMkLst>
+      <pc:sldChg chg="modSp">
+        <pc:chgData name="Guest User" userId="" providerId="Windows Live" clId="Web-{2CB804DE-F817-4B57-B412-51524E33099D}" dt="2023-11-23T05:55:07.042" v="1" actId="1076"/>
+        <pc:sldMkLst>
+          <pc:docMk/>
+          <pc:sldMk cId="4260394364" sldId="256"/>
+        </pc:sldMkLst>
+        <pc:picChg chg="mod">
+          <ac:chgData name="Guest User" userId="" providerId="Windows Live" clId="Web-{2CB804DE-F817-4B57-B412-51524E33099D}" dt="2023-11-23T05:55:07.042" v="1" actId="1076"/>
+          <ac:picMkLst>
+            <pc:docMk/>
+            <pc:sldMk cId="4260394364" sldId="256"/>
+            <ac:picMk id="3" creationId="{B80F0153-33BB-708A-1290-863FAEC7C274}"/>
+          </ac:picMkLst>
+        </pc:picChg>
+      </pc:sldChg>
+    </pc:docChg>
+  </pc:docChgLst>
+  <pc:docChgLst>
+    <pc:chgData name="Guest User" providerId="Windows Live" clId="Web-{0FC18F6C-CAD3-41F1-AFD8-2FDF14F12D0D}"/>
+    <pc:docChg chg="modSld">
+      <pc:chgData name="Guest User" userId="" providerId="Windows Live" clId="Web-{0FC18F6C-CAD3-41F1-AFD8-2FDF14F12D0D}" dt="2024-02-01T17:48:29.436" v="157" actId="1076"/>
+      <pc:docMkLst>
+        <pc:docMk/>
+      </pc:docMkLst>
+      <pc:sldChg chg="addSp modSp">
+        <pc:chgData name="Guest User" userId="" providerId="Windows Live" clId="Web-{0FC18F6C-CAD3-41F1-AFD8-2FDF14F12D0D}" dt="2024-02-01T17:38:16.405" v="8" actId="1076"/>
+        <pc:sldMkLst>
+          <pc:docMk/>
+          <pc:sldMk cId="4260394364" sldId="256"/>
+        </pc:sldMkLst>
+        <pc:spChg chg="add mod">
+          <ac:chgData name="Guest User" userId="" providerId="Windows Live" clId="Web-{0FC18F6C-CAD3-41F1-AFD8-2FDF14F12D0D}" dt="2024-02-01T17:37:59.295" v="6" actId="1076"/>
+          <ac:spMkLst>
+            <pc:docMk/>
+            <pc:sldMk cId="4260394364" sldId="256"/>
+            <ac:spMk id="6" creationId="{7335EC74-6D77-9B9D-A9D2-5C919FA343FE}"/>
+          </ac:spMkLst>
+        </pc:spChg>
+        <pc:grpChg chg="mod">
+          <ac:chgData name="Guest User" userId="" providerId="Windows Live" clId="Web-{0FC18F6C-CAD3-41F1-AFD8-2FDF14F12D0D}" dt="2024-02-01T17:38:16.405" v="8" actId="1076"/>
+          <ac:grpSpMkLst>
+            <pc:docMk/>
+            <pc:sldMk cId="4260394364" sldId="256"/>
+            <ac:grpSpMk id="42" creationId="{7004C9CE-DB2F-7663-067C-A27CBC3D4025}"/>
+          </ac:grpSpMkLst>
+        </pc:grpChg>
+      </pc:sldChg>
+      <pc:sldChg chg="modSp">
+        <pc:chgData name="Guest User" userId="" providerId="Windows Live" clId="Web-{0FC18F6C-CAD3-41F1-AFD8-2FDF14F12D0D}" dt="2024-02-01T17:44:46.227" v="72" actId="1076"/>
+        <pc:sldMkLst>
+          <pc:docMk/>
+          <pc:sldMk cId="283086270" sldId="264"/>
+        </pc:sldMkLst>
+        <pc:spChg chg="mod">
+          <ac:chgData name="Guest User" userId="" providerId="Windows Live" clId="Web-{0FC18F6C-CAD3-41F1-AFD8-2FDF14F12D0D}" dt="2024-02-01T17:44:46.227" v="72" actId="1076"/>
+          <ac:spMkLst>
+            <pc:docMk/>
+            <pc:sldMk cId="283086270" sldId="264"/>
+            <ac:spMk id="5" creationId="{8613FF2F-2C0F-1E93-42D0-7DCD5666DCAE}"/>
+          </ac:spMkLst>
+        </pc:spChg>
+      </pc:sldChg>
+      <pc:sldChg chg="modSp">
+        <pc:chgData name="Guest User" userId="" providerId="Windows Live" clId="Web-{0FC18F6C-CAD3-41F1-AFD8-2FDF14F12D0D}" dt="2024-02-01T17:44:57.259" v="77" actId="1076"/>
+        <pc:sldMkLst>
+          <pc:docMk/>
+          <pc:sldMk cId="2547628497" sldId="265"/>
+        </pc:sldMkLst>
+        <pc:spChg chg="mod">
+          <ac:chgData name="Guest User" userId="" providerId="Windows Live" clId="Web-{0FC18F6C-CAD3-41F1-AFD8-2FDF14F12D0D}" dt="2024-02-01T17:44:57.259" v="77" actId="1076"/>
+          <ac:spMkLst>
+            <pc:docMk/>
+            <pc:sldMk cId="2547628497" sldId="265"/>
+            <ac:spMk id="4" creationId="{AFCDAAE7-1A53-DB1C-5447-0BBE3D5E975A}"/>
+          </ac:spMkLst>
+        </pc:spChg>
+      </pc:sldChg>
+      <pc:sldChg chg="modSp">
+        <pc:chgData name="Guest User" userId="" providerId="Windows Live" clId="Web-{0FC18F6C-CAD3-41F1-AFD8-2FDF14F12D0D}" dt="2024-02-01T17:45:26.447" v="86" actId="1076"/>
+        <pc:sldMkLst>
+          <pc:docMk/>
+          <pc:sldMk cId="1958361094" sldId="266"/>
+        </pc:sldMkLst>
+        <pc:spChg chg="mod">
+          <ac:chgData name="Guest User" userId="" providerId="Windows Live" clId="Web-{0FC18F6C-CAD3-41F1-AFD8-2FDF14F12D0D}" dt="2024-02-01T17:45:26.447" v="86" actId="1076"/>
+          <ac:spMkLst>
+            <pc:docMk/>
+            <pc:sldMk cId="1958361094" sldId="266"/>
+            <ac:spMk id="5" creationId="{E6326DF7-5EF9-F659-2805-68AF0BC5CEEE}"/>
+          </ac:spMkLst>
+        </pc:spChg>
+      </pc:sldChg>
+      <pc:sldChg chg="modSp">
+        <pc:chgData name="Guest User" userId="" providerId="Windows Live" clId="Web-{0FC18F6C-CAD3-41F1-AFD8-2FDF14F12D0D}" dt="2024-02-01T17:45:42.510" v="97" actId="1076"/>
+        <pc:sldMkLst>
+          <pc:docMk/>
+          <pc:sldMk cId="230552811" sldId="268"/>
+        </pc:sldMkLst>
+        <pc:spChg chg="mod">
+          <ac:chgData name="Guest User" userId="" providerId="Windows Live" clId="Web-{0FC18F6C-CAD3-41F1-AFD8-2FDF14F12D0D}" dt="2024-02-01T17:45:42.510" v="97" actId="1076"/>
+          <ac:spMkLst>
+            <pc:docMk/>
+            <pc:sldMk cId="230552811" sldId="268"/>
+            <ac:spMk id="5" creationId="{97227567-3119-A001-071A-2862377A2DEA}"/>
+          </ac:spMkLst>
+        </pc:spChg>
+      </pc:sldChg>
+      <pc:sldChg chg="modSp">
+        <pc:chgData name="Guest User" userId="" providerId="Windows Live" clId="Web-{0FC18F6C-CAD3-41F1-AFD8-2FDF14F12D0D}" dt="2024-02-01T17:45:58.745" v="104" actId="1076"/>
+        <pc:sldMkLst>
+          <pc:docMk/>
+          <pc:sldMk cId="3292129419" sldId="272"/>
+        </pc:sldMkLst>
+        <pc:spChg chg="mod">
+          <ac:chgData name="Guest User" userId="" providerId="Windows Live" clId="Web-{0FC18F6C-CAD3-41F1-AFD8-2FDF14F12D0D}" dt="2024-02-01T17:45:58.745" v="104" actId="1076"/>
+          <ac:spMkLst>
+            <pc:docMk/>
+            <pc:sldMk cId="3292129419" sldId="272"/>
+            <ac:spMk id="4" creationId="{BB575AF9-6889-4C43-6349-B5275FD405FA}"/>
+          </ac:spMkLst>
+        </pc:spChg>
+      </pc:sldChg>
+      <pc:sldChg chg="modSp">
+        <pc:chgData name="Guest User" userId="" providerId="Windows Live" clId="Web-{0FC18F6C-CAD3-41F1-AFD8-2FDF14F12D0D}" dt="2024-02-01T17:41:28.316" v="38" actId="1076"/>
+        <pc:sldMkLst>
+          <pc:docMk/>
+          <pc:sldMk cId="3023639347" sldId="273"/>
+        </pc:sldMkLst>
+        <pc:spChg chg="mod">
+          <ac:chgData name="Guest User" userId="" providerId="Windows Live" clId="Web-{0FC18F6C-CAD3-41F1-AFD8-2FDF14F12D0D}" dt="2024-02-01T17:41:28.316" v="38" actId="1076"/>
+          <ac:spMkLst>
+            <pc:docMk/>
+            <pc:sldMk cId="3023639347" sldId="273"/>
+            <ac:spMk id="4" creationId="{A758DF46-5C93-6CD2-729F-CBA56082E7A5}"/>
+          </ac:spMkLst>
+        </pc:spChg>
+      </pc:sldChg>
+      <pc:sldChg chg="modSp">
+        <pc:chgData name="Guest User" userId="" providerId="Windows Live" clId="Web-{0FC18F6C-CAD3-41F1-AFD8-2FDF14F12D0D}" dt="2024-02-01T17:48:04.592" v="150" actId="20577"/>
+        <pc:sldMkLst>
+          <pc:docMk/>
+          <pc:sldMk cId="2360101881" sldId="274"/>
+        </pc:sldMkLst>
+        <pc:spChg chg="mod">
+          <ac:chgData name="Guest User" userId="" providerId="Windows Live" clId="Web-{0FC18F6C-CAD3-41F1-AFD8-2FDF14F12D0D}" dt="2024-02-01T17:48:04.592" v="150" actId="20577"/>
+          <ac:spMkLst>
+            <pc:docMk/>
+            <pc:sldMk cId="2360101881" sldId="274"/>
+            <ac:spMk id="3" creationId="{34119D1A-764A-DA53-752D-63B083B06F1C}"/>
+          </ac:spMkLst>
+        </pc:spChg>
+      </pc:sldChg>
+      <pc:sldChg chg="addSp modSp">
+        <pc:chgData name="Guest User" userId="" providerId="Windows Live" clId="Web-{0FC18F6C-CAD3-41F1-AFD8-2FDF14F12D0D}" dt="2024-02-01T17:48:29.436" v="157" actId="1076"/>
+        <pc:sldMkLst>
+          <pc:docMk/>
+          <pc:sldMk cId="1862772237" sldId="275"/>
+        </pc:sldMkLst>
+        <pc:spChg chg="add mod">
+          <ac:chgData name="Guest User" userId="" providerId="Windows Live" clId="Web-{0FC18F6C-CAD3-41F1-AFD8-2FDF14F12D0D}" dt="2024-02-01T17:48:29.436" v="157" actId="1076"/>
+          <ac:spMkLst>
+            <pc:docMk/>
+            <pc:sldMk cId="1862772237" sldId="275"/>
+            <ac:spMk id="4" creationId="{4242FDA6-6519-4F50-7A31-321D56A5F87B}"/>
+          </ac:spMkLst>
+        </pc:spChg>
+      </pc:sldChg>
+      <pc:sldChg chg="modSp">
+        <pc:chgData name="Guest User" userId="" providerId="Windows Live" clId="Web-{0FC18F6C-CAD3-41F1-AFD8-2FDF14F12D0D}" dt="2024-02-01T17:46:15.636" v="113" actId="20577"/>
+        <pc:sldMkLst>
+          <pc:docMk/>
+          <pc:sldMk cId="3580402968" sldId="277"/>
+        </pc:sldMkLst>
+        <pc:spChg chg="mod">
+          <ac:chgData name="Guest User" userId="" providerId="Windows Live" clId="Web-{0FC18F6C-CAD3-41F1-AFD8-2FDF14F12D0D}" dt="2024-02-01T17:46:15.636" v="113" actId="20577"/>
+          <ac:spMkLst>
+            <pc:docMk/>
+            <pc:sldMk cId="3580402968" sldId="277"/>
+            <ac:spMk id="4" creationId="{26C3BBD1-44E0-D5C6-E836-E9396F4BA31B}"/>
+          </ac:spMkLst>
+        </pc:spChg>
+      </pc:sldChg>
+      <pc:sldChg chg="modSp">
+        <pc:chgData name="Guest User" userId="" providerId="Windows Live" clId="Web-{0FC18F6C-CAD3-41F1-AFD8-2FDF14F12D0D}" dt="2024-02-01T17:47:51.638" v="144" actId="1076"/>
+        <pc:sldMkLst>
+          <pc:docMk/>
+          <pc:sldMk cId="3581344412" sldId="278"/>
+        </pc:sldMkLst>
+        <pc:spChg chg="mod">
+          <ac:chgData name="Guest User" userId="" providerId="Windows Live" clId="Web-{0FC18F6C-CAD3-41F1-AFD8-2FDF14F12D0D}" dt="2024-02-01T17:47:51.638" v="144" actId="1076"/>
+          <ac:spMkLst>
+            <pc:docMk/>
+            <pc:sldMk cId="3581344412" sldId="278"/>
+            <ac:spMk id="4" creationId="{F2CB6DE9-E163-0B10-00FD-47A0899308B4}"/>
+          </ac:spMkLst>
+        </pc:spChg>
+      </pc:sldChg>
+      <pc:sldChg chg="modSp">
+        <pc:chgData name="Guest User" userId="" providerId="Windows Live" clId="Web-{0FC18F6C-CAD3-41F1-AFD8-2FDF14F12D0D}" dt="2024-02-01T17:47:32.888" v="139" actId="1076"/>
+        <pc:sldMkLst>
+          <pc:docMk/>
+          <pc:sldMk cId="1522386170" sldId="279"/>
+        </pc:sldMkLst>
+        <pc:spChg chg="mod">
+          <ac:chgData name="Guest User" userId="" providerId="Windows Live" clId="Web-{0FC18F6C-CAD3-41F1-AFD8-2FDF14F12D0D}" dt="2024-02-01T17:47:32.888" v="139" actId="1076"/>
+          <ac:spMkLst>
+            <pc:docMk/>
+            <pc:sldMk cId="1522386170" sldId="279"/>
+            <ac:spMk id="4" creationId="{A712F980-A9F1-BB85-4B60-0625F29D5190}"/>
+          </ac:spMkLst>
+        </pc:spChg>
+      </pc:sldChg>
+      <pc:sldChg chg="modSp">
+        <pc:chgData name="Guest User" userId="" providerId="Windows Live" clId="Web-{0FC18F6C-CAD3-41F1-AFD8-2FDF14F12D0D}" dt="2024-02-01T17:47:10.606" v="134" actId="1076"/>
+        <pc:sldMkLst>
+          <pc:docMk/>
+          <pc:sldMk cId="828683039" sldId="280"/>
+        </pc:sldMkLst>
+        <pc:spChg chg="mod">
+          <ac:chgData name="Guest User" userId="" providerId="Windows Live" clId="Web-{0FC18F6C-CAD3-41F1-AFD8-2FDF14F12D0D}" dt="2024-02-01T17:47:10.606" v="134" actId="1076"/>
+          <ac:spMkLst>
+            <pc:docMk/>
+            <pc:sldMk cId="828683039" sldId="280"/>
+            <ac:spMk id="4" creationId="{88CF0C16-996C-AA9C-1713-0A63D9B600CE}"/>
+          </ac:spMkLst>
+        </pc:spChg>
+      </pc:sldChg>
+      <pc:sldChg chg="modSp">
+        <pc:chgData name="Guest User" userId="" providerId="Windows Live" clId="Web-{0FC18F6C-CAD3-41F1-AFD8-2FDF14F12D0D}" dt="2024-02-01T17:46:41.933" v="124" actId="20577"/>
+        <pc:sldMkLst>
+          <pc:docMk/>
+          <pc:sldMk cId="3498562304" sldId="281"/>
+        </pc:sldMkLst>
+        <pc:spChg chg="mod">
+          <ac:chgData name="Guest User" userId="" providerId="Windows Live" clId="Web-{0FC18F6C-CAD3-41F1-AFD8-2FDF14F12D0D}" dt="2024-02-01T17:46:41.933" v="124" actId="20577"/>
+          <ac:spMkLst>
+            <pc:docMk/>
+            <pc:sldMk cId="3498562304" sldId="281"/>
+            <ac:spMk id="5" creationId="{DE37967B-4382-87DD-40B0-D795CE3E61A8}"/>
+          </ac:spMkLst>
+        </pc:spChg>
+      </pc:sldChg>
+      <pc:sldChg chg="modSp">
+        <pc:chgData name="Guest User" userId="" providerId="Windows Live" clId="Web-{0FC18F6C-CAD3-41F1-AFD8-2FDF14F12D0D}" dt="2024-02-01T17:41:42.926" v="40" actId="1076"/>
+        <pc:sldMkLst>
+          <pc:docMk/>
+          <pc:sldMk cId="3073562487" sldId="282"/>
+        </pc:sldMkLst>
+        <pc:spChg chg="mod">
+          <ac:chgData name="Guest User" userId="" providerId="Windows Live" clId="Web-{0FC18F6C-CAD3-41F1-AFD8-2FDF14F12D0D}" dt="2024-02-01T17:41:42.926" v="40" actId="1076"/>
+          <ac:spMkLst>
+            <pc:docMk/>
+            <pc:sldMk cId="3073562487" sldId="282"/>
+            <ac:spMk id="6" creationId="{DA082291-FB3B-50F1-501E-A859B5C5CCEC}"/>
+          </ac:spMkLst>
+        </pc:spChg>
+      </pc:sldChg>
+      <pc:sldChg chg="modSp">
+        <pc:chgData name="Guest User" userId="" providerId="Windows Live" clId="Web-{0FC18F6C-CAD3-41F1-AFD8-2FDF14F12D0D}" dt="2024-02-01T17:44:16.617" v="66" actId="1076"/>
+        <pc:sldMkLst>
+          <pc:docMk/>
+          <pc:sldMk cId="786129076" sldId="285"/>
+        </pc:sldMkLst>
+        <pc:spChg chg="mod">
+          <ac:chgData name="Guest User" userId="" providerId="Windows Live" clId="Web-{0FC18F6C-CAD3-41F1-AFD8-2FDF14F12D0D}" dt="2024-02-01T17:44:16.617" v="66" actId="1076"/>
+          <ac:spMkLst>
+            <pc:docMk/>
+            <pc:sldMk cId="786129076" sldId="285"/>
+            <ac:spMk id="3" creationId="{36F5FE4D-730A-5D15-D15F-05325DB4F377}"/>
+          </ac:spMkLst>
+        </pc:spChg>
+      </pc:sldChg>
+      <pc:sldChg chg="modSp">
+        <pc:chgData name="Guest User" userId="" providerId="Windows Live" clId="Web-{0FC18F6C-CAD3-41F1-AFD8-2FDF14F12D0D}" dt="2024-02-01T17:43:58.882" v="63" actId="1076"/>
+        <pc:sldMkLst>
+          <pc:docMk/>
+          <pc:sldMk cId="2941569670" sldId="286"/>
+        </pc:sldMkLst>
+        <pc:spChg chg="mod">
+          <ac:chgData name="Guest User" userId="" providerId="Windows Live" clId="Web-{0FC18F6C-CAD3-41F1-AFD8-2FDF14F12D0D}" dt="2024-02-01T17:43:58.882" v="63" actId="1076"/>
+          <ac:spMkLst>
+            <pc:docMk/>
+            <pc:sldMk cId="2941569670" sldId="286"/>
+            <ac:spMk id="6" creationId="{435BCCB2-7E37-4E0A-3D86-8DF48E6C9868}"/>
+          </ac:spMkLst>
+        </pc:spChg>
+      </pc:sldChg>
+      <pc:sldChg chg="modSp">
+        <pc:chgData name="Guest User" userId="" providerId="Windows Live" clId="Web-{0FC18F6C-CAD3-41F1-AFD8-2FDF14F12D0D}" dt="2024-02-01T17:41:09.972" v="36" actId="1076"/>
+        <pc:sldMkLst>
+          <pc:docMk/>
+          <pc:sldMk cId="3293870533" sldId="287"/>
+        </pc:sldMkLst>
+        <pc:spChg chg="mod">
+          <ac:chgData name="Guest User" userId="" providerId="Windows Live" clId="Web-{0FC18F6C-CAD3-41F1-AFD8-2FDF14F12D0D}" dt="2024-02-01T17:41:09.972" v="36" actId="1076"/>
+          <ac:spMkLst>
+            <pc:docMk/>
+            <pc:sldMk cId="3293870533" sldId="287"/>
+            <ac:spMk id="4" creationId="{0CB7D046-FAA5-33B1-E313-20105CD287AF}"/>
+          </ac:spMkLst>
+        </pc:spChg>
+      </pc:sldChg>
+      <pc:sldChg chg="modSp">
+        <pc:chgData name="Guest User" userId="" providerId="Windows Live" clId="Web-{0FC18F6C-CAD3-41F1-AFD8-2FDF14F12D0D}" dt="2024-02-01T17:38:50.421" v="15" actId="1076"/>
+        <pc:sldMkLst>
+          <pc:docMk/>
+          <pc:sldMk cId="3453967955" sldId="288"/>
+        </pc:sldMkLst>
+        <pc:spChg chg="mod">
+          <ac:chgData name="Guest User" userId="" providerId="Windows Live" clId="Web-{0FC18F6C-CAD3-41F1-AFD8-2FDF14F12D0D}" dt="2024-02-01T17:38:50.421" v="15" actId="1076"/>
+          <ac:spMkLst>
+            <pc:docMk/>
+            <pc:sldMk cId="3453967955" sldId="288"/>
+            <ac:spMk id="8" creationId="{F6CE46EA-1F23-C4CB-ECC7-0E6BB4BD8538}"/>
+          </ac:spMkLst>
+        </pc:spChg>
+      </pc:sldChg>
+      <pc:sldChg chg="modSp">
+        <pc:chgData name="Guest User" userId="" providerId="Windows Live" clId="Web-{0FC18F6C-CAD3-41F1-AFD8-2FDF14F12D0D}" dt="2024-02-01T17:38:34.249" v="12" actId="1076"/>
+        <pc:sldMkLst>
+          <pc:docMk/>
+          <pc:sldMk cId="2022322490" sldId="289"/>
+        </pc:sldMkLst>
+        <pc:spChg chg="mod">
+          <ac:chgData name="Guest User" userId="" providerId="Windows Live" clId="Web-{0FC18F6C-CAD3-41F1-AFD8-2FDF14F12D0D}" dt="2024-02-01T17:38:34.249" v="12" actId="1076"/>
+          <ac:spMkLst>
+            <pc:docMk/>
+            <pc:sldMk cId="2022322490" sldId="289"/>
+            <ac:spMk id="2" creationId="{F7DC8D9D-3D71-74A7-17E5-B967B48BDBAF}"/>
+          </ac:spMkLst>
+        </pc:spChg>
+      </pc:sldChg>
+      <pc:sldChg chg="modSp">
+        <pc:chgData name="Guest User" userId="" providerId="Windows Live" clId="Web-{0FC18F6C-CAD3-41F1-AFD8-2FDF14F12D0D}" dt="2024-02-01T17:40:57.081" v="33" actId="1076"/>
+        <pc:sldMkLst>
+          <pc:docMk/>
+          <pc:sldMk cId="1060457461" sldId="291"/>
+        </pc:sldMkLst>
+        <pc:spChg chg="mod">
+          <ac:chgData name="Guest User" userId="" providerId="Windows Live" clId="Web-{0FC18F6C-CAD3-41F1-AFD8-2FDF14F12D0D}" dt="2024-02-01T17:40:57.081" v="33" actId="1076"/>
+          <ac:spMkLst>
+            <pc:docMk/>
+            <pc:sldMk cId="1060457461" sldId="291"/>
+            <ac:spMk id="3" creationId="{A8D280AA-1EDD-6ACF-A930-EBDE7DD7C516}"/>
+          </ac:spMkLst>
+        </pc:spChg>
+      </pc:sldChg>
+      <pc:sldChg chg="modSp">
+        <pc:chgData name="Guest User" userId="" providerId="Windows Live" clId="Web-{0FC18F6C-CAD3-41F1-AFD8-2FDF14F12D0D}" dt="2024-02-01T17:42:06.426" v="44" actId="20577"/>
+        <pc:sldMkLst>
+          <pc:docMk/>
+          <pc:sldMk cId="245740127" sldId="292"/>
+        </pc:sldMkLst>
+        <pc:spChg chg="mod">
+          <ac:chgData name="Guest User" userId="" providerId="Windows Live" clId="Web-{0FC18F6C-CAD3-41F1-AFD8-2FDF14F12D0D}" dt="2024-02-01T17:42:06.426" v="44" actId="20577"/>
+          <ac:spMkLst>
+            <pc:docMk/>
+            <pc:sldMk cId="245740127" sldId="292"/>
+            <ac:spMk id="4" creationId="{B5865D0D-3E7F-65E4-E006-93251F87B21E}"/>
+          </ac:spMkLst>
+        </pc:spChg>
+      </pc:sldChg>
+      <pc:sldChg chg="modSp">
+        <pc:chgData name="Guest User" userId="" providerId="Windows Live" clId="Web-{0FC18F6C-CAD3-41F1-AFD8-2FDF14F12D0D}" dt="2024-02-01T17:42:29.568" v="48" actId="1076"/>
+        <pc:sldMkLst>
+          <pc:docMk/>
+          <pc:sldMk cId="3927742526" sldId="293"/>
+        </pc:sldMkLst>
+        <pc:spChg chg="mod">
+          <ac:chgData name="Guest User" userId="" providerId="Windows Live" clId="Web-{0FC18F6C-CAD3-41F1-AFD8-2FDF14F12D0D}" dt="2024-02-01T17:42:29.568" v="48" actId="1076"/>
+          <ac:spMkLst>
+            <pc:docMk/>
+            <pc:sldMk cId="3927742526" sldId="293"/>
+            <ac:spMk id="4" creationId="{F29C3FE3-8F58-A9FD-7170-1563B10E3637}"/>
+          </ac:spMkLst>
+        </pc:spChg>
+      </pc:sldChg>
+      <pc:sldChg chg="modSp">
+        <pc:chgData name="Guest User" userId="" providerId="Windows Live" clId="Web-{0FC18F6C-CAD3-41F1-AFD8-2FDF14F12D0D}" dt="2024-02-01T17:42:52.912" v="52" actId="20577"/>
+        <pc:sldMkLst>
+          <pc:docMk/>
+          <pc:sldMk cId="1450693995" sldId="294"/>
+        </pc:sldMkLst>
+        <pc:spChg chg="mod">
+          <ac:chgData name="Guest User" userId="" providerId="Windows Live" clId="Web-{0FC18F6C-CAD3-41F1-AFD8-2FDF14F12D0D}" dt="2024-02-01T17:42:52.912" v="52" actId="20577"/>
+          <ac:spMkLst>
+            <pc:docMk/>
+            <pc:sldMk cId="1450693995" sldId="294"/>
+            <ac:spMk id="4" creationId="{F4994774-8024-3E19-845E-B6B8C95378E3}"/>
+          </ac:spMkLst>
+        </pc:spChg>
+      </pc:sldChg>
+      <pc:sldChg chg="modSp">
+        <pc:chgData name="Guest User" userId="" providerId="Windows Live" clId="Web-{0FC18F6C-CAD3-41F1-AFD8-2FDF14F12D0D}" dt="2024-02-01T17:43:19.131" v="56" actId="1076"/>
+        <pc:sldMkLst>
+          <pc:docMk/>
+          <pc:sldMk cId="4036988420" sldId="295"/>
+        </pc:sldMkLst>
+        <pc:spChg chg="mod">
+          <ac:chgData name="Guest User" userId="" providerId="Windows Live" clId="Web-{0FC18F6C-CAD3-41F1-AFD8-2FDF14F12D0D}" dt="2024-02-01T17:43:19.131" v="56" actId="1076"/>
+          <ac:spMkLst>
+            <pc:docMk/>
+            <pc:sldMk cId="4036988420" sldId="295"/>
+            <ac:spMk id="4" creationId="{526CD544-9733-562F-31AA-9F36FCA1697E}"/>
+          </ac:spMkLst>
+        </pc:spChg>
+      </pc:sldChg>
+      <pc:sldChg chg="modSp">
+        <pc:chgData name="Guest User" userId="" providerId="Windows Live" clId="Web-{0FC18F6C-CAD3-41F1-AFD8-2FDF14F12D0D}" dt="2024-02-01T17:43:39.460" v="60"/>
+        <pc:sldMkLst>
+          <pc:docMk/>
+          <pc:sldMk cId="4176955215" sldId="296"/>
+        </pc:sldMkLst>
+        <pc:spChg chg="mod">
+          <ac:chgData name="Guest User" userId="" providerId="Windows Live" clId="Web-{0FC18F6C-CAD3-41F1-AFD8-2FDF14F12D0D}" dt="2024-02-01T17:43:39.460" v="60"/>
+          <ac:spMkLst>
+            <pc:docMk/>
+            <pc:sldMk cId="4176955215" sldId="296"/>
+            <ac:spMk id="4" creationId="{C131592A-91D8-A430-7E92-ED629F4746EB}"/>
+          </ac:spMkLst>
+        </pc:spChg>
+      </pc:sldChg>
+      <pc:sldChg chg="modSp">
+        <pc:chgData name="Guest User" userId="" providerId="Windows Live" clId="Web-{0FC18F6C-CAD3-41F1-AFD8-2FDF14F12D0D}" dt="2024-02-01T17:39:37.844" v="20" actId="20577"/>
+        <pc:sldMkLst>
+          <pc:docMk/>
+          <pc:sldMk cId="2048988567" sldId="297"/>
+        </pc:sldMkLst>
+        <pc:spChg chg="mod">
+          <ac:chgData name="Guest User" userId="" providerId="Windows Live" clId="Web-{0FC18F6C-CAD3-41F1-AFD8-2FDF14F12D0D}" dt="2024-02-01T17:39:37.844" v="20" actId="20577"/>
+          <ac:spMkLst>
+            <pc:docMk/>
+            <pc:sldMk cId="2048988567" sldId="297"/>
+            <ac:spMk id="4" creationId="{B8840F1E-072A-4DD2-CA34-2DA8A2B42397}"/>
+          </ac:spMkLst>
+        </pc:spChg>
+      </pc:sldChg>
+      <pc:sldChg chg="addSp modSp">
+        <pc:chgData name="Guest User" userId="" providerId="Windows Live" clId="Web-{0FC18F6C-CAD3-41F1-AFD8-2FDF14F12D0D}" dt="2024-02-01T17:40:40.659" v="30" actId="1076"/>
+        <pc:sldMkLst>
+          <pc:docMk/>
+          <pc:sldMk cId="579252214" sldId="298"/>
+        </pc:sldMkLst>
+        <pc:spChg chg="add mod">
+          <ac:chgData name="Guest User" userId="" providerId="Windows Live" clId="Web-{0FC18F6C-CAD3-41F1-AFD8-2FDF14F12D0D}" dt="2024-02-01T17:40:29.440" v="29" actId="1076"/>
+          <ac:spMkLst>
+            <pc:docMk/>
+            <pc:sldMk cId="579252214" sldId="298"/>
+            <ac:spMk id="3" creationId="{4AA633D4-A601-8A12-D95E-D4C684467C93}"/>
+          </ac:spMkLst>
+        </pc:spChg>
+        <pc:graphicFrameChg chg="mod">
+          <ac:chgData name="Guest User" userId="" providerId="Windows Live" clId="Web-{0FC18F6C-CAD3-41F1-AFD8-2FDF14F12D0D}" dt="2024-02-01T17:40:40.659" v="30" actId="1076"/>
+          <ac:graphicFrameMkLst>
+            <pc:docMk/>
+            <pc:sldMk cId="579252214" sldId="298"/>
+            <ac:graphicFrameMk id="4" creationId="{FF6FE32C-5C7D-638C-CFC9-FEED7F8D39FD}"/>
+          </ac:graphicFrameMkLst>
+        </pc:graphicFrameChg>
+      </pc:sldChg>
+    </pc:docChg>
+  </pc:docChgLst>
+  <pc:docChgLst>
+    <pc:chgData name="aryan vakharia" userId="52c2b478ce9f83b4" providerId="Windows Live" clId="Web-{768C5267-AE49-4532-8AEE-4B87197DF5C3}"/>
+    <pc:docChg chg="addSld modSld sldOrd">
+      <pc:chgData name="aryan vakharia" userId="52c2b478ce9f83b4" providerId="Windows Live" clId="Web-{768C5267-AE49-4532-8AEE-4B87197DF5C3}" dt="2023-11-22T15:02:14.610" v="114" actId="20577"/>
+      <pc:docMkLst>
+        <pc:docMk/>
+      </pc:docMkLst>
+      <pc:sldChg chg="modSp">
+        <pc:chgData name="aryan vakharia" userId="52c2b478ce9f83b4" providerId="Windows Live" clId="Web-{768C5267-AE49-4532-8AEE-4B87197DF5C3}" dt="2023-11-22T15:02:14.610" v="114" actId="20577"/>
+        <pc:sldMkLst>
+          <pc:docMk/>
+          <pc:sldMk cId="4260394364" sldId="256"/>
+        </pc:sldMkLst>
+        <pc:spChg chg="mod">
+          <ac:chgData name="aryan vakharia" userId="52c2b478ce9f83b4" providerId="Windows Live" clId="Web-{768C5267-AE49-4532-8AEE-4B87197DF5C3}" dt="2023-11-22T15:02:14.610" v="114" actId="20577"/>
+          <ac:spMkLst>
+            <pc:docMk/>
+            <pc:sldMk cId="4260394364" sldId="256"/>
+            <ac:spMk id="45" creationId="{E9B2F742-D846-388D-FC1E-89639D67AE9A}"/>
+          </ac:spMkLst>
+        </pc:spChg>
+      </pc:sldChg>
+      <pc:sldChg chg="addSp delSp modSp">
+        <pc:chgData name="aryan vakharia" userId="52c2b478ce9f83b4" providerId="Windows Live" clId="Web-{768C5267-AE49-4532-8AEE-4B87197DF5C3}" dt="2023-11-22T15:00:13.325" v="103" actId="14100"/>
+        <pc:sldMkLst>
+          <pc:docMk/>
+          <pc:sldMk cId="3023639347" sldId="273"/>
+        </pc:sldMkLst>
+        <pc:spChg chg="add del mod">
+          <ac:chgData name="aryan vakharia" userId="52c2b478ce9f83b4" providerId="Windows Live" clId="Web-{768C5267-AE49-4532-8AEE-4B87197DF5C3}" dt="2023-11-22T14:59:51.855" v="97"/>
+          <ac:spMkLst>
+            <pc:docMk/>
+            <pc:sldMk cId="3023639347" sldId="273"/>
+            <ac:spMk id="4" creationId="{16ED07D4-C2D0-0A43-0388-7D7A3FC94A94}"/>
+          </ac:spMkLst>
+        </pc:spChg>
+        <pc:picChg chg="add mod ord">
+          <ac:chgData name="aryan vakharia" userId="52c2b478ce9f83b4" providerId="Windows Live" clId="Web-{768C5267-AE49-4532-8AEE-4B87197DF5C3}" dt="2023-11-22T15:00:13.325" v="103" actId="14100"/>
+          <ac:picMkLst>
+            <pc:docMk/>
+            <pc:sldMk cId="3023639347" sldId="273"/>
+            <ac:picMk id="5" creationId="{4D064E84-EEF6-3E02-3CF1-43937052BBEC}"/>
+          </ac:picMkLst>
+        </pc:picChg>
+        <pc:picChg chg="del">
+          <ac:chgData name="aryan vakharia" userId="52c2b478ce9f83b4" providerId="Windows Live" clId="Web-{768C5267-AE49-4532-8AEE-4B87197DF5C3}" dt="2023-11-22T14:59:48.543" v="96"/>
+          <ac:picMkLst>
+            <pc:docMk/>
+            <pc:sldMk cId="3023639347" sldId="273"/>
+            <ac:picMk id="6" creationId="{186D2A56-DDA1-CBA9-2A80-3A8A60E3D81C}"/>
+          </ac:picMkLst>
+        </pc:picChg>
+        <pc:picChg chg="add del mod">
+          <ac:chgData name="aryan vakharia" userId="52c2b478ce9f83b4" providerId="Windows Live" clId="Web-{768C5267-AE49-4532-8AEE-4B87197DF5C3}" dt="2023-11-22T14:59:56.012" v="99"/>
+          <ac:picMkLst>
+            <pc:docMk/>
+            <pc:sldMk cId="3023639347" sldId="273"/>
+            <ac:picMk id="8" creationId="{2750CD58-04DF-C139-58BE-05B83F8F5DC4}"/>
+          </ac:picMkLst>
+        </pc:picChg>
+      </pc:sldChg>
+      <pc:sldChg chg="delSp modSp">
+        <pc:chgData name="aryan vakharia" userId="52c2b478ce9f83b4" providerId="Windows Live" clId="Web-{768C5267-AE49-4532-8AEE-4B87197DF5C3}" dt="2023-11-22T14:32:41.859" v="20" actId="1076"/>
+        <pc:sldMkLst>
+          <pc:docMk/>
+          <pc:sldMk cId="3580402968" sldId="277"/>
+        </pc:sldMkLst>
+        <pc:spChg chg="mod">
+          <ac:chgData name="aryan vakharia" userId="52c2b478ce9f83b4" providerId="Windows Live" clId="Web-{768C5267-AE49-4532-8AEE-4B87197DF5C3}" dt="2023-11-22T14:32:41.859" v="20" actId="1076"/>
+          <ac:spMkLst>
+            <pc:docMk/>
+            <pc:sldMk cId="3580402968" sldId="277"/>
+            <ac:spMk id="2" creationId="{BC7B27F6-5627-40FB-834B-F28838085647}"/>
+          </ac:spMkLst>
+        </pc:spChg>
+        <pc:spChg chg="del">
+          <ac:chgData name="aryan vakharia" userId="52c2b478ce9f83b4" providerId="Windows Live" clId="Web-{768C5267-AE49-4532-8AEE-4B87197DF5C3}" dt="2023-11-22T14:32:19.451" v="13"/>
+          <ac:spMkLst>
+            <pc:docMk/>
+            <pc:sldMk cId="3580402968" sldId="277"/>
+            <ac:spMk id="3" creationId="{69A447D6-A663-9E9A-3106-F2039BC735A6}"/>
+          </ac:spMkLst>
+        </pc:spChg>
+      </pc:sldChg>
+      <pc:sldChg chg="addSp delSp modSp mod setBg">
+        <pc:chgData name="aryan vakharia" userId="52c2b478ce9f83b4" providerId="Windows Live" clId="Web-{768C5267-AE49-4532-8AEE-4B87197DF5C3}" dt="2023-11-22T14:44:06.352" v="43" actId="1076"/>
+        <pc:sldMkLst>
+          <pc:docMk/>
+          <pc:sldMk cId="3581344412" sldId="278"/>
+        </pc:sldMkLst>
+        <pc:spChg chg="mod">
+          <ac:chgData name="aryan vakharia" userId="52c2b478ce9f83b4" providerId="Windows Live" clId="Web-{768C5267-AE49-4532-8AEE-4B87197DF5C3}" dt="2023-11-22T14:43:22.679" v="33"/>
+          <ac:spMkLst>
+            <pc:docMk/>
+            <pc:sldMk cId="3581344412" sldId="278"/>
+            <ac:spMk id="2" creationId="{B2F0F58C-C378-8508-C14F-C003CA7B9509}"/>
+          </ac:spMkLst>
+        </pc:spChg>
+        <pc:spChg chg="add del">
+          <ac:chgData name="aryan vakharia" userId="52c2b478ce9f83b4" providerId="Windows Live" clId="Web-{768C5267-AE49-4532-8AEE-4B87197DF5C3}" dt="2023-11-22T14:43:40.523" v="35"/>
+          <ac:spMkLst>
+            <pc:docMk/>
+            <pc:sldMk cId="3581344412" sldId="278"/>
+            <ac:spMk id="3" creationId="{B16D1678-EEB1-B4E2-B7F1-917CB8A8F313}"/>
+          </ac:spMkLst>
+        </pc:spChg>
+        <pc:spChg chg="add del">
+          <ac:chgData name="aryan vakharia" userId="52c2b478ce9f83b4" providerId="Windows Live" clId="Web-{768C5267-AE49-4532-8AEE-4B87197DF5C3}" dt="2023-11-22T14:42:52.099" v="31"/>
+          <ac:spMkLst>
+            <pc:docMk/>
+            <pc:sldMk cId="3581344412" sldId="278"/>
+            <ac:spMk id="8" creationId="{803C0F23-553C-2206-3269-8E43489E3E58}"/>
+          </ac:spMkLst>
+        </pc:spChg>
+        <pc:spChg chg="add del">
+          <ac:chgData name="aryan vakharia" userId="52c2b478ce9f83b4" providerId="Windows Live" clId="Web-{768C5267-AE49-4532-8AEE-4B87197DF5C3}" dt="2023-11-22T14:42:52.099" v="31"/>
+          <ac:spMkLst>
+            <pc:docMk/>
+            <pc:sldMk cId="3581344412" sldId="278"/>
+            <ac:spMk id="11" creationId="{B2EC7880-C5D9-40A8-A6B0-3198AD07AD1B}"/>
+          </ac:spMkLst>
+        </pc:spChg>
+        <pc:spChg chg="add del">
+          <ac:chgData name="aryan vakharia" userId="52c2b478ce9f83b4" providerId="Windows Live" clId="Web-{768C5267-AE49-4532-8AEE-4B87197DF5C3}" dt="2023-11-22T14:42:52.099" v="31"/>
+          <ac:spMkLst>
+            <pc:docMk/>
+            <pc:sldMk cId="3581344412" sldId="278"/>
+            <ac:spMk id="13" creationId="{94543A62-A2AB-454A-878E-D3D9190D5FC7}"/>
+          </ac:spMkLst>
+        </pc:spChg>
+        <pc:spChg chg="add del">
+          <ac:chgData name="aryan vakharia" userId="52c2b478ce9f83b4" providerId="Windows Live" clId="Web-{768C5267-AE49-4532-8AEE-4B87197DF5C3}" dt="2023-11-22T14:42:52.099" v="31"/>
+          <ac:spMkLst>
+            <pc:docMk/>
+            <pc:sldMk cId="3581344412" sldId="278"/>
+            <ac:spMk id="15" creationId="{50553464-41F1-4160-9D02-7C5EC7013BDA}"/>
+          </ac:spMkLst>
+        </pc:spChg>
+        <pc:spChg chg="add del">
+          <ac:chgData name="aryan vakharia" userId="52c2b478ce9f83b4" providerId="Windows Live" clId="Web-{768C5267-AE49-4532-8AEE-4B87197DF5C3}" dt="2023-11-22T14:43:22.679" v="33"/>
+          <ac:spMkLst>
+            <pc:docMk/>
+            <pc:sldMk cId="3581344412" sldId="278"/>
+            <ac:spMk id="17" creationId="{3F4C104D-5F30-4811-9376-566B26E4719A}"/>
+          </ac:spMkLst>
+        </pc:spChg>
+        <pc:spChg chg="add del">
+          <ac:chgData name="aryan vakharia" userId="52c2b478ce9f83b4" providerId="Windows Live" clId="Web-{768C5267-AE49-4532-8AEE-4B87197DF5C3}" dt="2023-11-22T14:43:22.679" v="33"/>
+          <ac:spMkLst>
+            <pc:docMk/>
+            <pc:sldMk cId="3581344412" sldId="278"/>
+            <ac:spMk id="18" creationId="{0815E34B-5D02-4E01-A936-E8E1C0AB6F12}"/>
+          </ac:spMkLst>
+        </pc:spChg>
+        <pc:spChg chg="add del">
+          <ac:chgData name="aryan vakharia" userId="52c2b478ce9f83b4" providerId="Windows Live" clId="Web-{768C5267-AE49-4532-8AEE-4B87197DF5C3}" dt="2023-11-22T14:43:22.679" v="33"/>
+          <ac:spMkLst>
+            <pc:docMk/>
+            <pc:sldMk cId="3581344412" sldId="278"/>
+            <ac:spMk id="19" creationId="{264667E1-9A94-FE75-DB2B-38F8C877F029}"/>
+          </ac:spMkLst>
+        </pc:spChg>
+        <pc:spChg chg="add del">
+          <ac:chgData name="aryan vakharia" userId="52c2b478ce9f83b4" providerId="Windows Live" clId="Web-{768C5267-AE49-4532-8AEE-4B87197DF5C3}" dt="2023-11-22T14:43:22.679" v="33"/>
+          <ac:spMkLst>
+            <pc:docMk/>
+            <pc:sldMk cId="3581344412" sldId="278"/>
+            <ac:spMk id="20" creationId="{7DE3414B-B032-4710-A468-D3285E38C5FF}"/>
+          </ac:spMkLst>
+        </pc:spChg>
+        <pc:picChg chg="add del mod ord">
+          <ac:chgData name="aryan vakharia" userId="52c2b478ce9f83b4" providerId="Windows Live" clId="Web-{768C5267-AE49-4532-8AEE-4B87197DF5C3}" dt="2023-11-22T14:43:23.804" v="34"/>
+          <ac:picMkLst>
+            <pc:docMk/>
+            <pc:sldMk cId="3581344412" sldId="278"/>
+            <ac:picMk id="4" creationId="{2D1540D8-3165-C363-7F93-2A049A6DEAA8}"/>
+          </ac:picMkLst>
+        </pc:picChg>
+        <pc:picChg chg="add mod ord">
+          <ac:chgData name="aryan vakharia" userId="52c2b478ce9f83b4" providerId="Windows Live" clId="Web-{768C5267-AE49-4532-8AEE-4B87197DF5C3}" dt="2023-11-22T14:44:06.352" v="43" actId="1076"/>
+          <ac:picMkLst>
+            <pc:docMk/>
+            <pc:sldMk cId="3581344412" sldId="278"/>
+            <ac:picMk id="5" creationId="{8D48E0B9-A830-4B30-D107-59928CEEFCC0}"/>
+          </ac:picMkLst>
+        </pc:picChg>
+      </pc:sldChg>
+      <pc:sldChg chg="addSp delSp modSp ord">
+        <pc:chgData name="aryan vakharia" userId="52c2b478ce9f83b4" providerId="Windows Live" clId="Web-{768C5267-AE49-4532-8AEE-4B87197DF5C3}" dt="2023-11-22T14:52:13.698" v="95"/>
+        <pc:sldMkLst>
+          <pc:docMk/>
+          <pc:sldMk cId="1522386170" sldId="279"/>
+        </pc:sldMkLst>
+        <pc:spChg chg="mod">
+          <ac:chgData name="aryan vakharia" userId="52c2b478ce9f83b4" providerId="Windows Live" clId="Web-{768C5267-AE49-4532-8AEE-4B87197DF5C3}" dt="2023-11-22T14:49:20.301" v="74" actId="1076"/>
+          <ac:spMkLst>
+            <pc:docMk/>
+            <pc:sldMk cId="1522386170" sldId="279"/>
+            <ac:spMk id="2" creationId="{C6774039-EE80-BD5B-5A1D-12A77CD99984}"/>
+          </ac:spMkLst>
+        </pc:spChg>
+        <pc:spChg chg="del">
+          <ac:chgData name="aryan vakharia" userId="52c2b478ce9f83b4" providerId="Windows Live" clId="Web-{768C5267-AE49-4532-8AEE-4B87197DF5C3}" dt="2023-11-22T14:49:36.083" v="75"/>
+          <ac:spMkLst>
+            <pc:docMk/>
+            <pc:sldMk cId="1522386170" sldId="279"/>
+            <ac:spMk id="3" creationId="{B5CE5D92-8637-8FC7-3C1A-EDF2CFAE5D96}"/>
+          </ac:spMkLst>
+        </pc:spChg>
+        <pc:spChg chg="add del mod">
+          <ac:chgData name="aryan vakharia" userId="52c2b478ce9f83b4" providerId="Windows Live" clId="Web-{768C5267-AE49-4532-8AEE-4B87197DF5C3}" dt="2023-11-22T14:49:47.693" v="77"/>
+          <ac:spMkLst>
+            <pc:docMk/>
+            <pc:sldMk cId="1522386170" sldId="279"/>
+            <ac:spMk id="6" creationId="{5440B336-4B5D-ADD5-D722-1F047E24978A}"/>
+          </ac:spMkLst>
+        </pc:spChg>
+        <pc:picChg chg="add del mod ord">
+          <ac:chgData name="aryan vakharia" userId="52c2b478ce9f83b4" providerId="Windows Live" clId="Web-{768C5267-AE49-4532-8AEE-4B87197DF5C3}" dt="2023-11-22T14:49:40.333" v="76"/>
+          <ac:picMkLst>
+            <pc:docMk/>
+            <pc:sldMk cId="1522386170" sldId="279"/>
+            <ac:picMk id="4" creationId="{7C0DC7D8-D2F2-C687-F448-3C477040668F}"/>
+          </ac:picMkLst>
+        </pc:picChg>
+        <pc:picChg chg="add mod ord">
+          <ac:chgData name="aryan vakharia" userId="52c2b478ce9f83b4" providerId="Windows Live" clId="Web-{768C5267-AE49-4532-8AEE-4B87197DF5C3}" dt="2023-11-22T14:50:17.538" v="84" actId="1076"/>
+          <ac:picMkLst>
+            <pc:docMk/>
+            <pc:sldMk cId="1522386170" sldId="279"/>
+            <ac:picMk id="7" creationId="{ABC06A9C-A083-74D7-F96A-7C95B1B23D83}"/>
+          </ac:picMkLst>
+        </pc:picChg>
+      </pc:sldChg>
+      <pc:sldChg chg="addSp delSp modSp new">
+        <pc:chgData name="aryan vakharia" userId="52c2b478ce9f83b4" providerId="Windows Live" clId="Web-{768C5267-AE49-4532-8AEE-4B87197DF5C3}" dt="2023-11-22T14:48:06.798" v="68" actId="1076"/>
+        <pc:sldMkLst>
+          <pc:docMk/>
+          <pc:sldMk cId="828683039" sldId="280"/>
+        </pc:sldMkLst>
+        <pc:spChg chg="mod">
+          <ac:chgData name="aryan vakharia" userId="52c2b478ce9f83b4" providerId="Windows Live" clId="Web-{768C5267-AE49-4532-8AEE-4B87197DF5C3}" dt="2023-11-22T14:45:59.091" v="53" actId="1076"/>
+          <ac:spMkLst>
+            <pc:docMk/>
+            <pc:sldMk cId="828683039" sldId="280"/>
+            <ac:spMk id="2" creationId="{C6873E55-F160-9772-67D7-AC2A66D8BCAC}"/>
+          </ac:spMkLst>
+        </pc:spChg>
+        <pc:spChg chg="del">
+          <ac:chgData name="aryan vakharia" userId="52c2b478ce9f83b4" providerId="Windows Live" clId="Web-{768C5267-AE49-4532-8AEE-4B87197DF5C3}" dt="2023-11-22T14:46:12.841" v="54"/>
+          <ac:spMkLst>
+            <pc:docMk/>
+            <pc:sldMk cId="828683039" sldId="280"/>
+            <ac:spMk id="3" creationId="{A0FC47BA-936B-0534-8621-568CA794C218}"/>
+          </ac:spMkLst>
+        </pc:spChg>
+        <pc:spChg chg="add del mod">
+          <ac:chgData name="aryan vakharia" userId="52c2b478ce9f83b4" providerId="Windows Live" clId="Web-{768C5267-AE49-4532-8AEE-4B87197DF5C3}" dt="2023-11-22T14:46:29.045" v="56"/>
+          <ac:spMkLst>
+            <pc:docMk/>
+            <pc:sldMk cId="828683039" sldId="280"/>
+            <ac:spMk id="6" creationId="{1A4A9D81-3C53-FF58-CEA6-9DEF660FA45B}"/>
+          </ac:spMkLst>
+        </pc:spChg>
+        <pc:spChg chg="add del mod">
+          <ac:chgData name="aryan vakharia" userId="52c2b478ce9f83b4" providerId="Windows Live" clId="Web-{768C5267-AE49-4532-8AEE-4B87197DF5C3}" dt="2023-11-22T14:46:59.296" v="59"/>
+          <ac:spMkLst>
+            <pc:docMk/>
+            <pc:sldMk cId="828683039" sldId="280"/>
+            <ac:spMk id="9" creationId="{C5A89F71-5211-1693-B07C-AC9052A9F7C8}"/>
+          </ac:spMkLst>
+        </pc:spChg>
+        <pc:picChg chg="add del mod ord">
+          <ac:chgData name="aryan vakharia" userId="52c2b478ce9f83b4" providerId="Windows Live" clId="Web-{768C5267-AE49-4532-8AEE-4B87197DF5C3}" dt="2023-11-22T14:46:17.091" v="55"/>
+          <ac:picMkLst>
+            <pc:docMk/>
+            <pc:sldMk cId="828683039" sldId="280"/>
+            <ac:picMk id="4" creationId="{1C568A52-236E-8C2C-DE41-03D6C96C0813}"/>
+          </ac:picMkLst>
+        </pc:picChg>
+        <pc:picChg chg="add del mod ord">
+          <ac:chgData name="aryan vakharia" userId="52c2b478ce9f83b4" providerId="Windows Live" clId="Web-{768C5267-AE49-4532-8AEE-4B87197DF5C3}" dt="2023-11-22T14:46:45.217" v="58"/>
+          <ac:picMkLst>
+            <pc:docMk/>
+            <pc:sldMk cId="828683039" sldId="280"/>
+            <ac:picMk id="7" creationId="{E36373EF-647F-CF0B-1375-F6DC12C88E1D}"/>
+          </ac:picMkLst>
+        </pc:picChg>
+        <pc:picChg chg="add mod ord modCrop">
+          <ac:chgData name="aryan vakharia" userId="52c2b478ce9f83b4" providerId="Windows Live" clId="Web-{768C5267-AE49-4532-8AEE-4B87197DF5C3}" dt="2023-11-22T14:48:06.798" v="68" actId="1076"/>
+          <ac:picMkLst>
+            <pc:docMk/>
+            <pc:sldMk cId="828683039" sldId="280"/>
+            <ac:picMk id="10" creationId="{B351EB9F-2475-C3ED-4359-40CFD612618E}"/>
+          </ac:picMkLst>
+        </pc:picChg>
+      </pc:sldChg>
+      <pc:sldChg chg="addSp delSp modSp new ord">
+        <pc:chgData name="aryan vakharia" userId="52c2b478ce9f83b4" providerId="Windows Live" clId="Web-{768C5267-AE49-4532-8AEE-4B87197DF5C3}" dt="2023-11-22T14:52:06.760" v="94"/>
+        <pc:sldMkLst>
+          <pc:docMk/>
+          <pc:sldMk cId="3498562304" sldId="281"/>
+        </pc:sldMkLst>
+        <pc:spChg chg="mod">
+          <ac:chgData name="aryan vakharia" userId="52c2b478ce9f83b4" providerId="Windows Live" clId="Web-{768C5267-AE49-4532-8AEE-4B87197DF5C3}" dt="2023-11-22T14:51:21.134" v="90" actId="14100"/>
+          <ac:spMkLst>
+            <pc:docMk/>
+            <pc:sldMk cId="3498562304" sldId="281"/>
+            <ac:spMk id="2" creationId="{E77317EB-4399-07A0-C671-CD7F4BBF3A13}"/>
+          </ac:spMkLst>
+        </pc:spChg>
+        <pc:spChg chg="del">
+          <ac:chgData name="aryan vakharia" userId="52c2b478ce9f83b4" providerId="Windows Live" clId="Web-{768C5267-AE49-4532-8AEE-4B87197DF5C3}" dt="2023-11-22T14:51:31.743" v="91"/>
+          <ac:spMkLst>
+            <pc:docMk/>
+            <pc:sldMk cId="3498562304" sldId="281"/>
+            <ac:spMk id="3" creationId="{319DC172-0523-EA9D-B7ED-535A26889567}"/>
+          </ac:spMkLst>
+        </pc:spChg>
+        <pc:picChg chg="add mod ord">
+          <ac:chgData name="aryan vakharia" userId="52c2b478ce9f83b4" providerId="Windows Live" clId="Web-{768C5267-AE49-4532-8AEE-4B87197DF5C3}" dt="2023-11-22T14:51:39.025" v="93" actId="1076"/>
+          <ac:picMkLst>
+            <pc:docMk/>
+            <pc:sldMk cId="3498562304" sldId="281"/>
+            <ac:picMk id="4" creationId="{6FEAAD3F-6E80-E2E7-4BAA-8F3CDAB551FE}"/>
+          </ac:picMkLst>
+        </pc:picChg>
+      </pc:sldChg>
+    </pc:docChg>
+  </pc:docChgLst>
+  <pc:docChgLst>
+    <pc:chgData name="Guest User" providerId="Windows Live" clId="Web-{615AC989-90B3-460B-9E87-62FC9E804547}"/>
+    <pc:docChg chg="modSld">
+      <pc:chgData name="Guest User" userId="" providerId="Windows Live" clId="Web-{615AC989-90B3-460B-9E87-62FC9E804547}" dt="2023-11-23T08:01:55.350" v="29" actId="20577"/>
+      <pc:docMkLst>
+        <pc:docMk/>
+      </pc:docMkLst>
+      <pc:sldChg chg="addSp modSp">
+        <pc:chgData name="Guest User" userId="" providerId="Windows Live" clId="Web-{615AC989-90B3-460B-9E87-62FC9E804547}" dt="2023-11-23T08:01:55.350" v="29" actId="20577"/>
+        <pc:sldMkLst>
+          <pc:docMk/>
+          <pc:sldMk cId="2941569670" sldId="286"/>
+        </pc:sldMkLst>
+        <pc:spChg chg="add mod">
+          <ac:chgData name="Guest User" userId="" providerId="Windows Live" clId="Web-{615AC989-90B3-460B-9E87-62FC9E804547}" dt="2023-11-23T08:01:55.350" v="29" actId="20577"/>
+          <ac:spMkLst>
+            <pc:docMk/>
+            <pc:sldMk cId="2941569670" sldId="286"/>
+            <ac:spMk id="2" creationId="{49C9DB22-761E-0082-2469-0BF90E7A9D8C}"/>
+          </ac:spMkLst>
+        </pc:spChg>
+      </pc:sldChg>
+    </pc:docChg>
+  </pc:docChgLst>
+  <pc:docChgLst>
+    <pc:chgData name="Amar Vajjhala" userId="0270b2584698957c" providerId="Windows Live" clId="Web-{7F331373-E278-41B6-BA63-8451AED9C48B}"/>
+    <pc:docChg chg="modSld">
+      <pc:chgData name="Amar Vajjhala" userId="0270b2584698957c" providerId="Windows Live" clId="Web-{7F331373-E278-41B6-BA63-8451AED9C48B}" dt="2023-11-23T13:53:59.149" v="32" actId="1076"/>
+      <pc:docMkLst>
+        <pc:docMk/>
+      </pc:docMkLst>
+      <pc:sldChg chg="modSp">
+        <pc:chgData name="Amar Vajjhala" userId="0270b2584698957c" providerId="Windows Live" clId="Web-{7F331373-E278-41B6-BA63-8451AED9C48B}" dt="2023-11-23T13:52:59.585" v="28" actId="20577"/>
+        <pc:sldMkLst>
+          <pc:docMk/>
+          <pc:sldMk cId="4260394364" sldId="256"/>
+        </pc:sldMkLst>
+        <pc:spChg chg="mod">
+          <ac:chgData name="Amar Vajjhala" userId="0270b2584698957c" providerId="Windows Live" clId="Web-{7F331373-E278-41B6-BA63-8451AED9C48B}" dt="2023-11-23T13:52:59.585" v="28" actId="20577"/>
+          <ac:spMkLst>
+            <pc:docMk/>
+            <pc:sldMk cId="4260394364" sldId="256"/>
+            <ac:spMk id="2" creationId="{9E424393-3437-30CD-A74B-5937D270E534}"/>
+          </ac:spMkLst>
+        </pc:spChg>
+        <pc:spChg chg="mod">
+          <ac:chgData name="Amar Vajjhala" userId="0270b2584698957c" providerId="Windows Live" clId="Web-{7F331373-E278-41B6-BA63-8451AED9C48B}" dt="2023-11-23T13:52:30.068" v="19" actId="20577"/>
+          <ac:spMkLst>
+            <pc:docMk/>
+            <pc:sldMk cId="4260394364" sldId="256"/>
+            <ac:spMk id="44" creationId="{013AAACF-D639-04CE-E0A3-F5C2AF5D29BF}"/>
+          </ac:spMkLst>
+        </pc:spChg>
+        <pc:picChg chg="mod">
+          <ac:chgData name="Amar Vajjhala" userId="0270b2584698957c" providerId="Windows Live" clId="Web-{7F331373-E278-41B6-BA63-8451AED9C48B}" dt="2023-11-23T13:51:54.458" v="2" actId="1076"/>
+          <ac:picMkLst>
+            <pc:docMk/>
+            <pc:sldMk cId="4260394364" sldId="256"/>
+            <ac:picMk id="3" creationId="{B80F0153-33BB-708A-1290-863FAEC7C274}"/>
+          </ac:picMkLst>
+        </pc:picChg>
+        <pc:picChg chg="mod">
+          <ac:chgData name="Amar Vajjhala" userId="0270b2584698957c" providerId="Windows Live" clId="Web-{7F331373-E278-41B6-BA63-8451AED9C48B}" dt="2023-11-23T13:51:57.239" v="3" actId="1076"/>
+          <ac:picMkLst>
+            <pc:docMk/>
+            <pc:sldMk cId="4260394364" sldId="256"/>
+            <ac:picMk id="8" creationId="{B521FE1E-FFBB-A7A8-0CF7-9A4CDE1FFFCE}"/>
+          </ac:picMkLst>
+        </pc:picChg>
+      </pc:sldChg>
+      <pc:sldChg chg="modSp">
+        <pc:chgData name="Amar Vajjhala" userId="0270b2584698957c" providerId="Windows Live" clId="Web-{7F331373-E278-41B6-BA63-8451AED9C48B}" dt="2023-11-23T13:53:59.149" v="32" actId="1076"/>
+        <pc:sldMkLst>
+          <pc:docMk/>
+          <pc:sldMk cId="180968550" sldId="258"/>
+        </pc:sldMkLst>
+        <pc:spChg chg="mod">
+          <ac:chgData name="Amar Vajjhala" userId="0270b2584698957c" providerId="Windows Live" clId="Web-{7F331373-E278-41B6-BA63-8451AED9C48B}" dt="2023-11-23T13:53:59.149" v="32" actId="1076"/>
+          <ac:spMkLst>
+            <pc:docMk/>
+            <pc:sldMk cId="180968550" sldId="258"/>
+            <ac:spMk id="4" creationId="{706CCC07-A8D3-F5BF-E990-3C5F8056BCF1}"/>
+          </ac:spMkLst>
+        </pc:spChg>
+      </pc:sldChg>
+      <pc:sldChg chg="modSp">
+        <pc:chgData name="Amar Vajjhala" userId="0270b2584698957c" providerId="Windows Live" clId="Web-{7F331373-E278-41B6-BA63-8451AED9C48B}" dt="2023-11-23T13:53:21.382" v="31"/>
+        <pc:sldMkLst>
+          <pc:docMk/>
+          <pc:sldMk cId="3453967955" sldId="288"/>
+        </pc:sldMkLst>
+        <pc:spChg chg="mod">
+          <ac:chgData name="Amar Vajjhala" userId="0270b2584698957c" providerId="Windows Live" clId="Web-{7F331373-E278-41B6-BA63-8451AED9C48B}" dt="2023-11-23T13:53:21.335" v="29"/>
+          <ac:spMkLst>
+            <pc:docMk/>
+            <pc:sldMk cId="3453967955" sldId="288"/>
+            <ac:spMk id="22" creationId="{7B168856-CB4D-854F-91E0-F66DE3C9B73E}"/>
+          </ac:spMkLst>
+        </pc:spChg>
+        <pc:spChg chg="mod">
+          <ac:chgData name="Amar Vajjhala" userId="0270b2584698957c" providerId="Windows Live" clId="Web-{7F331373-E278-41B6-BA63-8451AED9C48B}" dt="2023-11-23T13:53:21.367" v="30"/>
+          <ac:spMkLst>
+            <pc:docMk/>
+            <pc:sldMk cId="3453967955" sldId="288"/>
+            <ac:spMk id="23" creationId="{917B9156-2EA5-02FB-E88E-92A8E5802332}"/>
+          </ac:spMkLst>
+        </pc:spChg>
+        <pc:spChg chg="mod">
+          <ac:chgData name="Amar Vajjhala" userId="0270b2584698957c" providerId="Windows Live" clId="Web-{7F331373-E278-41B6-BA63-8451AED9C48B}" dt="2023-11-23T13:53:21.382" v="31"/>
+          <ac:spMkLst>
+            <pc:docMk/>
+            <pc:sldMk cId="3453967955" sldId="288"/>
+            <ac:spMk id="24" creationId="{79310E45-0AD5-68D9-1019-1CD64D64D34C}"/>
+          </ac:spMkLst>
+        </pc:spChg>
+      </pc:sldChg>
+    </pc:docChg>
+  </pc:docChgLst>
+  <pc:docChgLst>
+    <pc:chgData name="Guest User" providerId="Windows Live" clId="Web-{DCAB3DE6-78E2-491B-82E0-5937B8D459F5}"/>
+    <pc:docChg chg="addSld modSld sldOrd">
+      <pc:chgData name="Guest User" userId="" providerId="Windows Live" clId="Web-{DCAB3DE6-78E2-491B-82E0-5937B8D459F5}" dt="2024-01-25T07:04:35.606" v="194"/>
+      <pc:docMkLst>
+        <pc:docMk/>
+      </pc:docMkLst>
+      <pc:sldChg chg="ord">
+        <pc:chgData name="Guest User" userId="" providerId="Windows Live" clId="Web-{DCAB3DE6-78E2-491B-82E0-5937B8D459F5}" dt="2024-01-25T07:02:38.619" v="190"/>
+        <pc:sldMkLst>
+          <pc:docMk/>
+          <pc:sldMk cId="2360101881" sldId="274"/>
+        </pc:sldMkLst>
+      </pc:sldChg>
+      <pc:sldChg chg="modSp">
+        <pc:chgData name="Guest User" userId="" providerId="Windows Live" clId="Web-{DCAB3DE6-78E2-491B-82E0-5937B8D459F5}" dt="2024-01-25T07:01:18.805" v="189" actId="1076"/>
+        <pc:sldMkLst>
+          <pc:docMk/>
+          <pc:sldMk cId="2941569670" sldId="286"/>
+        </pc:sldMkLst>
+        <pc:spChg chg="mod">
+          <ac:chgData name="Guest User" userId="" providerId="Windows Live" clId="Web-{DCAB3DE6-78E2-491B-82E0-5937B8D459F5}" dt="2024-01-25T07:01:04.570" v="187" actId="1076"/>
+          <ac:spMkLst>
+            <pc:docMk/>
+            <pc:sldMk cId="2941569670" sldId="286"/>
+            <ac:spMk id="2" creationId="{49C9DB22-761E-0082-2469-0BF90E7A9D8C}"/>
+          </ac:spMkLst>
+        </pc:spChg>
+        <pc:spChg chg="mod">
+          <ac:chgData name="Guest User" userId="" providerId="Windows Live" clId="Web-{DCAB3DE6-78E2-491B-82E0-5937B8D459F5}" dt="2024-01-25T07:00:49.242" v="186" actId="1076"/>
+          <ac:spMkLst>
+            <pc:docMk/>
+            <pc:sldMk cId="2941569670" sldId="286"/>
+            <ac:spMk id="4" creationId="{6EE1F628-0009-5563-8787-D322BE8D7F84}"/>
+          </ac:spMkLst>
+        </pc:spChg>
+        <pc:spChg chg="mod">
+          <ac:chgData name="Guest User" userId="" providerId="Windows Live" clId="Web-{DCAB3DE6-78E2-491B-82E0-5937B8D459F5}" dt="2024-01-25T07:01:18.805" v="189" actId="1076"/>
+          <ac:spMkLst>
+            <pc:docMk/>
+            <pc:sldMk cId="2941569670" sldId="286"/>
+            <ac:spMk id="5" creationId="{DF366EA1-622F-FE08-7053-1E25D39BCD23}"/>
+          </ac:spMkLst>
+        </pc:spChg>
+        <pc:picChg chg="mod">
+          <ac:chgData name="Guest User" userId="" providerId="Windows Live" clId="Web-{DCAB3DE6-78E2-491B-82E0-5937B8D459F5}" dt="2024-01-25T07:00:18.022" v="181" actId="1076"/>
+          <ac:picMkLst>
+            <pc:docMk/>
+            <pc:sldMk cId="2941569670" sldId="286"/>
+            <ac:picMk id="6148" creationId="{55936FA0-F141-FABA-DFF3-CEE41C09B52A}"/>
+          </ac:picMkLst>
+        </pc:picChg>
+      </pc:sldChg>
+      <pc:sldChg chg="modSp">
+        <pc:chgData name="Guest User" userId="" providerId="Windows Live" clId="Web-{DCAB3DE6-78E2-491B-82E0-5937B8D459F5}" dt="2024-01-25T07:04:35.606" v="194"/>
+        <pc:sldMkLst>
+          <pc:docMk/>
+          <pc:sldMk cId="2022322490" sldId="289"/>
+        </pc:sldMkLst>
+        <pc:graphicFrameChg chg="mod modGraphic">
+          <ac:chgData name="Guest User" userId="" providerId="Windows Live" clId="Web-{DCAB3DE6-78E2-491B-82E0-5937B8D459F5}" dt="2024-01-25T07:04:35.606" v="194"/>
+          <ac:graphicFrameMkLst>
+            <pc:docMk/>
+            <pc:sldMk cId="2022322490" sldId="289"/>
+            <ac:graphicFrameMk id="4" creationId="{844DA423-0912-3C55-AE8F-74763E853AF4}"/>
+          </ac:graphicFrameMkLst>
+        </pc:graphicFrameChg>
+      </pc:sldChg>
+      <pc:sldChg chg="addSp delSp modSp">
+        <pc:chgData name="Guest User" userId="" providerId="Windows Live" clId="Web-{DCAB3DE6-78E2-491B-82E0-5937B8D459F5}" dt="2024-01-25T06:52:03.012" v="77" actId="1076"/>
+        <pc:sldMkLst>
+          <pc:docMk/>
+          <pc:sldMk cId="245740127" sldId="292"/>
+        </pc:sldMkLst>
+        <pc:spChg chg="add del">
+          <ac:chgData name="Guest User" userId="" providerId="Windows Live" clId="Web-{DCAB3DE6-78E2-491B-82E0-5937B8D459F5}" dt="2024-01-25T06:39:15.825" v="1"/>
+          <ac:spMkLst>
+            <pc:docMk/>
+            <pc:sldMk cId="245740127" sldId="292"/>
+            <ac:spMk id="2" creationId="{A14B2E2D-A2BA-1023-F5A2-98A804FC32A3}"/>
+          </ac:spMkLst>
+        </pc:spChg>
+        <pc:spChg chg="add del">
+          <ac:chgData name="Guest User" userId="" providerId="Windows Live" clId="Web-{DCAB3DE6-78E2-491B-82E0-5937B8D459F5}" dt="2024-01-25T06:49:00.134" v="34"/>
+          <ac:spMkLst>
+            <pc:docMk/>
+            <pc:sldMk cId="245740127" sldId="292"/>
+            <ac:spMk id="3" creationId="{53ADD105-AAED-AF5F-9A16-9751957F791E}"/>
+          </ac:spMkLst>
+        </pc:spChg>
+        <pc:spChg chg="add mod">
+          <ac:chgData name="Guest User" userId="" providerId="Windows Live" clId="Web-{DCAB3DE6-78E2-491B-82E0-5937B8D459F5}" dt="2024-01-25T06:51:48.715" v="76" actId="1076"/>
+          <ac:spMkLst>
+            <pc:docMk/>
+            <pc:sldMk cId="245740127" sldId="292"/>
+            <ac:spMk id="7" creationId="{BB1EA265-0033-28ED-BD6C-089DBF0B5574}"/>
+          </ac:spMkLst>
+        </pc:spChg>
+        <pc:spChg chg="add mod">
+          <ac:chgData name="Guest User" userId="" providerId="Windows Live" clId="Web-{DCAB3DE6-78E2-491B-82E0-5937B8D459F5}" dt="2024-01-25T06:52:03.012" v="77" actId="1076"/>
+          <ac:spMkLst>
+            <pc:docMk/>
+            <pc:sldMk cId="245740127" sldId="292"/>
+            <ac:spMk id="8" creationId="{96BDA036-FC71-2FE2-7A50-7C6ED49F9F03}"/>
+          </ac:spMkLst>
+        </pc:spChg>
+        <pc:picChg chg="mod">
+          <ac:chgData name="Guest User" userId="" providerId="Windows Live" clId="Web-{DCAB3DE6-78E2-491B-82E0-5937B8D459F5}" dt="2024-01-25T06:47:30.413" v="31" actId="1076"/>
+          <ac:picMkLst>
+            <pc:docMk/>
+            <pc:sldMk cId="245740127" sldId="292"/>
+            <ac:picMk id="5" creationId="{4796CC66-7BA2-4147-55BB-05AC018EC0AD}"/>
+          </ac:picMkLst>
+        </pc:picChg>
+        <pc:picChg chg="mod">
+          <ac:chgData name="Guest User" userId="" providerId="Windows Live" clId="Web-{DCAB3DE6-78E2-491B-82E0-5937B8D459F5}" dt="2024-01-25T06:47:31.085" v="32" actId="1076"/>
+          <ac:picMkLst>
+            <pc:docMk/>
+            <pc:sldMk cId="245740127" sldId="292"/>
+            <ac:picMk id="6" creationId="{55E406D5-DB36-3B99-D2AF-A39228412374}"/>
+          </ac:picMkLst>
+        </pc:picChg>
+      </pc:sldChg>
+      <pc:sldChg chg="addSp delSp modSp new">
+        <pc:chgData name="Guest User" userId="" providerId="Windows Live" clId="Web-{DCAB3DE6-78E2-491B-82E0-5937B8D459F5}" dt="2024-01-25T06:54:26.078" v="100" actId="1076"/>
+        <pc:sldMkLst>
+          <pc:docMk/>
+          <pc:sldMk cId="3927742526" sldId="293"/>
+        </pc:sldMkLst>
+        <pc:spChg chg="del">
+          <ac:chgData name="Guest User" userId="" providerId="Windows Live" clId="Web-{DCAB3DE6-78E2-491B-82E0-5937B8D459F5}" dt="2024-01-25T06:40:40.592" v="6"/>
+          <ac:spMkLst>
+            <pc:docMk/>
+            <pc:sldMk cId="3927742526" sldId="293"/>
+            <ac:spMk id="2" creationId="{CB456240-5664-34B8-A886-7F2AA0E6B5DF}"/>
+          </ac:spMkLst>
+        </pc:spChg>
+        <pc:spChg chg="del mod">
+          <ac:chgData name="Guest User" userId="" providerId="Windows Live" clId="Web-{DCAB3DE6-78E2-491B-82E0-5937B8D459F5}" dt="2024-01-25T06:40:36.967" v="5"/>
+          <ac:spMkLst>
+            <pc:docMk/>
+            <pc:sldMk cId="3927742526" sldId="293"/>
+            <ac:spMk id="3" creationId="{AEEF58F7-8ECC-0126-46A8-AF782179CB9A}"/>
+          </ac:spMkLst>
+        </pc:spChg>
+        <pc:spChg chg="add del">
+          <ac:chgData name="Guest User" userId="" providerId="Windows Live" clId="Web-{DCAB3DE6-78E2-491B-82E0-5937B8D459F5}" dt="2024-01-25T06:53:27.248" v="82"/>
+          <ac:spMkLst>
+            <pc:docMk/>
+            <pc:sldMk cId="3927742526" sldId="293"/>
+            <ac:spMk id="8" creationId="{FE3AE53E-9FBF-40C6-A8A4-94CEF8AFC136}"/>
+          </ac:spMkLst>
+        </pc:spChg>
+        <pc:spChg chg="add del mod">
+          <ac:chgData name="Guest User" userId="" providerId="Windows Live" clId="Web-{DCAB3DE6-78E2-491B-82E0-5937B8D459F5}" dt="2024-01-25T06:53:20.217" v="81"/>
+          <ac:spMkLst>
+            <pc:docMk/>
+            <pc:sldMk cId="3927742526" sldId="293"/>
+            <ac:spMk id="10" creationId="{D4F8C20D-7D80-2A77-D48E-1456D0840000}"/>
+          </ac:spMkLst>
+        </pc:spChg>
+        <pc:spChg chg="add mod">
+          <ac:chgData name="Guest User" userId="" providerId="Windows Live" clId="Web-{DCAB3DE6-78E2-491B-82E0-5937B8D459F5}" dt="2024-01-25T06:54:06.484" v="94" actId="20577"/>
+          <ac:spMkLst>
+            <pc:docMk/>
+            <pc:sldMk cId="3927742526" sldId="293"/>
+            <ac:spMk id="12" creationId="{398C5C20-C632-DD69-4991-42FBBB77BA9D}"/>
+          </ac:spMkLst>
+        </pc:spChg>
+        <pc:spChg chg="add mod">
+          <ac:chgData name="Guest User" userId="" providerId="Windows Live" clId="Web-{DCAB3DE6-78E2-491B-82E0-5937B8D459F5}" dt="2024-01-25T06:54:26.078" v="100" actId="1076"/>
+          <ac:spMkLst>
+            <pc:docMk/>
+            <pc:sldMk cId="3927742526" sldId="293"/>
+            <ac:spMk id="14" creationId="{E14D8670-C555-62CE-C99C-AA75EDC5C6D5}"/>
+          </ac:spMkLst>
+        </pc:spChg>
+        <pc:picChg chg="add mod">
+          <ac:chgData name="Guest User" userId="" providerId="Windows Live" clId="Web-{DCAB3DE6-78E2-491B-82E0-5937B8D459F5}" dt="2024-01-25T06:44:29.128" v="11" actId="1076"/>
+          <ac:picMkLst>
+            <pc:docMk/>
+            <pc:sldMk cId="3927742526" sldId="293"/>
+            <ac:picMk id="5" creationId="{77D9E7FE-2356-B42B-C8FB-7EA46626C081}"/>
+          </ac:picMkLst>
+        </pc:picChg>
+        <pc:picChg chg="add mod">
+          <ac:chgData name="Guest User" userId="" providerId="Windows Live" clId="Web-{DCAB3DE6-78E2-491B-82E0-5937B8D459F5}" dt="2024-01-25T06:44:26.753" v="10" actId="1076"/>
+          <ac:picMkLst>
+            <pc:docMk/>
+            <pc:sldMk cId="3927742526" sldId="293"/>
+            <ac:picMk id="6" creationId="{C938C7BF-CADA-4A48-DABA-8697868D51CC}"/>
+          </ac:picMkLst>
+        </pc:picChg>
+      </pc:sldChg>
+      <pc:sldChg chg="addSp delSp modSp new">
+        <pc:chgData name="Guest User" userId="" providerId="Windows Live" clId="Web-{DCAB3DE6-78E2-491B-82E0-5937B8D459F5}" dt="2024-01-25T06:56:09.283" v="138" actId="1076"/>
+        <pc:sldMkLst>
+          <pc:docMk/>
+          <pc:sldMk cId="1450693995" sldId="294"/>
+        </pc:sldMkLst>
+        <pc:spChg chg="del">
+          <ac:chgData name="Guest User" userId="" providerId="Windows Live" clId="Web-{DCAB3DE6-78E2-491B-82E0-5937B8D459F5}" dt="2024-01-25T06:44:43.003" v="13"/>
+          <ac:spMkLst>
+            <pc:docMk/>
+            <pc:sldMk cId="1450693995" sldId="294"/>
+            <ac:spMk id="2" creationId="{8B2E137E-E989-47DE-9F82-5C064100D11E}"/>
+          </ac:spMkLst>
+        </pc:spChg>
+        <pc:spChg chg="del">
+          <ac:chgData name="Guest User" userId="" providerId="Windows Live" clId="Web-{DCAB3DE6-78E2-491B-82E0-5937B8D459F5}" dt="2024-01-25T06:44:46.675" v="14"/>
+          <ac:spMkLst>
+            <pc:docMk/>
+            <pc:sldMk cId="1450693995" sldId="294"/>
+            <ac:spMk id="3" creationId="{B73D3CBD-E9F9-414F-CE65-7950CB18EB00}"/>
+          </ac:spMkLst>
+        </pc:spChg>
+        <pc:spChg chg="add mod">
+          <ac:chgData name="Guest User" userId="" providerId="Windows Live" clId="Web-{DCAB3DE6-78E2-491B-82E0-5937B8D459F5}" dt="2024-01-25T06:55:36.923" v="119" actId="1076"/>
+          <ac:spMkLst>
+            <pc:docMk/>
+            <pc:sldMk cId="1450693995" sldId="294"/>
+            <ac:spMk id="8" creationId="{8DCAD648-0A7A-77EB-12C9-65B290D3FD74}"/>
+          </ac:spMkLst>
+        </pc:spChg>
+        <pc:spChg chg="add mod">
+          <ac:chgData name="Guest User" userId="" providerId="Windows Live" clId="Web-{DCAB3DE6-78E2-491B-82E0-5937B8D459F5}" dt="2024-01-25T06:56:09.283" v="138" actId="1076"/>
+          <ac:spMkLst>
+            <pc:docMk/>
+            <pc:sldMk cId="1450693995" sldId="294"/>
+            <ac:spMk id="10" creationId="{1D2A8B0E-12DE-9F49-0D48-3F0D72158221}"/>
+          </ac:spMkLst>
+        </pc:spChg>
+        <pc:picChg chg="add mod">
+          <ac:chgData name="Guest User" userId="" providerId="Windows Live" clId="Web-{DCAB3DE6-78E2-491B-82E0-5937B8D459F5}" dt="2024-01-25T06:45:01.238" v="16" actId="1076"/>
+          <ac:picMkLst>
+            <pc:docMk/>
+            <pc:sldMk cId="1450693995" sldId="294"/>
+            <ac:picMk id="5" creationId="{D3441529-1E7B-91FC-35C6-C79DACAB460B}"/>
+          </ac:picMkLst>
+        </pc:picChg>
+        <pc:picChg chg="add mod">
+          <ac:chgData name="Guest User" userId="" providerId="Windows Live" clId="Web-{DCAB3DE6-78E2-491B-82E0-5937B8D459F5}" dt="2024-01-25T06:45:25.379" v="18" actId="1076"/>
+          <ac:picMkLst>
+            <pc:docMk/>
+            <pc:sldMk cId="1450693995" sldId="294"/>
+            <ac:picMk id="6" creationId="{6A37230A-EBAC-0B65-A237-ACF2AE389C4E}"/>
+          </ac:picMkLst>
+        </pc:picChg>
+      </pc:sldChg>
+      <pc:sldChg chg="addSp delSp modSp new">
+        <pc:chgData name="Guest User" userId="" providerId="Windows Live" clId="Web-{DCAB3DE6-78E2-491B-82E0-5937B8D459F5}" dt="2024-01-25T06:57:17.112" v="158" actId="1076"/>
+        <pc:sldMkLst>
+          <pc:docMk/>
+          <pc:sldMk cId="4036988420" sldId="295"/>
+        </pc:sldMkLst>
+        <pc:spChg chg="del">
+          <ac:chgData name="Guest User" userId="" providerId="Windows Live" clId="Web-{DCAB3DE6-78E2-491B-82E0-5937B8D459F5}" dt="2024-01-25T06:45:36.020" v="20"/>
+          <ac:spMkLst>
+            <pc:docMk/>
+            <pc:sldMk cId="4036988420" sldId="295"/>
+            <ac:spMk id="2" creationId="{661176D9-842C-5062-B011-FB2CBE36393F}"/>
+          </ac:spMkLst>
+        </pc:spChg>
+        <pc:spChg chg="del">
+          <ac:chgData name="Guest User" userId="" providerId="Windows Live" clId="Web-{DCAB3DE6-78E2-491B-82E0-5937B8D459F5}" dt="2024-01-25T06:45:38.364" v="21"/>
+          <ac:spMkLst>
+            <pc:docMk/>
+            <pc:sldMk cId="4036988420" sldId="295"/>
+            <ac:spMk id="3" creationId="{2EB343F6-3BB1-8E66-D393-E73FEE319F50}"/>
+          </ac:spMkLst>
+        </pc:spChg>
+        <pc:spChg chg="add mod">
+          <ac:chgData name="Guest User" userId="" providerId="Windows Live" clId="Web-{DCAB3DE6-78E2-491B-82E0-5937B8D459F5}" dt="2024-01-25T06:56:52.049" v="154" actId="1076"/>
+          <ac:spMkLst>
+            <pc:docMk/>
+            <pc:sldMk cId="4036988420" sldId="295"/>
+            <ac:spMk id="8" creationId="{74EC54E4-0628-3941-5DA8-A6DB79B6D45B}"/>
+          </ac:spMkLst>
+        </pc:spChg>
+        <pc:spChg chg="add mod">
+          <ac:chgData name="Guest User" userId="" providerId="Windows Live" clId="Web-{DCAB3DE6-78E2-491B-82E0-5937B8D459F5}" dt="2024-01-25T06:57:17.112" v="158" actId="1076"/>
+          <ac:spMkLst>
+            <pc:docMk/>
+            <pc:sldMk cId="4036988420" sldId="295"/>
+            <ac:spMk id="10" creationId="{2FA9734D-4091-E3CC-8897-0C7FF37CD7CF}"/>
+          </ac:spMkLst>
+        </pc:spChg>
+        <pc:picChg chg="add mod">
+          <ac:chgData name="Guest User" userId="" providerId="Windows Live" clId="Web-{DCAB3DE6-78E2-491B-82E0-5937B8D459F5}" dt="2024-01-25T06:45:57.364" v="23" actId="1076"/>
+          <ac:picMkLst>
+            <pc:docMk/>
+            <pc:sldMk cId="4036988420" sldId="295"/>
+            <ac:picMk id="5" creationId="{50A1BB09-A834-9F68-0EF7-D7223ADE8FA5}"/>
+          </ac:picMkLst>
+        </pc:picChg>
+        <pc:picChg chg="add mod">
+          <ac:chgData name="Guest User" userId="" providerId="Windows Live" clId="Web-{DCAB3DE6-78E2-491B-82E0-5937B8D459F5}" dt="2024-01-25T06:46:08.161" v="25" actId="1076"/>
+          <ac:picMkLst>
+            <pc:docMk/>
+            <pc:sldMk cId="4036988420" sldId="295"/>
+            <ac:picMk id="6" creationId="{B87E8B34-0618-95B1-BF7F-B9E4C5B51115}"/>
+          </ac:picMkLst>
+        </pc:picChg>
+      </pc:sldChg>
+      <pc:sldChg chg="addSp delSp modSp new">
+        <pc:chgData name="Guest User" userId="" providerId="Windows Live" clId="Web-{DCAB3DE6-78E2-491B-82E0-5937B8D459F5}" dt="2024-01-25T06:58:19.864" v="172" actId="1076"/>
+        <pc:sldMkLst>
+          <pc:docMk/>
+          <pc:sldMk cId="4176955215" sldId="296"/>
+        </pc:sldMkLst>
+        <pc:spChg chg="del">
+          <ac:chgData name="Guest User" userId="" providerId="Windows Live" clId="Web-{DCAB3DE6-78E2-491B-82E0-5937B8D459F5}" dt="2024-01-25T06:46:38.256" v="27"/>
+          <ac:spMkLst>
+            <pc:docMk/>
+            <pc:sldMk cId="4176955215" sldId="296"/>
+            <ac:spMk id="2" creationId="{7AF9751F-ADA0-B904-DF67-CF07C00B6CB3}"/>
+          </ac:spMkLst>
+        </pc:spChg>
+        <pc:spChg chg="del">
+          <ac:chgData name="Guest User" userId="" providerId="Windows Live" clId="Web-{DCAB3DE6-78E2-491B-82E0-5937B8D459F5}" dt="2024-01-25T06:46:41.115" v="28"/>
+          <ac:spMkLst>
+            <pc:docMk/>
+            <pc:sldMk cId="4176955215" sldId="296"/>
+            <ac:spMk id="3" creationId="{F595816D-E99A-DE5C-1CE1-47BF41573DA6}"/>
+          </ac:spMkLst>
+        </pc:spChg>
+        <pc:spChg chg="add mod">
+          <ac:chgData name="Guest User" userId="" providerId="Windows Live" clId="Web-{DCAB3DE6-78E2-491B-82E0-5937B8D459F5}" dt="2024-01-25T06:58:19.864" v="172" actId="1076"/>
+          <ac:spMkLst>
+            <pc:docMk/>
+            <pc:sldMk cId="4176955215" sldId="296"/>
+            <ac:spMk id="7" creationId="{086FAD40-B454-4719-9F45-72402127ABFA}"/>
+          </ac:spMkLst>
+        </pc:spChg>
+        <pc:picChg chg="add mod">
+          <ac:chgData name="Guest User" userId="" providerId="Windows Live" clId="Web-{DCAB3DE6-78E2-491B-82E0-5937B8D459F5}" dt="2024-01-25T06:47:06.225" v="30" actId="1076"/>
+          <ac:picMkLst>
+            <pc:docMk/>
+            <pc:sldMk cId="4176955215" sldId="296"/>
+            <ac:picMk id="5" creationId="{1B3F7A74-C26B-AAD7-739C-DBD7FCCF64A1}"/>
+          </ac:picMkLst>
+        </pc:picChg>
+      </pc:sldChg>
+    </pc:docChg>
+  </pc:docChgLst>
+  <pc:docChgLst>
+    <pc:chgData name="Guest User" providerId="Windows Live" clId="Web-{A55ADF4E-7F23-4601-800D-DBB1B4E4AFEE}"/>
+    <pc:docChg chg="modSld">
+      <pc:chgData name="Guest User" userId="" providerId="Windows Live" clId="Web-{A55ADF4E-7F23-4601-800D-DBB1B4E4AFEE}" dt="2024-01-24T15:26:48.364" v="8" actId="20577"/>
+      <pc:docMkLst>
+        <pc:docMk/>
+      </pc:docMkLst>
+      <pc:sldChg chg="modSp">
+        <pc:chgData name="Guest User" userId="" providerId="Windows Live" clId="Web-{A55ADF4E-7F23-4601-800D-DBB1B4E4AFEE}" dt="2024-01-24T15:26:48.364" v="8" actId="20577"/>
+        <pc:sldMkLst>
+          <pc:docMk/>
+          <pc:sldMk cId="180968550" sldId="258"/>
+        </pc:sldMkLst>
+        <pc:spChg chg="mod">
+          <ac:chgData name="Guest User" userId="" providerId="Windows Live" clId="Web-{A55ADF4E-7F23-4601-800D-DBB1B4E4AFEE}" dt="2024-01-24T15:26:35.754" v="6" actId="20577"/>
+          <ac:spMkLst>
+            <pc:docMk/>
+            <pc:sldMk cId="180968550" sldId="258"/>
+            <ac:spMk id="3" creationId="{D4C2CEBC-82CD-4EB8-4BEC-66BBD0779301}"/>
+          </ac:spMkLst>
+        </pc:spChg>
+        <pc:spChg chg="mod">
+          <ac:chgData name="Guest User" userId="" providerId="Windows Live" clId="Web-{A55ADF4E-7F23-4601-800D-DBB1B4E4AFEE}" dt="2024-01-24T15:26:28.848" v="5" actId="20577"/>
+          <ac:spMkLst>
+            <pc:docMk/>
+            <pc:sldMk cId="180968550" sldId="258"/>
+            <ac:spMk id="13" creationId="{67C969EA-DFB6-E2F5-8E39-0E541FCFC802}"/>
+          </ac:spMkLst>
+        </pc:spChg>
+        <pc:spChg chg="mod">
+          <ac:chgData name="Guest User" userId="" providerId="Windows Live" clId="Web-{A55ADF4E-7F23-4601-800D-DBB1B4E4AFEE}" dt="2024-01-24T15:26:48.364" v="8" actId="20577"/>
+          <ac:spMkLst>
+            <pc:docMk/>
+            <pc:sldMk cId="180968550" sldId="258"/>
+            <ac:spMk id="14" creationId="{9B1BBA90-D3F1-DAF4-963E-C371007A7E17}"/>
+          </ac:spMkLst>
+        </pc:spChg>
+      </pc:sldChg>
+      <pc:sldChg chg="modSp">
+        <pc:chgData name="Guest User" userId="" providerId="Windows Live" clId="Web-{A55ADF4E-7F23-4601-800D-DBB1B4E4AFEE}" dt="2024-01-24T15:12:34.006" v="3" actId="14100"/>
+        <pc:sldMkLst>
+          <pc:docMk/>
+          <pc:sldMk cId="3453967955" sldId="288"/>
+        </pc:sldMkLst>
+        <pc:spChg chg="mod">
+          <ac:chgData name="Guest User" userId="" providerId="Windows Live" clId="Web-{A55ADF4E-7F23-4601-800D-DBB1B4E4AFEE}" dt="2024-01-24T15:12:34.006" v="3" actId="14100"/>
+          <ac:spMkLst>
+            <pc:docMk/>
+            <pc:sldMk cId="3453967955" sldId="288"/>
+            <ac:spMk id="10" creationId="{0EB7641D-DFA4-3D86-1467-CE2A0792FCA5}"/>
+          </ac:spMkLst>
+        </pc:spChg>
+      </pc:sldChg>
+    </pc:docChg>
+  </pc:docChgLst>
+  <pc:docChgLst>
+    <pc:chgData name="Guest User" providerId="Windows Live" clId="Web-{9AC465C2-A457-47AE-A836-BB987140744F}"/>
+    <pc:docChg chg="addSld delSld modSld sldOrd">
+      <pc:chgData name="Guest User" userId="" providerId="Windows Live" clId="Web-{9AC465C2-A457-47AE-A836-BB987140744F}" dt="2024-01-25T06:37:44.581" v="80"/>
+      <pc:docMkLst>
+        <pc:docMk/>
+      </pc:docMkLst>
+      <pc:sldChg chg="ord">
+        <pc:chgData name="Guest User" userId="" providerId="Windows Live" clId="Web-{9AC465C2-A457-47AE-A836-BB987140744F}" dt="2024-01-25T06:19:29.046" v="0"/>
+        <pc:sldMkLst>
+          <pc:docMk/>
+          <pc:sldMk cId="2360101881" sldId="274"/>
+        </pc:sldMkLst>
+      </pc:sldChg>
+      <pc:sldChg chg="modSp">
+        <pc:chgData name="Guest User" userId="" providerId="Windows Live" clId="Web-{9AC465C2-A457-47AE-A836-BB987140744F}" dt="2024-01-25T06:22:22.927" v="40"/>
+        <pc:sldMkLst>
+          <pc:docMk/>
+          <pc:sldMk cId="2022322490" sldId="289"/>
+        </pc:sldMkLst>
+        <pc:spChg chg="mod">
+          <ac:chgData name="Guest User" userId="" providerId="Windows Live" clId="Web-{9AC465C2-A457-47AE-A836-BB987140744F}" dt="2024-01-25T06:21:17.456" v="10" actId="1076"/>
+          <ac:spMkLst>
+            <pc:docMk/>
+            <pc:sldMk cId="2022322490" sldId="289"/>
+            <ac:spMk id="5" creationId="{4B0F72AA-4FCC-FF22-DB44-CC9A0854A533}"/>
+          </ac:spMkLst>
+        </pc:spChg>
+        <pc:graphicFrameChg chg="mod modGraphic">
+          <ac:chgData name="Guest User" userId="" providerId="Windows Live" clId="Web-{9AC465C2-A457-47AE-A836-BB987140744F}" dt="2024-01-25T06:22:22.927" v="40"/>
+          <ac:graphicFrameMkLst>
+            <pc:docMk/>
+            <pc:sldMk cId="2022322490" sldId="289"/>
+            <ac:graphicFrameMk id="4" creationId="{844DA423-0912-3C55-AE8F-74763E853AF4}"/>
+          </ac:graphicFrameMkLst>
+        </pc:graphicFrameChg>
+      </pc:sldChg>
+      <pc:sldChg chg="addSp delSp modSp new">
+        <pc:chgData name="Guest User" userId="" providerId="Windows Live" clId="Web-{9AC465C2-A457-47AE-A836-BB987140744F}" dt="2024-01-25T06:37:44.581" v="80"/>
+        <pc:sldMkLst>
+          <pc:docMk/>
+          <pc:sldMk cId="245740127" sldId="292"/>
+        </pc:sldMkLst>
+        <pc:spChg chg="del">
+          <ac:chgData name="Guest User" userId="" providerId="Windows Live" clId="Web-{9AC465C2-A457-47AE-A836-BB987140744F}" dt="2024-01-25T06:31:08.740" v="54"/>
+          <ac:spMkLst>
+            <pc:docMk/>
+            <pc:sldMk cId="245740127" sldId="292"/>
+            <ac:spMk id="2" creationId="{AB04F5D4-4769-2A00-56EB-87579A0CBF3E}"/>
+          </ac:spMkLst>
+        </pc:spChg>
+        <pc:spChg chg="del mod">
+          <ac:chgData name="Guest User" userId="" providerId="Windows Live" clId="Web-{9AC465C2-A457-47AE-A836-BB987140744F}" dt="2024-01-25T06:31:04.350" v="53"/>
+          <ac:spMkLst>
+            <pc:docMk/>
+            <pc:sldMk cId="245740127" sldId="292"/>
+            <ac:spMk id="3" creationId="{3F7C2327-A7B1-C7DF-2D63-05CDFA0A6F4F}"/>
+          </ac:spMkLst>
+        </pc:spChg>
+        <pc:spChg chg="add del mod">
+          <ac:chgData name="Guest User" userId="" providerId="Windows Live" clId="Web-{9AC465C2-A457-47AE-A836-BB987140744F}" dt="2024-01-25T06:36:43.767" v="68"/>
+          <ac:spMkLst>
+            <pc:docMk/>
+            <pc:sldMk cId="245740127" sldId="292"/>
+            <ac:spMk id="7" creationId="{72FE28A0-5EE9-C885-BA7C-D50E3C1280E4}"/>
+          </ac:spMkLst>
+        </pc:spChg>
+        <pc:spChg chg="add del">
+          <ac:chgData name="Guest User" userId="" providerId="Windows Live" clId="Web-{9AC465C2-A457-47AE-A836-BB987140744F}" dt="2024-01-25T06:36:50.189" v="70"/>
+          <ac:spMkLst>
+            <pc:docMk/>
+            <pc:sldMk cId="245740127" sldId="292"/>
+            <ac:spMk id="8" creationId="{FE4F8489-29AD-AB90-9153-B23CA0F3BAA0}"/>
+          </ac:spMkLst>
+        </pc:spChg>
+        <pc:spChg chg="add del">
+          <ac:chgData name="Guest User" userId="" providerId="Windows Live" clId="Web-{9AC465C2-A457-47AE-A836-BB987140744F}" dt="2024-01-25T06:36:50.251" v="72"/>
+          <ac:spMkLst>
+            <pc:docMk/>
+            <pc:sldMk cId="245740127" sldId="292"/>
+            <ac:spMk id="9" creationId="{81B42C36-ECAB-8976-2F9E-0360FE497778}"/>
+          </ac:spMkLst>
+        </pc:spChg>
+        <pc:spChg chg="add del">
+          <ac:chgData name="Guest User" userId="" providerId="Windows Live" clId="Web-{9AC465C2-A457-47AE-A836-BB987140744F}" dt="2024-01-25T06:37:09.283" v="76"/>
+          <ac:spMkLst>
+            <pc:docMk/>
+            <pc:sldMk cId="245740127" sldId="292"/>
+            <ac:spMk id="10" creationId="{0E4B9A8B-472C-933B-3822-5FB8F4BC7BD6}"/>
+          </ac:spMkLst>
+        </pc:spChg>
+        <pc:spChg chg="add del">
+          <ac:chgData name="Guest User" userId="" providerId="Windows Live" clId="Web-{9AC465C2-A457-47AE-A836-BB987140744F}" dt="2024-01-25T06:37:44.503" v="78"/>
+          <ac:spMkLst>
+            <pc:docMk/>
+            <pc:sldMk cId="245740127" sldId="292"/>
+            <ac:spMk id="11" creationId="{A7A9FAE1-F3F4-DC56-A866-63FFA0EFE7AD}"/>
+          </ac:spMkLst>
+        </pc:spChg>
+        <pc:spChg chg="add del">
+          <ac:chgData name="Guest User" userId="" providerId="Windows Live" clId="Web-{9AC465C2-A457-47AE-A836-BB987140744F}" dt="2024-01-25T06:37:44.581" v="80"/>
+          <ac:spMkLst>
+            <pc:docMk/>
+            <pc:sldMk cId="245740127" sldId="292"/>
+            <ac:spMk id="12" creationId="{6269B2B4-DA3F-71B1-CD88-0C5AC6551860}"/>
+          </ac:spMkLst>
+        </pc:spChg>
+        <pc:picChg chg="add mod">
+          <ac:chgData name="Guest User" userId="" providerId="Windows Live" clId="Web-{9AC465C2-A457-47AE-A836-BB987140744F}" dt="2024-01-25T06:36:50.392" v="73" actId="1076"/>
+          <ac:picMkLst>
+            <pc:docMk/>
+            <pc:sldMk cId="245740127" sldId="292"/>
+            <ac:picMk id="5" creationId="{4796CC66-7BA2-4147-55BB-05AC018EC0AD}"/>
+          </ac:picMkLst>
+        </pc:picChg>
+        <pc:picChg chg="add mod">
+          <ac:chgData name="Guest User" userId="" providerId="Windows Live" clId="Web-{9AC465C2-A457-47AE-A836-BB987140744F}" dt="2024-01-25T06:36:50.548" v="74" actId="1076"/>
+          <ac:picMkLst>
+            <pc:docMk/>
+            <pc:sldMk cId="245740127" sldId="292"/>
+            <ac:picMk id="6" creationId="{55E406D5-DB36-3B99-D2AF-A39228412374}"/>
+          </ac:picMkLst>
+        </pc:picChg>
+      </pc:sldChg>
+      <pc:sldChg chg="addSp delSp modSp del mod setBg modClrScheme delDesignElem chgLayout">
+        <pc:chgData name="Guest User" userId="" providerId="Windows Live" clId="Web-{9AC465C2-A457-47AE-A836-BB987140744F}" dt="2024-01-25T06:29:26.518" v="50"/>
+        <pc:sldMkLst>
+          <pc:docMk/>
+          <pc:sldMk cId="2702413930" sldId="292"/>
+        </pc:sldMkLst>
+        <pc:spChg chg="mod ord">
+          <ac:chgData name="Guest User" userId="" providerId="Windows Live" clId="Web-{9AC465C2-A457-47AE-A836-BB987140744F}" dt="2024-01-25T06:29:03.471" v="49"/>
+          <ac:spMkLst>
+            <pc:docMk/>
+            <pc:sldMk cId="2702413930" sldId="292"/>
+            <ac:spMk id="2" creationId="{0EBCF05E-26AC-4997-03A2-368F994FE9A3}"/>
+          </ac:spMkLst>
+        </pc:spChg>
+        <pc:spChg chg="del mod">
+          <ac:chgData name="Guest User" userId="" providerId="Windows Live" clId="Web-{9AC465C2-A457-47AE-A836-BB987140744F}" dt="2024-01-25T06:27:49.046" v="42"/>
+          <ac:spMkLst>
+            <pc:docMk/>
+            <pc:sldMk cId="2702413930" sldId="292"/>
+            <ac:spMk id="3" creationId="{2DEE36A2-951D-F7B3-1F3B-90A906BBF6F0}"/>
+          </ac:spMkLst>
+        </pc:spChg>
+        <pc:spChg chg="mod ord">
+          <ac:chgData name="Guest User" userId="" providerId="Windows Live" clId="Web-{9AC465C2-A457-47AE-A836-BB987140744F}" dt="2024-01-25T06:29:03.471" v="49"/>
+          <ac:spMkLst>
+            <pc:docMk/>
+            <pc:sldMk cId="2702413930" sldId="292"/>
+            <ac:spMk id="4" creationId="{41A2786F-F7B8-808F-BF38-C966D644A750}"/>
+          </ac:spMkLst>
+        </pc:spChg>
+        <pc:spChg chg="add del">
+          <ac:chgData name="Guest User" userId="" providerId="Windows Live" clId="Web-{9AC465C2-A457-47AE-A836-BB987140744F}" dt="2024-01-25T06:28:29.126" v="45"/>
+          <ac:spMkLst>
+            <pc:docMk/>
+            <pc:sldMk cId="2702413930" sldId="292"/>
+            <ac:spMk id="10" creationId="{D4771268-CB57-404A-9271-370EB28F6090}"/>
+          </ac:spMkLst>
+        </pc:spChg>
+        <pc:spChg chg="add del">
+          <ac:chgData name="Guest User" userId="" providerId="Windows Live" clId="Web-{9AC465C2-A457-47AE-A836-BB987140744F}" dt="2024-01-25T06:28:31.985" v="47"/>
+          <ac:spMkLst>
+            <pc:docMk/>
+            <pc:sldMk cId="2702413930" sldId="292"/>
+            <ac:spMk id="12" creationId="{F49775AF-8896-43EE-92C6-83497D6DC56F}"/>
+          </ac:spMkLst>
+        </pc:spChg>
+        <pc:spChg chg="add del">
+          <ac:chgData name="Guest User" userId="" providerId="Windows Live" clId="Web-{9AC465C2-A457-47AE-A836-BB987140744F}" dt="2024-01-25T06:28:31.985" v="47"/>
+          <ac:spMkLst>
+            <pc:docMk/>
+            <pc:sldMk cId="2702413930" sldId="292"/>
+            <ac:spMk id="13" creationId="{9B7AD9F6-8CE7-4299-8FC6-328F4DCD3FF9}"/>
+          </ac:spMkLst>
+        </pc:spChg>
+        <pc:spChg chg="add del">
+          <ac:chgData name="Guest User" userId="" providerId="Windows Live" clId="Web-{9AC465C2-A457-47AE-A836-BB987140744F}" dt="2024-01-25T06:29:03.471" v="49"/>
+          <ac:spMkLst>
+            <pc:docMk/>
+            <pc:sldMk cId="2702413930" sldId="292"/>
+            <ac:spMk id="15" creationId="{D4771268-CB57-404A-9271-370EB28F6090}"/>
+          </ac:spMkLst>
+        </pc:spChg>
+        <pc:picChg chg="add mod ord">
+          <ac:chgData name="Guest User" userId="" providerId="Windows Live" clId="Web-{9AC465C2-A457-47AE-A836-BB987140744F}" dt="2024-01-25T06:29:03.471" v="49"/>
+          <ac:picMkLst>
+            <pc:docMk/>
+            <pc:sldMk cId="2702413930" sldId="292"/>
+            <ac:picMk id="5" creationId="{F6E8DE63-579F-338A-0F96-F1CA04A66652}"/>
+          </ac:picMkLst>
+        </pc:picChg>
+      </pc:sldChg>
+    </pc:docChg>
+  </pc:docChgLst>
+</pc:chgInfo>
 </file>
 
 <file path=ppt/handoutMasters/handoutMaster1.xml><?xml version="1.0" encoding="utf-8"?>
@@ -250,7 +8331,7 @@
           <a:p>
             <a:fld id="{91092CAC-6A7D-4DA1-9377-97681900CF11}" type="datetimeFigureOut">
               <a:rPr lang="en-IN" smtClean="0"/>
-              <a:t>01-02-2024</a:t>
+              <a:t>21-02-2024</a:t>
             </a:fld>
             <a:endParaRPr lang="en-IN"/>
           </a:p>
@@ -428,7 +8509,7 @@
           <a:p>
             <a:fld id="{EE549CD9-F3F5-402B-90AC-0C9BB7F64101}" type="datetimeFigureOut">
               <a:rPr lang="en-IN" smtClean="0"/>
-              <a:t>01-02-2024</a:t>
+              <a:t>21-02-2024</a:t>
             </a:fld>
             <a:endParaRPr lang="en-IN"/>
           </a:p>
@@ -826,7 +8907,7 @@
           <a:p>
             <a:fld id="{6E540C46-7918-4C36-A395-6575F5435E26}" type="datetime1">
               <a:rPr lang="en-US" smtClean="0"/>
-              <a:t>2/1/2024</a:t>
+              <a:t>2/21/2024</a:t>
             </a:fld>
             <a:endParaRPr lang="en-US"/>
           </a:p>
@@ -995,7 +9076,7 @@
           <a:p>
             <a:fld id="{831B1010-E97A-46A7-923C-965B1D49A0F5}" type="datetime1">
               <a:rPr lang="en-US" smtClean="0"/>
-              <a:t>2/1/2024</a:t>
+              <a:t>2/21/2024</a:t>
             </a:fld>
             <a:endParaRPr lang="en-US"/>
           </a:p>
@@ -1174,7 +9255,7 @@
           <a:p>
             <a:fld id="{D4245ECD-DDA1-4A4F-9C47-80DC74F9E802}" type="datetime1">
               <a:rPr lang="en-US" smtClean="0"/>
-              <a:t>2/1/2024</a:t>
+              <a:t>2/21/2024</a:t>
             </a:fld>
             <a:endParaRPr lang="en-US"/>
           </a:p>
@@ -1343,7 +9424,7 @@
           <a:p>
             <a:fld id="{0218DD15-6680-43E4-A6C0-DDFCCF82CFDA}" type="datetime1">
               <a:rPr lang="en-US" smtClean="0"/>
-              <a:t>2/1/2024</a:t>
+              <a:t>2/21/2024</a:t>
             </a:fld>
             <a:endParaRPr lang="en-US"/>
           </a:p>
@@ -1589,7 +9670,7 @@
           <a:p>
             <a:fld id="{73B3A851-8D12-4566-A263-62186638AEDD}" type="datetime1">
               <a:rPr lang="en-US" smtClean="0"/>
-              <a:t>2/1/2024</a:t>
+              <a:t>2/21/2024</a:t>
             </a:fld>
             <a:endParaRPr lang="en-US"/>
           </a:p>
@@ -1819,7 +9900,7 @@
           <a:p>
             <a:fld id="{96302A0D-6FD0-4375-BCF8-EAE757FAB0FC}" type="datetime1">
               <a:rPr lang="en-US" smtClean="0"/>
-              <a:t>2/1/2024</a:t>
+              <a:t>2/21/2024</a:t>
             </a:fld>
             <a:endParaRPr lang="en-US"/>
           </a:p>
@@ -2184,7 +10265,7 @@
           <a:p>
             <a:fld id="{43F752F4-44C0-4EB6-8FF3-6078D6E56C95}" type="datetime1">
               <a:rPr lang="en-US" smtClean="0"/>
-              <a:t>2/1/2024</a:t>
+              <a:t>2/21/2024</a:t>
             </a:fld>
             <a:endParaRPr lang="en-US"/>
           </a:p>
@@ -2302,7 +10383,7 @@
           <a:p>
             <a:fld id="{1F1772DE-6E7C-4B3D-A080-1873C0A8049F}" type="datetime1">
               <a:rPr lang="en-US" smtClean="0"/>
-              <a:t>2/1/2024</a:t>
+              <a:t>2/21/2024</a:t>
             </a:fld>
             <a:endParaRPr lang="en-US"/>
           </a:p>
@@ -2398,7 +10479,7 @@
           <a:p>
             <a:fld id="{E705DB3F-96F9-44D2-80BB-129AF3606AD9}" type="datetime1">
               <a:rPr lang="en-US" smtClean="0"/>
-              <a:t>2/1/2024</a:t>
+              <a:t>2/21/2024</a:t>
             </a:fld>
             <a:endParaRPr lang="en-US"/>
           </a:p>
@@ -2674,7 +10755,7 @@
           <a:p>
             <a:fld id="{781F69FF-BF67-4D0C-AE96-C89AC179BB68}" type="datetime1">
               <a:rPr lang="en-US" smtClean="0"/>
-              <a:t>2/1/2024</a:t>
+              <a:t>2/21/2024</a:t>
             </a:fld>
             <a:endParaRPr lang="en-US"/>
           </a:p>
@@ -2930,7 +11011,7 @@
           <a:p>
             <a:fld id="{605681EE-5EC3-4E60-89EC-A69D4EFDFDD9}" type="datetime1">
               <a:rPr lang="en-US" smtClean="0"/>
-              <a:t>2/1/2024</a:t>
+              <a:t>2/21/2024</a:t>
             </a:fld>
             <a:endParaRPr lang="en-US"/>
           </a:p>
@@ -3147,7 +11228,7 @@
           <a:p>
             <a:fld id="{09DFFC87-EC23-440E-BB52-FEC686C44C88}" type="datetime1">
               <a:rPr lang="en-US" smtClean="0"/>
-              <a:t>2/1/2024</a:t>
+              <a:t>2/21/2024</a:t>
             </a:fld>
             <a:endParaRPr lang="en-US"/>
           </a:p>
@@ -5079,7 +13160,7 @@
           <a:lstStyle/>
           <a:p>
             <a:r>
-              <a:rPr lang="en-US" sz="4400"/>
+              <a:rPr lang="en-US" sz="4400" dirty="0"/>
               <a:t>REGRESSION PROJECT</a:t>
             </a:r>
           </a:p>
@@ -6063,228 +14144,6 @@
           <a:chExt cx="0" cy="0"/>
         </a:xfrm>
       </p:grpSpPr>
-      <p:sp>
-        <p:nvSpPr>
-          <p:cNvPr id="4" name="Slide Number Placeholder 3">
-            <a:extLst>
-              <a:ext uri="{FF2B5EF4-FFF2-40B4-BE49-F238E27FC236}">
-                <a16:creationId xmlns:a16="http://schemas.microsoft.com/office/drawing/2014/main" id="{C131592A-91D8-A430-7E92-ED629F4746EB}"/>
-              </a:ext>
-            </a:extLst>
-          </p:cNvPr>
-          <p:cNvSpPr>
-            <a:spLocks noGrp="1"/>
-          </p:cNvSpPr>
-          <p:nvPr>
-            <p:ph type="sldNum" sz="quarter" idx="12"/>
-          </p:nvPr>
-        </p:nvSpPr>
-        <p:spPr>
-          <a:xfrm>
-            <a:off x="9449348" y="6493400"/>
-            <a:ext cx="2743200" cy="365125"/>
-          </a:xfrm>
-        </p:spPr>
-        <p:txBody>
-          <a:bodyPr/>
-          <a:lstStyle/>
-          <a:p>
-            <a:fld id="{4FAB73BC-B049-4115-A692-8D63A059BFB8}" type="slidenum">
-              <a:rPr lang="en-US" sz="2000" dirty="0" smtClean="0">
-                <a:solidFill>
-                  <a:srgbClr val="000000"/>
-                </a:solidFill>
-                <a:latin typeface="Arial Black"/>
-              </a:rPr>
-              <a:pPr/>
-              <a:t>14</a:t>
-            </a:fld>
-            <a:endParaRPr lang="en-US" sz="2000">
-              <a:solidFill>
-                <a:srgbClr val="000000"/>
-              </a:solidFill>
-              <a:latin typeface="Arial Black"/>
-            </a:endParaRPr>
-          </a:p>
-        </p:txBody>
-      </p:sp>
-      <p:pic>
-        <p:nvPicPr>
-          <p:cNvPr id="5" name="Picture 4">
-            <a:extLst>
-              <a:ext uri="{FF2B5EF4-FFF2-40B4-BE49-F238E27FC236}">
-                <a16:creationId xmlns:a16="http://schemas.microsoft.com/office/drawing/2014/main" id="{1B3F7A74-C26B-AAD7-739C-DBD7FCCF64A1}"/>
-              </a:ext>
-            </a:extLst>
-          </p:cNvPr>
-          <p:cNvPicPr>
-            <a:picLocks noChangeAspect="1"/>
-          </p:cNvPicPr>
-          <p:nvPr/>
-        </p:nvPicPr>
-        <p:blipFill>
-          <a:blip r:embed="rId2"/>
-          <a:stretch>
-            <a:fillRect/>
-          </a:stretch>
-        </p:blipFill>
-        <p:spPr>
-          <a:xfrm>
-            <a:off x="949526" y="1371600"/>
-            <a:ext cx="4700016" cy="4114800"/>
-          </a:xfrm>
-          <a:prstGeom prst="rect">
-            <a:avLst/>
-          </a:prstGeom>
-        </p:spPr>
-      </p:pic>
-      <p:sp>
-        <p:nvSpPr>
-          <p:cNvPr id="7" name="TextBox 6">
-            <a:extLst>
-              <a:ext uri="{FF2B5EF4-FFF2-40B4-BE49-F238E27FC236}">
-                <a16:creationId xmlns:a16="http://schemas.microsoft.com/office/drawing/2014/main" id="{086FAD40-B454-4719-9F45-72402127ABFA}"/>
-              </a:ext>
-            </a:extLst>
-          </p:cNvPr>
-          <p:cNvSpPr txBox="1"/>
-          <p:nvPr/>
-        </p:nvSpPr>
-        <p:spPr>
-          <a:xfrm>
-            <a:off x="2116058" y="592057"/>
-            <a:ext cx="2664258" cy="523220"/>
-          </a:xfrm>
-          <a:prstGeom prst="rect">
-            <a:avLst/>
-          </a:prstGeom>
-          <a:noFill/>
-        </p:spPr>
-        <p:txBody>
-          <a:bodyPr rot="0" spcFirstLastPara="0" vertOverflow="overflow" horzOverflow="overflow" vert="horz" wrap="square" lIns="91440" tIns="45720" rIns="91440" bIns="45720" numCol="1" spcCol="0" rtlCol="0" fromWordArt="0" anchor="t" anchorCtr="0" forceAA="0" compatLnSpc="1">
-            <a:prstTxWarp prst="textNoShape">
-              <a:avLst/>
-            </a:prstTxWarp>
-            <a:spAutoFit/>
-          </a:bodyPr>
-          <a:lstStyle/>
-          <a:p>
-            <a:pPr algn="l"/>
-            <a:r>
-              <a:rPr lang="en-US" sz="2800">
-                <a:cs typeface="Calibri"/>
-              </a:rPr>
-              <a:t>CC_STRENGTH</a:t>
-            </a:r>
-          </a:p>
-        </p:txBody>
-      </p:sp>
-      <p:sp>
-        <p:nvSpPr>
-          <p:cNvPr id="2" name="TextBox 1">
-            <a:extLst>
-              <a:ext uri="{FF2B5EF4-FFF2-40B4-BE49-F238E27FC236}">
-                <a16:creationId xmlns:a16="http://schemas.microsoft.com/office/drawing/2014/main" id="{B6FD1327-08F4-0F79-036E-8416596C3292}"/>
-              </a:ext>
-            </a:extLst>
-          </p:cNvPr>
-          <p:cNvSpPr txBox="1"/>
-          <p:nvPr/>
-        </p:nvSpPr>
-        <p:spPr>
-          <a:xfrm>
-            <a:off x="6743566" y="1105287"/>
-            <a:ext cx="3332376" cy="769441"/>
-          </a:xfrm>
-          <a:prstGeom prst="rect">
-            <a:avLst/>
-          </a:prstGeom>
-          <a:noFill/>
-        </p:spPr>
-        <p:txBody>
-          <a:bodyPr wrap="square" rtlCol="0">
-            <a:spAutoFit/>
-          </a:bodyPr>
-          <a:lstStyle/>
-          <a:p>
-            <a:pPr marL="685800" indent="-685800">
-              <a:buFont typeface="Wingdings" panose="05000000000000000000" pitchFamily="2" charset="2"/>
-              <a:buChar char="v"/>
-            </a:pPr>
-            <a:r>
-              <a:rPr lang="en-US" sz="4400"/>
-              <a:t>Box plot</a:t>
-            </a:r>
-            <a:endParaRPr lang="en-IN" sz="1600"/>
-          </a:p>
-        </p:txBody>
-      </p:sp>
-      <p:sp>
-        <p:nvSpPr>
-          <p:cNvPr id="3" name="TextBox 2">
-            <a:extLst>
-              <a:ext uri="{FF2B5EF4-FFF2-40B4-BE49-F238E27FC236}">
-                <a16:creationId xmlns:a16="http://schemas.microsoft.com/office/drawing/2014/main" id="{360618B3-6261-E605-403D-2DD1EDCFD709}"/>
-              </a:ext>
-            </a:extLst>
-          </p:cNvPr>
-          <p:cNvSpPr txBox="1"/>
-          <p:nvPr/>
-        </p:nvSpPr>
-        <p:spPr>
-          <a:xfrm>
-            <a:off x="7454096" y="1874728"/>
-            <a:ext cx="4166886" cy="1938992"/>
-          </a:xfrm>
-          <a:prstGeom prst="rect">
-            <a:avLst/>
-          </a:prstGeom>
-          <a:noFill/>
-        </p:spPr>
-        <p:txBody>
-          <a:bodyPr wrap="square" lIns="91440" tIns="45720" rIns="91440" bIns="45720" rtlCol="0" anchor="t">
-            <a:spAutoFit/>
-          </a:bodyPr>
-          <a:lstStyle/>
-          <a:p>
-            <a:r>
-              <a:rPr lang="en-US" sz="2400"/>
-              <a:t>It is a simple way to visualize the shape of our data. It makes comparing characteristics of data between categories very easy.</a:t>
-            </a:r>
-            <a:endParaRPr lang="en-IN" sz="2400"/>
-          </a:p>
-        </p:txBody>
-      </p:sp>
-    </p:spTree>
-    <p:extLst>
-      <p:ext uri="{BB962C8B-B14F-4D97-AF65-F5344CB8AC3E}">
-        <p14:creationId xmlns:p14="http://schemas.microsoft.com/office/powerpoint/2010/main" val="4176955215"/>
-      </p:ext>
-    </p:extLst>
-  </p:cSld>
-  <p:clrMapOvr>
-    <a:masterClrMapping/>
-  </p:clrMapOvr>
-</p:sld>
-</file>
-
-<file path=ppt/slides/slide15.xml><?xml version="1.0" encoding="utf-8"?>
-<p:sld xmlns:a="http://schemas.openxmlformats.org/drawingml/2006/main" xmlns:r="http://schemas.openxmlformats.org/officeDocument/2006/relationships" xmlns:p="http://schemas.openxmlformats.org/presentationml/2006/main">
-  <p:cSld>
-    <p:spTree>
-      <p:nvGrpSpPr>
-        <p:cNvPr id="1" name=""/>
-        <p:cNvGrpSpPr/>
-        <p:nvPr/>
-      </p:nvGrpSpPr>
-      <p:grpSpPr>
-        <a:xfrm>
-          <a:off x="0" y="0"/>
-          <a:ext cx="0" cy="0"/>
-          <a:chOff x="0" y="0"/>
-          <a:chExt cx="0" cy="0"/>
-        </a:xfrm>
-      </p:grpSpPr>
       <p:pic>
         <p:nvPicPr>
           <p:cNvPr id="6146" name="Picture 2">
@@ -6568,7 +14427,7 @@
                 <a:latin typeface="Arial Black"/>
               </a:rPr>
               <a:pPr/>
-              <a:t>15</a:t>
+              <a:t>14</a:t>
             </a:fld>
             <a:endParaRPr lang="en-US" sz="2000" b="1">
               <a:solidFill>
@@ -6583,6 +14442,228 @@
     <p:extLst>
       <p:ext uri="{BB962C8B-B14F-4D97-AF65-F5344CB8AC3E}">
         <p14:creationId xmlns:p14="http://schemas.microsoft.com/office/powerpoint/2010/main" val="2941569670"/>
+      </p:ext>
+    </p:extLst>
+  </p:cSld>
+  <p:clrMapOvr>
+    <a:masterClrMapping/>
+  </p:clrMapOvr>
+</p:sld>
+</file>
+
+<file path=ppt/slides/slide15.xml><?xml version="1.0" encoding="utf-8"?>
+<p:sld xmlns:a="http://schemas.openxmlformats.org/drawingml/2006/main" xmlns:r="http://schemas.openxmlformats.org/officeDocument/2006/relationships" xmlns:p="http://schemas.openxmlformats.org/presentationml/2006/main">
+  <p:cSld>
+    <p:spTree>
+      <p:nvGrpSpPr>
+        <p:cNvPr id="1" name=""/>
+        <p:cNvGrpSpPr/>
+        <p:nvPr/>
+      </p:nvGrpSpPr>
+      <p:grpSpPr>
+        <a:xfrm>
+          <a:off x="0" y="0"/>
+          <a:ext cx="0" cy="0"/>
+          <a:chOff x="0" y="0"/>
+          <a:chExt cx="0" cy="0"/>
+        </a:xfrm>
+      </p:grpSpPr>
+      <p:sp>
+        <p:nvSpPr>
+          <p:cNvPr id="4" name="Slide Number Placeholder 3">
+            <a:extLst>
+              <a:ext uri="{FF2B5EF4-FFF2-40B4-BE49-F238E27FC236}">
+                <a16:creationId xmlns:a16="http://schemas.microsoft.com/office/drawing/2014/main" id="{C131592A-91D8-A430-7E92-ED629F4746EB}"/>
+              </a:ext>
+            </a:extLst>
+          </p:cNvPr>
+          <p:cNvSpPr>
+            <a:spLocks noGrp="1"/>
+          </p:cNvSpPr>
+          <p:nvPr>
+            <p:ph type="sldNum" sz="quarter" idx="12"/>
+          </p:nvPr>
+        </p:nvSpPr>
+        <p:spPr>
+          <a:xfrm>
+            <a:off x="9449348" y="6493400"/>
+            <a:ext cx="2743200" cy="365125"/>
+          </a:xfrm>
+        </p:spPr>
+        <p:txBody>
+          <a:bodyPr/>
+          <a:lstStyle/>
+          <a:p>
+            <a:fld id="{4FAB73BC-B049-4115-A692-8D63A059BFB8}" type="slidenum">
+              <a:rPr lang="en-US" sz="2000" dirty="0" smtClean="0">
+                <a:solidFill>
+                  <a:srgbClr val="000000"/>
+                </a:solidFill>
+                <a:latin typeface="Arial Black"/>
+              </a:rPr>
+              <a:pPr/>
+              <a:t>15</a:t>
+            </a:fld>
+            <a:endParaRPr lang="en-US" sz="2000">
+              <a:solidFill>
+                <a:srgbClr val="000000"/>
+              </a:solidFill>
+              <a:latin typeface="Arial Black"/>
+            </a:endParaRPr>
+          </a:p>
+        </p:txBody>
+      </p:sp>
+      <p:pic>
+        <p:nvPicPr>
+          <p:cNvPr id="5" name="Picture 4">
+            <a:extLst>
+              <a:ext uri="{FF2B5EF4-FFF2-40B4-BE49-F238E27FC236}">
+                <a16:creationId xmlns:a16="http://schemas.microsoft.com/office/drawing/2014/main" id="{1B3F7A74-C26B-AAD7-739C-DBD7FCCF64A1}"/>
+              </a:ext>
+            </a:extLst>
+          </p:cNvPr>
+          <p:cNvPicPr>
+            <a:picLocks noChangeAspect="1"/>
+          </p:cNvPicPr>
+          <p:nvPr/>
+        </p:nvPicPr>
+        <p:blipFill>
+          <a:blip r:embed="rId2"/>
+          <a:stretch>
+            <a:fillRect/>
+          </a:stretch>
+        </p:blipFill>
+        <p:spPr>
+          <a:xfrm>
+            <a:off x="949526" y="1371600"/>
+            <a:ext cx="4700016" cy="4114800"/>
+          </a:xfrm>
+          <a:prstGeom prst="rect">
+            <a:avLst/>
+          </a:prstGeom>
+        </p:spPr>
+      </p:pic>
+      <p:sp>
+        <p:nvSpPr>
+          <p:cNvPr id="7" name="TextBox 6">
+            <a:extLst>
+              <a:ext uri="{FF2B5EF4-FFF2-40B4-BE49-F238E27FC236}">
+                <a16:creationId xmlns:a16="http://schemas.microsoft.com/office/drawing/2014/main" id="{086FAD40-B454-4719-9F45-72402127ABFA}"/>
+              </a:ext>
+            </a:extLst>
+          </p:cNvPr>
+          <p:cNvSpPr txBox="1"/>
+          <p:nvPr/>
+        </p:nvSpPr>
+        <p:spPr>
+          <a:xfrm>
+            <a:off x="2116058" y="592057"/>
+            <a:ext cx="2664258" cy="523220"/>
+          </a:xfrm>
+          <a:prstGeom prst="rect">
+            <a:avLst/>
+          </a:prstGeom>
+          <a:noFill/>
+        </p:spPr>
+        <p:txBody>
+          <a:bodyPr rot="0" spcFirstLastPara="0" vertOverflow="overflow" horzOverflow="overflow" vert="horz" wrap="square" lIns="91440" tIns="45720" rIns="91440" bIns="45720" numCol="1" spcCol="0" rtlCol="0" fromWordArt="0" anchor="t" anchorCtr="0" forceAA="0" compatLnSpc="1">
+            <a:prstTxWarp prst="textNoShape">
+              <a:avLst/>
+            </a:prstTxWarp>
+            <a:spAutoFit/>
+          </a:bodyPr>
+          <a:lstStyle/>
+          <a:p>
+            <a:pPr algn="l"/>
+            <a:r>
+              <a:rPr lang="en-US" sz="2800">
+                <a:cs typeface="Calibri"/>
+              </a:rPr>
+              <a:t>CC_STRENGTH</a:t>
+            </a:r>
+          </a:p>
+        </p:txBody>
+      </p:sp>
+      <p:sp>
+        <p:nvSpPr>
+          <p:cNvPr id="2" name="TextBox 1">
+            <a:extLst>
+              <a:ext uri="{FF2B5EF4-FFF2-40B4-BE49-F238E27FC236}">
+                <a16:creationId xmlns:a16="http://schemas.microsoft.com/office/drawing/2014/main" id="{B6FD1327-08F4-0F79-036E-8416596C3292}"/>
+              </a:ext>
+            </a:extLst>
+          </p:cNvPr>
+          <p:cNvSpPr txBox="1"/>
+          <p:nvPr/>
+        </p:nvSpPr>
+        <p:spPr>
+          <a:xfrm>
+            <a:off x="6743566" y="1105287"/>
+            <a:ext cx="3332376" cy="769441"/>
+          </a:xfrm>
+          <a:prstGeom prst="rect">
+            <a:avLst/>
+          </a:prstGeom>
+          <a:noFill/>
+        </p:spPr>
+        <p:txBody>
+          <a:bodyPr wrap="square" rtlCol="0">
+            <a:spAutoFit/>
+          </a:bodyPr>
+          <a:lstStyle/>
+          <a:p>
+            <a:pPr marL="685800" indent="-685800">
+              <a:buFont typeface="Wingdings" panose="05000000000000000000" pitchFamily="2" charset="2"/>
+              <a:buChar char="v"/>
+            </a:pPr>
+            <a:r>
+              <a:rPr lang="en-US" sz="4400"/>
+              <a:t>Box plot</a:t>
+            </a:r>
+            <a:endParaRPr lang="en-IN" sz="1600"/>
+          </a:p>
+        </p:txBody>
+      </p:sp>
+      <p:sp>
+        <p:nvSpPr>
+          <p:cNvPr id="3" name="TextBox 2">
+            <a:extLst>
+              <a:ext uri="{FF2B5EF4-FFF2-40B4-BE49-F238E27FC236}">
+                <a16:creationId xmlns:a16="http://schemas.microsoft.com/office/drawing/2014/main" id="{360618B3-6261-E605-403D-2DD1EDCFD709}"/>
+              </a:ext>
+            </a:extLst>
+          </p:cNvPr>
+          <p:cNvSpPr txBox="1"/>
+          <p:nvPr/>
+        </p:nvSpPr>
+        <p:spPr>
+          <a:xfrm>
+            <a:off x="7454096" y="1874728"/>
+            <a:ext cx="4166886" cy="1938992"/>
+          </a:xfrm>
+          <a:prstGeom prst="rect">
+            <a:avLst/>
+          </a:prstGeom>
+          <a:noFill/>
+        </p:spPr>
+        <p:txBody>
+          <a:bodyPr wrap="square" lIns="91440" tIns="45720" rIns="91440" bIns="45720" rtlCol="0" anchor="t">
+            <a:spAutoFit/>
+          </a:bodyPr>
+          <a:lstStyle/>
+          <a:p>
+            <a:r>
+              <a:rPr lang="en-US" sz="2400"/>
+              <a:t>It is a simple way to visualize the shape of our data. It makes comparing characteristics of data between categories very easy.</a:t>
+            </a:r>
+            <a:endParaRPr lang="en-IN" sz="2400"/>
+          </a:p>
+        </p:txBody>
+      </p:sp>
+    </p:spTree>
+    <p:extLst>
+      <p:ext uri="{BB962C8B-B14F-4D97-AF65-F5344CB8AC3E}">
+        <p14:creationId xmlns:p14="http://schemas.microsoft.com/office/powerpoint/2010/main" val="4176955215"/>
       </p:ext>
     </p:extLst>
   </p:cSld>
